--- a/App And Page Lifecycle/Creating Great Windows Universal User Experiences.pptx
+++ b/App And Page Lifecycle/Creating Great Windows Universal User Experiences.pptx
@@ -5,19 +5,14 @@
     <p:sldMasterId id="2147483684" r:id="rId1"/>
   </p:sldMasterIdLst>
   <p:notesMasterIdLst>
-    <p:notesMasterId r:id="rId12"/>
+    <p:notesMasterId r:id="rId7"/>
   </p:notesMasterIdLst>
   <p:sldIdLst>
     <p:sldId id="256" r:id="rId2"/>
     <p:sldId id="264" r:id="rId3"/>
     <p:sldId id="258" r:id="rId4"/>
     <p:sldId id="257" r:id="rId5"/>
-    <p:sldId id="259" r:id="rId6"/>
-    <p:sldId id="260" r:id="rId7"/>
-    <p:sldId id="263" r:id="rId8"/>
-    <p:sldId id="261" r:id="rId9"/>
-    <p:sldId id="262" r:id="rId10"/>
-    <p:sldId id="265" r:id="rId11"/>
+    <p:sldId id="265" r:id="rId6"/>
   </p:sldIdLst>
   <p:sldSz cx="9144000" cy="6858000" type="screen4x3"/>
   <p:notesSz cx="6858000" cy="9144000"/>
@@ -217,7 +212,7 @@
           <a:p>
             <a:fld id="{F9B0B765-6EFC-4E67-A609-5A2DD4CB2622}" type="datetimeFigureOut">
               <a:rPr lang="en-US" smtClean="0"/>
-              <a:t>3/5/2015</a:t>
+              <a:t>6/2/2015</a:t>
             </a:fld>
             <a:endParaRPr lang="en-US"/>
           </a:p>
@@ -886,91 +881,7 @@
           <a:p>
             <a:fld id="{49632F88-095D-4088-8021-F9F08FF98970}" type="slidenum">
               <a:rPr lang="en-US" smtClean="0"/>
-              <a:t>9</a:t>
-            </a:fld>
-            <a:endParaRPr lang="en-US"/>
-          </a:p>
-        </p:txBody>
-      </p:sp>
-    </p:spTree>
-    <p:extLst>
-      <p:ext uri="{BB962C8B-B14F-4D97-AF65-F5344CB8AC3E}">
-        <p14:creationId xmlns:p14="http://schemas.microsoft.com/office/powerpoint/2010/main" val="3920417762"/>
-      </p:ext>
-    </p:extLst>
-  </p:cSld>
-  <p:clrMapOvr>
-    <a:masterClrMapping/>
-  </p:clrMapOvr>
-</p:notes>
-</file>
-
-<file path=ppt/notesSlides/notesSlide6.xml><?xml version="1.0" encoding="utf-8"?>
-<p:notes xmlns:a="http://schemas.openxmlformats.org/drawingml/2006/main" xmlns:r="http://schemas.openxmlformats.org/officeDocument/2006/relationships" xmlns:p="http://schemas.openxmlformats.org/presentationml/2006/main">
-  <p:cSld>
-    <p:spTree>
-      <p:nvGrpSpPr>
-        <p:cNvPr id="1" name=""/>
-        <p:cNvGrpSpPr/>
-        <p:nvPr/>
-      </p:nvGrpSpPr>
-      <p:grpSpPr>
-        <a:xfrm>
-          <a:off x="0" y="0"/>
-          <a:ext cx="0" cy="0"/>
-          <a:chOff x="0" y="0"/>
-          <a:chExt cx="0" cy="0"/>
-        </a:xfrm>
-      </p:grpSpPr>
-      <p:sp>
-        <p:nvSpPr>
-          <p:cNvPr id="2" name="Slide Image Placeholder 1"/>
-          <p:cNvSpPr>
-            <a:spLocks noGrp="1" noRot="1" noChangeAspect="1"/>
-          </p:cNvSpPr>
-          <p:nvPr>
-            <p:ph type="sldImg"/>
-          </p:nvPr>
-        </p:nvSpPr>
-        <p:spPr/>
-      </p:sp>
-      <p:sp>
-        <p:nvSpPr>
-          <p:cNvPr id="3" name="Notes Placeholder 2"/>
-          <p:cNvSpPr>
-            <a:spLocks noGrp="1"/>
-          </p:cNvSpPr>
-          <p:nvPr>
-            <p:ph type="body" idx="1"/>
-          </p:nvPr>
-        </p:nvSpPr>
-        <p:spPr/>
-        <p:txBody>
-          <a:bodyPr/>
-          <a:lstStyle/>
-          <a:p>
-            <a:endParaRPr lang="en-US"/>
-          </a:p>
-        </p:txBody>
-      </p:sp>
-      <p:sp>
-        <p:nvSpPr>
-          <p:cNvPr id="4" name="Slide Number Placeholder 3"/>
-          <p:cNvSpPr>
-            <a:spLocks noGrp="1"/>
-          </p:cNvSpPr>
-          <p:nvPr>
-            <p:ph type="sldNum" sz="quarter" idx="10"/>
-          </p:nvPr>
-        </p:nvSpPr>
-        <p:spPr/>
-        <p:txBody>
-          <a:bodyPr/>
-          <a:lstStyle/>
-          <a:p>
-            <a:fld id="{49632F88-095D-4088-8021-F9F08FF98970}" type="slidenum">
-              <a:rPr lang="en-US" smtClean="0"/>
-              <a:t>10</a:t>
+              <a:t>5</a:t>
             </a:fld>
             <a:endParaRPr lang="en-US"/>
           </a:p>
@@ -3320,27 +3231,13 @@
         </p:spPr>
         <p:txBody>
           <a:bodyPr>
-            <a:normAutofit fontScale="90000"/>
+            <a:normAutofit/>
           </a:bodyPr>
           <a:lstStyle/>
           <a:p>
             <a:r>
               <a:rPr lang="en-US" dirty="0" smtClean="0"/>
-              <a:t>Crawl, Walk, Talk</a:t>
-            </a:r>
-            <a:br>
-              <a:rPr lang="en-US" dirty="0" smtClean="0"/>
-            </a:br>
-            <a:r>
-              <a:rPr lang="en-US" dirty="0" smtClean="0"/>
-              <a:t>Windows Universal App Lifecycle</a:t>
-            </a:r>
-            <a:br>
-              <a:rPr lang="en-US" dirty="0" smtClean="0"/>
-            </a:br>
-            <a:r>
-              <a:rPr lang="en-US" dirty="0" smtClean="0"/>
-              <a:t>and Cortana API</a:t>
+              <a:t>Develop Great Windows Universal App User Experiences (Lifecycle)</a:t>
             </a:r>
             <a:endParaRPr lang="en-US" dirty="0"/>
           </a:p>
@@ -3399,7 +3296,7 @@
 </p:sld>
 </file>
 
-<file path=ppt/slides/slide10.xml><?xml version="1.0" encoding="utf-8"?>
+<file path=ppt/slides/slide2.xml><?xml version="1.0" encoding="utf-8"?>
 <p:sld xmlns:a="http://schemas.openxmlformats.org/drawingml/2006/main" xmlns:r="http://schemas.openxmlformats.org/officeDocument/2006/relationships" xmlns:p="http://schemas.openxmlformats.org/presentationml/2006/main">
   <p:cSld>
     <p:spTree>
@@ -3428,6 +3325,201 @@
         </p:nvSpPr>
         <p:spPr/>
         <p:txBody>
+          <a:bodyPr/>
+          <a:lstStyle/>
+          <a:p>
+            <a:r>
+              <a:rPr lang="en-US" dirty="0" smtClean="0"/>
+              <a:t>About Danny &amp; InterKnowlogy</a:t>
+            </a:r>
+            <a:endParaRPr lang="en-US" dirty="0"/>
+          </a:p>
+        </p:txBody>
+      </p:sp>
+      <p:sp>
+        <p:nvSpPr>
+          <p:cNvPr id="3" name="Content Placeholder 2"/>
+          <p:cNvSpPr>
+            <a:spLocks noGrp="1"/>
+          </p:cNvSpPr>
+          <p:nvPr>
+            <p:ph idx="1"/>
+          </p:nvPr>
+        </p:nvSpPr>
+        <p:spPr>
+          <a:xfrm>
+            <a:off x="457200" y="1600200"/>
+            <a:ext cx="8229600" cy="4724400"/>
+          </a:xfrm>
+        </p:spPr>
+        <p:txBody>
+          <a:bodyPr>
+            <a:normAutofit fontScale="77500" lnSpcReduction="20000"/>
+          </a:bodyPr>
+          <a:lstStyle/>
+          <a:p>
+            <a:r>
+              <a:rPr lang="en-US" dirty="0"/>
+              <a:t>InterKnowlogy (</a:t>
+            </a:r>
+            <a:r>
+              <a:rPr lang="en-US" dirty="0">
+                <a:hlinkClick r:id="rId3"/>
+              </a:rPr>
+              <a:t>www.interknowlogy.com</a:t>
+            </a:r>
+            <a:r>
+              <a:rPr lang="en-US" dirty="0"/>
+              <a:t>)</a:t>
+            </a:r>
+          </a:p>
+          <a:p>
+            <a:pPr lvl="1"/>
+            <a:r>
+              <a:rPr lang="en-US" dirty="0"/>
+              <a:t>15 year old services firm – Custom Application Development</a:t>
+            </a:r>
+          </a:p>
+          <a:p>
+            <a:pPr lvl="1"/>
+            <a:r>
+              <a:rPr lang="en-US" dirty="0"/>
+              <a:t>Focused on building NUI solutions</a:t>
+            </a:r>
+          </a:p>
+          <a:p>
+            <a:pPr lvl="2"/>
+            <a:r>
+              <a:rPr lang="en-US" dirty="0"/>
+              <a:t>Windows, Windows Phone, </a:t>
+            </a:r>
+            <a:r>
+              <a:rPr lang="en-US" dirty="0" err="1"/>
+              <a:t>Xamarin</a:t>
+            </a:r>
+            <a:r>
+              <a:rPr lang="en-US" dirty="0"/>
+              <a:t>, WPF, Kinect, Azure</a:t>
+            </a:r>
+          </a:p>
+          <a:p>
+            <a:pPr lvl="2"/>
+            <a:r>
+              <a:rPr lang="en-US" dirty="0"/>
+              <a:t>Web, Mobile, Desktop, Touch, and Touchless</a:t>
+            </a:r>
+          </a:p>
+          <a:p>
+            <a:pPr lvl="1"/>
+            <a:r>
+              <a:rPr lang="en-US" dirty="0"/>
+              <a:t>Formal R&amp;D program: RECESS</a:t>
+            </a:r>
+          </a:p>
+          <a:p>
+            <a:pPr lvl="2"/>
+            <a:r>
+              <a:rPr lang="en-US" dirty="0"/>
+              <a:t>Self guided learning/My time to prepare this presentation</a:t>
+            </a:r>
+          </a:p>
+          <a:p>
+            <a:r>
+              <a:rPr lang="en-US" dirty="0"/>
+              <a:t>Danny Warren, Sr. Software Engineer</a:t>
+            </a:r>
+          </a:p>
+          <a:p>
+            <a:pPr lvl="1"/>
+            <a:r>
+              <a:rPr lang="en-US" dirty="0"/>
+              <a:t>Graduate Neumont University 2009, B.S. C.S. </a:t>
+            </a:r>
+          </a:p>
+          <a:p>
+            <a:pPr lvl="1"/>
+            <a:r>
+              <a:rPr lang="en-US" dirty="0"/>
+              <a:t>Microsoft MVP in Windows Platform </a:t>
+            </a:r>
+            <a:r>
+              <a:rPr lang="en-US" dirty="0" smtClean="0"/>
+              <a:t>Development</a:t>
+            </a:r>
+          </a:p>
+          <a:p>
+            <a:pPr lvl="2"/>
+            <a:r>
+              <a:rPr lang="en-US" dirty="0" smtClean="0"/>
+              <a:t>Since Oct 2013</a:t>
+            </a:r>
+          </a:p>
+          <a:p>
+            <a:pPr lvl="1"/>
+            <a:r>
+              <a:rPr lang="en-US" dirty="0" smtClean="0"/>
+              <a:t>Former Nokia Champion</a:t>
+            </a:r>
+            <a:endParaRPr lang="en-US" dirty="0"/>
+          </a:p>
+          <a:p>
+            <a:pPr lvl="1"/>
+            <a:r>
+              <a:rPr lang="en-US" dirty="0"/>
+              <a:t>Avid Mt. Biker and aspiring Rock Climber</a:t>
+            </a:r>
+          </a:p>
+        </p:txBody>
+      </p:sp>
+    </p:spTree>
+    <p:extLst>
+      <p:ext uri="{BB962C8B-B14F-4D97-AF65-F5344CB8AC3E}">
+        <p14:creationId xmlns:p14="http://schemas.microsoft.com/office/powerpoint/2010/main" val="1471224020"/>
+      </p:ext>
+    </p:extLst>
+  </p:cSld>
+  <p:clrMapOvr>
+    <a:masterClrMapping/>
+  </p:clrMapOvr>
+  <p:timing>
+    <p:tnLst>
+      <p:par>
+        <p:cTn id="1" dur="indefinite" restart="never" nodeType="tmRoot"/>
+      </p:par>
+    </p:tnLst>
+  </p:timing>
+</p:sld>
+</file>
+
+<file path=ppt/slides/slide3.xml><?xml version="1.0" encoding="utf-8"?>
+<p:sld xmlns:a="http://schemas.openxmlformats.org/drawingml/2006/main" xmlns:r="http://schemas.openxmlformats.org/officeDocument/2006/relationships" xmlns:p="http://schemas.openxmlformats.org/presentationml/2006/main">
+  <p:cSld>
+    <p:spTree>
+      <p:nvGrpSpPr>
+        <p:cNvPr id="1" name=""/>
+        <p:cNvGrpSpPr/>
+        <p:nvPr/>
+      </p:nvGrpSpPr>
+      <p:grpSpPr>
+        <a:xfrm>
+          <a:off x="0" y="0"/>
+          <a:ext cx="0" cy="0"/>
+          <a:chOff x="0" y="0"/>
+          <a:chExt cx="0" cy="0"/>
+        </a:xfrm>
+      </p:grpSpPr>
+      <p:sp>
+        <p:nvSpPr>
+          <p:cNvPr id="2" name="Title 1"/>
+          <p:cNvSpPr>
+            <a:spLocks noGrp="1"/>
+          </p:cNvSpPr>
+          <p:nvPr>
+            <p:ph type="title"/>
+          </p:nvPr>
+        </p:nvSpPr>
+        <p:spPr/>
+        <p:txBody>
           <a:bodyPr>
             <a:normAutofit/>
           </a:bodyPr>
@@ -3435,7 +3527,7 @@
           <a:p>
             <a:r>
               <a:rPr lang="en-US" dirty="0" smtClean="0"/>
-              <a:t>Download Materials</a:t>
+              <a:t>App Lifecycle</a:t>
             </a:r>
             <a:endParaRPr lang="en-US" dirty="0"/>
           </a:p>
@@ -3443,14 +3535,122 @@
       </p:sp>
       <p:sp>
         <p:nvSpPr>
-          <p:cNvPr id="4" name="TextBox 3"/>
-          <p:cNvSpPr txBox="1"/>
+          <p:cNvPr id="3" name="Content Placeholder 2"/>
+          <p:cNvSpPr>
+            <a:spLocks noGrp="1"/>
+          </p:cNvSpPr>
+          <p:nvPr>
+            <p:ph idx="1"/>
+          </p:nvPr>
+        </p:nvSpPr>
+        <p:spPr/>
+        <p:txBody>
+          <a:bodyPr/>
+          <a:lstStyle/>
+          <a:p>
+            <a:r>
+              <a:rPr lang="en-US" dirty="0" smtClean="0"/>
+              <a:t>Invisible but EXTREMELY important!</a:t>
+            </a:r>
+          </a:p>
+          <a:p>
+            <a:r>
+              <a:rPr lang="en-US" dirty="0" smtClean="0"/>
+              <a:t>Affects</a:t>
+            </a:r>
+          </a:p>
+          <a:p>
+            <a:pPr lvl="1"/>
+            <a:r>
+              <a:rPr lang="en-US" dirty="0" smtClean="0"/>
+              <a:t>UX</a:t>
+            </a:r>
+          </a:p>
+          <a:p>
+            <a:pPr lvl="1"/>
+            <a:r>
+              <a:rPr lang="en-US" dirty="0" smtClean="0"/>
+              <a:t>Data</a:t>
+            </a:r>
+          </a:p>
+          <a:p>
+            <a:r>
+              <a:rPr lang="en-US" dirty="0" smtClean="0"/>
+              <a:t>Possible Facial Side Effects</a:t>
+            </a:r>
+          </a:p>
+        </p:txBody>
+      </p:sp>
+      <p:pic>
+        <p:nvPicPr>
+          <p:cNvPr id="4" name="Picture 3"/>
+          <p:cNvPicPr>
+            <a:picLocks noChangeAspect="1"/>
+          </p:cNvPicPr>
           <p:nvPr/>
-        </p:nvSpPr>
+        </p:nvPicPr>
+        <p:blipFill>
+          <a:blip r:embed="rId3" cstate="print">
+            <a:extLst>
+              <a:ext uri="{28A0092B-C50C-407E-A947-70E740481C1C}">
+                <a14:useLocalDpi xmlns:a14="http://schemas.microsoft.com/office/drawing/2010/main" val="0"/>
+              </a:ext>
+            </a:extLst>
+          </a:blip>
+          <a:stretch>
+            <a:fillRect/>
+          </a:stretch>
+        </p:blipFill>
         <p:spPr>
           <a:xfrm>
-            <a:off x="1921018" y="1417638"/>
-            <a:ext cx="5301964" cy="369332"/>
+            <a:off x="5105400" y="3733800"/>
+            <a:ext cx="2198132" cy="2590800"/>
+          </a:xfrm>
+          <a:prstGeom prst="rect">
+            <a:avLst/>
+          </a:prstGeom>
+        </p:spPr>
+      </p:pic>
+      <p:pic>
+        <p:nvPicPr>
+          <p:cNvPr id="5" name="Picture 4"/>
+          <p:cNvPicPr>
+            <a:picLocks noChangeAspect="1"/>
+          </p:cNvPicPr>
+          <p:nvPr/>
+        </p:nvPicPr>
+        <p:blipFill>
+          <a:blip r:embed="rId4" cstate="print">
+            <a:extLst>
+              <a:ext uri="{28A0092B-C50C-407E-A947-70E740481C1C}">
+                <a14:useLocalDpi xmlns:a14="http://schemas.microsoft.com/office/drawing/2010/main" val="0"/>
+              </a:ext>
+            </a:extLst>
+          </a:blip>
+          <a:stretch>
+            <a:fillRect/>
+          </a:stretch>
+        </p:blipFill>
+        <p:spPr>
+          <a:xfrm>
+            <a:off x="609600" y="4267200"/>
+            <a:ext cx="2017776" cy="2438400"/>
+          </a:xfrm>
+          <a:prstGeom prst="rect">
+            <a:avLst/>
+          </a:prstGeom>
+        </p:spPr>
+      </p:pic>
+      <p:sp>
+        <p:nvSpPr>
+          <p:cNvPr id="6" name="Rectangle 5"/>
+          <p:cNvSpPr/>
+          <p:nvPr/>
+        </p:nvSpPr>
+        <p:spPr>
+          <a:xfrm>
+            <a:off x="7303532" y="4419600"/>
+            <a:ext cx="1524000" cy="923330"/>
           </a:xfrm>
           <a:prstGeom prst="rect">
             <a:avLst/>
@@ -3458,6 +3658,265 @@
           <a:noFill/>
         </p:spPr>
         <p:txBody>
+          <a:bodyPr wrap="square" lIns="91440" tIns="45720" rIns="91440" bIns="45720">
+            <a:spAutoFit/>
+            <a:scene3d>
+              <a:camera prst="orthographicFront"/>
+              <a:lightRig rig="flat" dir="tl">
+                <a:rot lat="0" lon="0" rev="6600000"/>
+              </a:lightRig>
+            </a:scene3d>
+            <a:sp3d extrusionH="25400" contourW="8890">
+              <a:bevelT w="38100" h="31750"/>
+              <a:contourClr>
+                <a:schemeClr val="accent2">
+                  <a:shade val="75000"/>
+                </a:schemeClr>
+              </a:contourClr>
+            </a:sp3d>
+          </a:bodyPr>
+          <a:lstStyle/>
+          <a:p>
+            <a:pPr algn="ctr"/>
+            <a:r>
+              <a:rPr lang="en-US" sz="5400" b="1" dirty="0" smtClean="0">
+                <a:ln w="11430"/>
+                <a:gradFill>
+                  <a:gsLst>
+                    <a:gs pos="0">
+                      <a:schemeClr val="accent2">
+                        <a:tint val="70000"/>
+                        <a:satMod val="245000"/>
+                      </a:schemeClr>
+                    </a:gs>
+                    <a:gs pos="75000">
+                      <a:schemeClr val="accent2">
+                        <a:tint val="90000"/>
+                        <a:shade val="60000"/>
+                        <a:satMod val="240000"/>
+                      </a:schemeClr>
+                    </a:gs>
+                    <a:gs pos="100000">
+                      <a:schemeClr val="accent2">
+                        <a:tint val="100000"/>
+                        <a:shade val="50000"/>
+                        <a:satMod val="240000"/>
+                      </a:schemeClr>
+                    </a:gs>
+                  </a:gsLst>
+                  <a:lin ang="5400000"/>
+                </a:gradFill>
+                <a:effectLst>
+                  <a:outerShdw blurRad="50800" dist="39000" dir="5460000" algn="tl">
+                    <a:srgbClr val="000000">
+                      <a:alpha val="38000"/>
+                    </a:srgbClr>
+                  </a:outerShdw>
+                </a:effectLst>
+              </a:rPr>
+              <a:t>Sad</a:t>
+            </a:r>
+          </a:p>
+        </p:txBody>
+      </p:sp>
+      <p:sp>
+        <p:nvSpPr>
+          <p:cNvPr id="7" name="Rectangle 6"/>
+          <p:cNvSpPr/>
+          <p:nvPr/>
+        </p:nvSpPr>
+        <p:spPr>
+          <a:xfrm>
+            <a:off x="2514600" y="4419600"/>
+            <a:ext cx="2133600" cy="923330"/>
+          </a:xfrm>
+          <a:prstGeom prst="rect">
+            <a:avLst/>
+          </a:prstGeom>
+          <a:noFill/>
+        </p:spPr>
+        <p:txBody>
+          <a:bodyPr wrap="square" lIns="91440" tIns="45720" rIns="91440" bIns="45720">
+            <a:spAutoFit/>
+            <a:scene3d>
+              <a:camera prst="orthographicFront"/>
+              <a:lightRig rig="flat" dir="t">
+                <a:rot lat="0" lon="0" rev="18900000"/>
+              </a:lightRig>
+            </a:scene3d>
+            <a:sp3d extrusionH="31750" contourW="6350" prstMaterial="powder">
+              <a:bevelT w="19050" h="19050" prst="angle"/>
+              <a:contourClr>
+                <a:schemeClr val="accent3">
+                  <a:tint val="100000"/>
+                  <a:shade val="100000"/>
+                  <a:satMod val="100000"/>
+                  <a:hueMod val="100000"/>
+                </a:schemeClr>
+              </a:contourClr>
+            </a:sp3d>
+          </a:bodyPr>
+          <a:lstStyle/>
+          <a:p>
+            <a:pPr algn="ctr"/>
+            <a:r>
+              <a:rPr lang="en-US" sz="5400" b="1" dirty="0" smtClean="0">
+                <a:ln/>
+                <a:solidFill>
+                  <a:schemeClr val="accent3"/>
+                </a:solidFill>
+              </a:rPr>
+              <a:t>Happy</a:t>
+            </a:r>
+          </a:p>
+        </p:txBody>
+      </p:sp>
+    </p:spTree>
+    <p:extLst>
+      <p:ext uri="{BB962C8B-B14F-4D97-AF65-F5344CB8AC3E}">
+        <p14:creationId xmlns:p14="http://schemas.microsoft.com/office/powerpoint/2010/main" val="4246103118"/>
+      </p:ext>
+    </p:extLst>
+  </p:cSld>
+  <p:clrMapOvr>
+    <a:masterClrMapping/>
+  </p:clrMapOvr>
+  <p:timing>
+    <p:tnLst>
+      <p:par>
+        <p:cTn id="1" dur="indefinite" restart="never" nodeType="tmRoot"/>
+      </p:par>
+    </p:tnLst>
+  </p:timing>
+</p:sld>
+</file>
+
+<file path=ppt/slides/slide4.xml><?xml version="1.0" encoding="utf-8"?>
+<p:sld xmlns:a="http://schemas.openxmlformats.org/drawingml/2006/main" xmlns:r="http://schemas.openxmlformats.org/officeDocument/2006/relationships" xmlns:p="http://schemas.openxmlformats.org/presentationml/2006/main">
+  <p:cSld>
+    <p:spTree>
+      <p:nvGrpSpPr>
+        <p:cNvPr id="1" name=""/>
+        <p:cNvGrpSpPr/>
+        <p:nvPr/>
+      </p:nvGrpSpPr>
+      <p:grpSpPr>
+        <a:xfrm>
+          <a:off x="0" y="0"/>
+          <a:ext cx="0" cy="0"/>
+          <a:chOff x="0" y="0"/>
+          <a:chExt cx="0" cy="0"/>
+        </a:xfrm>
+      </p:grpSpPr>
+      <p:pic>
+        <p:nvPicPr>
+          <p:cNvPr id="3" name="Picture 2"/>
+          <p:cNvPicPr>
+            <a:picLocks noChangeAspect="1"/>
+          </p:cNvPicPr>
+          <p:nvPr/>
+        </p:nvPicPr>
+        <p:blipFill>
+          <a:blip r:embed="rId3">
+            <a:extLst>
+              <a:ext uri="{28A0092B-C50C-407E-A947-70E740481C1C}">
+                <a14:useLocalDpi xmlns:a14="http://schemas.microsoft.com/office/drawing/2010/main" val="0"/>
+              </a:ext>
+            </a:extLst>
+          </a:blip>
+          <a:stretch>
+            <a:fillRect/>
+          </a:stretch>
+        </p:blipFill>
+        <p:spPr>
+          <a:xfrm>
+            <a:off x="-139189" y="0"/>
+            <a:ext cx="9511789" cy="6858000"/>
+          </a:xfrm>
+          <a:prstGeom prst="rect">
+            <a:avLst/>
+          </a:prstGeom>
+        </p:spPr>
+      </p:pic>
+    </p:spTree>
+    <p:extLst>
+      <p:ext uri="{BB962C8B-B14F-4D97-AF65-F5344CB8AC3E}">
+        <p14:creationId xmlns:p14="http://schemas.microsoft.com/office/powerpoint/2010/main" val="4045316875"/>
+      </p:ext>
+    </p:extLst>
+  </p:cSld>
+  <p:clrMapOvr>
+    <a:masterClrMapping/>
+  </p:clrMapOvr>
+  <p:timing>
+    <p:tnLst>
+      <p:par>
+        <p:cTn id="1" dur="indefinite" restart="never" nodeType="tmRoot"/>
+      </p:par>
+    </p:tnLst>
+  </p:timing>
+</p:sld>
+</file>
+
+<file path=ppt/slides/slide5.xml><?xml version="1.0" encoding="utf-8"?>
+<p:sld xmlns:a="http://schemas.openxmlformats.org/drawingml/2006/main" xmlns:r="http://schemas.openxmlformats.org/officeDocument/2006/relationships" xmlns:p="http://schemas.openxmlformats.org/presentationml/2006/main">
+  <p:cSld>
+    <p:spTree>
+      <p:nvGrpSpPr>
+        <p:cNvPr id="1" name=""/>
+        <p:cNvGrpSpPr/>
+        <p:nvPr/>
+      </p:nvGrpSpPr>
+      <p:grpSpPr>
+        <a:xfrm>
+          <a:off x="0" y="0"/>
+          <a:ext cx="0" cy="0"/>
+          <a:chOff x="0" y="0"/>
+          <a:chExt cx="0" cy="0"/>
+        </a:xfrm>
+      </p:grpSpPr>
+      <p:sp>
+        <p:nvSpPr>
+          <p:cNvPr id="2" name="Title 1"/>
+          <p:cNvSpPr>
+            <a:spLocks noGrp="1"/>
+          </p:cNvSpPr>
+          <p:nvPr>
+            <p:ph type="title"/>
+          </p:nvPr>
+        </p:nvSpPr>
+        <p:spPr/>
+        <p:txBody>
+          <a:bodyPr>
+            <a:normAutofit/>
+          </a:bodyPr>
+          <a:lstStyle/>
+          <a:p>
+            <a:r>
+              <a:rPr lang="en-US" dirty="0" smtClean="0"/>
+              <a:t>Download Materials</a:t>
+            </a:r>
+            <a:endParaRPr lang="en-US" dirty="0"/>
+          </a:p>
+        </p:txBody>
+      </p:sp>
+      <p:sp>
+        <p:nvSpPr>
+          <p:cNvPr id="4" name="TextBox 3"/>
+          <p:cNvSpPr txBox="1"/>
+          <p:nvPr/>
+        </p:nvSpPr>
+        <p:spPr>
+          <a:xfrm>
+            <a:off x="1921018" y="1417638"/>
+            <a:ext cx="5301964" cy="923330"/>
+          </a:xfrm>
+          <a:prstGeom prst="rect">
+            <a:avLst/>
+          </a:prstGeom>
+          <a:noFill/>
+        </p:spPr>
+        <p:txBody>
           <a:bodyPr wrap="none" rtlCol="0">
             <a:spAutoFit/>
           </a:bodyPr>
@@ -3467,8 +3926,30 @@
               <a:rPr lang="en-US" dirty="0" smtClean="0">
                 <a:hlinkClick r:id="rId3"/>
               </a:rPr>
-              <a:t>http://blogs.interknowlogy.com/author/dannywarren/</a:t>
-            </a:r>
+              <a:t>http://blogs.interknowlogy.com/author/dannywarren</a:t>
+            </a:r>
+            <a:r>
+              <a:rPr lang="en-US" dirty="0" smtClean="0">
+                <a:hlinkClick r:id="rId3"/>
+              </a:rPr>
+              <a:t>/</a:t>
+            </a:r>
+            <a:endParaRPr lang="en-US" dirty="0" smtClean="0"/>
+          </a:p>
+          <a:p>
+            <a:pPr algn="ctr"/>
+            <a:r>
+              <a:rPr lang="en-US" dirty="0" smtClean="0">
+                <a:hlinkClick r:id="rId4"/>
+              </a:rPr>
+              <a:t>http://github.com/dannydwarren/CrawlWalkTalk</a:t>
+            </a:r>
+            <a:r>
+              <a:rPr lang="en-US" dirty="0" smtClean="0"/>
+              <a:t> </a:t>
+            </a:r>
+          </a:p>
+          <a:p>
             <a:endParaRPr lang="en-US" dirty="0"/>
           </a:p>
         </p:txBody>
@@ -3699,7 +4180,7 @@
             </a:pPr>
             <a:r>
               <a:rPr lang="en-US" dirty="0" smtClean="0"/>
-              <a:t>Contact Us and Apply Now</a:t>
+              <a:t>Contact Me For More Info</a:t>
             </a:r>
           </a:p>
           <a:p>
@@ -3708,9 +4189,31 @@
             </a:pPr>
             <a:r>
               <a:rPr lang="en-US" dirty="0" smtClean="0">
-                <a:hlinkClick r:id="rId4"/>
+                <a:hlinkClick r:id="rId5"/>
               </a:rPr>
-              <a:t>findyourcalling@interknowlogy.com</a:t>
+              <a:t>dannydwarren@gmail.com</a:t>
+            </a:r>
+            <a:endParaRPr lang="en-US" dirty="0" smtClean="0"/>
+          </a:p>
+          <a:p>
+            <a:pPr marL="0" indent="0" algn="ctr">
+              <a:buNone/>
+            </a:pPr>
+            <a:r>
+              <a:rPr lang="en-US" dirty="0" smtClean="0"/>
+              <a:t>@</a:t>
+            </a:r>
+            <a:r>
+              <a:rPr lang="en-US" dirty="0" err="1" smtClean="0"/>
+              <a:t>dannydwarren</a:t>
+            </a:r>
+            <a:r>
+              <a:rPr lang="en-US" dirty="0" smtClean="0"/>
+              <a:t> </a:t>
+            </a:r>
+            <a:r>
+              <a:rPr lang="en-US" smtClean="0"/>
+              <a:t>(Twitter/LinkedIn/GitHub)</a:t>
             </a:r>
             <a:endParaRPr lang="en-US" dirty="0" smtClean="0"/>
           </a:p>
@@ -3720,194 +4223,6 @@
     <p:extLst>
       <p:ext uri="{BB962C8B-B14F-4D97-AF65-F5344CB8AC3E}">
         <p14:creationId xmlns:p14="http://schemas.microsoft.com/office/powerpoint/2010/main" val="2329376939"/>
-      </p:ext>
-    </p:extLst>
-  </p:cSld>
-  <p:clrMapOvr>
-    <a:masterClrMapping/>
-  </p:clrMapOvr>
-</p:sld>
-</file>
-
-<file path=ppt/slides/slide2.xml><?xml version="1.0" encoding="utf-8"?>
-<p:sld xmlns:a="http://schemas.openxmlformats.org/drawingml/2006/main" xmlns:r="http://schemas.openxmlformats.org/officeDocument/2006/relationships" xmlns:p="http://schemas.openxmlformats.org/presentationml/2006/main">
-  <p:cSld>
-    <p:spTree>
-      <p:nvGrpSpPr>
-        <p:cNvPr id="1" name=""/>
-        <p:cNvGrpSpPr/>
-        <p:nvPr/>
-      </p:nvGrpSpPr>
-      <p:grpSpPr>
-        <a:xfrm>
-          <a:off x="0" y="0"/>
-          <a:ext cx="0" cy="0"/>
-          <a:chOff x="0" y="0"/>
-          <a:chExt cx="0" cy="0"/>
-        </a:xfrm>
-      </p:grpSpPr>
-      <p:sp>
-        <p:nvSpPr>
-          <p:cNvPr id="2" name="Title 1"/>
-          <p:cNvSpPr>
-            <a:spLocks noGrp="1"/>
-          </p:cNvSpPr>
-          <p:nvPr>
-            <p:ph type="title"/>
-          </p:nvPr>
-        </p:nvSpPr>
-        <p:spPr/>
-        <p:txBody>
-          <a:bodyPr/>
-          <a:lstStyle/>
-          <a:p>
-            <a:r>
-              <a:rPr lang="en-US" dirty="0" smtClean="0"/>
-              <a:t>About Danny &amp; InterKnowlogy</a:t>
-            </a:r>
-            <a:endParaRPr lang="en-US" dirty="0"/>
-          </a:p>
-        </p:txBody>
-      </p:sp>
-      <p:sp>
-        <p:nvSpPr>
-          <p:cNvPr id="3" name="Content Placeholder 2"/>
-          <p:cNvSpPr>
-            <a:spLocks noGrp="1"/>
-          </p:cNvSpPr>
-          <p:nvPr>
-            <p:ph idx="1"/>
-          </p:nvPr>
-        </p:nvSpPr>
-        <p:spPr>
-          <a:xfrm>
-            <a:off x="457200" y="1600200"/>
-            <a:ext cx="8229600" cy="4724400"/>
-          </a:xfrm>
-        </p:spPr>
-        <p:txBody>
-          <a:bodyPr>
-            <a:normAutofit fontScale="77500" lnSpcReduction="20000"/>
-          </a:bodyPr>
-          <a:lstStyle/>
-          <a:p>
-            <a:r>
-              <a:rPr lang="en-US" dirty="0"/>
-              <a:t>InterKnowlogy (</a:t>
-            </a:r>
-            <a:r>
-              <a:rPr lang="en-US" dirty="0">
-                <a:hlinkClick r:id="rId3"/>
-              </a:rPr>
-              <a:t>www.interknowlogy.com</a:t>
-            </a:r>
-            <a:r>
-              <a:rPr lang="en-US" dirty="0"/>
-              <a:t>)</a:t>
-            </a:r>
-          </a:p>
-          <a:p>
-            <a:pPr lvl="1"/>
-            <a:r>
-              <a:rPr lang="en-US" dirty="0"/>
-              <a:t>15 year old services firm – Custom Application Development</a:t>
-            </a:r>
-          </a:p>
-          <a:p>
-            <a:pPr lvl="1"/>
-            <a:r>
-              <a:rPr lang="en-US" dirty="0"/>
-              <a:t>Focused on building NUI solutions</a:t>
-            </a:r>
-          </a:p>
-          <a:p>
-            <a:pPr lvl="2"/>
-            <a:r>
-              <a:rPr lang="en-US" dirty="0"/>
-              <a:t>Windows, Windows Phone, </a:t>
-            </a:r>
-            <a:r>
-              <a:rPr lang="en-US" dirty="0" err="1"/>
-              <a:t>Xamarin</a:t>
-            </a:r>
-            <a:r>
-              <a:rPr lang="en-US" dirty="0"/>
-              <a:t>, WPF, Kinect, Azure</a:t>
-            </a:r>
-          </a:p>
-          <a:p>
-            <a:pPr lvl="2"/>
-            <a:r>
-              <a:rPr lang="en-US" dirty="0"/>
-              <a:t>Web, Mobile, Desktop, Touch, and Touchless</a:t>
-            </a:r>
-          </a:p>
-          <a:p>
-            <a:pPr lvl="1"/>
-            <a:r>
-              <a:rPr lang="en-US" dirty="0"/>
-              <a:t>Formal R&amp;D program: RECESS</a:t>
-            </a:r>
-          </a:p>
-          <a:p>
-            <a:pPr lvl="2"/>
-            <a:r>
-              <a:rPr lang="en-US" dirty="0"/>
-              <a:t>Self guided learning/My time to prepare this presentation</a:t>
-            </a:r>
-          </a:p>
-          <a:p>
-            <a:r>
-              <a:rPr lang="en-US" dirty="0"/>
-              <a:t>Danny Warren, Sr. Software Engineer</a:t>
-            </a:r>
-          </a:p>
-          <a:p>
-            <a:pPr lvl="1"/>
-            <a:r>
-              <a:rPr lang="en-US" dirty="0"/>
-              <a:t>Graduate Neumont University 2009, B.S. C.S. </a:t>
-            </a:r>
-          </a:p>
-          <a:p>
-            <a:pPr lvl="1"/>
-            <a:r>
-              <a:rPr lang="en-US" dirty="0"/>
-              <a:t>Microsoft MVP in Windows Platform </a:t>
-            </a:r>
-            <a:r>
-              <a:rPr lang="en-US" dirty="0" smtClean="0"/>
-              <a:t>Development</a:t>
-            </a:r>
-          </a:p>
-          <a:p>
-            <a:pPr lvl="2"/>
-            <a:r>
-              <a:rPr lang="en-US" dirty="0" smtClean="0"/>
-              <a:t>Since Oct 2013</a:t>
-            </a:r>
-          </a:p>
-          <a:p>
-            <a:pPr lvl="1"/>
-            <a:r>
-              <a:rPr lang="en-US" dirty="0" smtClean="0"/>
-              <a:t>Former Nokia Champion</a:t>
-            </a:r>
-            <a:endParaRPr lang="en-US" dirty="0"/>
-          </a:p>
-          <a:p>
-            <a:pPr lvl="1"/>
-            <a:r>
-              <a:rPr lang="en-US" dirty="0"/>
-              <a:t>Avid Mt. Biker and aspiring Rock Climber</a:t>
-            </a:r>
-          </a:p>
-        </p:txBody>
-      </p:sp>
-    </p:spTree>
-    <p:extLst>
-      <p:ext uri="{BB962C8B-B14F-4D97-AF65-F5344CB8AC3E}">
-        <p14:creationId xmlns:p14="http://schemas.microsoft.com/office/powerpoint/2010/main" val="1471224020"/>
       </p:ext>
     </p:extLst>
   </p:cSld>
@@ -3921,1118 +4236,6 @@
       </p:par>
     </p:tnLst>
   </p:timing>
-</p:sld>
-</file>
-
-<file path=ppt/slides/slide3.xml><?xml version="1.0" encoding="utf-8"?>
-<p:sld xmlns:a="http://schemas.openxmlformats.org/drawingml/2006/main" xmlns:r="http://schemas.openxmlformats.org/officeDocument/2006/relationships" xmlns:p="http://schemas.openxmlformats.org/presentationml/2006/main">
-  <p:cSld>
-    <p:spTree>
-      <p:nvGrpSpPr>
-        <p:cNvPr id="1" name=""/>
-        <p:cNvGrpSpPr/>
-        <p:nvPr/>
-      </p:nvGrpSpPr>
-      <p:grpSpPr>
-        <a:xfrm>
-          <a:off x="0" y="0"/>
-          <a:ext cx="0" cy="0"/>
-          <a:chOff x="0" y="0"/>
-          <a:chExt cx="0" cy="0"/>
-        </a:xfrm>
-      </p:grpSpPr>
-      <p:sp>
-        <p:nvSpPr>
-          <p:cNvPr id="2" name="Title 1"/>
-          <p:cNvSpPr>
-            <a:spLocks noGrp="1"/>
-          </p:cNvSpPr>
-          <p:nvPr>
-            <p:ph type="title"/>
-          </p:nvPr>
-        </p:nvSpPr>
-        <p:spPr/>
-        <p:txBody>
-          <a:bodyPr>
-            <a:normAutofit/>
-          </a:bodyPr>
-          <a:lstStyle/>
-          <a:p>
-            <a:r>
-              <a:rPr lang="en-US" dirty="0" smtClean="0"/>
-              <a:t>App Lifecycle</a:t>
-            </a:r>
-            <a:endParaRPr lang="en-US" dirty="0"/>
-          </a:p>
-        </p:txBody>
-      </p:sp>
-      <p:sp>
-        <p:nvSpPr>
-          <p:cNvPr id="3" name="Content Placeholder 2"/>
-          <p:cNvSpPr>
-            <a:spLocks noGrp="1"/>
-          </p:cNvSpPr>
-          <p:nvPr>
-            <p:ph idx="1"/>
-          </p:nvPr>
-        </p:nvSpPr>
-        <p:spPr/>
-        <p:txBody>
-          <a:bodyPr/>
-          <a:lstStyle/>
-          <a:p>
-            <a:r>
-              <a:rPr lang="en-US" dirty="0" smtClean="0"/>
-              <a:t>Invisible but EXTREMELY important!</a:t>
-            </a:r>
-          </a:p>
-          <a:p>
-            <a:r>
-              <a:rPr lang="en-US" dirty="0" smtClean="0"/>
-              <a:t>Affects</a:t>
-            </a:r>
-          </a:p>
-          <a:p>
-            <a:pPr lvl="1"/>
-            <a:r>
-              <a:rPr lang="en-US" dirty="0" smtClean="0"/>
-              <a:t>UX</a:t>
-            </a:r>
-          </a:p>
-          <a:p>
-            <a:pPr lvl="1"/>
-            <a:r>
-              <a:rPr lang="en-US" dirty="0" smtClean="0"/>
-              <a:t>Data</a:t>
-            </a:r>
-          </a:p>
-          <a:p>
-            <a:r>
-              <a:rPr lang="en-US" dirty="0" smtClean="0"/>
-              <a:t>Possible Facial Side Effects</a:t>
-            </a:r>
-          </a:p>
-        </p:txBody>
-      </p:sp>
-      <p:pic>
-        <p:nvPicPr>
-          <p:cNvPr id="4" name="Picture 3"/>
-          <p:cNvPicPr>
-            <a:picLocks noChangeAspect="1"/>
-          </p:cNvPicPr>
-          <p:nvPr/>
-        </p:nvPicPr>
-        <p:blipFill>
-          <a:blip r:embed="rId3" cstate="print">
-            <a:extLst>
-              <a:ext uri="{28A0092B-C50C-407E-A947-70E740481C1C}">
-                <a14:useLocalDpi xmlns:a14="http://schemas.microsoft.com/office/drawing/2010/main" val="0"/>
-              </a:ext>
-            </a:extLst>
-          </a:blip>
-          <a:stretch>
-            <a:fillRect/>
-          </a:stretch>
-        </p:blipFill>
-        <p:spPr>
-          <a:xfrm>
-            <a:off x="5105400" y="3733800"/>
-            <a:ext cx="2198132" cy="2590800"/>
-          </a:xfrm>
-          <a:prstGeom prst="rect">
-            <a:avLst/>
-          </a:prstGeom>
-        </p:spPr>
-      </p:pic>
-      <p:pic>
-        <p:nvPicPr>
-          <p:cNvPr id="5" name="Picture 4"/>
-          <p:cNvPicPr>
-            <a:picLocks noChangeAspect="1"/>
-          </p:cNvPicPr>
-          <p:nvPr/>
-        </p:nvPicPr>
-        <p:blipFill>
-          <a:blip r:embed="rId4" cstate="print">
-            <a:extLst>
-              <a:ext uri="{28A0092B-C50C-407E-A947-70E740481C1C}">
-                <a14:useLocalDpi xmlns:a14="http://schemas.microsoft.com/office/drawing/2010/main" val="0"/>
-              </a:ext>
-            </a:extLst>
-          </a:blip>
-          <a:stretch>
-            <a:fillRect/>
-          </a:stretch>
-        </p:blipFill>
-        <p:spPr>
-          <a:xfrm>
-            <a:off x="609600" y="4267200"/>
-            <a:ext cx="2017776" cy="2438400"/>
-          </a:xfrm>
-          <a:prstGeom prst="rect">
-            <a:avLst/>
-          </a:prstGeom>
-        </p:spPr>
-      </p:pic>
-      <p:sp>
-        <p:nvSpPr>
-          <p:cNvPr id="6" name="Rectangle 5"/>
-          <p:cNvSpPr/>
-          <p:nvPr/>
-        </p:nvSpPr>
-        <p:spPr>
-          <a:xfrm>
-            <a:off x="7303532" y="4419600"/>
-            <a:ext cx="1524000" cy="923330"/>
-          </a:xfrm>
-          <a:prstGeom prst="rect">
-            <a:avLst/>
-          </a:prstGeom>
-          <a:noFill/>
-        </p:spPr>
-        <p:txBody>
-          <a:bodyPr wrap="square" lIns="91440" tIns="45720" rIns="91440" bIns="45720">
-            <a:spAutoFit/>
-            <a:scene3d>
-              <a:camera prst="orthographicFront"/>
-              <a:lightRig rig="flat" dir="tl">
-                <a:rot lat="0" lon="0" rev="6600000"/>
-              </a:lightRig>
-            </a:scene3d>
-            <a:sp3d extrusionH="25400" contourW="8890">
-              <a:bevelT w="38100" h="31750"/>
-              <a:contourClr>
-                <a:schemeClr val="accent2">
-                  <a:shade val="75000"/>
-                </a:schemeClr>
-              </a:contourClr>
-            </a:sp3d>
-          </a:bodyPr>
-          <a:lstStyle/>
-          <a:p>
-            <a:pPr algn="ctr"/>
-            <a:r>
-              <a:rPr lang="en-US" sz="5400" b="1" dirty="0" smtClean="0">
-                <a:ln w="11430"/>
-                <a:gradFill>
-                  <a:gsLst>
-                    <a:gs pos="0">
-                      <a:schemeClr val="accent2">
-                        <a:tint val="70000"/>
-                        <a:satMod val="245000"/>
-                      </a:schemeClr>
-                    </a:gs>
-                    <a:gs pos="75000">
-                      <a:schemeClr val="accent2">
-                        <a:tint val="90000"/>
-                        <a:shade val="60000"/>
-                        <a:satMod val="240000"/>
-                      </a:schemeClr>
-                    </a:gs>
-                    <a:gs pos="100000">
-                      <a:schemeClr val="accent2">
-                        <a:tint val="100000"/>
-                        <a:shade val="50000"/>
-                        <a:satMod val="240000"/>
-                      </a:schemeClr>
-                    </a:gs>
-                  </a:gsLst>
-                  <a:lin ang="5400000"/>
-                </a:gradFill>
-                <a:effectLst>
-                  <a:outerShdw blurRad="50800" dist="39000" dir="5460000" algn="tl">
-                    <a:srgbClr val="000000">
-                      <a:alpha val="38000"/>
-                    </a:srgbClr>
-                  </a:outerShdw>
-                </a:effectLst>
-              </a:rPr>
-              <a:t>Sad</a:t>
-            </a:r>
-          </a:p>
-        </p:txBody>
-      </p:sp>
-      <p:sp>
-        <p:nvSpPr>
-          <p:cNvPr id="7" name="Rectangle 6"/>
-          <p:cNvSpPr/>
-          <p:nvPr/>
-        </p:nvSpPr>
-        <p:spPr>
-          <a:xfrm>
-            <a:off x="2514600" y="4419600"/>
-            <a:ext cx="2133600" cy="923330"/>
-          </a:xfrm>
-          <a:prstGeom prst="rect">
-            <a:avLst/>
-          </a:prstGeom>
-          <a:noFill/>
-        </p:spPr>
-        <p:txBody>
-          <a:bodyPr wrap="square" lIns="91440" tIns="45720" rIns="91440" bIns="45720">
-            <a:spAutoFit/>
-            <a:scene3d>
-              <a:camera prst="orthographicFront"/>
-              <a:lightRig rig="flat" dir="t">
-                <a:rot lat="0" lon="0" rev="18900000"/>
-              </a:lightRig>
-            </a:scene3d>
-            <a:sp3d extrusionH="31750" contourW="6350" prstMaterial="powder">
-              <a:bevelT w="19050" h="19050" prst="angle"/>
-              <a:contourClr>
-                <a:schemeClr val="accent3">
-                  <a:tint val="100000"/>
-                  <a:shade val="100000"/>
-                  <a:satMod val="100000"/>
-                  <a:hueMod val="100000"/>
-                </a:schemeClr>
-              </a:contourClr>
-            </a:sp3d>
-          </a:bodyPr>
-          <a:lstStyle/>
-          <a:p>
-            <a:pPr algn="ctr"/>
-            <a:r>
-              <a:rPr lang="en-US" sz="5400" b="1" dirty="0" smtClean="0">
-                <a:ln/>
-                <a:solidFill>
-                  <a:schemeClr val="accent3"/>
-                </a:solidFill>
-              </a:rPr>
-              <a:t>Happy</a:t>
-            </a:r>
-          </a:p>
-        </p:txBody>
-      </p:sp>
-    </p:spTree>
-    <p:extLst>
-      <p:ext uri="{BB962C8B-B14F-4D97-AF65-F5344CB8AC3E}">
-        <p14:creationId xmlns:p14="http://schemas.microsoft.com/office/powerpoint/2010/main" val="4246103118"/>
-      </p:ext>
-    </p:extLst>
-  </p:cSld>
-  <p:clrMapOvr>
-    <a:masterClrMapping/>
-  </p:clrMapOvr>
-  <p:timing>
-    <p:tnLst>
-      <p:par>
-        <p:cTn id="1" dur="indefinite" restart="never" nodeType="tmRoot"/>
-      </p:par>
-    </p:tnLst>
-  </p:timing>
-</p:sld>
-</file>
-
-<file path=ppt/slides/slide4.xml><?xml version="1.0" encoding="utf-8"?>
-<p:sld xmlns:a="http://schemas.openxmlformats.org/drawingml/2006/main" xmlns:r="http://schemas.openxmlformats.org/officeDocument/2006/relationships" xmlns:p="http://schemas.openxmlformats.org/presentationml/2006/main">
-  <p:cSld>
-    <p:spTree>
-      <p:nvGrpSpPr>
-        <p:cNvPr id="1" name=""/>
-        <p:cNvGrpSpPr/>
-        <p:nvPr/>
-      </p:nvGrpSpPr>
-      <p:grpSpPr>
-        <a:xfrm>
-          <a:off x="0" y="0"/>
-          <a:ext cx="0" cy="0"/>
-          <a:chOff x="0" y="0"/>
-          <a:chExt cx="0" cy="0"/>
-        </a:xfrm>
-      </p:grpSpPr>
-      <p:pic>
-        <p:nvPicPr>
-          <p:cNvPr id="3" name="Picture 2"/>
-          <p:cNvPicPr>
-            <a:picLocks noChangeAspect="1"/>
-          </p:cNvPicPr>
-          <p:nvPr/>
-        </p:nvPicPr>
-        <p:blipFill>
-          <a:blip r:embed="rId3">
-            <a:extLst>
-              <a:ext uri="{28A0092B-C50C-407E-A947-70E740481C1C}">
-                <a14:useLocalDpi xmlns:a14="http://schemas.microsoft.com/office/drawing/2010/main" val="0"/>
-              </a:ext>
-            </a:extLst>
-          </a:blip>
-          <a:stretch>
-            <a:fillRect/>
-          </a:stretch>
-        </p:blipFill>
-        <p:spPr>
-          <a:xfrm>
-            <a:off x="-139189" y="0"/>
-            <a:ext cx="9511789" cy="6858000"/>
-          </a:xfrm>
-          <a:prstGeom prst="rect">
-            <a:avLst/>
-          </a:prstGeom>
-        </p:spPr>
-      </p:pic>
-    </p:spTree>
-    <p:extLst>
-      <p:ext uri="{BB962C8B-B14F-4D97-AF65-F5344CB8AC3E}">
-        <p14:creationId xmlns:p14="http://schemas.microsoft.com/office/powerpoint/2010/main" val="4045316875"/>
-      </p:ext>
-    </p:extLst>
-  </p:cSld>
-  <p:clrMapOvr>
-    <a:masterClrMapping/>
-  </p:clrMapOvr>
-  <p:timing>
-    <p:tnLst>
-      <p:par>
-        <p:cTn id="1" dur="indefinite" restart="never" nodeType="tmRoot"/>
-      </p:par>
-    </p:tnLst>
-  </p:timing>
-</p:sld>
-</file>
-
-<file path=ppt/slides/slide5.xml><?xml version="1.0" encoding="utf-8"?>
-<p:sld xmlns:a="http://schemas.openxmlformats.org/drawingml/2006/main" xmlns:r="http://schemas.openxmlformats.org/officeDocument/2006/relationships" xmlns:p="http://schemas.openxmlformats.org/presentationml/2006/main">
-  <p:cSld>
-    <p:spTree>
-      <p:nvGrpSpPr>
-        <p:cNvPr id="1" name=""/>
-        <p:cNvGrpSpPr/>
-        <p:nvPr/>
-      </p:nvGrpSpPr>
-      <p:grpSpPr>
-        <a:xfrm>
-          <a:off x="0" y="0"/>
-          <a:ext cx="0" cy="0"/>
-          <a:chOff x="0" y="0"/>
-          <a:chExt cx="0" cy="0"/>
-        </a:xfrm>
-      </p:grpSpPr>
-      <p:sp>
-        <p:nvSpPr>
-          <p:cNvPr id="2" name="Title 1"/>
-          <p:cNvSpPr>
-            <a:spLocks noGrp="1"/>
-          </p:cNvSpPr>
-          <p:nvPr>
-            <p:ph type="title"/>
-          </p:nvPr>
-        </p:nvSpPr>
-        <p:spPr/>
-        <p:txBody>
-          <a:bodyPr/>
-          <a:lstStyle/>
-          <a:p>
-            <a:r>
-              <a:rPr lang="en-US" dirty="0" smtClean="0"/>
-              <a:t>Windows Phone 8.1 Speech API</a:t>
-            </a:r>
-            <a:endParaRPr lang="en-US" dirty="0"/>
-          </a:p>
-        </p:txBody>
-      </p:sp>
-      <p:sp>
-        <p:nvSpPr>
-          <p:cNvPr id="3" name="Content Placeholder 2"/>
-          <p:cNvSpPr>
-            <a:spLocks noGrp="1"/>
-          </p:cNvSpPr>
-          <p:nvPr>
-            <p:ph idx="1"/>
-          </p:nvPr>
-        </p:nvSpPr>
-        <p:spPr/>
-        <p:txBody>
-          <a:bodyPr/>
-          <a:lstStyle/>
-          <a:p>
-            <a:r>
-              <a:rPr lang="en-US" dirty="0" smtClean="0"/>
-              <a:t>Voice Commands</a:t>
-            </a:r>
-          </a:p>
-          <a:p>
-            <a:pPr lvl="1"/>
-            <a:r>
-              <a:rPr lang="en-US" dirty="0" smtClean="0"/>
-              <a:t>VCD.xml file</a:t>
-            </a:r>
-          </a:p>
-          <a:p>
-            <a:pPr lvl="1"/>
-            <a:r>
-              <a:rPr lang="en-US" dirty="0" smtClean="0"/>
-              <a:t>Used to Launch Apps</a:t>
-            </a:r>
-            <a:endParaRPr lang="en-US" dirty="0"/>
-          </a:p>
-          <a:p>
-            <a:r>
-              <a:rPr lang="en-US" dirty="0" smtClean="0"/>
-              <a:t>Speech Recognition</a:t>
-            </a:r>
-          </a:p>
-          <a:p>
-            <a:pPr lvl="1"/>
-            <a:r>
-              <a:rPr lang="en-US" dirty="0" smtClean="0"/>
-              <a:t>Grammars</a:t>
-            </a:r>
-          </a:p>
-          <a:p>
-            <a:pPr lvl="1"/>
-            <a:r>
-              <a:rPr lang="en-US" dirty="0" smtClean="0"/>
-              <a:t>Recognizers</a:t>
-            </a:r>
-          </a:p>
-          <a:p>
-            <a:r>
-              <a:rPr lang="en-US" dirty="0"/>
-              <a:t>Text-To-Speech (TTS)</a:t>
-            </a:r>
-            <a:endParaRPr lang="en-US" dirty="0" smtClean="0"/>
-          </a:p>
-          <a:p>
-            <a:r>
-              <a:rPr lang="en-US" dirty="0" smtClean="0"/>
-              <a:t>Error Help </a:t>
-            </a:r>
-            <a:r>
-              <a:rPr lang="en-US" dirty="0" smtClean="0">
-                <a:hlinkClick r:id="rId2"/>
-              </a:rPr>
-              <a:t>Here</a:t>
-            </a:r>
-            <a:endParaRPr lang="en-US" dirty="0"/>
-          </a:p>
-          <a:p>
-            <a:endParaRPr lang="en-US" dirty="0"/>
-          </a:p>
-        </p:txBody>
-      </p:sp>
-    </p:spTree>
-    <p:extLst>
-      <p:ext uri="{BB962C8B-B14F-4D97-AF65-F5344CB8AC3E}">
-        <p14:creationId xmlns:p14="http://schemas.microsoft.com/office/powerpoint/2010/main" val="994011349"/>
-      </p:ext>
-    </p:extLst>
-  </p:cSld>
-  <p:clrMapOvr>
-    <a:masterClrMapping/>
-  </p:clrMapOvr>
-  <p:timing>
-    <p:tnLst>
-      <p:par>
-        <p:cTn id="1" dur="indefinite" restart="never" nodeType="tmRoot"/>
-      </p:par>
-    </p:tnLst>
-  </p:timing>
-</p:sld>
-</file>
-
-<file path=ppt/slides/slide6.xml><?xml version="1.0" encoding="utf-8"?>
-<p:sld xmlns:a="http://schemas.openxmlformats.org/drawingml/2006/main" xmlns:r="http://schemas.openxmlformats.org/officeDocument/2006/relationships" xmlns:p="http://schemas.openxmlformats.org/presentationml/2006/main">
-  <p:cSld>
-    <p:spTree>
-      <p:nvGrpSpPr>
-        <p:cNvPr id="1" name=""/>
-        <p:cNvGrpSpPr/>
-        <p:nvPr/>
-      </p:nvGrpSpPr>
-      <p:grpSpPr>
-        <a:xfrm>
-          <a:off x="0" y="0"/>
-          <a:ext cx="0" cy="0"/>
-          <a:chOff x="0" y="0"/>
-          <a:chExt cx="0" cy="0"/>
-        </a:xfrm>
-      </p:grpSpPr>
-      <p:sp>
-        <p:nvSpPr>
-          <p:cNvPr id="2" name="Title 1"/>
-          <p:cNvSpPr>
-            <a:spLocks noGrp="1"/>
-          </p:cNvSpPr>
-          <p:nvPr>
-            <p:ph type="title"/>
-          </p:nvPr>
-        </p:nvSpPr>
-        <p:spPr/>
-        <p:txBody>
-          <a:bodyPr/>
-          <a:lstStyle/>
-          <a:p>
-            <a:r>
-              <a:rPr lang="en-US" dirty="0" smtClean="0"/>
-              <a:t>Voice Commands</a:t>
-            </a:r>
-            <a:endParaRPr lang="en-US" dirty="0"/>
-          </a:p>
-        </p:txBody>
-      </p:sp>
-      <p:sp>
-        <p:nvSpPr>
-          <p:cNvPr id="4" name="Content Placeholder 3"/>
-          <p:cNvSpPr>
-            <a:spLocks noGrp="1"/>
-          </p:cNvSpPr>
-          <p:nvPr>
-            <p:ph idx="1"/>
-          </p:nvPr>
-        </p:nvSpPr>
-        <p:spPr/>
-        <p:txBody>
-          <a:bodyPr>
-            <a:normAutofit lnSpcReduction="10000"/>
-          </a:bodyPr>
-          <a:lstStyle/>
-          <a:p>
-            <a:r>
-              <a:rPr lang="en-US" dirty="0" smtClean="0"/>
-              <a:t>Create VCD.xml File</a:t>
-            </a:r>
-          </a:p>
-          <a:p>
-            <a:r>
-              <a:rPr lang="en-US" dirty="0" smtClean="0"/>
-              <a:t>Register VCD File</a:t>
-            </a:r>
-          </a:p>
-          <a:p>
-            <a:r>
-              <a:rPr lang="en-US" dirty="0" smtClean="0"/>
-              <a:t>Update Phrase Lists</a:t>
-            </a:r>
-          </a:p>
-          <a:p>
-            <a:r>
-              <a:rPr lang="en-US" dirty="0" smtClean="0"/>
-              <a:t>Now support dictation variables</a:t>
-            </a:r>
-          </a:p>
-          <a:p>
-            <a:r>
-              <a:rPr lang="en-US" dirty="0" smtClean="0"/>
-              <a:t>Declare Capabilities in WMAppManifext.xml</a:t>
-            </a:r>
-          </a:p>
-          <a:p>
-            <a:pPr lvl="1"/>
-            <a:r>
-              <a:rPr lang="en-US" dirty="0" smtClean="0"/>
-              <a:t>Microphone</a:t>
-            </a:r>
-          </a:p>
-          <a:p>
-            <a:pPr lvl="1"/>
-            <a:r>
-              <a:rPr lang="en-US" dirty="0" smtClean="0"/>
-              <a:t>Speech Recognition</a:t>
-            </a:r>
-          </a:p>
-          <a:p>
-            <a:pPr lvl="1"/>
-            <a:r>
-              <a:rPr lang="en-US" dirty="0" smtClean="0"/>
-              <a:t>Networking</a:t>
-            </a:r>
-          </a:p>
-        </p:txBody>
-      </p:sp>
-    </p:spTree>
-    <p:extLst>
-      <p:ext uri="{BB962C8B-B14F-4D97-AF65-F5344CB8AC3E}">
-        <p14:creationId xmlns:p14="http://schemas.microsoft.com/office/powerpoint/2010/main" val="489171523"/>
-      </p:ext>
-    </p:extLst>
-  </p:cSld>
-  <p:clrMapOvr>
-    <a:masterClrMapping/>
-  </p:clrMapOvr>
-  <p:timing>
-    <p:tnLst>
-      <p:par>
-        <p:cTn id="1" dur="indefinite" restart="never" nodeType="tmRoot"/>
-      </p:par>
-    </p:tnLst>
-  </p:timing>
-</p:sld>
-</file>
-
-<file path=ppt/slides/slide7.xml><?xml version="1.0" encoding="utf-8"?>
-<p:sld xmlns:a="http://schemas.openxmlformats.org/drawingml/2006/main" xmlns:r="http://schemas.openxmlformats.org/officeDocument/2006/relationships" xmlns:p="http://schemas.openxmlformats.org/presentationml/2006/main">
-  <p:cSld>
-    <p:spTree>
-      <p:nvGrpSpPr>
-        <p:cNvPr id="1" name=""/>
-        <p:cNvGrpSpPr/>
-        <p:nvPr/>
-      </p:nvGrpSpPr>
-      <p:grpSpPr>
-        <a:xfrm>
-          <a:off x="0" y="0"/>
-          <a:ext cx="0" cy="0"/>
-          <a:chOff x="0" y="0"/>
-          <a:chExt cx="0" cy="0"/>
-        </a:xfrm>
-      </p:grpSpPr>
-      <p:sp>
-        <p:nvSpPr>
-          <p:cNvPr id="2" name="Title 1"/>
-          <p:cNvSpPr>
-            <a:spLocks noGrp="1"/>
-          </p:cNvSpPr>
-          <p:nvPr>
-            <p:ph type="title"/>
-          </p:nvPr>
-        </p:nvSpPr>
-        <p:spPr/>
-        <p:txBody>
-          <a:bodyPr/>
-          <a:lstStyle/>
-          <a:p>
-            <a:r>
-              <a:rPr lang="en-US" dirty="0" smtClean="0"/>
-              <a:t>Text-To-Speech (TTS)</a:t>
-            </a:r>
-            <a:endParaRPr lang="en-US" dirty="0"/>
-          </a:p>
-        </p:txBody>
-      </p:sp>
-      <p:sp>
-        <p:nvSpPr>
-          <p:cNvPr id="3" name="Content Placeholder 2"/>
-          <p:cNvSpPr>
-            <a:spLocks noGrp="1"/>
-          </p:cNvSpPr>
-          <p:nvPr>
-            <p:ph idx="1"/>
-          </p:nvPr>
-        </p:nvSpPr>
-        <p:spPr/>
-        <p:txBody>
-          <a:bodyPr/>
-          <a:lstStyle/>
-          <a:p>
-            <a:r>
-              <a:rPr lang="en-US" dirty="0" err="1" smtClean="0"/>
-              <a:t>SpeechSynthesizer</a:t>
-            </a:r>
-            <a:endParaRPr lang="en-US" dirty="0" smtClean="0"/>
-          </a:p>
-          <a:p>
-            <a:pPr lvl="1"/>
-            <a:r>
-              <a:rPr lang="en-US" dirty="0" smtClean="0"/>
-              <a:t>.</a:t>
-            </a:r>
-            <a:r>
-              <a:rPr lang="en-US" dirty="0" err="1" smtClean="0"/>
-              <a:t>SpeakTextAsync</a:t>
-            </a:r>
-            <a:r>
-              <a:rPr lang="en-US" dirty="0" smtClean="0"/>
-              <a:t>(“string”)</a:t>
-            </a:r>
-          </a:p>
-          <a:p>
-            <a:r>
-              <a:rPr lang="en-US" dirty="0" smtClean="0"/>
-              <a:t>Literally </a:t>
-            </a:r>
-            <a:r>
-              <a:rPr lang="en-US" dirty="0"/>
-              <a:t>stick words in the phone’s mouth!</a:t>
-            </a:r>
-          </a:p>
-          <a:p>
-            <a:endParaRPr lang="en-US" dirty="0"/>
-          </a:p>
-        </p:txBody>
-      </p:sp>
-    </p:spTree>
-    <p:extLst>
-      <p:ext uri="{BB962C8B-B14F-4D97-AF65-F5344CB8AC3E}">
-        <p14:creationId xmlns:p14="http://schemas.microsoft.com/office/powerpoint/2010/main" val="2930304956"/>
-      </p:ext>
-    </p:extLst>
-  </p:cSld>
-  <p:clrMapOvr>
-    <a:masterClrMapping/>
-  </p:clrMapOvr>
-  <p:timing>
-    <p:tnLst>
-      <p:par>
-        <p:cTn id="1" dur="indefinite" restart="never" nodeType="tmRoot"/>
-      </p:par>
-    </p:tnLst>
-  </p:timing>
-</p:sld>
-</file>
-
-<file path=ppt/slides/slide8.xml><?xml version="1.0" encoding="utf-8"?>
-<p:sld xmlns:a="http://schemas.openxmlformats.org/drawingml/2006/main" xmlns:r="http://schemas.openxmlformats.org/officeDocument/2006/relationships" xmlns:p="http://schemas.openxmlformats.org/presentationml/2006/main">
-  <p:cSld>
-    <p:spTree>
-      <p:nvGrpSpPr>
-        <p:cNvPr id="1" name=""/>
-        <p:cNvGrpSpPr/>
-        <p:nvPr/>
-      </p:nvGrpSpPr>
-      <p:grpSpPr>
-        <a:xfrm>
-          <a:off x="0" y="0"/>
-          <a:ext cx="0" cy="0"/>
-          <a:chOff x="0" y="0"/>
-          <a:chExt cx="0" cy="0"/>
-        </a:xfrm>
-      </p:grpSpPr>
-      <p:sp>
-        <p:nvSpPr>
-          <p:cNvPr id="2" name="Title 1"/>
-          <p:cNvSpPr>
-            <a:spLocks noGrp="1"/>
-          </p:cNvSpPr>
-          <p:nvPr>
-            <p:ph type="title"/>
-          </p:nvPr>
-        </p:nvSpPr>
-        <p:spPr/>
-        <p:txBody>
-          <a:bodyPr/>
-          <a:lstStyle/>
-          <a:p>
-            <a:r>
-              <a:rPr lang="en-US" dirty="0" smtClean="0"/>
-              <a:t>Speech Recognizers</a:t>
-            </a:r>
-            <a:endParaRPr lang="en-US" dirty="0"/>
-          </a:p>
-        </p:txBody>
-      </p:sp>
-      <p:sp>
-        <p:nvSpPr>
-          <p:cNvPr id="5" name="Text Placeholder 4"/>
-          <p:cNvSpPr>
-            <a:spLocks noGrp="1"/>
-          </p:cNvSpPr>
-          <p:nvPr>
-            <p:ph type="body" idx="1"/>
-          </p:nvPr>
-        </p:nvSpPr>
-        <p:spPr/>
-        <p:txBody>
-          <a:bodyPr/>
-          <a:lstStyle/>
-          <a:p>
-            <a:r>
-              <a:rPr lang="en-US" dirty="0" err="1"/>
-              <a:t>SpeechRecognizerUI</a:t>
-            </a:r>
-            <a:endParaRPr lang="en-US" dirty="0"/>
-          </a:p>
-        </p:txBody>
-      </p:sp>
-      <p:sp>
-        <p:nvSpPr>
-          <p:cNvPr id="6" name="Content Placeholder 5"/>
-          <p:cNvSpPr>
-            <a:spLocks noGrp="1"/>
-          </p:cNvSpPr>
-          <p:nvPr>
-            <p:ph sz="half" idx="2"/>
-          </p:nvPr>
-        </p:nvSpPr>
-        <p:spPr/>
-        <p:txBody>
-          <a:bodyPr/>
-          <a:lstStyle/>
-          <a:p>
-            <a:r>
-              <a:rPr lang="en-US" dirty="0"/>
-              <a:t>Uses built in Speech UI</a:t>
-            </a:r>
-          </a:p>
-          <a:p>
-            <a:r>
-              <a:rPr lang="en-US" dirty="0"/>
-              <a:t>Good for basic uses</a:t>
-            </a:r>
-          </a:p>
-          <a:p>
-            <a:endParaRPr lang="en-US" dirty="0"/>
-          </a:p>
-        </p:txBody>
-      </p:sp>
-      <p:sp>
-        <p:nvSpPr>
-          <p:cNvPr id="7" name="Text Placeholder 6"/>
-          <p:cNvSpPr>
-            <a:spLocks noGrp="1"/>
-          </p:cNvSpPr>
-          <p:nvPr>
-            <p:ph type="body" sz="quarter" idx="3"/>
-          </p:nvPr>
-        </p:nvSpPr>
-        <p:spPr/>
-        <p:txBody>
-          <a:bodyPr/>
-          <a:lstStyle/>
-          <a:p>
-            <a:r>
-              <a:rPr lang="en-US" dirty="0" err="1" smtClean="0"/>
-              <a:t>SpeechRecognizer</a:t>
-            </a:r>
-            <a:endParaRPr lang="en-US" dirty="0"/>
-          </a:p>
-        </p:txBody>
-      </p:sp>
-      <p:sp>
-        <p:nvSpPr>
-          <p:cNvPr id="8" name="Content Placeholder 7"/>
-          <p:cNvSpPr>
-            <a:spLocks noGrp="1"/>
-          </p:cNvSpPr>
-          <p:nvPr>
-            <p:ph sz="quarter" idx="4"/>
-          </p:nvPr>
-        </p:nvSpPr>
-        <p:spPr/>
-        <p:txBody>
-          <a:bodyPr/>
-          <a:lstStyle/>
-          <a:p>
-            <a:r>
-              <a:rPr lang="en-US" dirty="0" smtClean="0"/>
-              <a:t>App must provide any desired UI for interaction</a:t>
-            </a:r>
-          </a:p>
-          <a:p>
-            <a:r>
-              <a:rPr lang="en-US" dirty="0" smtClean="0"/>
-              <a:t>Good for custom uses</a:t>
-            </a:r>
-            <a:endParaRPr lang="en-US" dirty="0"/>
-          </a:p>
-        </p:txBody>
-      </p:sp>
-      <p:pic>
-        <p:nvPicPr>
-          <p:cNvPr id="9" name="Picture 8"/>
-          <p:cNvPicPr>
-            <a:picLocks noChangeAspect="1"/>
-          </p:cNvPicPr>
-          <p:nvPr/>
-        </p:nvPicPr>
-        <p:blipFill>
-          <a:blip r:embed="rId2" cstate="print">
-            <a:extLst>
-              <a:ext uri="{28A0092B-C50C-407E-A947-70E740481C1C}">
-                <a14:useLocalDpi xmlns:a14="http://schemas.microsoft.com/office/drawing/2010/main" val="0"/>
-              </a:ext>
-            </a:extLst>
-          </a:blip>
-          <a:stretch>
-            <a:fillRect/>
-          </a:stretch>
-        </p:blipFill>
-        <p:spPr>
-          <a:xfrm>
-            <a:off x="1143000" y="3048000"/>
-            <a:ext cx="2225040" cy="3708400"/>
-          </a:xfrm>
-          <a:prstGeom prst="rect">
-            <a:avLst/>
-          </a:prstGeom>
-        </p:spPr>
-      </p:pic>
-      <p:pic>
-        <p:nvPicPr>
-          <p:cNvPr id="10" name="Picture 9"/>
-          <p:cNvPicPr>
-            <a:picLocks noChangeAspect="1"/>
-          </p:cNvPicPr>
-          <p:nvPr/>
-        </p:nvPicPr>
-        <p:blipFill>
-          <a:blip r:embed="rId3" cstate="print">
-            <a:extLst>
-              <a:ext uri="{28A0092B-C50C-407E-A947-70E740481C1C}">
-                <a14:useLocalDpi xmlns:a14="http://schemas.microsoft.com/office/drawing/2010/main" val="0"/>
-              </a:ext>
-            </a:extLst>
-          </a:blip>
-          <a:stretch>
-            <a:fillRect/>
-          </a:stretch>
-        </p:blipFill>
-        <p:spPr>
-          <a:xfrm>
-            <a:off x="5257800" y="3632200"/>
-            <a:ext cx="1874520" cy="3124200"/>
-          </a:xfrm>
-          <a:prstGeom prst="rect">
-            <a:avLst/>
-          </a:prstGeom>
-        </p:spPr>
-      </p:pic>
-    </p:spTree>
-    <p:extLst>
-      <p:ext uri="{BB962C8B-B14F-4D97-AF65-F5344CB8AC3E}">
-        <p14:creationId xmlns:p14="http://schemas.microsoft.com/office/powerpoint/2010/main" val="3055666484"/>
-      </p:ext>
-    </p:extLst>
-  </p:cSld>
-  <p:clrMapOvr>
-    <a:masterClrMapping/>
-  </p:clrMapOvr>
-  <p:timing>
-    <p:tnLst>
-      <p:par>
-        <p:cTn id="1" dur="indefinite" restart="never" nodeType="tmRoot"/>
-      </p:par>
-    </p:tnLst>
-  </p:timing>
-</p:sld>
-</file>
-
-<file path=ppt/slides/slide9.xml><?xml version="1.0" encoding="utf-8"?>
-<p:sld xmlns:a="http://schemas.openxmlformats.org/drawingml/2006/main" xmlns:r="http://schemas.openxmlformats.org/officeDocument/2006/relationships" xmlns:p="http://schemas.openxmlformats.org/presentationml/2006/main">
-  <p:cSld>
-    <p:spTree>
-      <p:nvGrpSpPr>
-        <p:cNvPr id="1" name=""/>
-        <p:cNvGrpSpPr/>
-        <p:nvPr/>
-      </p:nvGrpSpPr>
-      <p:grpSpPr>
-        <a:xfrm>
-          <a:off x="0" y="0"/>
-          <a:ext cx="0" cy="0"/>
-          <a:chOff x="0" y="0"/>
-          <a:chExt cx="0" cy="0"/>
-        </a:xfrm>
-      </p:grpSpPr>
-      <p:sp>
-        <p:nvSpPr>
-          <p:cNvPr id="2" name="Title 1"/>
-          <p:cNvSpPr>
-            <a:spLocks noGrp="1"/>
-          </p:cNvSpPr>
-          <p:nvPr>
-            <p:ph type="title"/>
-          </p:nvPr>
-        </p:nvSpPr>
-        <p:spPr/>
-        <p:txBody>
-          <a:bodyPr/>
-          <a:lstStyle/>
-          <a:p>
-            <a:r>
-              <a:rPr lang="en-US" dirty="0" smtClean="0"/>
-              <a:t>Choosing Between Grammars</a:t>
-            </a:r>
-            <a:endParaRPr lang="en-US" dirty="0"/>
-          </a:p>
-        </p:txBody>
-      </p:sp>
-      <p:sp>
-        <p:nvSpPr>
-          <p:cNvPr id="3" name="Content Placeholder 2"/>
-          <p:cNvSpPr>
-            <a:spLocks noGrp="1"/>
-          </p:cNvSpPr>
-          <p:nvPr>
-            <p:ph idx="1"/>
-          </p:nvPr>
-        </p:nvSpPr>
-        <p:spPr/>
-        <p:txBody>
-          <a:bodyPr>
-            <a:normAutofit fontScale="92500" lnSpcReduction="20000"/>
-          </a:bodyPr>
-          <a:lstStyle/>
-          <a:p>
-            <a:r>
-              <a:rPr lang="en-US" dirty="0" smtClean="0"/>
-              <a:t>Dictation and Web Search Grammar</a:t>
-            </a:r>
-          </a:p>
-          <a:p>
-            <a:pPr lvl="1"/>
-            <a:r>
-              <a:rPr lang="en-US" dirty="0" smtClean="0"/>
-              <a:t>This is the built in grammar</a:t>
-            </a:r>
-          </a:p>
-          <a:p>
-            <a:pPr lvl="1"/>
-            <a:r>
-              <a:rPr lang="en-US" dirty="0" smtClean="0"/>
-              <a:t>Must have network connectivity to use</a:t>
-            </a:r>
-          </a:p>
-          <a:p>
-            <a:pPr lvl="1"/>
-            <a:r>
-              <a:rPr lang="en-US" dirty="0" smtClean="0"/>
-              <a:t>Used by default when no other grammar specified</a:t>
-            </a:r>
-          </a:p>
-          <a:p>
-            <a:r>
-              <a:rPr lang="en-US" dirty="0" smtClean="0"/>
-              <a:t>Programmatic List Grammar</a:t>
-            </a:r>
-          </a:p>
-          <a:p>
-            <a:pPr lvl="1"/>
-            <a:r>
-              <a:rPr lang="en-US" dirty="0" smtClean="0"/>
-              <a:t>Created in code from a list of strings</a:t>
-            </a:r>
-          </a:p>
-          <a:p>
-            <a:pPr lvl="1"/>
-            <a:r>
-              <a:rPr lang="en-US" dirty="0" smtClean="0"/>
-              <a:t>Extremely light weight, fast, and accurate</a:t>
-            </a:r>
-          </a:p>
-          <a:p>
-            <a:r>
-              <a:rPr lang="en-US" dirty="0" smtClean="0"/>
-              <a:t>Speech Recognition Grammar Specification (SRGS File)</a:t>
-            </a:r>
-          </a:p>
-          <a:p>
-            <a:pPr lvl="1"/>
-            <a:r>
-              <a:rPr lang="en-US" dirty="0" smtClean="0"/>
-              <a:t>Extremely flexible</a:t>
-            </a:r>
-          </a:p>
-          <a:p>
-            <a:pPr lvl="1"/>
-            <a:r>
-              <a:rPr lang="en-US" dirty="0" smtClean="0"/>
-              <a:t>Fast and accurate</a:t>
-            </a:r>
-            <a:endParaRPr lang="en-US" dirty="0"/>
-          </a:p>
-        </p:txBody>
-      </p:sp>
-    </p:spTree>
-    <p:extLst>
-      <p:ext uri="{BB962C8B-B14F-4D97-AF65-F5344CB8AC3E}">
-        <p14:creationId xmlns:p14="http://schemas.microsoft.com/office/powerpoint/2010/main" val="795030899"/>
-      </p:ext>
-    </p:extLst>
-  </p:cSld>
-  <p:clrMapOvr>
-    <a:masterClrMapping/>
-  </p:clrMapOvr>
 </p:sld>
 </file>
 

--- a/App And Page Lifecycle/Creating Great Windows Universal User Experiences.pptx
+++ b/App And Page Lifecycle/Creating Great Windows Universal User Experiences.pptx
@@ -2,17 +2,18 @@
 <file path=ppt/presentation.xml><?xml version="1.0" encoding="utf-8"?>
 <p:presentation xmlns:a="http://schemas.openxmlformats.org/drawingml/2006/main" xmlns:r="http://schemas.openxmlformats.org/officeDocument/2006/relationships" xmlns:p="http://schemas.openxmlformats.org/presentationml/2006/main" saveSubsetFonts="1">
   <p:sldMasterIdLst>
-    <p:sldMasterId id="2147483684" r:id="rId1"/>
+    <p:sldMasterId id="2147483713" r:id="rId1"/>
   </p:sldMasterIdLst>
   <p:notesMasterIdLst>
-    <p:notesMasterId r:id="rId7"/>
+    <p:notesMasterId r:id="rId8"/>
   </p:notesMasterIdLst>
   <p:sldIdLst>
     <p:sldId id="256" r:id="rId2"/>
-    <p:sldId id="264" r:id="rId3"/>
-    <p:sldId id="258" r:id="rId4"/>
-    <p:sldId id="257" r:id="rId5"/>
-    <p:sldId id="265" r:id="rId6"/>
+    <p:sldId id="267" r:id="rId3"/>
+    <p:sldId id="266" r:id="rId4"/>
+    <p:sldId id="258" r:id="rId5"/>
+    <p:sldId id="257" r:id="rId6"/>
+    <p:sldId id="265" r:id="rId7"/>
   </p:sldIdLst>
   <p:sldSz cx="9144000" cy="6858000" type="screen4x3"/>
   <p:notesSz cx="6858000" cy="9144000"/>
@@ -20,7 +21,7 @@
     <a:defPPr>
       <a:defRPr lang="en-US"/>
     </a:defPPr>
-    <a:lvl1pPr marL="0" algn="l" defTabSz="914400" rtl="0" eaLnBrk="1" latinLnBrk="0" hangingPunct="1">
+    <a:lvl1pPr marL="0" algn="l" defTabSz="457200" rtl="0" eaLnBrk="1" latinLnBrk="0" hangingPunct="1">
       <a:defRPr sz="1800" kern="1200">
         <a:solidFill>
           <a:schemeClr val="tx1"/>
@@ -30,7 +31,7 @@
         <a:cs typeface="+mn-cs"/>
       </a:defRPr>
     </a:lvl1pPr>
-    <a:lvl2pPr marL="457200" algn="l" defTabSz="914400" rtl="0" eaLnBrk="1" latinLnBrk="0" hangingPunct="1">
+    <a:lvl2pPr marL="457200" algn="l" defTabSz="457200" rtl="0" eaLnBrk="1" latinLnBrk="0" hangingPunct="1">
       <a:defRPr sz="1800" kern="1200">
         <a:solidFill>
           <a:schemeClr val="tx1"/>
@@ -40,7 +41,7 @@
         <a:cs typeface="+mn-cs"/>
       </a:defRPr>
     </a:lvl2pPr>
-    <a:lvl3pPr marL="914400" algn="l" defTabSz="914400" rtl="0" eaLnBrk="1" latinLnBrk="0" hangingPunct="1">
+    <a:lvl3pPr marL="914400" algn="l" defTabSz="457200" rtl="0" eaLnBrk="1" latinLnBrk="0" hangingPunct="1">
       <a:defRPr sz="1800" kern="1200">
         <a:solidFill>
           <a:schemeClr val="tx1"/>
@@ -50,7 +51,7 @@
         <a:cs typeface="+mn-cs"/>
       </a:defRPr>
     </a:lvl3pPr>
-    <a:lvl4pPr marL="1371600" algn="l" defTabSz="914400" rtl="0" eaLnBrk="1" latinLnBrk="0" hangingPunct="1">
+    <a:lvl4pPr marL="1371600" algn="l" defTabSz="457200" rtl="0" eaLnBrk="1" latinLnBrk="0" hangingPunct="1">
       <a:defRPr sz="1800" kern="1200">
         <a:solidFill>
           <a:schemeClr val="tx1"/>
@@ -60,7 +61,7 @@
         <a:cs typeface="+mn-cs"/>
       </a:defRPr>
     </a:lvl4pPr>
-    <a:lvl5pPr marL="1828800" algn="l" defTabSz="914400" rtl="0" eaLnBrk="1" latinLnBrk="0" hangingPunct="1">
+    <a:lvl5pPr marL="1828800" algn="l" defTabSz="457200" rtl="0" eaLnBrk="1" latinLnBrk="0" hangingPunct="1">
       <a:defRPr sz="1800" kern="1200">
         <a:solidFill>
           <a:schemeClr val="tx1"/>
@@ -70,7 +71,7 @@
         <a:cs typeface="+mn-cs"/>
       </a:defRPr>
     </a:lvl5pPr>
-    <a:lvl6pPr marL="2286000" algn="l" defTabSz="914400" rtl="0" eaLnBrk="1" latinLnBrk="0" hangingPunct="1">
+    <a:lvl6pPr marL="2286000" algn="l" defTabSz="457200" rtl="0" eaLnBrk="1" latinLnBrk="0" hangingPunct="1">
       <a:defRPr sz="1800" kern="1200">
         <a:solidFill>
           <a:schemeClr val="tx1"/>
@@ -80,7 +81,7 @@
         <a:cs typeface="+mn-cs"/>
       </a:defRPr>
     </a:lvl6pPr>
-    <a:lvl7pPr marL="2743200" algn="l" defTabSz="914400" rtl="0" eaLnBrk="1" latinLnBrk="0" hangingPunct="1">
+    <a:lvl7pPr marL="2743200" algn="l" defTabSz="457200" rtl="0" eaLnBrk="1" latinLnBrk="0" hangingPunct="1">
       <a:defRPr sz="1800" kern="1200">
         <a:solidFill>
           <a:schemeClr val="tx1"/>
@@ -90,7 +91,7 @@
         <a:cs typeface="+mn-cs"/>
       </a:defRPr>
     </a:lvl7pPr>
-    <a:lvl8pPr marL="3200400" algn="l" defTabSz="914400" rtl="0" eaLnBrk="1" latinLnBrk="0" hangingPunct="1">
+    <a:lvl8pPr marL="3200400" algn="l" defTabSz="457200" rtl="0" eaLnBrk="1" latinLnBrk="0" hangingPunct="1">
       <a:defRPr sz="1800" kern="1200">
         <a:solidFill>
           <a:schemeClr val="tx1"/>
@@ -100,7 +101,7 @@
         <a:cs typeface="+mn-cs"/>
       </a:defRPr>
     </a:lvl8pPr>
-    <a:lvl9pPr marL="3657600" algn="l" defTabSz="914400" rtl="0" eaLnBrk="1" latinLnBrk="0" hangingPunct="1">
+    <a:lvl9pPr marL="3657600" algn="l" defTabSz="457200" rtl="0" eaLnBrk="1" latinLnBrk="0" hangingPunct="1">
       <a:defRPr sz="1800" kern="1200">
         <a:solidFill>
           <a:schemeClr val="tx1"/>
@@ -130,6 +131,10 @@
 </p:presentation>
 </file>
 
+<file path=ppt/revisionInfo.xml><?xml version="1.0" encoding="utf-8"?>
+<p1510:revInfo xmlns:a="http://schemas.openxmlformats.org/drawingml/2006/main" xmlns:r="http://schemas.openxmlformats.org/officeDocument/2006/relationships" xmlns:p1510="http://schemas.microsoft.com/office/powerpoint/2015/10/main"/>
+</file>
+
 <file path=ppt/notesMasters/notesMaster1.xml><?xml version="1.0" encoding="utf-8"?>
 <p:notesMaster xmlns:a="http://schemas.openxmlformats.org/drawingml/2006/main" xmlns:r="http://schemas.openxmlformats.org/officeDocument/2006/relationships" xmlns:p="http://schemas.openxmlformats.org/presentationml/2006/main">
   <p:cSld>
@@ -212,7 +217,7 @@
           <a:p>
             <a:fld id="{F9B0B765-6EFC-4E67-A609-5A2DD4CB2622}" type="datetimeFigureOut">
               <a:rPr lang="en-US" smtClean="0"/>
-              <a:t>6/2/2015</a:t>
+              <a:t>11/10/2017</a:t>
             </a:fld>
             <a:endParaRPr lang="en-US"/>
           </a:p>
@@ -276,38 +281,37 @@
           <a:p>
             <a:pPr lvl="0"/>
             <a:r>
-              <a:rPr lang="en-US" smtClean="0"/>
+              <a:rPr lang="en-US"/>
               <a:t>Click to edit Master text styles</a:t>
             </a:r>
           </a:p>
           <a:p>
             <a:pPr lvl="1"/>
             <a:r>
-              <a:rPr lang="en-US" smtClean="0"/>
+              <a:rPr lang="en-US"/>
               <a:t>Second level</a:t>
             </a:r>
           </a:p>
           <a:p>
             <a:pPr lvl="2"/>
             <a:r>
-              <a:rPr lang="en-US" smtClean="0"/>
+              <a:rPr lang="en-US"/>
               <a:t>Third level</a:t>
             </a:r>
           </a:p>
           <a:p>
             <a:pPr lvl="3"/>
             <a:r>
-              <a:rPr lang="en-US" smtClean="0"/>
+              <a:rPr lang="en-US"/>
               <a:t>Fourth level</a:t>
             </a:r>
           </a:p>
           <a:p>
             <a:pPr lvl="4"/>
             <a:r>
-              <a:rPr lang="en-US" smtClean="0"/>
+              <a:rPr lang="en-US"/>
               <a:t>Fifth level</a:t>
             </a:r>
-            <a:endParaRPr lang="en-US"/>
           </a:p>
         </p:txBody>
       </p:sp>
@@ -565,11 +569,11 @@
 </file>
 
 <file path=ppt/notesSlides/notesSlide2.xml><?xml version="1.0" encoding="utf-8"?>
-<p:notes xmlns:a="http://schemas.openxmlformats.org/drawingml/2006/main" xmlns:r="http://schemas.openxmlformats.org/officeDocument/2006/relationships" xmlns:p="http://schemas.openxmlformats.org/presentationml/2006/main">
+<p:notes xmlns:a="http://schemas.openxmlformats.org/drawingml/2006/main" xmlns:r="http://schemas.openxmlformats.org/officeDocument/2006/relationships" xmlns:p="http://schemas.openxmlformats.org/presentationml/2006/main" showMasterSp="0" showMasterPhAnim="0">
   <p:cSld>
     <p:spTree>
       <p:nvGrpSpPr>
-        <p:cNvPr id="1" name=""/>
+        <p:cNvPr id="1" name="Shape 125"/>
         <p:cNvGrpSpPr/>
         <p:nvPr/>
       </p:nvGrpSpPr>
@@ -583,62 +587,88 @@
       </p:grpSpPr>
       <p:sp>
         <p:nvSpPr>
-          <p:cNvPr id="2" name="Slide Image Placeholder 1"/>
+          <p:cNvPr id="126" name="Shape 126"/>
+          <p:cNvSpPr txBox="1">
+            <a:spLocks noGrp="1"/>
+          </p:cNvSpPr>
+          <p:nvPr>
+            <p:ph type="body" idx="1"/>
+          </p:nvPr>
+        </p:nvSpPr>
+        <p:spPr>
+          <a:xfrm>
+            <a:off x="685800" y="4343400"/>
+            <a:ext cx="5486400" cy="4114800"/>
+          </a:xfrm>
+          <a:prstGeom prst="rect">
+            <a:avLst/>
+          </a:prstGeom>
+          <a:noFill/>
+          <a:ln>
+            <a:noFill/>
+          </a:ln>
+        </p:spPr>
+        <p:txBody>
+          <a:bodyPr wrap="square" lIns="91425" tIns="91425" rIns="91425" bIns="91425" anchor="ctr" anchorCtr="0">
+            <a:noAutofit/>
+          </a:bodyPr>
+          <a:lstStyle/>
+          <a:p>
+            <a:pPr lvl="0">
+              <a:spcBef>
+                <a:spcPts val="0"/>
+              </a:spcBef>
+              <a:buNone/>
+            </a:pPr>
+            <a:endParaRPr/>
+          </a:p>
+        </p:txBody>
+      </p:sp>
+      <p:sp>
+        <p:nvSpPr>
+          <p:cNvPr id="127" name="Shape 127"/>
           <p:cNvSpPr>
             <a:spLocks noGrp="1" noRot="1" noChangeAspect="1"/>
           </p:cNvSpPr>
           <p:nvPr>
-            <p:ph type="sldImg"/>
-          </p:nvPr>
-        </p:nvSpPr>
-        <p:spPr/>
-      </p:sp>
-      <p:sp>
-        <p:nvSpPr>
-          <p:cNvPr id="3" name="Notes Placeholder 2"/>
-          <p:cNvSpPr>
-            <a:spLocks noGrp="1"/>
-          </p:cNvSpPr>
-          <p:nvPr>
-            <p:ph type="body" idx="1"/>
-          </p:nvPr>
-        </p:nvSpPr>
-        <p:spPr/>
-        <p:txBody>
-          <a:bodyPr/>
-          <a:lstStyle/>
-          <a:p>
-            <a:endParaRPr lang="en-US"/>
-          </a:p>
-        </p:txBody>
-      </p:sp>
-      <p:sp>
-        <p:nvSpPr>
-          <p:cNvPr id="4" name="Slide Number Placeholder 3"/>
-          <p:cNvSpPr>
-            <a:spLocks noGrp="1"/>
-          </p:cNvSpPr>
-          <p:nvPr>
-            <p:ph type="sldNum" sz="quarter" idx="10"/>
-          </p:nvPr>
-        </p:nvSpPr>
-        <p:spPr/>
-        <p:txBody>
-          <a:bodyPr/>
-          <a:lstStyle/>
-          <a:p>
-            <a:fld id="{49632F88-095D-4088-8021-F9F08FF98970}" type="slidenum">
-              <a:rPr lang="en-US" smtClean="0"/>
-              <a:t>2</a:t>
-            </a:fld>
-            <a:endParaRPr lang="en-US"/>
-          </a:p>
-        </p:txBody>
+            <p:ph type="sldImg" idx="2"/>
+          </p:nvPr>
+        </p:nvSpPr>
+        <p:spPr>
+          <a:xfrm>
+            <a:off x="1143000" y="685800"/>
+            <a:ext cx="4572000" cy="3429000"/>
+          </a:xfrm>
+          <a:custGeom>
+            <a:avLst/>
+            <a:gdLst/>
+            <a:ahLst/>
+            <a:cxnLst/>
+            <a:rect l="0" t="0" r="0" b="0"/>
+            <a:pathLst>
+              <a:path w="120000" h="120000" extrusionOk="0">
+                <a:moveTo>
+                  <a:pt x="0" y="0"/>
+                </a:moveTo>
+                <a:lnTo>
+                  <a:pt x="120000" y="0"/>
+                </a:lnTo>
+                <a:lnTo>
+                  <a:pt x="120000" y="120000"/>
+                </a:lnTo>
+                <a:lnTo>
+                  <a:pt x="0" y="120000"/>
+                </a:lnTo>
+                <a:close/>
+              </a:path>
+            </a:pathLst>
+          </a:custGeom>
+        </p:spPr>
       </p:sp>
     </p:spTree>
     <p:extLst>
       <p:ext uri="{BB962C8B-B14F-4D97-AF65-F5344CB8AC3E}">
-        <p14:creationId xmlns:p14="http://schemas.microsoft.com/office/powerpoint/2010/main" val="1506997090"/>
+        <p14:creationId xmlns:p14="http://schemas.microsoft.com/office/powerpoint/2010/main" val="2610222306"/>
       </p:ext>
     </p:extLst>
   </p:cSld>
@@ -667,7 +697,7 @@
       </p:grpSpPr>
       <p:sp>
         <p:nvSpPr>
-          <p:cNvPr id="2" name="Slide Image Placeholder 1"/>
+          <p:cNvPr id="612" name="Shape 612"/>
           <p:cNvSpPr>
             <a:spLocks noGrp="1" noRot="1" noChangeAspect="1"/>
           </p:cNvSpPr>
@@ -675,54 +705,58 @@
             <p:ph type="sldImg"/>
           </p:nvPr>
         </p:nvSpPr>
-        <p:spPr/>
-      </p:sp>
-      <p:sp>
-        <p:nvSpPr>
-          <p:cNvPr id="3" name="Notes Placeholder 2"/>
-          <p:cNvSpPr>
-            <a:spLocks noGrp="1"/>
-          </p:cNvSpPr>
-          <p:nvPr>
-            <p:ph type="body" idx="1"/>
-          </p:nvPr>
-        </p:nvSpPr>
-        <p:spPr/>
+        <p:spPr>
+          <a:xfrm>
+            <a:off x="1143000" y="685800"/>
+            <a:ext cx="4572000" cy="3429000"/>
+          </a:xfrm>
+          <a:prstGeom prst="rect">
+            <a:avLst/>
+          </a:prstGeom>
+        </p:spPr>
         <p:txBody>
           <a:bodyPr/>
           <a:lstStyle/>
           <a:p>
-            <a:endParaRPr lang="en-US" dirty="0" smtClean="0"/>
-          </a:p>
-        </p:txBody>
-      </p:sp>
-      <p:sp>
-        <p:nvSpPr>
-          <p:cNvPr id="4" name="Slide Number Placeholder 3"/>
-          <p:cNvSpPr>
-            <a:spLocks noGrp="1"/>
-          </p:cNvSpPr>
-          <p:nvPr>
-            <p:ph type="sldNum" sz="quarter" idx="10"/>
-          </p:nvPr>
-        </p:nvSpPr>
-        <p:spPr/>
+            <a:endParaRPr/>
+          </a:p>
+        </p:txBody>
+      </p:sp>
+      <p:sp>
+        <p:nvSpPr>
+          <p:cNvPr id="613" name="Shape 613"/>
+          <p:cNvSpPr>
+            <a:spLocks noGrp="1"/>
+          </p:cNvSpPr>
+          <p:nvPr>
+            <p:ph type="body" sz="quarter" idx="1"/>
+          </p:nvPr>
+        </p:nvSpPr>
+        <p:spPr>
+          <a:prstGeom prst="rect">
+            <a:avLst/>
+          </a:prstGeom>
+        </p:spPr>
         <p:txBody>
           <a:bodyPr/>
           <a:lstStyle/>
           <a:p>
-            <a:fld id="{49632F88-095D-4088-8021-F9F08FF98970}" type="slidenum">
-              <a:rPr lang="en-US" smtClean="0"/>
-              <a:t>3</a:t>
-            </a:fld>
-            <a:endParaRPr lang="en-US"/>
+            <a:pPr defTabSz="914400">
+              <a:defRPr sz="1100">
+                <a:latin typeface="Helvetica Neue"/>
+                <a:ea typeface="Helvetica Neue"/>
+                <a:cs typeface="Helvetica Neue"/>
+                <a:sym typeface="Helvetica Neue"/>
+              </a:defRPr>
+            </a:pPr>
+            <a:endParaRPr dirty="0"/>
           </a:p>
         </p:txBody>
       </p:sp>
     </p:spTree>
     <p:extLst>
       <p:ext uri="{BB962C8B-B14F-4D97-AF65-F5344CB8AC3E}">
-        <p14:creationId xmlns:p14="http://schemas.microsoft.com/office/powerpoint/2010/main" val="3713404350"/>
+        <p14:creationId xmlns:p14="http://schemas.microsoft.com/office/powerpoint/2010/main" val="3909479468"/>
       </p:ext>
     </p:extLst>
   </p:cSld>
@@ -806,7 +840,7 @@
     </p:spTree>
     <p:extLst>
       <p:ext uri="{BB962C8B-B14F-4D97-AF65-F5344CB8AC3E}">
-        <p14:creationId xmlns:p14="http://schemas.microsoft.com/office/powerpoint/2010/main" val="1238531945"/>
+        <p14:creationId xmlns:p14="http://schemas.microsoft.com/office/powerpoint/2010/main" val="3713404350"/>
       </p:ext>
     </p:extLst>
   </p:cSld>
@@ -860,7 +894,7 @@
           <a:bodyPr/>
           <a:lstStyle/>
           <a:p>
-            <a:endParaRPr lang="en-US"/>
+            <a:endParaRPr lang="en-US" dirty="0"/>
           </a:p>
         </p:txBody>
       </p:sp>
@@ -882,6 +916,90 @@
             <a:fld id="{49632F88-095D-4088-8021-F9F08FF98970}" type="slidenum">
               <a:rPr lang="en-US" smtClean="0"/>
               <a:t>5</a:t>
+            </a:fld>
+            <a:endParaRPr lang="en-US"/>
+          </a:p>
+        </p:txBody>
+      </p:sp>
+    </p:spTree>
+    <p:extLst>
+      <p:ext uri="{BB962C8B-B14F-4D97-AF65-F5344CB8AC3E}">
+        <p14:creationId xmlns:p14="http://schemas.microsoft.com/office/powerpoint/2010/main" val="1238531945"/>
+      </p:ext>
+    </p:extLst>
+  </p:cSld>
+  <p:clrMapOvr>
+    <a:masterClrMapping/>
+  </p:clrMapOvr>
+</p:notes>
+</file>
+
+<file path=ppt/notesSlides/notesSlide6.xml><?xml version="1.0" encoding="utf-8"?>
+<p:notes xmlns:a="http://schemas.openxmlformats.org/drawingml/2006/main" xmlns:r="http://schemas.openxmlformats.org/officeDocument/2006/relationships" xmlns:p="http://schemas.openxmlformats.org/presentationml/2006/main">
+  <p:cSld>
+    <p:spTree>
+      <p:nvGrpSpPr>
+        <p:cNvPr id="1" name=""/>
+        <p:cNvGrpSpPr/>
+        <p:nvPr/>
+      </p:nvGrpSpPr>
+      <p:grpSpPr>
+        <a:xfrm>
+          <a:off x="0" y="0"/>
+          <a:ext cx="0" cy="0"/>
+          <a:chOff x="0" y="0"/>
+          <a:chExt cx="0" cy="0"/>
+        </a:xfrm>
+      </p:grpSpPr>
+      <p:sp>
+        <p:nvSpPr>
+          <p:cNvPr id="2" name="Slide Image Placeholder 1"/>
+          <p:cNvSpPr>
+            <a:spLocks noGrp="1" noRot="1" noChangeAspect="1"/>
+          </p:cNvSpPr>
+          <p:nvPr>
+            <p:ph type="sldImg"/>
+          </p:nvPr>
+        </p:nvSpPr>
+        <p:spPr/>
+      </p:sp>
+      <p:sp>
+        <p:nvSpPr>
+          <p:cNvPr id="3" name="Notes Placeholder 2"/>
+          <p:cNvSpPr>
+            <a:spLocks noGrp="1"/>
+          </p:cNvSpPr>
+          <p:nvPr>
+            <p:ph type="body" idx="1"/>
+          </p:nvPr>
+        </p:nvSpPr>
+        <p:spPr/>
+        <p:txBody>
+          <a:bodyPr/>
+          <a:lstStyle/>
+          <a:p>
+            <a:endParaRPr lang="en-US"/>
+          </a:p>
+        </p:txBody>
+      </p:sp>
+      <p:sp>
+        <p:nvSpPr>
+          <p:cNvPr id="4" name="Slide Number Placeholder 3"/>
+          <p:cNvSpPr>
+            <a:spLocks noGrp="1"/>
+          </p:cNvSpPr>
+          <p:nvPr>
+            <p:ph type="sldNum" sz="quarter" idx="10"/>
+          </p:nvPr>
+        </p:nvSpPr>
+        <p:spPr/>
+        <p:txBody>
+          <a:bodyPr/>
+          <a:lstStyle/>
+          <a:p>
+            <a:fld id="{49632F88-095D-4088-8021-F9F08FF98970}" type="slidenum">
+              <a:rPr lang="en-US" smtClean="0"/>
+              <a:t>6</a:t>
             </a:fld>
             <a:endParaRPr lang="en-US"/>
           </a:p>
@@ -901,7 +1019,7 @@
 </file>
 
 <file path=ppt/slideLayouts/slideLayout1.xml><?xml version="1.0" encoding="utf-8"?>
-<p:sldLayout xmlns:a="http://schemas.openxmlformats.org/drawingml/2006/main" xmlns:r="http://schemas.openxmlformats.org/officeDocument/2006/relationships" xmlns:p="http://schemas.openxmlformats.org/presentationml/2006/main" type="title" preserve="1">
+<p:sldLayout xmlns:a="http://schemas.openxmlformats.org/drawingml/2006/main" xmlns:r="http://schemas.openxmlformats.org/officeDocument/2006/relationships" xmlns:p="http://schemas.openxmlformats.org/presentationml/2006/main" showMasterSp="0" type="title" preserve="1">
   <p:cSld name="Title Slide">
     <p:spTree>
       <p:nvGrpSpPr>
@@ -917,6 +1035,611 @@
           <a:chExt cx="0" cy="0"/>
         </a:xfrm>
       </p:grpSpPr>
+      <p:grpSp>
+        <p:nvGrpSpPr>
+          <p:cNvPr id="7" name="Group 6"/>
+          <p:cNvGrpSpPr/>
+          <p:nvPr/>
+        </p:nvGrpSpPr>
+        <p:grpSpPr>
+          <a:xfrm>
+            <a:off x="-8466" y="-8468"/>
+            <a:ext cx="9169804" cy="6874935"/>
+            <a:chOff x="-8466" y="-8468"/>
+            <a:chExt cx="9169804" cy="6874935"/>
+          </a:xfrm>
+        </p:grpSpPr>
+        <p:cxnSp>
+          <p:nvCxnSpPr>
+            <p:cNvPr id="17" name="Straight Connector 16"/>
+            <p:cNvCxnSpPr/>
+            <p:nvPr/>
+          </p:nvCxnSpPr>
+          <p:spPr>
+            <a:xfrm flipV="1">
+              <a:off x="5130830" y="4175605"/>
+              <a:ext cx="4022475" cy="2682396"/>
+            </a:xfrm>
+            <a:prstGeom prst="line">
+              <a:avLst/>
+            </a:prstGeom>
+            <a:ln w="9525">
+              <a:solidFill>
+                <a:schemeClr val="bg1">
+                  <a:lumMod val="85000"/>
+                  <a:lumOff val="15000"/>
+                </a:schemeClr>
+              </a:solidFill>
+            </a:ln>
+          </p:spPr>
+          <p:style>
+            <a:lnRef idx="2">
+              <a:schemeClr val="accent1"/>
+            </a:lnRef>
+            <a:fillRef idx="0">
+              <a:schemeClr val="accent1"/>
+            </a:fillRef>
+            <a:effectRef idx="1">
+              <a:schemeClr val="accent1"/>
+            </a:effectRef>
+            <a:fontRef idx="minor">
+              <a:schemeClr val="tx1"/>
+            </a:fontRef>
+          </p:style>
+        </p:cxnSp>
+        <p:cxnSp>
+          <p:nvCxnSpPr>
+            <p:cNvPr id="18" name="Straight Connector 17"/>
+            <p:cNvCxnSpPr/>
+            <p:nvPr/>
+          </p:nvCxnSpPr>
+          <p:spPr>
+            <a:xfrm>
+              <a:off x="7042707" y="0"/>
+              <a:ext cx="1219200" cy="6858000"/>
+            </a:xfrm>
+            <a:prstGeom prst="line">
+              <a:avLst/>
+            </a:prstGeom>
+            <a:ln w="9525">
+              <a:solidFill>
+                <a:schemeClr val="bg1">
+                  <a:lumMod val="85000"/>
+                  <a:lumOff val="15000"/>
+                </a:schemeClr>
+              </a:solidFill>
+            </a:ln>
+          </p:spPr>
+          <p:style>
+            <a:lnRef idx="2">
+              <a:schemeClr val="accent1"/>
+            </a:lnRef>
+            <a:fillRef idx="0">
+              <a:schemeClr val="accent1"/>
+            </a:fillRef>
+            <a:effectRef idx="1">
+              <a:schemeClr val="accent1"/>
+            </a:effectRef>
+            <a:fontRef idx="minor">
+              <a:schemeClr val="tx1"/>
+            </a:fontRef>
+          </p:style>
+        </p:cxnSp>
+        <p:sp>
+          <p:nvSpPr>
+            <p:cNvPr id="19" name="Freeform 18"/>
+            <p:cNvSpPr/>
+            <p:nvPr/>
+          </p:nvSpPr>
+          <p:spPr>
+            <a:xfrm>
+              <a:off x="6891896" y="1"/>
+              <a:ext cx="2269442" cy="6866466"/>
+            </a:xfrm>
+            <a:custGeom>
+              <a:avLst/>
+              <a:gdLst/>
+              <a:ahLst/>
+              <a:cxnLst/>
+              <a:rect l="l" t="t" r="r" b="b"/>
+              <a:pathLst>
+                <a:path w="2269442" h="6866466">
+                  <a:moveTo>
+                    <a:pt x="2023534" y="0"/>
+                  </a:moveTo>
+                  <a:lnTo>
+                    <a:pt x="0" y="6858000"/>
+                  </a:lnTo>
+                  <a:lnTo>
+                    <a:pt x="2269067" y="6866466"/>
+                  </a:lnTo>
+                  <a:cubicBezTo>
+                    <a:pt x="2271889" y="4580466"/>
+                    <a:pt x="2257778" y="2294466"/>
+                    <a:pt x="2260600" y="8466"/>
+                  </a:cubicBezTo>
+                  <a:lnTo>
+                    <a:pt x="2023534" y="0"/>
+                  </a:lnTo>
+                  <a:close/>
+                </a:path>
+              </a:pathLst>
+            </a:custGeom>
+            <a:solidFill>
+              <a:schemeClr val="accent1">
+                <a:alpha val="30000"/>
+              </a:schemeClr>
+            </a:solidFill>
+            <a:ln>
+              <a:noFill/>
+            </a:ln>
+            <a:effectLst/>
+          </p:spPr>
+          <p:style>
+            <a:lnRef idx="1">
+              <a:schemeClr val="accent1"/>
+            </a:lnRef>
+            <a:fillRef idx="3">
+              <a:schemeClr val="accent1"/>
+            </a:fillRef>
+            <a:effectRef idx="2">
+              <a:schemeClr val="accent1"/>
+            </a:effectRef>
+            <a:fontRef idx="minor">
+              <a:schemeClr val="lt1"/>
+            </a:fontRef>
+          </p:style>
+        </p:sp>
+        <p:sp>
+          <p:nvSpPr>
+            <p:cNvPr id="20" name="Freeform 19"/>
+            <p:cNvSpPr/>
+            <p:nvPr/>
+          </p:nvSpPr>
+          <p:spPr>
+            <a:xfrm>
+              <a:off x="7205158" y="-8467"/>
+              <a:ext cx="1948147" cy="6866467"/>
+            </a:xfrm>
+            <a:custGeom>
+              <a:avLst/>
+              <a:gdLst/>
+              <a:ahLst/>
+              <a:cxnLst/>
+              <a:rect l="l" t="t" r="r" b="b"/>
+              <a:pathLst>
+                <a:path w="1948147" h="6866467">
+                  <a:moveTo>
+                    <a:pt x="0" y="0"/>
+                  </a:moveTo>
+                  <a:lnTo>
+                    <a:pt x="1202267" y="6866467"/>
+                  </a:lnTo>
+                  <a:lnTo>
+                    <a:pt x="1947333" y="6866467"/>
+                  </a:lnTo>
+                  <a:cubicBezTo>
+                    <a:pt x="1944511" y="4577645"/>
+                    <a:pt x="1950155" y="2288822"/>
+                    <a:pt x="1947333" y="0"/>
+                  </a:cubicBezTo>
+                  <a:lnTo>
+                    <a:pt x="0" y="0"/>
+                  </a:lnTo>
+                  <a:close/>
+                </a:path>
+              </a:pathLst>
+            </a:custGeom>
+            <a:solidFill>
+              <a:schemeClr val="accent1">
+                <a:alpha val="20000"/>
+              </a:schemeClr>
+            </a:solidFill>
+            <a:ln>
+              <a:noFill/>
+            </a:ln>
+            <a:effectLst/>
+          </p:spPr>
+          <p:style>
+            <a:lnRef idx="1">
+              <a:schemeClr val="accent1"/>
+            </a:lnRef>
+            <a:fillRef idx="3">
+              <a:schemeClr val="accent1"/>
+            </a:fillRef>
+            <a:effectRef idx="2">
+              <a:schemeClr val="accent1"/>
+            </a:effectRef>
+            <a:fontRef idx="minor">
+              <a:schemeClr val="lt1"/>
+            </a:fontRef>
+          </p:style>
+        </p:sp>
+        <p:sp>
+          <p:nvSpPr>
+            <p:cNvPr id="21" name="Freeform 20"/>
+            <p:cNvSpPr/>
+            <p:nvPr/>
+          </p:nvSpPr>
+          <p:spPr>
+            <a:xfrm>
+              <a:off x="6637896" y="3920066"/>
+              <a:ext cx="2513565" cy="2937933"/>
+            </a:xfrm>
+            <a:custGeom>
+              <a:avLst/>
+              <a:gdLst/>
+              <a:ahLst/>
+              <a:cxnLst/>
+              <a:rect l="l" t="t" r="r" b="b"/>
+              <a:pathLst>
+                <a:path w="3259667" h="3810000">
+                  <a:moveTo>
+                    <a:pt x="0" y="3810000"/>
+                  </a:moveTo>
+                  <a:lnTo>
+                    <a:pt x="3251200" y="0"/>
+                  </a:lnTo>
+                  <a:cubicBezTo>
+                    <a:pt x="3254022" y="1270000"/>
+                    <a:pt x="3256845" y="2540000"/>
+                    <a:pt x="3259667" y="3810000"/>
+                  </a:cubicBezTo>
+                  <a:lnTo>
+                    <a:pt x="0" y="3810000"/>
+                  </a:lnTo>
+                  <a:close/>
+                </a:path>
+              </a:pathLst>
+            </a:custGeom>
+            <a:solidFill>
+              <a:schemeClr val="accent2">
+                <a:alpha val="72000"/>
+              </a:schemeClr>
+            </a:solidFill>
+            <a:ln>
+              <a:noFill/>
+            </a:ln>
+            <a:effectLst/>
+          </p:spPr>
+          <p:style>
+            <a:lnRef idx="1">
+              <a:schemeClr val="accent1"/>
+            </a:lnRef>
+            <a:fillRef idx="3">
+              <a:schemeClr val="accent1"/>
+            </a:fillRef>
+            <a:effectRef idx="2">
+              <a:schemeClr val="accent1"/>
+            </a:effectRef>
+            <a:fontRef idx="minor">
+              <a:schemeClr val="lt1"/>
+            </a:fontRef>
+          </p:style>
+        </p:sp>
+        <p:sp>
+          <p:nvSpPr>
+            <p:cNvPr id="22" name="Freeform 21"/>
+            <p:cNvSpPr/>
+            <p:nvPr/>
+          </p:nvSpPr>
+          <p:spPr>
+            <a:xfrm>
+              <a:off x="7010429" y="-8467"/>
+              <a:ext cx="2142876" cy="6866467"/>
+            </a:xfrm>
+            <a:custGeom>
+              <a:avLst/>
+              <a:gdLst/>
+              <a:ahLst/>
+              <a:cxnLst/>
+              <a:rect l="l" t="t" r="r" b="b"/>
+              <a:pathLst>
+                <a:path w="2853267" h="6866467">
+                  <a:moveTo>
+                    <a:pt x="0" y="0"/>
+                  </a:moveTo>
+                  <a:lnTo>
+                    <a:pt x="2472267" y="6866467"/>
+                  </a:lnTo>
+                  <a:lnTo>
+                    <a:pt x="2853267" y="6858000"/>
+                  </a:lnTo>
+                  <a:lnTo>
+                    <a:pt x="2853267" y="0"/>
+                  </a:lnTo>
+                  <a:lnTo>
+                    <a:pt x="0" y="0"/>
+                  </a:lnTo>
+                  <a:close/>
+                </a:path>
+              </a:pathLst>
+            </a:custGeom>
+            <a:solidFill>
+              <a:schemeClr val="accent2">
+                <a:lumMod val="75000"/>
+                <a:alpha val="70000"/>
+              </a:schemeClr>
+            </a:solidFill>
+            <a:ln>
+              <a:noFill/>
+            </a:ln>
+            <a:effectLst/>
+          </p:spPr>
+          <p:style>
+            <a:lnRef idx="1">
+              <a:schemeClr val="accent1"/>
+            </a:lnRef>
+            <a:fillRef idx="3">
+              <a:schemeClr val="accent1"/>
+            </a:fillRef>
+            <a:effectRef idx="2">
+              <a:schemeClr val="accent1"/>
+            </a:effectRef>
+            <a:fontRef idx="minor">
+              <a:schemeClr val="lt1"/>
+            </a:fontRef>
+          </p:style>
+        </p:sp>
+        <p:sp>
+          <p:nvSpPr>
+            <p:cNvPr id="23" name="Freeform 22"/>
+            <p:cNvSpPr/>
+            <p:nvPr/>
+          </p:nvSpPr>
+          <p:spPr>
+            <a:xfrm>
+              <a:off x="8295776" y="-8467"/>
+              <a:ext cx="857530" cy="6866467"/>
+            </a:xfrm>
+            <a:custGeom>
+              <a:avLst/>
+              <a:gdLst/>
+              <a:ahLst/>
+              <a:cxnLst/>
+              <a:rect l="l" t="t" r="r" b="b"/>
+              <a:pathLst>
+                <a:path w="1286933" h="6866467">
+                  <a:moveTo>
+                    <a:pt x="1016000" y="0"/>
+                  </a:moveTo>
+                  <a:lnTo>
+                    <a:pt x="0" y="6866467"/>
+                  </a:lnTo>
+                  <a:lnTo>
+                    <a:pt x="1286933" y="6866467"/>
+                  </a:lnTo>
+                  <a:cubicBezTo>
+                    <a:pt x="1284111" y="4577645"/>
+                    <a:pt x="1281288" y="2288822"/>
+                    <a:pt x="1278466" y="0"/>
+                  </a:cubicBezTo>
+                  <a:lnTo>
+                    <a:pt x="1016000" y="0"/>
+                  </a:lnTo>
+                  <a:close/>
+                </a:path>
+              </a:pathLst>
+            </a:custGeom>
+            <a:solidFill>
+              <a:schemeClr val="accent1">
+                <a:lumMod val="60000"/>
+                <a:lumOff val="40000"/>
+                <a:alpha val="70000"/>
+              </a:schemeClr>
+            </a:solidFill>
+            <a:ln>
+              <a:noFill/>
+            </a:ln>
+            <a:effectLst/>
+          </p:spPr>
+          <p:style>
+            <a:lnRef idx="1">
+              <a:schemeClr val="accent1"/>
+            </a:lnRef>
+            <a:fillRef idx="3">
+              <a:schemeClr val="accent1"/>
+            </a:fillRef>
+            <a:effectRef idx="2">
+              <a:schemeClr val="accent1"/>
+            </a:effectRef>
+            <a:fontRef idx="minor">
+              <a:schemeClr val="lt1"/>
+            </a:fontRef>
+          </p:style>
+        </p:sp>
+        <p:sp>
+          <p:nvSpPr>
+            <p:cNvPr id="24" name="Freeform 23"/>
+            <p:cNvSpPr/>
+            <p:nvPr/>
+          </p:nvSpPr>
+          <p:spPr>
+            <a:xfrm>
+              <a:off x="8077231" y="-8468"/>
+              <a:ext cx="1066770" cy="6866467"/>
+            </a:xfrm>
+            <a:custGeom>
+              <a:avLst/>
+              <a:gdLst/>
+              <a:ahLst/>
+              <a:cxnLst/>
+              <a:rect l="l" t="t" r="r" b="b"/>
+              <a:pathLst>
+                <a:path w="1270244" h="6866467">
+                  <a:moveTo>
+                    <a:pt x="0" y="0"/>
+                  </a:moveTo>
+                  <a:lnTo>
+                    <a:pt x="1117600" y="6866467"/>
+                  </a:lnTo>
+                  <a:lnTo>
+                    <a:pt x="1270000" y="6866467"/>
+                  </a:lnTo>
+                  <a:cubicBezTo>
+                    <a:pt x="1272822" y="4574822"/>
+                    <a:pt x="1250245" y="2291645"/>
+                    <a:pt x="1253067" y="0"/>
+                  </a:cubicBezTo>
+                  <a:lnTo>
+                    <a:pt x="0" y="0"/>
+                  </a:lnTo>
+                  <a:close/>
+                </a:path>
+              </a:pathLst>
+            </a:custGeom>
+            <a:solidFill>
+              <a:schemeClr val="accent1">
+                <a:alpha val="65000"/>
+              </a:schemeClr>
+            </a:solidFill>
+            <a:ln>
+              <a:noFill/>
+            </a:ln>
+            <a:effectLst/>
+          </p:spPr>
+          <p:style>
+            <a:lnRef idx="1">
+              <a:schemeClr val="accent1"/>
+            </a:lnRef>
+            <a:fillRef idx="3">
+              <a:schemeClr val="accent1"/>
+            </a:fillRef>
+            <a:effectRef idx="2">
+              <a:schemeClr val="accent1"/>
+            </a:effectRef>
+            <a:fontRef idx="minor">
+              <a:schemeClr val="lt1"/>
+            </a:fontRef>
+          </p:style>
+        </p:sp>
+        <p:sp>
+          <p:nvSpPr>
+            <p:cNvPr id="25" name="Freeform 24"/>
+            <p:cNvSpPr/>
+            <p:nvPr/>
+          </p:nvSpPr>
+          <p:spPr>
+            <a:xfrm>
+              <a:off x="8060297" y="4893733"/>
+              <a:ext cx="1094086" cy="1964267"/>
+            </a:xfrm>
+            <a:custGeom>
+              <a:avLst/>
+              <a:gdLst/>
+              <a:ahLst/>
+              <a:cxnLst/>
+              <a:rect l="l" t="t" r="r" b="b"/>
+              <a:pathLst>
+                <a:path w="1820333" h="3268133">
+                  <a:moveTo>
+                    <a:pt x="0" y="3268133"/>
+                  </a:moveTo>
+                  <a:lnTo>
+                    <a:pt x="1811866" y="0"/>
+                  </a:lnTo>
+                  <a:cubicBezTo>
+                    <a:pt x="1814688" y="1086555"/>
+                    <a:pt x="1817511" y="2173111"/>
+                    <a:pt x="1820333" y="3259666"/>
+                  </a:cubicBezTo>
+                  <a:lnTo>
+                    <a:pt x="0" y="3268133"/>
+                  </a:lnTo>
+                  <a:close/>
+                </a:path>
+              </a:pathLst>
+            </a:custGeom>
+            <a:solidFill>
+              <a:schemeClr val="accent1">
+                <a:alpha val="80000"/>
+              </a:schemeClr>
+            </a:solidFill>
+            <a:ln>
+              <a:noFill/>
+            </a:ln>
+            <a:effectLst/>
+          </p:spPr>
+          <p:style>
+            <a:lnRef idx="1">
+              <a:schemeClr val="accent1"/>
+            </a:lnRef>
+            <a:fillRef idx="3">
+              <a:schemeClr val="accent1"/>
+            </a:fillRef>
+            <a:effectRef idx="2">
+              <a:schemeClr val="accent1"/>
+            </a:effectRef>
+            <a:fontRef idx="minor">
+              <a:schemeClr val="lt1"/>
+            </a:fontRef>
+          </p:style>
+        </p:sp>
+        <p:sp>
+          <p:nvSpPr>
+            <p:cNvPr id="29" name="Freeform 28"/>
+            <p:cNvSpPr/>
+            <p:nvPr/>
+          </p:nvSpPr>
+          <p:spPr>
+            <a:xfrm>
+              <a:off x="-8466" y="-8468"/>
+              <a:ext cx="863600" cy="5698067"/>
+            </a:xfrm>
+            <a:custGeom>
+              <a:avLst/>
+              <a:gdLst/>
+              <a:ahLst/>
+              <a:cxnLst/>
+              <a:rect l="l" t="t" r="r" b="b"/>
+              <a:pathLst>
+                <a:path w="863600" h="5698067">
+                  <a:moveTo>
+                    <a:pt x="0" y="8467"/>
+                  </a:moveTo>
+                  <a:lnTo>
+                    <a:pt x="863600" y="0"/>
+                  </a:lnTo>
+                  <a:lnTo>
+                    <a:pt x="863600" y="16934"/>
+                  </a:lnTo>
+                  <a:lnTo>
+                    <a:pt x="0" y="5698067"/>
+                  </a:lnTo>
+                  <a:lnTo>
+                    <a:pt x="0" y="8467"/>
+                  </a:lnTo>
+                  <a:close/>
+                </a:path>
+              </a:pathLst>
+            </a:custGeom>
+            <a:solidFill>
+              <a:schemeClr val="accent1">
+                <a:lumMod val="75000"/>
+                <a:alpha val="85000"/>
+              </a:schemeClr>
+            </a:solidFill>
+            <a:ln>
+              <a:noFill/>
+            </a:ln>
+            <a:effectLst/>
+          </p:spPr>
+          <p:style>
+            <a:lnRef idx="1">
+              <a:schemeClr val="accent1"/>
+            </a:lnRef>
+            <a:fillRef idx="3">
+              <a:schemeClr val="accent1"/>
+            </a:fillRef>
+            <a:effectRef idx="2">
+              <a:schemeClr val="accent1"/>
+            </a:effectRef>
+            <a:fontRef idx="minor">
+              <a:schemeClr val="lt1"/>
+            </a:fontRef>
+          </p:style>
+        </p:sp>
+      </p:grpSp>
       <p:sp>
         <p:nvSpPr>
           <p:cNvPr id="2" name="Title 1"/>
@@ -929,16 +1652,26 @@
         </p:nvSpPr>
         <p:spPr>
           <a:xfrm>
-            <a:off x="685800" y="2130425"/>
-            <a:ext cx="7772400" cy="1470025"/>
+            <a:off x="1130595" y="2404534"/>
+            <a:ext cx="5826719" cy="1646302"/>
           </a:xfrm>
         </p:spPr>
         <p:txBody>
-          <a:bodyPr/>
-          <a:lstStyle/>
-          <a:p>
-            <a:r>
-              <a:rPr lang="en-US" smtClean="0"/>
+          <a:bodyPr anchor="b">
+            <a:noAutofit/>
+          </a:bodyPr>
+          <a:lstStyle>
+            <a:lvl1pPr algn="r">
+              <a:defRPr sz="5400">
+                <a:solidFill>
+                  <a:schemeClr val="accent1"/>
+                </a:solidFill>
+              </a:defRPr>
+            </a:lvl1pPr>
+          </a:lstStyle>
+          <a:p>
+            <a:r>
+              <a:rPr lang="en-US"/>
               <a:t>Click to edit Master title style</a:t>
             </a:r>
             <a:endParaRPr lang="en-US" dirty="0"/>
@@ -957,19 +1690,20 @@
         </p:nvSpPr>
         <p:spPr>
           <a:xfrm>
-            <a:off x="1371600" y="3886200"/>
-            <a:ext cx="6400800" cy="1752600"/>
+            <a:off x="1130595" y="4050834"/>
+            <a:ext cx="5826719" cy="1096899"/>
           </a:xfrm>
         </p:spPr>
         <p:txBody>
-          <a:bodyPr/>
+          <a:bodyPr anchor="t"/>
           <a:lstStyle>
-            <a:lvl1pPr marL="0" indent="0" algn="ctr">
+            <a:lvl1pPr marL="0" indent="0" algn="r">
               <a:buNone/>
               <a:defRPr>
                 <a:solidFill>
                   <a:schemeClr val="tx1">
-                    <a:tint val="75000"/>
+                    <a:lumMod val="50000"/>
+                    <a:lumOff val="50000"/>
                   </a:schemeClr>
                 </a:solidFill>
               </a:defRPr>
@@ -1057,9 +1791,76 @@
           </a:lstStyle>
           <a:p>
             <a:r>
+              <a:rPr lang="en-US"/>
+              <a:t>Click to edit Master subtitle style</a:t>
+            </a:r>
+            <a:endParaRPr lang="en-US" dirty="0"/>
+          </a:p>
+        </p:txBody>
+      </p:sp>
+      <p:sp>
+        <p:nvSpPr>
+          <p:cNvPr id="4" name="Date Placeholder 3"/>
+          <p:cNvSpPr>
+            <a:spLocks noGrp="1"/>
+          </p:cNvSpPr>
+          <p:nvPr>
+            <p:ph type="dt" sz="half" idx="10"/>
+          </p:nvPr>
+        </p:nvSpPr>
+        <p:spPr/>
+        <p:txBody>
+          <a:bodyPr/>
+          <a:lstStyle/>
+          <a:p>
+            <a:fld id="{B61BEF0D-F0BB-DE4B-95CE-6DB70DBA9567}" type="datetimeFigureOut">
               <a:rPr lang="en-US" smtClean="0"/>
-              <a:t>Click to edit Master subtitle style</a:t>
-            </a:r>
+              <a:pPr/>
+              <a:t>11/10/2017</a:t>
+            </a:fld>
+            <a:endParaRPr lang="en-US" dirty="0"/>
+          </a:p>
+        </p:txBody>
+      </p:sp>
+      <p:sp>
+        <p:nvSpPr>
+          <p:cNvPr id="5" name="Footer Placeholder 4"/>
+          <p:cNvSpPr>
+            <a:spLocks noGrp="1"/>
+          </p:cNvSpPr>
+          <p:nvPr>
+            <p:ph type="ftr" sz="quarter" idx="11"/>
+          </p:nvPr>
+        </p:nvSpPr>
+        <p:spPr/>
+        <p:txBody>
+          <a:bodyPr/>
+          <a:lstStyle/>
+          <a:p>
+            <a:endParaRPr lang="en-US" dirty="0"/>
+          </a:p>
+        </p:txBody>
+      </p:sp>
+      <p:sp>
+        <p:nvSpPr>
+          <p:cNvPr id="6" name="Slide Number Placeholder 5"/>
+          <p:cNvSpPr>
+            <a:spLocks noGrp="1"/>
+          </p:cNvSpPr>
+          <p:nvPr>
+            <p:ph type="sldNum" sz="quarter" idx="12"/>
+          </p:nvPr>
+        </p:nvSpPr>
+        <p:spPr/>
+        <p:txBody>
+          <a:bodyPr/>
+          <a:lstStyle/>
+          <a:p>
+            <a:fld id="{D57F1E4F-1CFF-5643-939E-217C01CDF565}" type="slidenum">
+              <a:rPr lang="en-US" smtClean="0"/>
+              <a:pPr/>
+              <a:t>‹#›</a:t>
+            </a:fld>
             <a:endParaRPr lang="en-US" dirty="0"/>
           </a:p>
         </p:txBody>
@@ -1067,7 +1868,7 @@
     </p:spTree>
     <p:extLst>
       <p:ext uri="{BB962C8B-B14F-4D97-AF65-F5344CB8AC3E}">
-        <p14:creationId xmlns:p14="http://schemas.microsoft.com/office/powerpoint/2010/main" val="1308158852"/>
+        <p14:creationId xmlns:p14="http://schemas.microsoft.com/office/powerpoint/2010/main" val="221217957"/>
       </p:ext>
     </p:extLst>
   </p:cSld>
@@ -1078,6 +1879,1609 @@
 </file>
 
 <file path=ppt/slideLayouts/slideLayout10.xml><?xml version="1.0" encoding="utf-8"?>
+<p:sldLayout xmlns:a="http://schemas.openxmlformats.org/drawingml/2006/main" xmlns:r="http://schemas.openxmlformats.org/officeDocument/2006/relationships" xmlns:p="http://schemas.openxmlformats.org/presentationml/2006/main" preserve="1">
+  <p:cSld name="Title and Caption">
+    <p:spTree>
+      <p:nvGrpSpPr>
+        <p:cNvPr id="1" name=""/>
+        <p:cNvGrpSpPr/>
+        <p:nvPr/>
+      </p:nvGrpSpPr>
+      <p:grpSpPr>
+        <a:xfrm>
+          <a:off x="0" y="0"/>
+          <a:ext cx="0" cy="0"/>
+          <a:chOff x="0" y="0"/>
+          <a:chExt cx="0" cy="0"/>
+        </a:xfrm>
+      </p:grpSpPr>
+      <p:sp>
+        <p:nvSpPr>
+          <p:cNvPr id="2" name="Title 1"/>
+          <p:cNvSpPr>
+            <a:spLocks noGrp="1"/>
+          </p:cNvSpPr>
+          <p:nvPr>
+            <p:ph type="title"/>
+          </p:nvPr>
+        </p:nvSpPr>
+        <p:spPr>
+          <a:xfrm>
+            <a:off x="609600" y="609600"/>
+            <a:ext cx="6347714" cy="3403600"/>
+          </a:xfrm>
+        </p:spPr>
+        <p:txBody>
+          <a:bodyPr anchor="ctr">
+            <a:normAutofit/>
+          </a:bodyPr>
+          <a:lstStyle>
+            <a:lvl1pPr algn="l">
+              <a:defRPr sz="4400" b="0" cap="none"/>
+            </a:lvl1pPr>
+          </a:lstStyle>
+          <a:p>
+            <a:r>
+              <a:rPr lang="en-US"/>
+              <a:t>Click to edit Master title style</a:t>
+            </a:r>
+            <a:endParaRPr lang="en-US" dirty="0"/>
+          </a:p>
+        </p:txBody>
+      </p:sp>
+      <p:sp>
+        <p:nvSpPr>
+          <p:cNvPr id="3" name="Text Placeholder 2"/>
+          <p:cNvSpPr>
+            <a:spLocks noGrp="1"/>
+          </p:cNvSpPr>
+          <p:nvPr>
+            <p:ph type="body" idx="1"/>
+          </p:nvPr>
+        </p:nvSpPr>
+        <p:spPr>
+          <a:xfrm>
+            <a:off x="609600" y="4470400"/>
+            <a:ext cx="6347714" cy="1570962"/>
+          </a:xfrm>
+        </p:spPr>
+        <p:txBody>
+          <a:bodyPr anchor="ctr">
+            <a:normAutofit/>
+          </a:bodyPr>
+          <a:lstStyle>
+            <a:lvl1pPr marL="0" indent="0" algn="l">
+              <a:buNone/>
+              <a:defRPr sz="1800">
+                <a:solidFill>
+                  <a:schemeClr val="tx1">
+                    <a:lumMod val="75000"/>
+                    <a:lumOff val="25000"/>
+                  </a:schemeClr>
+                </a:solidFill>
+              </a:defRPr>
+            </a:lvl1pPr>
+            <a:lvl2pPr marL="457200" indent="0">
+              <a:buNone/>
+              <a:defRPr sz="1800">
+                <a:solidFill>
+                  <a:schemeClr val="tx1">
+                    <a:tint val="75000"/>
+                  </a:schemeClr>
+                </a:solidFill>
+              </a:defRPr>
+            </a:lvl2pPr>
+            <a:lvl3pPr marL="914400" indent="0">
+              <a:buNone/>
+              <a:defRPr sz="1600">
+                <a:solidFill>
+                  <a:schemeClr val="tx1">
+                    <a:tint val="75000"/>
+                  </a:schemeClr>
+                </a:solidFill>
+              </a:defRPr>
+            </a:lvl3pPr>
+            <a:lvl4pPr marL="1371600" indent="0">
+              <a:buNone/>
+              <a:defRPr sz="1400">
+                <a:solidFill>
+                  <a:schemeClr val="tx1">
+                    <a:tint val="75000"/>
+                  </a:schemeClr>
+                </a:solidFill>
+              </a:defRPr>
+            </a:lvl4pPr>
+            <a:lvl5pPr marL="1828800" indent="0">
+              <a:buNone/>
+              <a:defRPr sz="1400">
+                <a:solidFill>
+                  <a:schemeClr val="tx1">
+                    <a:tint val="75000"/>
+                  </a:schemeClr>
+                </a:solidFill>
+              </a:defRPr>
+            </a:lvl5pPr>
+            <a:lvl6pPr marL="2286000" indent="0">
+              <a:buNone/>
+              <a:defRPr sz="1400">
+                <a:solidFill>
+                  <a:schemeClr val="tx1">
+                    <a:tint val="75000"/>
+                  </a:schemeClr>
+                </a:solidFill>
+              </a:defRPr>
+            </a:lvl6pPr>
+            <a:lvl7pPr marL="2743200" indent="0">
+              <a:buNone/>
+              <a:defRPr sz="1400">
+                <a:solidFill>
+                  <a:schemeClr val="tx1">
+                    <a:tint val="75000"/>
+                  </a:schemeClr>
+                </a:solidFill>
+              </a:defRPr>
+            </a:lvl7pPr>
+            <a:lvl8pPr marL="3200400" indent="0">
+              <a:buNone/>
+              <a:defRPr sz="1400">
+                <a:solidFill>
+                  <a:schemeClr val="tx1">
+                    <a:tint val="75000"/>
+                  </a:schemeClr>
+                </a:solidFill>
+              </a:defRPr>
+            </a:lvl8pPr>
+            <a:lvl9pPr marL="3657600" indent="0">
+              <a:buNone/>
+              <a:defRPr sz="1400">
+                <a:solidFill>
+                  <a:schemeClr val="tx1">
+                    <a:tint val="75000"/>
+                  </a:schemeClr>
+                </a:solidFill>
+              </a:defRPr>
+            </a:lvl9pPr>
+          </a:lstStyle>
+          <a:p>
+            <a:pPr lvl="0"/>
+            <a:r>
+              <a:rPr lang="en-US"/>
+              <a:t>Edit Master text styles</a:t>
+            </a:r>
+          </a:p>
+        </p:txBody>
+      </p:sp>
+      <p:sp>
+        <p:nvSpPr>
+          <p:cNvPr id="4" name="Date Placeholder 3"/>
+          <p:cNvSpPr>
+            <a:spLocks noGrp="1"/>
+          </p:cNvSpPr>
+          <p:nvPr>
+            <p:ph type="dt" sz="half" idx="10"/>
+          </p:nvPr>
+        </p:nvSpPr>
+        <p:spPr/>
+        <p:txBody>
+          <a:bodyPr/>
+          <a:lstStyle/>
+          <a:p>
+            <a:fld id="{B61BEF0D-F0BB-DE4B-95CE-6DB70DBA9567}" type="datetimeFigureOut">
+              <a:rPr lang="en-US" smtClean="0"/>
+              <a:pPr/>
+              <a:t>11/10/2017</a:t>
+            </a:fld>
+            <a:endParaRPr lang="en-US" dirty="0"/>
+          </a:p>
+        </p:txBody>
+      </p:sp>
+      <p:sp>
+        <p:nvSpPr>
+          <p:cNvPr id="5" name="Footer Placeholder 4"/>
+          <p:cNvSpPr>
+            <a:spLocks noGrp="1"/>
+          </p:cNvSpPr>
+          <p:nvPr>
+            <p:ph type="ftr" sz="quarter" idx="11"/>
+          </p:nvPr>
+        </p:nvSpPr>
+        <p:spPr/>
+        <p:txBody>
+          <a:bodyPr/>
+          <a:lstStyle/>
+          <a:p>
+            <a:endParaRPr lang="en-US" dirty="0"/>
+          </a:p>
+        </p:txBody>
+      </p:sp>
+      <p:sp>
+        <p:nvSpPr>
+          <p:cNvPr id="6" name="Slide Number Placeholder 5"/>
+          <p:cNvSpPr>
+            <a:spLocks noGrp="1"/>
+          </p:cNvSpPr>
+          <p:nvPr>
+            <p:ph type="sldNum" sz="quarter" idx="12"/>
+          </p:nvPr>
+        </p:nvSpPr>
+        <p:spPr/>
+        <p:txBody>
+          <a:bodyPr/>
+          <a:lstStyle/>
+          <a:p>
+            <a:fld id="{D57F1E4F-1CFF-5643-939E-217C01CDF565}" type="slidenum">
+              <a:rPr lang="en-US" smtClean="0"/>
+              <a:pPr/>
+              <a:t>‹#›</a:t>
+            </a:fld>
+            <a:endParaRPr lang="en-US" dirty="0"/>
+          </a:p>
+        </p:txBody>
+      </p:sp>
+    </p:spTree>
+    <p:extLst>
+      <p:ext uri="{BB962C8B-B14F-4D97-AF65-F5344CB8AC3E}">
+        <p14:creationId xmlns:p14="http://schemas.microsoft.com/office/powerpoint/2010/main" val="2724106361"/>
+      </p:ext>
+    </p:extLst>
+  </p:cSld>
+  <p:clrMapOvr>
+    <a:masterClrMapping/>
+  </p:clrMapOvr>
+</p:sldLayout>
+</file>
+
+<file path=ppt/slideLayouts/slideLayout11.xml><?xml version="1.0" encoding="utf-8"?>
+<p:sldLayout xmlns:a="http://schemas.openxmlformats.org/drawingml/2006/main" xmlns:r="http://schemas.openxmlformats.org/officeDocument/2006/relationships" xmlns:p="http://schemas.openxmlformats.org/presentationml/2006/main" preserve="1">
+  <p:cSld name="Quote with Caption">
+    <p:spTree>
+      <p:nvGrpSpPr>
+        <p:cNvPr id="1" name=""/>
+        <p:cNvGrpSpPr/>
+        <p:nvPr/>
+      </p:nvGrpSpPr>
+      <p:grpSpPr>
+        <a:xfrm>
+          <a:off x="0" y="0"/>
+          <a:ext cx="0" cy="0"/>
+          <a:chOff x="0" y="0"/>
+          <a:chExt cx="0" cy="0"/>
+        </a:xfrm>
+      </p:grpSpPr>
+      <p:sp>
+        <p:nvSpPr>
+          <p:cNvPr id="2" name="Title 1"/>
+          <p:cNvSpPr>
+            <a:spLocks noGrp="1"/>
+          </p:cNvSpPr>
+          <p:nvPr>
+            <p:ph type="title"/>
+          </p:nvPr>
+        </p:nvSpPr>
+        <p:spPr>
+          <a:xfrm>
+            <a:off x="774885" y="609600"/>
+            <a:ext cx="6072182" cy="3022600"/>
+          </a:xfrm>
+        </p:spPr>
+        <p:txBody>
+          <a:bodyPr anchor="ctr">
+            <a:normAutofit/>
+          </a:bodyPr>
+          <a:lstStyle>
+            <a:lvl1pPr algn="l">
+              <a:defRPr sz="4400" b="0" cap="none"/>
+            </a:lvl1pPr>
+          </a:lstStyle>
+          <a:p>
+            <a:r>
+              <a:rPr lang="en-US"/>
+              <a:t>Click to edit Master title style</a:t>
+            </a:r>
+            <a:endParaRPr lang="en-US" dirty="0"/>
+          </a:p>
+        </p:txBody>
+      </p:sp>
+      <p:sp>
+        <p:nvSpPr>
+          <p:cNvPr id="23" name="Text Placeholder 9"/>
+          <p:cNvSpPr>
+            <a:spLocks noGrp="1"/>
+          </p:cNvSpPr>
+          <p:nvPr>
+            <p:ph type="body" sz="quarter" idx="13"/>
+          </p:nvPr>
+        </p:nvSpPr>
+        <p:spPr>
+          <a:xfrm>
+            <a:off x="1101074" y="3632200"/>
+            <a:ext cx="5419804" cy="381000"/>
+          </a:xfrm>
+        </p:spPr>
+        <p:txBody>
+          <a:bodyPr anchor="ctr">
+            <a:noAutofit/>
+          </a:bodyPr>
+          <a:lstStyle>
+            <a:lvl1pPr marL="0" indent="0">
+              <a:buFontTx/>
+              <a:buNone/>
+              <a:defRPr sz="1600">
+                <a:solidFill>
+                  <a:schemeClr val="tx1">
+                    <a:lumMod val="50000"/>
+                    <a:lumOff val="50000"/>
+                  </a:schemeClr>
+                </a:solidFill>
+              </a:defRPr>
+            </a:lvl1pPr>
+            <a:lvl2pPr marL="457200" indent="0">
+              <a:buFontTx/>
+              <a:buNone/>
+              <a:defRPr/>
+            </a:lvl2pPr>
+            <a:lvl3pPr marL="914400" indent="0">
+              <a:buFontTx/>
+              <a:buNone/>
+              <a:defRPr/>
+            </a:lvl3pPr>
+            <a:lvl4pPr marL="1371600" indent="0">
+              <a:buFontTx/>
+              <a:buNone/>
+              <a:defRPr/>
+            </a:lvl4pPr>
+            <a:lvl5pPr marL="1828800" indent="0">
+              <a:buFontTx/>
+              <a:buNone/>
+              <a:defRPr/>
+            </a:lvl5pPr>
+          </a:lstStyle>
+          <a:p>
+            <a:pPr lvl="0"/>
+            <a:r>
+              <a:rPr lang="en-US"/>
+              <a:t>Edit Master text styles</a:t>
+            </a:r>
+          </a:p>
+        </p:txBody>
+      </p:sp>
+      <p:sp>
+        <p:nvSpPr>
+          <p:cNvPr id="3" name="Text Placeholder 2"/>
+          <p:cNvSpPr>
+            <a:spLocks noGrp="1"/>
+          </p:cNvSpPr>
+          <p:nvPr>
+            <p:ph type="body" idx="1"/>
+          </p:nvPr>
+        </p:nvSpPr>
+        <p:spPr>
+          <a:xfrm>
+            <a:off x="609598" y="4470400"/>
+            <a:ext cx="6347715" cy="1570962"/>
+          </a:xfrm>
+        </p:spPr>
+        <p:txBody>
+          <a:bodyPr anchor="ctr">
+            <a:normAutofit/>
+          </a:bodyPr>
+          <a:lstStyle>
+            <a:lvl1pPr marL="0" indent="0" algn="l">
+              <a:buNone/>
+              <a:defRPr sz="1800">
+                <a:solidFill>
+                  <a:schemeClr val="tx1">
+                    <a:lumMod val="75000"/>
+                    <a:lumOff val="25000"/>
+                  </a:schemeClr>
+                </a:solidFill>
+              </a:defRPr>
+            </a:lvl1pPr>
+            <a:lvl2pPr marL="457200" indent="0">
+              <a:buNone/>
+              <a:defRPr sz="1800">
+                <a:solidFill>
+                  <a:schemeClr val="tx1">
+                    <a:tint val="75000"/>
+                  </a:schemeClr>
+                </a:solidFill>
+              </a:defRPr>
+            </a:lvl2pPr>
+            <a:lvl3pPr marL="914400" indent="0">
+              <a:buNone/>
+              <a:defRPr sz="1600">
+                <a:solidFill>
+                  <a:schemeClr val="tx1">
+                    <a:tint val="75000"/>
+                  </a:schemeClr>
+                </a:solidFill>
+              </a:defRPr>
+            </a:lvl3pPr>
+            <a:lvl4pPr marL="1371600" indent="0">
+              <a:buNone/>
+              <a:defRPr sz="1400">
+                <a:solidFill>
+                  <a:schemeClr val="tx1">
+                    <a:tint val="75000"/>
+                  </a:schemeClr>
+                </a:solidFill>
+              </a:defRPr>
+            </a:lvl4pPr>
+            <a:lvl5pPr marL="1828800" indent="0">
+              <a:buNone/>
+              <a:defRPr sz="1400">
+                <a:solidFill>
+                  <a:schemeClr val="tx1">
+                    <a:tint val="75000"/>
+                  </a:schemeClr>
+                </a:solidFill>
+              </a:defRPr>
+            </a:lvl5pPr>
+            <a:lvl6pPr marL="2286000" indent="0">
+              <a:buNone/>
+              <a:defRPr sz="1400">
+                <a:solidFill>
+                  <a:schemeClr val="tx1">
+                    <a:tint val="75000"/>
+                  </a:schemeClr>
+                </a:solidFill>
+              </a:defRPr>
+            </a:lvl6pPr>
+            <a:lvl7pPr marL="2743200" indent="0">
+              <a:buNone/>
+              <a:defRPr sz="1400">
+                <a:solidFill>
+                  <a:schemeClr val="tx1">
+                    <a:tint val="75000"/>
+                  </a:schemeClr>
+                </a:solidFill>
+              </a:defRPr>
+            </a:lvl7pPr>
+            <a:lvl8pPr marL="3200400" indent="0">
+              <a:buNone/>
+              <a:defRPr sz="1400">
+                <a:solidFill>
+                  <a:schemeClr val="tx1">
+                    <a:tint val="75000"/>
+                  </a:schemeClr>
+                </a:solidFill>
+              </a:defRPr>
+            </a:lvl8pPr>
+            <a:lvl9pPr marL="3657600" indent="0">
+              <a:buNone/>
+              <a:defRPr sz="1400">
+                <a:solidFill>
+                  <a:schemeClr val="tx1">
+                    <a:tint val="75000"/>
+                  </a:schemeClr>
+                </a:solidFill>
+              </a:defRPr>
+            </a:lvl9pPr>
+          </a:lstStyle>
+          <a:p>
+            <a:pPr lvl="0"/>
+            <a:r>
+              <a:rPr lang="en-US"/>
+              <a:t>Edit Master text styles</a:t>
+            </a:r>
+          </a:p>
+        </p:txBody>
+      </p:sp>
+      <p:sp>
+        <p:nvSpPr>
+          <p:cNvPr id="4" name="Date Placeholder 3"/>
+          <p:cNvSpPr>
+            <a:spLocks noGrp="1"/>
+          </p:cNvSpPr>
+          <p:nvPr>
+            <p:ph type="dt" sz="half" idx="10"/>
+          </p:nvPr>
+        </p:nvSpPr>
+        <p:spPr/>
+        <p:txBody>
+          <a:bodyPr/>
+          <a:lstStyle/>
+          <a:p>
+            <a:fld id="{B61BEF0D-F0BB-DE4B-95CE-6DB70DBA9567}" type="datetimeFigureOut">
+              <a:rPr lang="en-US" smtClean="0"/>
+              <a:pPr/>
+              <a:t>11/10/2017</a:t>
+            </a:fld>
+            <a:endParaRPr lang="en-US" dirty="0"/>
+          </a:p>
+        </p:txBody>
+      </p:sp>
+      <p:sp>
+        <p:nvSpPr>
+          <p:cNvPr id="5" name="Footer Placeholder 4"/>
+          <p:cNvSpPr>
+            <a:spLocks noGrp="1"/>
+          </p:cNvSpPr>
+          <p:nvPr>
+            <p:ph type="ftr" sz="quarter" idx="11"/>
+          </p:nvPr>
+        </p:nvSpPr>
+        <p:spPr/>
+        <p:txBody>
+          <a:bodyPr/>
+          <a:lstStyle/>
+          <a:p>
+            <a:endParaRPr lang="en-US" dirty="0"/>
+          </a:p>
+        </p:txBody>
+      </p:sp>
+      <p:sp>
+        <p:nvSpPr>
+          <p:cNvPr id="6" name="Slide Number Placeholder 5"/>
+          <p:cNvSpPr>
+            <a:spLocks noGrp="1"/>
+          </p:cNvSpPr>
+          <p:nvPr>
+            <p:ph type="sldNum" sz="quarter" idx="12"/>
+          </p:nvPr>
+        </p:nvSpPr>
+        <p:spPr/>
+        <p:txBody>
+          <a:bodyPr/>
+          <a:lstStyle/>
+          <a:p>
+            <a:fld id="{D57F1E4F-1CFF-5643-939E-217C01CDF565}" type="slidenum">
+              <a:rPr lang="en-US" smtClean="0"/>
+              <a:pPr/>
+              <a:t>‹#›</a:t>
+            </a:fld>
+            <a:endParaRPr lang="en-US" dirty="0"/>
+          </a:p>
+        </p:txBody>
+      </p:sp>
+      <p:sp>
+        <p:nvSpPr>
+          <p:cNvPr id="24" name="TextBox 23"/>
+          <p:cNvSpPr txBox="1"/>
+          <p:nvPr/>
+        </p:nvSpPr>
+        <p:spPr>
+          <a:xfrm>
+            <a:off x="482711" y="790378"/>
+            <a:ext cx="457319" cy="584776"/>
+          </a:xfrm>
+          <a:prstGeom prst="rect">
+            <a:avLst/>
+          </a:prstGeom>
+        </p:spPr>
+        <p:txBody>
+          <a:bodyPr vert="horz" lIns="91440" tIns="45720" rIns="91440" bIns="45720" rtlCol="0" anchor="ctr">
+            <a:noAutofit/>
+          </a:bodyPr>
+          <a:lstStyle/>
+          <a:p>
+            <a:pPr lvl="0"/>
+            <a:r>
+              <a:rPr lang="en-US" sz="8000" baseline="0" dirty="0">
+                <a:ln w="3175" cmpd="sng">
+                  <a:noFill/>
+                </a:ln>
+                <a:solidFill>
+                  <a:schemeClr val="accent1"/>
+                </a:solidFill>
+                <a:effectLst/>
+                <a:latin typeface="Arial"/>
+              </a:rPr>
+              <a:t>“</a:t>
+            </a:r>
+          </a:p>
+        </p:txBody>
+      </p:sp>
+      <p:sp>
+        <p:nvSpPr>
+          <p:cNvPr id="25" name="TextBox 24"/>
+          <p:cNvSpPr txBox="1"/>
+          <p:nvPr/>
+        </p:nvSpPr>
+        <p:spPr>
+          <a:xfrm>
+            <a:off x="6747699" y="2886556"/>
+            <a:ext cx="457319" cy="584776"/>
+          </a:xfrm>
+          <a:prstGeom prst="rect">
+            <a:avLst/>
+          </a:prstGeom>
+        </p:spPr>
+        <p:txBody>
+          <a:bodyPr vert="horz" lIns="91440" tIns="45720" rIns="91440" bIns="45720" rtlCol="0" anchor="ctr">
+            <a:noAutofit/>
+          </a:bodyPr>
+          <a:lstStyle/>
+          <a:p>
+            <a:pPr lvl="0"/>
+            <a:r>
+              <a:rPr lang="en-US" sz="8000" baseline="0" dirty="0">
+                <a:ln w="3175" cmpd="sng">
+                  <a:noFill/>
+                </a:ln>
+                <a:solidFill>
+                  <a:schemeClr val="accent1"/>
+                </a:solidFill>
+                <a:effectLst/>
+                <a:latin typeface="Arial"/>
+              </a:rPr>
+              <a:t>”</a:t>
+            </a:r>
+          </a:p>
+        </p:txBody>
+      </p:sp>
+    </p:spTree>
+    <p:extLst>
+      <p:ext uri="{BB962C8B-B14F-4D97-AF65-F5344CB8AC3E}">
+        <p14:creationId xmlns:p14="http://schemas.microsoft.com/office/powerpoint/2010/main" val="1779847367"/>
+      </p:ext>
+    </p:extLst>
+  </p:cSld>
+  <p:clrMapOvr>
+    <a:masterClrMapping/>
+  </p:clrMapOvr>
+</p:sldLayout>
+</file>
+
+<file path=ppt/slideLayouts/slideLayout12.xml><?xml version="1.0" encoding="utf-8"?>
+<p:sldLayout xmlns:a="http://schemas.openxmlformats.org/drawingml/2006/main" xmlns:r="http://schemas.openxmlformats.org/officeDocument/2006/relationships" xmlns:p="http://schemas.openxmlformats.org/presentationml/2006/main" preserve="1">
+  <p:cSld name="Name Card">
+    <p:spTree>
+      <p:nvGrpSpPr>
+        <p:cNvPr id="1" name=""/>
+        <p:cNvGrpSpPr/>
+        <p:nvPr/>
+      </p:nvGrpSpPr>
+      <p:grpSpPr>
+        <a:xfrm>
+          <a:off x="0" y="0"/>
+          <a:ext cx="0" cy="0"/>
+          <a:chOff x="0" y="0"/>
+          <a:chExt cx="0" cy="0"/>
+        </a:xfrm>
+      </p:grpSpPr>
+      <p:sp>
+        <p:nvSpPr>
+          <p:cNvPr id="2" name="Title 1"/>
+          <p:cNvSpPr>
+            <a:spLocks noGrp="1"/>
+          </p:cNvSpPr>
+          <p:nvPr>
+            <p:ph type="title"/>
+          </p:nvPr>
+        </p:nvSpPr>
+        <p:spPr>
+          <a:xfrm>
+            <a:off x="609598" y="1931988"/>
+            <a:ext cx="6347715" cy="2595460"/>
+          </a:xfrm>
+        </p:spPr>
+        <p:txBody>
+          <a:bodyPr anchor="b">
+            <a:normAutofit/>
+          </a:bodyPr>
+          <a:lstStyle>
+            <a:lvl1pPr algn="l">
+              <a:defRPr sz="4400" b="0" cap="none"/>
+            </a:lvl1pPr>
+          </a:lstStyle>
+          <a:p>
+            <a:r>
+              <a:rPr lang="en-US"/>
+              <a:t>Click to edit Master title style</a:t>
+            </a:r>
+            <a:endParaRPr lang="en-US" dirty="0"/>
+          </a:p>
+        </p:txBody>
+      </p:sp>
+      <p:sp>
+        <p:nvSpPr>
+          <p:cNvPr id="3" name="Text Placeholder 2"/>
+          <p:cNvSpPr>
+            <a:spLocks noGrp="1"/>
+          </p:cNvSpPr>
+          <p:nvPr>
+            <p:ph type="body" idx="1"/>
+          </p:nvPr>
+        </p:nvSpPr>
+        <p:spPr>
+          <a:xfrm>
+            <a:off x="609598" y="4527448"/>
+            <a:ext cx="6347715" cy="1513914"/>
+          </a:xfrm>
+        </p:spPr>
+        <p:txBody>
+          <a:bodyPr anchor="t">
+            <a:normAutofit/>
+          </a:bodyPr>
+          <a:lstStyle>
+            <a:lvl1pPr marL="0" indent="0" algn="l">
+              <a:buNone/>
+              <a:defRPr sz="1800">
+                <a:solidFill>
+                  <a:schemeClr val="tx1">
+                    <a:lumMod val="75000"/>
+                    <a:lumOff val="25000"/>
+                  </a:schemeClr>
+                </a:solidFill>
+              </a:defRPr>
+            </a:lvl1pPr>
+            <a:lvl2pPr marL="457200" indent="0">
+              <a:buNone/>
+              <a:defRPr sz="1800">
+                <a:solidFill>
+                  <a:schemeClr val="tx1">
+                    <a:tint val="75000"/>
+                  </a:schemeClr>
+                </a:solidFill>
+              </a:defRPr>
+            </a:lvl2pPr>
+            <a:lvl3pPr marL="914400" indent="0">
+              <a:buNone/>
+              <a:defRPr sz="1600">
+                <a:solidFill>
+                  <a:schemeClr val="tx1">
+                    <a:tint val="75000"/>
+                  </a:schemeClr>
+                </a:solidFill>
+              </a:defRPr>
+            </a:lvl3pPr>
+            <a:lvl4pPr marL="1371600" indent="0">
+              <a:buNone/>
+              <a:defRPr sz="1400">
+                <a:solidFill>
+                  <a:schemeClr val="tx1">
+                    <a:tint val="75000"/>
+                  </a:schemeClr>
+                </a:solidFill>
+              </a:defRPr>
+            </a:lvl4pPr>
+            <a:lvl5pPr marL="1828800" indent="0">
+              <a:buNone/>
+              <a:defRPr sz="1400">
+                <a:solidFill>
+                  <a:schemeClr val="tx1">
+                    <a:tint val="75000"/>
+                  </a:schemeClr>
+                </a:solidFill>
+              </a:defRPr>
+            </a:lvl5pPr>
+            <a:lvl6pPr marL="2286000" indent="0">
+              <a:buNone/>
+              <a:defRPr sz="1400">
+                <a:solidFill>
+                  <a:schemeClr val="tx1">
+                    <a:tint val="75000"/>
+                  </a:schemeClr>
+                </a:solidFill>
+              </a:defRPr>
+            </a:lvl6pPr>
+            <a:lvl7pPr marL="2743200" indent="0">
+              <a:buNone/>
+              <a:defRPr sz="1400">
+                <a:solidFill>
+                  <a:schemeClr val="tx1">
+                    <a:tint val="75000"/>
+                  </a:schemeClr>
+                </a:solidFill>
+              </a:defRPr>
+            </a:lvl7pPr>
+            <a:lvl8pPr marL="3200400" indent="0">
+              <a:buNone/>
+              <a:defRPr sz="1400">
+                <a:solidFill>
+                  <a:schemeClr val="tx1">
+                    <a:tint val="75000"/>
+                  </a:schemeClr>
+                </a:solidFill>
+              </a:defRPr>
+            </a:lvl8pPr>
+            <a:lvl9pPr marL="3657600" indent="0">
+              <a:buNone/>
+              <a:defRPr sz="1400">
+                <a:solidFill>
+                  <a:schemeClr val="tx1">
+                    <a:tint val="75000"/>
+                  </a:schemeClr>
+                </a:solidFill>
+              </a:defRPr>
+            </a:lvl9pPr>
+          </a:lstStyle>
+          <a:p>
+            <a:pPr lvl="0"/>
+            <a:r>
+              <a:rPr lang="en-US"/>
+              <a:t>Edit Master text styles</a:t>
+            </a:r>
+          </a:p>
+        </p:txBody>
+      </p:sp>
+      <p:sp>
+        <p:nvSpPr>
+          <p:cNvPr id="4" name="Date Placeholder 3"/>
+          <p:cNvSpPr>
+            <a:spLocks noGrp="1"/>
+          </p:cNvSpPr>
+          <p:nvPr>
+            <p:ph type="dt" sz="half" idx="10"/>
+          </p:nvPr>
+        </p:nvSpPr>
+        <p:spPr/>
+        <p:txBody>
+          <a:bodyPr/>
+          <a:lstStyle/>
+          <a:p>
+            <a:fld id="{B61BEF0D-F0BB-DE4B-95CE-6DB70DBA9567}" type="datetimeFigureOut">
+              <a:rPr lang="en-US" smtClean="0"/>
+              <a:pPr/>
+              <a:t>11/10/2017</a:t>
+            </a:fld>
+            <a:endParaRPr lang="en-US" dirty="0"/>
+          </a:p>
+        </p:txBody>
+      </p:sp>
+      <p:sp>
+        <p:nvSpPr>
+          <p:cNvPr id="5" name="Footer Placeholder 4"/>
+          <p:cNvSpPr>
+            <a:spLocks noGrp="1"/>
+          </p:cNvSpPr>
+          <p:nvPr>
+            <p:ph type="ftr" sz="quarter" idx="11"/>
+          </p:nvPr>
+        </p:nvSpPr>
+        <p:spPr/>
+        <p:txBody>
+          <a:bodyPr/>
+          <a:lstStyle/>
+          <a:p>
+            <a:endParaRPr lang="en-US" dirty="0"/>
+          </a:p>
+        </p:txBody>
+      </p:sp>
+      <p:sp>
+        <p:nvSpPr>
+          <p:cNvPr id="6" name="Slide Number Placeholder 5"/>
+          <p:cNvSpPr>
+            <a:spLocks noGrp="1"/>
+          </p:cNvSpPr>
+          <p:nvPr>
+            <p:ph type="sldNum" sz="quarter" idx="12"/>
+          </p:nvPr>
+        </p:nvSpPr>
+        <p:spPr/>
+        <p:txBody>
+          <a:bodyPr/>
+          <a:lstStyle/>
+          <a:p>
+            <a:fld id="{D57F1E4F-1CFF-5643-939E-217C01CDF565}" type="slidenum">
+              <a:rPr lang="en-US" smtClean="0"/>
+              <a:pPr/>
+              <a:t>‹#›</a:t>
+            </a:fld>
+            <a:endParaRPr lang="en-US" dirty="0"/>
+          </a:p>
+        </p:txBody>
+      </p:sp>
+    </p:spTree>
+    <p:extLst>
+      <p:ext uri="{BB962C8B-B14F-4D97-AF65-F5344CB8AC3E}">
+        <p14:creationId xmlns:p14="http://schemas.microsoft.com/office/powerpoint/2010/main" val="1269735406"/>
+      </p:ext>
+    </p:extLst>
+  </p:cSld>
+  <p:clrMapOvr>
+    <a:masterClrMapping/>
+  </p:clrMapOvr>
+</p:sldLayout>
+</file>
+
+<file path=ppt/slideLayouts/slideLayout13.xml><?xml version="1.0" encoding="utf-8"?>
+<p:sldLayout xmlns:a="http://schemas.openxmlformats.org/drawingml/2006/main" xmlns:r="http://schemas.openxmlformats.org/officeDocument/2006/relationships" xmlns:p="http://schemas.openxmlformats.org/presentationml/2006/main" preserve="1">
+  <p:cSld name="Quote Name Card">
+    <p:spTree>
+      <p:nvGrpSpPr>
+        <p:cNvPr id="1" name=""/>
+        <p:cNvGrpSpPr/>
+        <p:nvPr/>
+      </p:nvGrpSpPr>
+      <p:grpSpPr>
+        <a:xfrm>
+          <a:off x="0" y="0"/>
+          <a:ext cx="0" cy="0"/>
+          <a:chOff x="0" y="0"/>
+          <a:chExt cx="0" cy="0"/>
+        </a:xfrm>
+      </p:grpSpPr>
+      <p:sp>
+        <p:nvSpPr>
+          <p:cNvPr id="2" name="Title 1"/>
+          <p:cNvSpPr>
+            <a:spLocks noGrp="1"/>
+          </p:cNvSpPr>
+          <p:nvPr>
+            <p:ph type="title"/>
+          </p:nvPr>
+        </p:nvSpPr>
+        <p:spPr>
+          <a:xfrm>
+            <a:off x="774885" y="609600"/>
+            <a:ext cx="6072182" cy="3022600"/>
+          </a:xfrm>
+        </p:spPr>
+        <p:txBody>
+          <a:bodyPr anchor="ctr">
+            <a:normAutofit/>
+          </a:bodyPr>
+          <a:lstStyle>
+            <a:lvl1pPr algn="l">
+              <a:defRPr sz="4400" b="0" cap="none"/>
+            </a:lvl1pPr>
+          </a:lstStyle>
+          <a:p>
+            <a:r>
+              <a:rPr lang="en-US"/>
+              <a:t>Click to edit Master title style</a:t>
+            </a:r>
+            <a:endParaRPr lang="en-US" dirty="0"/>
+          </a:p>
+        </p:txBody>
+      </p:sp>
+      <p:sp>
+        <p:nvSpPr>
+          <p:cNvPr id="23" name="Text Placeholder 9"/>
+          <p:cNvSpPr>
+            <a:spLocks noGrp="1"/>
+          </p:cNvSpPr>
+          <p:nvPr>
+            <p:ph type="body" sz="quarter" idx="13"/>
+          </p:nvPr>
+        </p:nvSpPr>
+        <p:spPr>
+          <a:xfrm>
+            <a:off x="609597" y="4013200"/>
+            <a:ext cx="6347716" cy="514248"/>
+          </a:xfrm>
+        </p:spPr>
+        <p:txBody>
+          <a:bodyPr anchor="b">
+            <a:noAutofit/>
+          </a:bodyPr>
+          <a:lstStyle>
+            <a:lvl1pPr marL="0" indent="0">
+              <a:buFontTx/>
+              <a:buNone/>
+              <a:defRPr sz="2400">
+                <a:solidFill>
+                  <a:schemeClr val="tx1">
+                    <a:lumMod val="75000"/>
+                    <a:lumOff val="25000"/>
+                  </a:schemeClr>
+                </a:solidFill>
+              </a:defRPr>
+            </a:lvl1pPr>
+            <a:lvl2pPr marL="457200" indent="0">
+              <a:buFontTx/>
+              <a:buNone/>
+              <a:defRPr/>
+            </a:lvl2pPr>
+            <a:lvl3pPr marL="914400" indent="0">
+              <a:buFontTx/>
+              <a:buNone/>
+              <a:defRPr/>
+            </a:lvl3pPr>
+            <a:lvl4pPr marL="1371600" indent="0">
+              <a:buFontTx/>
+              <a:buNone/>
+              <a:defRPr/>
+            </a:lvl4pPr>
+            <a:lvl5pPr marL="1828800" indent="0">
+              <a:buFontTx/>
+              <a:buNone/>
+              <a:defRPr/>
+            </a:lvl5pPr>
+          </a:lstStyle>
+          <a:p>
+            <a:pPr lvl="0"/>
+            <a:r>
+              <a:rPr lang="en-US"/>
+              <a:t>Edit Master text styles</a:t>
+            </a:r>
+          </a:p>
+        </p:txBody>
+      </p:sp>
+      <p:sp>
+        <p:nvSpPr>
+          <p:cNvPr id="3" name="Text Placeholder 2"/>
+          <p:cNvSpPr>
+            <a:spLocks noGrp="1"/>
+          </p:cNvSpPr>
+          <p:nvPr>
+            <p:ph type="body" idx="1"/>
+          </p:nvPr>
+        </p:nvSpPr>
+        <p:spPr>
+          <a:xfrm>
+            <a:off x="609598" y="4527448"/>
+            <a:ext cx="6347715" cy="1513914"/>
+          </a:xfrm>
+        </p:spPr>
+        <p:txBody>
+          <a:bodyPr anchor="t">
+            <a:normAutofit/>
+          </a:bodyPr>
+          <a:lstStyle>
+            <a:lvl1pPr marL="0" indent="0" algn="l">
+              <a:buNone/>
+              <a:defRPr sz="1800">
+                <a:solidFill>
+                  <a:schemeClr val="tx1">
+                    <a:lumMod val="50000"/>
+                    <a:lumOff val="50000"/>
+                  </a:schemeClr>
+                </a:solidFill>
+              </a:defRPr>
+            </a:lvl1pPr>
+            <a:lvl2pPr marL="457200" indent="0">
+              <a:buNone/>
+              <a:defRPr sz="1800">
+                <a:solidFill>
+                  <a:schemeClr val="tx1">
+                    <a:tint val="75000"/>
+                  </a:schemeClr>
+                </a:solidFill>
+              </a:defRPr>
+            </a:lvl2pPr>
+            <a:lvl3pPr marL="914400" indent="0">
+              <a:buNone/>
+              <a:defRPr sz="1600">
+                <a:solidFill>
+                  <a:schemeClr val="tx1">
+                    <a:tint val="75000"/>
+                  </a:schemeClr>
+                </a:solidFill>
+              </a:defRPr>
+            </a:lvl3pPr>
+            <a:lvl4pPr marL="1371600" indent="0">
+              <a:buNone/>
+              <a:defRPr sz="1400">
+                <a:solidFill>
+                  <a:schemeClr val="tx1">
+                    <a:tint val="75000"/>
+                  </a:schemeClr>
+                </a:solidFill>
+              </a:defRPr>
+            </a:lvl4pPr>
+            <a:lvl5pPr marL="1828800" indent="0">
+              <a:buNone/>
+              <a:defRPr sz="1400">
+                <a:solidFill>
+                  <a:schemeClr val="tx1">
+                    <a:tint val="75000"/>
+                  </a:schemeClr>
+                </a:solidFill>
+              </a:defRPr>
+            </a:lvl5pPr>
+            <a:lvl6pPr marL="2286000" indent="0">
+              <a:buNone/>
+              <a:defRPr sz="1400">
+                <a:solidFill>
+                  <a:schemeClr val="tx1">
+                    <a:tint val="75000"/>
+                  </a:schemeClr>
+                </a:solidFill>
+              </a:defRPr>
+            </a:lvl6pPr>
+            <a:lvl7pPr marL="2743200" indent="0">
+              <a:buNone/>
+              <a:defRPr sz="1400">
+                <a:solidFill>
+                  <a:schemeClr val="tx1">
+                    <a:tint val="75000"/>
+                  </a:schemeClr>
+                </a:solidFill>
+              </a:defRPr>
+            </a:lvl7pPr>
+            <a:lvl8pPr marL="3200400" indent="0">
+              <a:buNone/>
+              <a:defRPr sz="1400">
+                <a:solidFill>
+                  <a:schemeClr val="tx1">
+                    <a:tint val="75000"/>
+                  </a:schemeClr>
+                </a:solidFill>
+              </a:defRPr>
+            </a:lvl8pPr>
+            <a:lvl9pPr marL="3657600" indent="0">
+              <a:buNone/>
+              <a:defRPr sz="1400">
+                <a:solidFill>
+                  <a:schemeClr val="tx1">
+                    <a:tint val="75000"/>
+                  </a:schemeClr>
+                </a:solidFill>
+              </a:defRPr>
+            </a:lvl9pPr>
+          </a:lstStyle>
+          <a:p>
+            <a:pPr lvl="0"/>
+            <a:r>
+              <a:rPr lang="en-US"/>
+              <a:t>Edit Master text styles</a:t>
+            </a:r>
+          </a:p>
+        </p:txBody>
+      </p:sp>
+      <p:sp>
+        <p:nvSpPr>
+          <p:cNvPr id="4" name="Date Placeholder 3"/>
+          <p:cNvSpPr>
+            <a:spLocks noGrp="1"/>
+          </p:cNvSpPr>
+          <p:nvPr>
+            <p:ph type="dt" sz="half" idx="10"/>
+          </p:nvPr>
+        </p:nvSpPr>
+        <p:spPr/>
+        <p:txBody>
+          <a:bodyPr/>
+          <a:lstStyle/>
+          <a:p>
+            <a:fld id="{B61BEF0D-F0BB-DE4B-95CE-6DB70DBA9567}" type="datetimeFigureOut">
+              <a:rPr lang="en-US" smtClean="0"/>
+              <a:pPr/>
+              <a:t>11/10/2017</a:t>
+            </a:fld>
+            <a:endParaRPr lang="en-US" dirty="0"/>
+          </a:p>
+        </p:txBody>
+      </p:sp>
+      <p:sp>
+        <p:nvSpPr>
+          <p:cNvPr id="5" name="Footer Placeholder 4"/>
+          <p:cNvSpPr>
+            <a:spLocks noGrp="1"/>
+          </p:cNvSpPr>
+          <p:nvPr>
+            <p:ph type="ftr" sz="quarter" idx="11"/>
+          </p:nvPr>
+        </p:nvSpPr>
+        <p:spPr/>
+        <p:txBody>
+          <a:bodyPr/>
+          <a:lstStyle/>
+          <a:p>
+            <a:endParaRPr lang="en-US" dirty="0"/>
+          </a:p>
+        </p:txBody>
+      </p:sp>
+      <p:sp>
+        <p:nvSpPr>
+          <p:cNvPr id="6" name="Slide Number Placeholder 5"/>
+          <p:cNvSpPr>
+            <a:spLocks noGrp="1"/>
+          </p:cNvSpPr>
+          <p:nvPr>
+            <p:ph type="sldNum" sz="quarter" idx="12"/>
+          </p:nvPr>
+        </p:nvSpPr>
+        <p:spPr/>
+        <p:txBody>
+          <a:bodyPr/>
+          <a:lstStyle/>
+          <a:p>
+            <a:fld id="{D57F1E4F-1CFF-5643-939E-217C01CDF565}" type="slidenum">
+              <a:rPr lang="en-US" smtClean="0"/>
+              <a:pPr/>
+              <a:t>‹#›</a:t>
+            </a:fld>
+            <a:endParaRPr lang="en-US" dirty="0"/>
+          </a:p>
+        </p:txBody>
+      </p:sp>
+      <p:sp>
+        <p:nvSpPr>
+          <p:cNvPr id="24" name="TextBox 23"/>
+          <p:cNvSpPr txBox="1"/>
+          <p:nvPr/>
+        </p:nvSpPr>
+        <p:spPr>
+          <a:xfrm>
+            <a:off x="482711" y="790378"/>
+            <a:ext cx="457319" cy="584776"/>
+          </a:xfrm>
+          <a:prstGeom prst="rect">
+            <a:avLst/>
+          </a:prstGeom>
+        </p:spPr>
+        <p:txBody>
+          <a:bodyPr vert="horz" lIns="91440" tIns="45720" rIns="91440" bIns="45720" rtlCol="0" anchor="ctr">
+            <a:noAutofit/>
+          </a:bodyPr>
+          <a:lstStyle/>
+          <a:p>
+            <a:pPr lvl="0"/>
+            <a:r>
+              <a:rPr lang="en-US" sz="8000" baseline="0" dirty="0">
+                <a:ln w="3175" cmpd="sng">
+                  <a:noFill/>
+                </a:ln>
+                <a:solidFill>
+                  <a:schemeClr val="accent1"/>
+                </a:solidFill>
+                <a:effectLst/>
+                <a:latin typeface="Arial"/>
+              </a:rPr>
+              <a:t>“</a:t>
+            </a:r>
+          </a:p>
+        </p:txBody>
+      </p:sp>
+      <p:sp>
+        <p:nvSpPr>
+          <p:cNvPr id="25" name="TextBox 24"/>
+          <p:cNvSpPr txBox="1"/>
+          <p:nvPr/>
+        </p:nvSpPr>
+        <p:spPr>
+          <a:xfrm>
+            <a:off x="6747699" y="2886556"/>
+            <a:ext cx="457319" cy="584776"/>
+          </a:xfrm>
+          <a:prstGeom prst="rect">
+            <a:avLst/>
+          </a:prstGeom>
+        </p:spPr>
+        <p:txBody>
+          <a:bodyPr vert="horz" lIns="91440" tIns="45720" rIns="91440" bIns="45720" rtlCol="0" anchor="ctr">
+            <a:noAutofit/>
+          </a:bodyPr>
+          <a:lstStyle/>
+          <a:p>
+            <a:pPr lvl="0"/>
+            <a:r>
+              <a:rPr lang="en-US" sz="8000" baseline="0" dirty="0">
+                <a:ln w="3175" cmpd="sng">
+                  <a:noFill/>
+                </a:ln>
+                <a:solidFill>
+                  <a:schemeClr val="accent1"/>
+                </a:solidFill>
+                <a:effectLst/>
+                <a:latin typeface="Arial"/>
+              </a:rPr>
+              <a:t>”</a:t>
+            </a:r>
+          </a:p>
+        </p:txBody>
+      </p:sp>
+    </p:spTree>
+    <p:extLst>
+      <p:ext uri="{BB962C8B-B14F-4D97-AF65-F5344CB8AC3E}">
+        <p14:creationId xmlns:p14="http://schemas.microsoft.com/office/powerpoint/2010/main" val="1494473348"/>
+      </p:ext>
+    </p:extLst>
+  </p:cSld>
+  <p:clrMapOvr>
+    <a:masterClrMapping/>
+  </p:clrMapOvr>
+</p:sldLayout>
+</file>
+
+<file path=ppt/slideLayouts/slideLayout14.xml><?xml version="1.0" encoding="utf-8"?>
+<p:sldLayout xmlns:a="http://schemas.openxmlformats.org/drawingml/2006/main" xmlns:r="http://schemas.openxmlformats.org/officeDocument/2006/relationships" xmlns:p="http://schemas.openxmlformats.org/presentationml/2006/main" preserve="1">
+  <p:cSld name="True or False">
+    <p:spTree>
+      <p:nvGrpSpPr>
+        <p:cNvPr id="1" name=""/>
+        <p:cNvGrpSpPr/>
+        <p:nvPr/>
+      </p:nvGrpSpPr>
+      <p:grpSpPr>
+        <a:xfrm>
+          <a:off x="0" y="0"/>
+          <a:ext cx="0" cy="0"/>
+          <a:chOff x="0" y="0"/>
+          <a:chExt cx="0" cy="0"/>
+        </a:xfrm>
+      </p:grpSpPr>
+      <p:sp>
+        <p:nvSpPr>
+          <p:cNvPr id="2" name="Title 1"/>
+          <p:cNvSpPr>
+            <a:spLocks noGrp="1"/>
+          </p:cNvSpPr>
+          <p:nvPr>
+            <p:ph type="title"/>
+          </p:nvPr>
+        </p:nvSpPr>
+        <p:spPr>
+          <a:xfrm>
+            <a:off x="615848" y="609600"/>
+            <a:ext cx="6341465" cy="3022600"/>
+          </a:xfrm>
+        </p:spPr>
+        <p:txBody>
+          <a:bodyPr anchor="ctr">
+            <a:normAutofit/>
+          </a:bodyPr>
+          <a:lstStyle>
+            <a:lvl1pPr algn="l">
+              <a:defRPr sz="4400" b="0" cap="none"/>
+            </a:lvl1pPr>
+          </a:lstStyle>
+          <a:p>
+            <a:r>
+              <a:rPr lang="en-US"/>
+              <a:t>Click to edit Master title style</a:t>
+            </a:r>
+            <a:endParaRPr lang="en-US" dirty="0"/>
+          </a:p>
+        </p:txBody>
+      </p:sp>
+      <p:sp>
+        <p:nvSpPr>
+          <p:cNvPr id="23" name="Text Placeholder 9"/>
+          <p:cNvSpPr>
+            <a:spLocks noGrp="1"/>
+          </p:cNvSpPr>
+          <p:nvPr>
+            <p:ph type="body" sz="quarter" idx="13"/>
+          </p:nvPr>
+        </p:nvSpPr>
+        <p:spPr>
+          <a:xfrm>
+            <a:off x="609597" y="4013200"/>
+            <a:ext cx="6347716" cy="514248"/>
+          </a:xfrm>
+        </p:spPr>
+        <p:txBody>
+          <a:bodyPr anchor="b">
+            <a:noAutofit/>
+          </a:bodyPr>
+          <a:lstStyle>
+            <a:lvl1pPr marL="0" indent="0">
+              <a:buFontTx/>
+              <a:buNone/>
+              <a:defRPr sz="2400">
+                <a:solidFill>
+                  <a:schemeClr val="accent1"/>
+                </a:solidFill>
+              </a:defRPr>
+            </a:lvl1pPr>
+            <a:lvl2pPr marL="457200" indent="0">
+              <a:buFontTx/>
+              <a:buNone/>
+              <a:defRPr/>
+            </a:lvl2pPr>
+            <a:lvl3pPr marL="914400" indent="0">
+              <a:buFontTx/>
+              <a:buNone/>
+              <a:defRPr/>
+            </a:lvl3pPr>
+            <a:lvl4pPr marL="1371600" indent="0">
+              <a:buFontTx/>
+              <a:buNone/>
+              <a:defRPr/>
+            </a:lvl4pPr>
+            <a:lvl5pPr marL="1828800" indent="0">
+              <a:buFontTx/>
+              <a:buNone/>
+              <a:defRPr/>
+            </a:lvl5pPr>
+          </a:lstStyle>
+          <a:p>
+            <a:pPr lvl="0"/>
+            <a:r>
+              <a:rPr lang="en-US"/>
+              <a:t>Edit Master text styles</a:t>
+            </a:r>
+          </a:p>
+        </p:txBody>
+      </p:sp>
+      <p:sp>
+        <p:nvSpPr>
+          <p:cNvPr id="3" name="Text Placeholder 2"/>
+          <p:cNvSpPr>
+            <a:spLocks noGrp="1"/>
+          </p:cNvSpPr>
+          <p:nvPr>
+            <p:ph type="body" idx="1"/>
+          </p:nvPr>
+        </p:nvSpPr>
+        <p:spPr>
+          <a:xfrm>
+            <a:off x="609598" y="4527448"/>
+            <a:ext cx="6347715" cy="1513914"/>
+          </a:xfrm>
+        </p:spPr>
+        <p:txBody>
+          <a:bodyPr anchor="t">
+            <a:normAutofit/>
+          </a:bodyPr>
+          <a:lstStyle>
+            <a:lvl1pPr marL="0" indent="0" algn="l">
+              <a:buNone/>
+              <a:defRPr sz="1800">
+                <a:solidFill>
+                  <a:schemeClr val="tx1">
+                    <a:lumMod val="50000"/>
+                    <a:lumOff val="50000"/>
+                  </a:schemeClr>
+                </a:solidFill>
+              </a:defRPr>
+            </a:lvl1pPr>
+            <a:lvl2pPr marL="457200" indent="0">
+              <a:buNone/>
+              <a:defRPr sz="1800">
+                <a:solidFill>
+                  <a:schemeClr val="tx1">
+                    <a:tint val="75000"/>
+                  </a:schemeClr>
+                </a:solidFill>
+              </a:defRPr>
+            </a:lvl2pPr>
+            <a:lvl3pPr marL="914400" indent="0">
+              <a:buNone/>
+              <a:defRPr sz="1600">
+                <a:solidFill>
+                  <a:schemeClr val="tx1">
+                    <a:tint val="75000"/>
+                  </a:schemeClr>
+                </a:solidFill>
+              </a:defRPr>
+            </a:lvl3pPr>
+            <a:lvl4pPr marL="1371600" indent="0">
+              <a:buNone/>
+              <a:defRPr sz="1400">
+                <a:solidFill>
+                  <a:schemeClr val="tx1">
+                    <a:tint val="75000"/>
+                  </a:schemeClr>
+                </a:solidFill>
+              </a:defRPr>
+            </a:lvl4pPr>
+            <a:lvl5pPr marL="1828800" indent="0">
+              <a:buNone/>
+              <a:defRPr sz="1400">
+                <a:solidFill>
+                  <a:schemeClr val="tx1">
+                    <a:tint val="75000"/>
+                  </a:schemeClr>
+                </a:solidFill>
+              </a:defRPr>
+            </a:lvl5pPr>
+            <a:lvl6pPr marL="2286000" indent="0">
+              <a:buNone/>
+              <a:defRPr sz="1400">
+                <a:solidFill>
+                  <a:schemeClr val="tx1">
+                    <a:tint val="75000"/>
+                  </a:schemeClr>
+                </a:solidFill>
+              </a:defRPr>
+            </a:lvl6pPr>
+            <a:lvl7pPr marL="2743200" indent="0">
+              <a:buNone/>
+              <a:defRPr sz="1400">
+                <a:solidFill>
+                  <a:schemeClr val="tx1">
+                    <a:tint val="75000"/>
+                  </a:schemeClr>
+                </a:solidFill>
+              </a:defRPr>
+            </a:lvl7pPr>
+            <a:lvl8pPr marL="3200400" indent="0">
+              <a:buNone/>
+              <a:defRPr sz="1400">
+                <a:solidFill>
+                  <a:schemeClr val="tx1">
+                    <a:tint val="75000"/>
+                  </a:schemeClr>
+                </a:solidFill>
+              </a:defRPr>
+            </a:lvl8pPr>
+            <a:lvl9pPr marL="3657600" indent="0">
+              <a:buNone/>
+              <a:defRPr sz="1400">
+                <a:solidFill>
+                  <a:schemeClr val="tx1">
+                    <a:tint val="75000"/>
+                  </a:schemeClr>
+                </a:solidFill>
+              </a:defRPr>
+            </a:lvl9pPr>
+          </a:lstStyle>
+          <a:p>
+            <a:pPr lvl="0"/>
+            <a:r>
+              <a:rPr lang="en-US"/>
+              <a:t>Edit Master text styles</a:t>
+            </a:r>
+          </a:p>
+        </p:txBody>
+      </p:sp>
+      <p:sp>
+        <p:nvSpPr>
+          <p:cNvPr id="4" name="Date Placeholder 3"/>
+          <p:cNvSpPr>
+            <a:spLocks noGrp="1"/>
+          </p:cNvSpPr>
+          <p:nvPr>
+            <p:ph type="dt" sz="half" idx="10"/>
+          </p:nvPr>
+        </p:nvSpPr>
+        <p:spPr/>
+        <p:txBody>
+          <a:bodyPr/>
+          <a:lstStyle/>
+          <a:p>
+            <a:fld id="{B61BEF0D-F0BB-DE4B-95CE-6DB70DBA9567}" type="datetimeFigureOut">
+              <a:rPr lang="en-US" smtClean="0"/>
+              <a:pPr/>
+              <a:t>11/10/2017</a:t>
+            </a:fld>
+            <a:endParaRPr lang="en-US" dirty="0"/>
+          </a:p>
+        </p:txBody>
+      </p:sp>
+      <p:sp>
+        <p:nvSpPr>
+          <p:cNvPr id="5" name="Footer Placeholder 4"/>
+          <p:cNvSpPr>
+            <a:spLocks noGrp="1"/>
+          </p:cNvSpPr>
+          <p:nvPr>
+            <p:ph type="ftr" sz="quarter" idx="11"/>
+          </p:nvPr>
+        </p:nvSpPr>
+        <p:spPr/>
+        <p:txBody>
+          <a:bodyPr/>
+          <a:lstStyle/>
+          <a:p>
+            <a:endParaRPr lang="en-US" dirty="0"/>
+          </a:p>
+        </p:txBody>
+      </p:sp>
+      <p:sp>
+        <p:nvSpPr>
+          <p:cNvPr id="6" name="Slide Number Placeholder 5"/>
+          <p:cNvSpPr>
+            <a:spLocks noGrp="1"/>
+          </p:cNvSpPr>
+          <p:nvPr>
+            <p:ph type="sldNum" sz="quarter" idx="12"/>
+          </p:nvPr>
+        </p:nvSpPr>
+        <p:spPr/>
+        <p:txBody>
+          <a:bodyPr/>
+          <a:lstStyle/>
+          <a:p>
+            <a:fld id="{D57F1E4F-1CFF-5643-939E-217C01CDF565}" type="slidenum">
+              <a:rPr lang="en-US" smtClean="0"/>
+              <a:pPr/>
+              <a:t>‹#›</a:t>
+            </a:fld>
+            <a:endParaRPr lang="en-US" dirty="0"/>
+          </a:p>
+        </p:txBody>
+      </p:sp>
+    </p:spTree>
+    <p:extLst>
+      <p:ext uri="{BB962C8B-B14F-4D97-AF65-F5344CB8AC3E}">
+        <p14:creationId xmlns:p14="http://schemas.microsoft.com/office/powerpoint/2010/main" val="1198880362"/>
+      </p:ext>
+    </p:extLst>
+  </p:cSld>
+  <p:clrMapOvr>
+    <a:masterClrMapping/>
+  </p:clrMapOvr>
+</p:sldLayout>
+</file>
+
+<file path=ppt/slideLayouts/slideLayout15.xml><?xml version="1.0" encoding="utf-8"?>
 <p:sldLayout xmlns:a="http://schemas.openxmlformats.org/drawingml/2006/main" xmlns:r="http://schemas.openxmlformats.org/officeDocument/2006/relationships" xmlns:p="http://schemas.openxmlformats.org/presentationml/2006/main" type="vertTx" preserve="1">
   <p:cSld name="Title and Vertical Text">
     <p:spTree>
@@ -1110,10 +3514,10 @@
           <a:lstStyle/>
           <a:p>
             <a:r>
-              <a:rPr lang="en-US" smtClean="0"/>
+              <a:rPr lang="en-US"/>
               <a:t>Click to edit Master title style</a:t>
             </a:r>
-            <a:endParaRPr lang="en-US"/>
+            <a:endParaRPr lang="en-US" dirty="0"/>
           </a:p>
         </p:txBody>
       </p:sp>
@@ -1134,45 +3538,110 @@
           <a:p>
             <a:pPr lvl="0"/>
             <a:r>
+              <a:rPr lang="en-US"/>
+              <a:t>Edit Master text styles</a:t>
+            </a:r>
+          </a:p>
+          <a:p>
+            <a:pPr lvl="1"/>
+            <a:r>
+              <a:rPr lang="en-US"/>
+              <a:t>Second level</a:t>
+            </a:r>
+          </a:p>
+          <a:p>
+            <a:pPr lvl="2"/>
+            <a:r>
+              <a:rPr lang="en-US"/>
+              <a:t>Third level</a:t>
+            </a:r>
+          </a:p>
+          <a:p>
+            <a:pPr lvl="3"/>
+            <a:r>
+              <a:rPr lang="en-US"/>
+              <a:t>Fourth level</a:t>
+            </a:r>
+          </a:p>
+          <a:p>
+            <a:pPr lvl="4"/>
+            <a:r>
+              <a:rPr lang="en-US"/>
+              <a:t>Fifth level</a:t>
+            </a:r>
+            <a:endParaRPr lang="en-US" dirty="0"/>
+          </a:p>
+        </p:txBody>
+      </p:sp>
+      <p:sp>
+        <p:nvSpPr>
+          <p:cNvPr id="4" name="Date Placeholder 3"/>
+          <p:cNvSpPr>
+            <a:spLocks noGrp="1"/>
+          </p:cNvSpPr>
+          <p:nvPr>
+            <p:ph type="dt" sz="half" idx="10"/>
+          </p:nvPr>
+        </p:nvSpPr>
+        <p:spPr/>
+        <p:txBody>
+          <a:bodyPr/>
+          <a:lstStyle/>
+          <a:p>
+            <a:fld id="{70DDF080-5E8C-48AD-84E5-6C08B304C14E}" type="datetimeFigureOut">
               <a:rPr lang="en-US" smtClean="0"/>
-              <a:t>Click to edit Master text styles</a:t>
-            </a:r>
-          </a:p>
-          <a:p>
-            <a:pPr lvl="1"/>
-            <a:r>
+              <a:t>11/10/2017</a:t>
+            </a:fld>
+            <a:endParaRPr lang="en-US" dirty="0"/>
+          </a:p>
+        </p:txBody>
+      </p:sp>
+      <p:sp>
+        <p:nvSpPr>
+          <p:cNvPr id="5" name="Footer Placeholder 4"/>
+          <p:cNvSpPr>
+            <a:spLocks noGrp="1"/>
+          </p:cNvSpPr>
+          <p:nvPr>
+            <p:ph type="ftr" sz="quarter" idx="11"/>
+          </p:nvPr>
+        </p:nvSpPr>
+        <p:spPr/>
+        <p:txBody>
+          <a:bodyPr/>
+          <a:lstStyle/>
+          <a:p>
+            <a:endParaRPr lang="en-US" dirty="0"/>
+          </a:p>
+        </p:txBody>
+      </p:sp>
+      <p:sp>
+        <p:nvSpPr>
+          <p:cNvPr id="6" name="Slide Number Placeholder 5"/>
+          <p:cNvSpPr>
+            <a:spLocks noGrp="1"/>
+          </p:cNvSpPr>
+          <p:nvPr>
+            <p:ph type="sldNum" sz="quarter" idx="12"/>
+          </p:nvPr>
+        </p:nvSpPr>
+        <p:spPr/>
+        <p:txBody>
+          <a:bodyPr/>
+          <a:lstStyle/>
+          <a:p>
+            <a:fld id="{47333891-D5E7-4C7B-BF1D-E855E53CB5A8}" type="slidenum">
               <a:rPr lang="en-US" smtClean="0"/>
-              <a:t>Second level</a:t>
-            </a:r>
-          </a:p>
-          <a:p>
-            <a:pPr lvl="2"/>
-            <a:r>
-              <a:rPr lang="en-US" smtClean="0"/>
-              <a:t>Third level</a:t>
-            </a:r>
-          </a:p>
-          <a:p>
-            <a:pPr lvl="3"/>
-            <a:r>
-              <a:rPr lang="en-US" smtClean="0"/>
-              <a:t>Fourth level</a:t>
-            </a:r>
-          </a:p>
-          <a:p>
-            <a:pPr lvl="4"/>
-            <a:r>
-              <a:rPr lang="en-US" smtClean="0"/>
-              <a:t>Fifth level</a:t>
-            </a:r>
-            <a:endParaRPr lang="en-US"/>
+              <a:t>‹#›</a:t>
+            </a:fld>
+            <a:endParaRPr lang="en-US" dirty="0"/>
           </a:p>
         </p:txBody>
       </p:sp>
     </p:spTree>
     <p:extLst>
       <p:ext uri="{BB962C8B-B14F-4D97-AF65-F5344CB8AC3E}">
-        <p14:creationId xmlns:p14="http://schemas.microsoft.com/office/powerpoint/2010/main" val="2061728784"/>
+        <p14:creationId xmlns:p14="http://schemas.microsoft.com/office/powerpoint/2010/main" val="4134726304"/>
       </p:ext>
     </p:extLst>
   </p:cSld>
@@ -1182,7 +3651,7 @@
 </p:sldLayout>
 </file>
 
-<file path=ppt/slideLayouts/slideLayout11.xml><?xml version="1.0" encoding="utf-8"?>
+<file path=ppt/slideLayouts/slideLayout16.xml><?xml version="1.0" encoding="utf-8"?>
 <p:sldLayout xmlns:a="http://schemas.openxmlformats.org/drawingml/2006/main" xmlns:r="http://schemas.openxmlformats.org/officeDocument/2006/relationships" xmlns:p="http://schemas.openxmlformats.org/presentationml/2006/main" type="vertTitleAndTx" preserve="1">
   <p:cSld name="Vertical Title and Text">
     <p:spTree>
@@ -1211,83 +3680,150 @@
         </p:nvSpPr>
         <p:spPr>
           <a:xfrm>
-            <a:off x="6629400" y="274638"/>
-            <a:ext cx="2057400" cy="5851525"/>
+            <a:off x="5977312" y="609600"/>
+            <a:ext cx="978812" cy="5251451"/>
           </a:xfrm>
         </p:spPr>
         <p:txBody>
+          <a:bodyPr vert="eaVert" anchor="ctr"/>
+          <a:lstStyle/>
+          <a:p>
+            <a:r>
+              <a:rPr lang="en-US"/>
+              <a:t>Click to edit Master title style</a:t>
+            </a:r>
+            <a:endParaRPr lang="en-US" dirty="0"/>
+          </a:p>
+        </p:txBody>
+      </p:sp>
+      <p:sp>
+        <p:nvSpPr>
+          <p:cNvPr id="3" name="Vertical Text Placeholder 2"/>
+          <p:cNvSpPr>
+            <a:spLocks noGrp="1"/>
+          </p:cNvSpPr>
+          <p:nvPr>
+            <p:ph type="body" orient="vert" idx="1"/>
+          </p:nvPr>
+        </p:nvSpPr>
+        <p:spPr>
+          <a:xfrm>
+            <a:off x="609599" y="609600"/>
+            <a:ext cx="5195026" cy="5251451"/>
+          </a:xfrm>
+        </p:spPr>
+        <p:txBody>
           <a:bodyPr vert="eaVert"/>
           <a:lstStyle/>
           <a:p>
-            <a:r>
+            <a:pPr lvl="0"/>
+            <a:r>
+              <a:rPr lang="en-US"/>
+              <a:t>Edit Master text styles</a:t>
+            </a:r>
+          </a:p>
+          <a:p>
+            <a:pPr lvl="1"/>
+            <a:r>
+              <a:rPr lang="en-US"/>
+              <a:t>Second level</a:t>
+            </a:r>
+          </a:p>
+          <a:p>
+            <a:pPr lvl="2"/>
+            <a:r>
+              <a:rPr lang="en-US"/>
+              <a:t>Third level</a:t>
+            </a:r>
+          </a:p>
+          <a:p>
+            <a:pPr lvl="3"/>
+            <a:r>
+              <a:rPr lang="en-US"/>
+              <a:t>Fourth level</a:t>
+            </a:r>
+          </a:p>
+          <a:p>
+            <a:pPr lvl="4"/>
+            <a:r>
+              <a:rPr lang="en-US"/>
+              <a:t>Fifth level</a:t>
+            </a:r>
+            <a:endParaRPr lang="en-US" dirty="0"/>
+          </a:p>
+        </p:txBody>
+      </p:sp>
+      <p:sp>
+        <p:nvSpPr>
+          <p:cNvPr id="4" name="Date Placeholder 3"/>
+          <p:cNvSpPr>
+            <a:spLocks noGrp="1"/>
+          </p:cNvSpPr>
+          <p:nvPr>
+            <p:ph type="dt" sz="half" idx="10"/>
+          </p:nvPr>
+        </p:nvSpPr>
+        <p:spPr/>
+        <p:txBody>
+          <a:bodyPr/>
+          <a:lstStyle/>
+          <a:p>
+            <a:fld id="{B61BEF0D-F0BB-DE4B-95CE-6DB70DBA9567}" type="datetimeFigureOut">
               <a:rPr lang="en-US" smtClean="0"/>
-              <a:t>Click to edit Master title style</a:t>
-            </a:r>
-            <a:endParaRPr lang="en-US"/>
-          </a:p>
-        </p:txBody>
-      </p:sp>
-      <p:sp>
-        <p:nvSpPr>
-          <p:cNvPr id="3" name="Vertical Text Placeholder 2"/>
-          <p:cNvSpPr>
-            <a:spLocks noGrp="1"/>
-          </p:cNvSpPr>
-          <p:nvPr>
-            <p:ph type="body" orient="vert" idx="1"/>
-          </p:nvPr>
-        </p:nvSpPr>
-        <p:spPr>
-          <a:xfrm>
-            <a:off x="457200" y="274638"/>
-            <a:ext cx="6019800" cy="5851525"/>
-          </a:xfrm>
-        </p:spPr>
-        <p:txBody>
-          <a:bodyPr vert="eaVert"/>
+              <a:pPr/>
+              <a:t>11/10/2017</a:t>
+            </a:fld>
+            <a:endParaRPr lang="en-US" dirty="0"/>
+          </a:p>
+        </p:txBody>
+      </p:sp>
+      <p:sp>
+        <p:nvSpPr>
+          <p:cNvPr id="5" name="Footer Placeholder 4"/>
+          <p:cNvSpPr>
+            <a:spLocks noGrp="1"/>
+          </p:cNvSpPr>
+          <p:nvPr>
+            <p:ph type="ftr" sz="quarter" idx="11"/>
+          </p:nvPr>
+        </p:nvSpPr>
+        <p:spPr/>
+        <p:txBody>
+          <a:bodyPr/>
           <a:lstStyle/>
           <a:p>
-            <a:pPr lvl="0"/>
-            <a:r>
+            <a:endParaRPr lang="en-US" dirty="0"/>
+          </a:p>
+        </p:txBody>
+      </p:sp>
+      <p:sp>
+        <p:nvSpPr>
+          <p:cNvPr id="6" name="Slide Number Placeholder 5"/>
+          <p:cNvSpPr>
+            <a:spLocks noGrp="1"/>
+          </p:cNvSpPr>
+          <p:nvPr>
+            <p:ph type="sldNum" sz="quarter" idx="12"/>
+          </p:nvPr>
+        </p:nvSpPr>
+        <p:spPr/>
+        <p:txBody>
+          <a:bodyPr/>
+          <a:lstStyle/>
+          <a:p>
+            <a:fld id="{D57F1E4F-1CFF-5643-939E-217C01CDF565}" type="slidenum">
               <a:rPr lang="en-US" smtClean="0"/>
-              <a:t>Click to edit Master text styles</a:t>
-            </a:r>
-          </a:p>
-          <a:p>
-            <a:pPr lvl="1"/>
-            <a:r>
-              <a:rPr lang="en-US" smtClean="0"/>
-              <a:t>Second level</a:t>
-            </a:r>
-          </a:p>
-          <a:p>
-            <a:pPr lvl="2"/>
-            <a:r>
-              <a:rPr lang="en-US" smtClean="0"/>
-              <a:t>Third level</a:t>
-            </a:r>
-          </a:p>
-          <a:p>
-            <a:pPr lvl="3"/>
-            <a:r>
-              <a:rPr lang="en-US" smtClean="0"/>
-              <a:t>Fourth level</a:t>
-            </a:r>
-          </a:p>
-          <a:p>
-            <a:pPr lvl="4"/>
-            <a:r>
-              <a:rPr lang="en-US" smtClean="0"/>
-              <a:t>Fifth level</a:t>
-            </a:r>
-            <a:endParaRPr lang="en-US"/>
+              <a:pPr/>
+              <a:t>‹#›</a:t>
+            </a:fld>
+            <a:endParaRPr lang="en-US" dirty="0"/>
           </a:p>
         </p:txBody>
       </p:sp>
     </p:spTree>
     <p:extLst>
       <p:ext uri="{BB962C8B-B14F-4D97-AF65-F5344CB8AC3E}">
-        <p14:creationId xmlns:p14="http://schemas.microsoft.com/office/powerpoint/2010/main" val="1281196617"/>
+        <p14:creationId xmlns:p14="http://schemas.microsoft.com/office/powerpoint/2010/main" val="4200908809"/>
       </p:ext>
     </p:extLst>
   </p:cSld>
@@ -1326,25 +3862,83 @@
         </p:nvSpPr>
         <p:spPr/>
         <p:txBody>
+          <a:bodyPr>
+            <a:normAutofit/>
+          </a:bodyPr>
+          <a:lstStyle>
+            <a:lvl1pPr>
+              <a:defRPr sz="3600"/>
+            </a:lvl1pPr>
+          </a:lstStyle>
+          <a:p>
+            <a:r>
+              <a:rPr lang="en-US"/>
+              <a:t>Click to edit Master title style</a:t>
+            </a:r>
+            <a:endParaRPr lang="en-US" dirty="0"/>
+          </a:p>
+        </p:txBody>
+      </p:sp>
+      <p:sp>
+        <p:nvSpPr>
+          <p:cNvPr id="3" name="Content Placeholder 2"/>
+          <p:cNvSpPr>
+            <a:spLocks noGrp="1"/>
+          </p:cNvSpPr>
+          <p:nvPr>
+            <p:ph idx="1"/>
+          </p:nvPr>
+        </p:nvSpPr>
+        <p:spPr/>
+        <p:txBody>
           <a:bodyPr/>
           <a:lstStyle/>
           <a:p>
-            <a:r>
-              <a:rPr lang="en-US" smtClean="0"/>
-              <a:t>Click to edit Master title style</a:t>
-            </a:r>
-            <a:endParaRPr lang="en-US"/>
-          </a:p>
-        </p:txBody>
-      </p:sp>
-      <p:sp>
-        <p:nvSpPr>
-          <p:cNvPr id="3" name="Content Placeholder 2"/>
-          <p:cNvSpPr>
-            <a:spLocks noGrp="1"/>
-          </p:cNvSpPr>
-          <p:nvPr>
-            <p:ph idx="1"/>
+            <a:pPr lvl="0"/>
+            <a:r>
+              <a:rPr lang="en-US"/>
+              <a:t>Edit Master text styles</a:t>
+            </a:r>
+          </a:p>
+          <a:p>
+            <a:pPr lvl="1"/>
+            <a:r>
+              <a:rPr lang="en-US"/>
+              <a:t>Second level</a:t>
+            </a:r>
+          </a:p>
+          <a:p>
+            <a:pPr lvl="2"/>
+            <a:r>
+              <a:rPr lang="en-US"/>
+              <a:t>Third level</a:t>
+            </a:r>
+          </a:p>
+          <a:p>
+            <a:pPr lvl="3"/>
+            <a:r>
+              <a:rPr lang="en-US"/>
+              <a:t>Fourth level</a:t>
+            </a:r>
+          </a:p>
+          <a:p>
+            <a:pPr lvl="4"/>
+            <a:r>
+              <a:rPr lang="en-US"/>
+              <a:t>Fifth level</a:t>
+            </a:r>
+            <a:endParaRPr lang="en-US" dirty="0"/>
+          </a:p>
+        </p:txBody>
+      </p:sp>
+      <p:sp>
+        <p:nvSpPr>
+          <p:cNvPr id="4" name="Date Placeholder 3"/>
+          <p:cNvSpPr>
+            <a:spLocks noGrp="1"/>
+          </p:cNvSpPr>
+          <p:nvPr>
+            <p:ph type="dt" sz="half" idx="10"/>
           </p:nvPr>
         </p:nvSpPr>
         <p:spPr/>
@@ -1352,47 +3946,60 @@
           <a:bodyPr/>
           <a:lstStyle/>
           <a:p>
-            <a:pPr lvl="0"/>
-            <a:r>
+            <a:fld id="{70DDF080-5E8C-48AD-84E5-6C08B304C14E}" type="datetimeFigureOut">
               <a:rPr lang="en-US" smtClean="0"/>
-              <a:t>Click to edit Master text styles</a:t>
-            </a:r>
-          </a:p>
-          <a:p>
-            <a:pPr lvl="1"/>
-            <a:r>
+              <a:t>11/10/2017</a:t>
+            </a:fld>
+            <a:endParaRPr lang="en-US" dirty="0"/>
+          </a:p>
+        </p:txBody>
+      </p:sp>
+      <p:sp>
+        <p:nvSpPr>
+          <p:cNvPr id="5" name="Footer Placeholder 4"/>
+          <p:cNvSpPr>
+            <a:spLocks noGrp="1"/>
+          </p:cNvSpPr>
+          <p:nvPr>
+            <p:ph type="ftr" sz="quarter" idx="11"/>
+          </p:nvPr>
+        </p:nvSpPr>
+        <p:spPr/>
+        <p:txBody>
+          <a:bodyPr/>
+          <a:lstStyle/>
+          <a:p>
+            <a:endParaRPr lang="en-US" dirty="0"/>
+          </a:p>
+        </p:txBody>
+      </p:sp>
+      <p:sp>
+        <p:nvSpPr>
+          <p:cNvPr id="6" name="Slide Number Placeholder 5"/>
+          <p:cNvSpPr>
+            <a:spLocks noGrp="1"/>
+          </p:cNvSpPr>
+          <p:nvPr>
+            <p:ph type="sldNum" sz="quarter" idx="12"/>
+          </p:nvPr>
+        </p:nvSpPr>
+        <p:spPr/>
+        <p:txBody>
+          <a:bodyPr/>
+          <a:lstStyle/>
+          <a:p>
+            <a:fld id="{47333891-D5E7-4C7B-BF1D-E855E53CB5A8}" type="slidenum">
               <a:rPr lang="en-US" smtClean="0"/>
-              <a:t>Second level</a:t>
-            </a:r>
-          </a:p>
-          <a:p>
-            <a:pPr lvl="2"/>
-            <a:r>
-              <a:rPr lang="en-US" smtClean="0"/>
-              <a:t>Third level</a:t>
-            </a:r>
-          </a:p>
-          <a:p>
-            <a:pPr lvl="3"/>
-            <a:r>
-              <a:rPr lang="en-US" smtClean="0"/>
-              <a:t>Fourth level</a:t>
-            </a:r>
-          </a:p>
-          <a:p>
-            <a:pPr lvl="4"/>
-            <a:r>
-              <a:rPr lang="en-US" smtClean="0"/>
-              <a:t>Fifth level</a:t>
-            </a:r>
-            <a:endParaRPr lang="en-US"/>
+              <a:t>‹#›</a:t>
+            </a:fld>
+            <a:endParaRPr lang="en-US" dirty="0"/>
           </a:p>
         </p:txBody>
       </p:sp>
     </p:spTree>
     <p:extLst>
       <p:ext uri="{BB962C8B-B14F-4D97-AF65-F5344CB8AC3E}">
-        <p14:creationId xmlns:p14="http://schemas.microsoft.com/office/powerpoint/2010/main" val="3270060169"/>
+        <p14:creationId xmlns:p14="http://schemas.microsoft.com/office/powerpoint/2010/main" val="1452849188"/>
       </p:ext>
     </p:extLst>
   </p:cSld>
@@ -1431,52 +4038,50 @@
         </p:nvSpPr>
         <p:spPr>
           <a:xfrm>
-            <a:off x="722313" y="4406900"/>
-            <a:ext cx="7772400" cy="1362075"/>
+            <a:off x="609598" y="2700868"/>
+            <a:ext cx="6347715" cy="1826581"/>
           </a:xfrm>
         </p:spPr>
         <p:txBody>
+          <a:bodyPr anchor="b"/>
+          <a:lstStyle>
+            <a:lvl1pPr algn="l">
+              <a:defRPr sz="4000" b="0" cap="none"/>
+            </a:lvl1pPr>
+          </a:lstStyle>
+          <a:p>
+            <a:r>
+              <a:rPr lang="en-US"/>
+              <a:t>Click to edit Master title style</a:t>
+            </a:r>
+            <a:endParaRPr lang="en-US" dirty="0"/>
+          </a:p>
+        </p:txBody>
+      </p:sp>
+      <p:sp>
+        <p:nvSpPr>
+          <p:cNvPr id="3" name="Text Placeholder 2"/>
+          <p:cNvSpPr>
+            <a:spLocks noGrp="1"/>
+          </p:cNvSpPr>
+          <p:nvPr>
+            <p:ph type="body" idx="1"/>
+          </p:nvPr>
+        </p:nvSpPr>
+        <p:spPr>
+          <a:xfrm>
+            <a:off x="609598" y="4527448"/>
+            <a:ext cx="6347715" cy="860400"/>
+          </a:xfrm>
+        </p:spPr>
+        <p:txBody>
           <a:bodyPr anchor="t"/>
           <a:lstStyle>
-            <a:lvl1pPr algn="l">
-              <a:defRPr sz="4000" b="1" cap="all"/>
-            </a:lvl1pPr>
-          </a:lstStyle>
-          <a:p>
-            <a:r>
-              <a:rPr lang="en-US" smtClean="0"/>
-              <a:t>Click to edit Master title style</a:t>
-            </a:r>
-            <a:endParaRPr lang="en-US"/>
-          </a:p>
-        </p:txBody>
-      </p:sp>
-      <p:sp>
-        <p:nvSpPr>
-          <p:cNvPr id="3" name="Text Placeholder 2"/>
-          <p:cNvSpPr>
-            <a:spLocks noGrp="1"/>
-          </p:cNvSpPr>
-          <p:nvPr>
-            <p:ph type="body" idx="1"/>
-          </p:nvPr>
-        </p:nvSpPr>
-        <p:spPr>
-          <a:xfrm>
-            <a:off x="722313" y="2906713"/>
-            <a:ext cx="7772400" cy="1500187"/>
-          </a:xfrm>
-        </p:spPr>
-        <p:txBody>
-          <a:bodyPr anchor="b"/>
-          <a:lstStyle>
-            <a:lvl1pPr marL="0" indent="0">
+            <a:lvl1pPr marL="0" indent="0" algn="l">
               <a:buNone/>
               <a:defRPr sz="2000">
                 <a:solidFill>
-                  <a:schemeClr val="tx1">
-                    <a:tint val="75000"/>
-                  </a:schemeClr>
+                  <a:schemeClr val="tx1"/>
                 </a:solidFill>
               </a:defRPr>
             </a:lvl1pPr>
@@ -1564,16 +4169,83 @@
           <a:p>
             <a:pPr lvl="0"/>
             <a:r>
+              <a:rPr lang="en-US"/>
+              <a:t>Edit Master text styles</a:t>
+            </a:r>
+          </a:p>
+        </p:txBody>
+      </p:sp>
+      <p:sp>
+        <p:nvSpPr>
+          <p:cNvPr id="4" name="Date Placeholder 3"/>
+          <p:cNvSpPr>
+            <a:spLocks noGrp="1"/>
+          </p:cNvSpPr>
+          <p:nvPr>
+            <p:ph type="dt" sz="half" idx="10"/>
+          </p:nvPr>
+        </p:nvSpPr>
+        <p:spPr/>
+        <p:txBody>
+          <a:bodyPr/>
+          <a:lstStyle/>
+          <a:p>
+            <a:fld id="{B61BEF0D-F0BB-DE4B-95CE-6DB70DBA9567}" type="datetimeFigureOut">
               <a:rPr lang="en-US" smtClean="0"/>
-              <a:t>Click to edit Master text styles</a:t>
-            </a:r>
+              <a:pPr/>
+              <a:t>11/10/2017</a:t>
+            </a:fld>
+            <a:endParaRPr lang="en-US" dirty="0"/>
+          </a:p>
+        </p:txBody>
+      </p:sp>
+      <p:sp>
+        <p:nvSpPr>
+          <p:cNvPr id="5" name="Footer Placeholder 4"/>
+          <p:cNvSpPr>
+            <a:spLocks noGrp="1"/>
+          </p:cNvSpPr>
+          <p:nvPr>
+            <p:ph type="ftr" sz="quarter" idx="11"/>
+          </p:nvPr>
+        </p:nvSpPr>
+        <p:spPr/>
+        <p:txBody>
+          <a:bodyPr/>
+          <a:lstStyle/>
+          <a:p>
+            <a:endParaRPr lang="en-US" dirty="0"/>
+          </a:p>
+        </p:txBody>
+      </p:sp>
+      <p:sp>
+        <p:nvSpPr>
+          <p:cNvPr id="6" name="Slide Number Placeholder 5"/>
+          <p:cNvSpPr>
+            <a:spLocks noGrp="1"/>
+          </p:cNvSpPr>
+          <p:nvPr>
+            <p:ph type="sldNum" sz="quarter" idx="12"/>
+          </p:nvPr>
+        </p:nvSpPr>
+        <p:spPr/>
+        <p:txBody>
+          <a:bodyPr/>
+          <a:lstStyle/>
+          <a:p>
+            <a:fld id="{D57F1E4F-1CFF-5643-939E-217C01CDF565}" type="slidenum">
+              <a:rPr lang="en-US" smtClean="0"/>
+              <a:pPr/>
+              <a:t>‹#›</a:t>
+            </a:fld>
+            <a:endParaRPr lang="en-US" dirty="0"/>
           </a:p>
         </p:txBody>
       </p:sp>
     </p:spTree>
     <p:extLst>
       <p:ext uri="{BB962C8B-B14F-4D97-AF65-F5344CB8AC3E}">
-        <p14:creationId xmlns:p14="http://schemas.microsoft.com/office/powerpoint/2010/main" val="552180390"/>
+        <p14:creationId xmlns:p14="http://schemas.microsoft.com/office/powerpoint/2010/main" val="1313997488"/>
       </p:ext>
     </p:extLst>
   </p:cSld>
@@ -1610,13 +4282,18 @@
             <p:ph type="title"/>
           </p:nvPr>
         </p:nvSpPr>
-        <p:spPr/>
+        <p:spPr>
+          <a:xfrm>
+            <a:off x="609600" y="609600"/>
+            <a:ext cx="6347714" cy="1320800"/>
+          </a:xfrm>
+        </p:spPr>
         <p:txBody>
           <a:bodyPr/>
           <a:lstStyle/>
           <a:p>
             <a:r>
-              <a:rPr lang="en-US" smtClean="0"/>
+              <a:rPr lang="en-US"/>
               <a:t>Click to edit Master title style</a:t>
             </a:r>
             <a:endParaRPr lang="en-US" dirty="0"/>
@@ -1635,76 +4312,78 @@
         </p:nvSpPr>
         <p:spPr>
           <a:xfrm>
-            <a:off x="457200" y="1600200"/>
-            <a:ext cx="4038600" cy="4525963"/>
+            <a:off x="609600" y="2160589"/>
+            <a:ext cx="3088109" cy="3880772"/>
           </a:xfrm>
         </p:spPr>
         <p:txBody>
-          <a:bodyPr/>
+          <a:bodyPr>
+            <a:normAutofit/>
+          </a:bodyPr>
           <a:lstStyle>
             <a:lvl1pPr>
-              <a:defRPr sz="2800"/>
+              <a:defRPr sz="1800"/>
             </a:lvl1pPr>
             <a:lvl2pPr>
-              <a:defRPr sz="2400"/>
+              <a:defRPr sz="1600"/>
             </a:lvl2pPr>
             <a:lvl3pPr>
-              <a:defRPr sz="2000"/>
+              <a:defRPr sz="1400"/>
             </a:lvl3pPr>
             <a:lvl4pPr>
-              <a:defRPr sz="1800"/>
+              <a:defRPr sz="1200"/>
             </a:lvl4pPr>
             <a:lvl5pPr>
-              <a:defRPr sz="1800"/>
+              <a:defRPr sz="1200"/>
             </a:lvl5pPr>
             <a:lvl6pPr>
-              <a:defRPr sz="1800"/>
+              <a:defRPr sz="1200"/>
             </a:lvl6pPr>
             <a:lvl7pPr>
-              <a:defRPr sz="1800"/>
+              <a:defRPr sz="1200"/>
             </a:lvl7pPr>
             <a:lvl8pPr>
-              <a:defRPr sz="1800"/>
+              <a:defRPr sz="1200"/>
             </a:lvl8pPr>
             <a:lvl9pPr>
-              <a:defRPr sz="1800"/>
+              <a:defRPr sz="1200"/>
             </a:lvl9pPr>
           </a:lstStyle>
           <a:p>
             <a:pPr lvl="0"/>
             <a:r>
-              <a:rPr lang="en-US" smtClean="0"/>
-              <a:t>Click to edit Master text styles</a:t>
+              <a:rPr lang="en-US"/>
+              <a:t>Edit Master text styles</a:t>
             </a:r>
           </a:p>
           <a:p>
             <a:pPr lvl="1"/>
             <a:r>
-              <a:rPr lang="en-US" smtClean="0"/>
+              <a:rPr lang="en-US"/>
               <a:t>Second level</a:t>
             </a:r>
           </a:p>
           <a:p>
             <a:pPr lvl="2"/>
             <a:r>
-              <a:rPr lang="en-US" smtClean="0"/>
+              <a:rPr lang="en-US"/>
               <a:t>Third level</a:t>
             </a:r>
           </a:p>
           <a:p>
             <a:pPr lvl="3"/>
             <a:r>
-              <a:rPr lang="en-US" smtClean="0"/>
+              <a:rPr lang="en-US"/>
               <a:t>Fourth level</a:t>
             </a:r>
           </a:p>
           <a:p>
             <a:pPr lvl="4"/>
             <a:r>
-              <a:rPr lang="en-US" smtClean="0"/>
+              <a:rPr lang="en-US"/>
               <a:t>Fifth level</a:t>
             </a:r>
-            <a:endParaRPr lang="en-US"/>
+            <a:endParaRPr lang="en-US" dirty="0"/>
           </a:p>
         </p:txBody>
       </p:sp>
@@ -1720,83 +4399,152 @@
         </p:nvSpPr>
         <p:spPr>
           <a:xfrm>
-            <a:off x="4648200" y="1600200"/>
-            <a:ext cx="4038600" cy="4525963"/>
+            <a:off x="3869204" y="2160590"/>
+            <a:ext cx="3088110" cy="3880773"/>
           </a:xfrm>
         </p:spPr>
         <p:txBody>
-          <a:bodyPr/>
+          <a:bodyPr>
+            <a:normAutofit/>
+          </a:bodyPr>
           <a:lstStyle>
             <a:lvl1pPr>
-              <a:defRPr sz="2800"/>
+              <a:defRPr sz="1800"/>
             </a:lvl1pPr>
             <a:lvl2pPr>
-              <a:defRPr sz="2400"/>
+              <a:defRPr sz="1600"/>
             </a:lvl2pPr>
             <a:lvl3pPr>
-              <a:defRPr sz="2000"/>
+              <a:defRPr sz="1400"/>
             </a:lvl3pPr>
             <a:lvl4pPr>
-              <a:defRPr sz="1800"/>
+              <a:defRPr sz="1200"/>
             </a:lvl4pPr>
             <a:lvl5pPr>
-              <a:defRPr sz="1800"/>
+              <a:defRPr sz="1200"/>
             </a:lvl5pPr>
             <a:lvl6pPr>
-              <a:defRPr sz="1800"/>
+              <a:defRPr sz="1200"/>
             </a:lvl6pPr>
             <a:lvl7pPr>
-              <a:defRPr sz="1800"/>
+              <a:defRPr sz="1200"/>
             </a:lvl7pPr>
             <a:lvl8pPr>
-              <a:defRPr sz="1800"/>
+              <a:defRPr sz="1200"/>
             </a:lvl8pPr>
             <a:lvl9pPr>
-              <a:defRPr sz="1800"/>
+              <a:defRPr sz="1200"/>
             </a:lvl9pPr>
           </a:lstStyle>
           <a:p>
             <a:pPr lvl="0"/>
             <a:r>
+              <a:rPr lang="en-US"/>
+              <a:t>Edit Master text styles</a:t>
+            </a:r>
+          </a:p>
+          <a:p>
+            <a:pPr lvl="1"/>
+            <a:r>
+              <a:rPr lang="en-US"/>
+              <a:t>Second level</a:t>
+            </a:r>
+          </a:p>
+          <a:p>
+            <a:pPr lvl="2"/>
+            <a:r>
+              <a:rPr lang="en-US"/>
+              <a:t>Third level</a:t>
+            </a:r>
+          </a:p>
+          <a:p>
+            <a:pPr lvl="3"/>
+            <a:r>
+              <a:rPr lang="en-US"/>
+              <a:t>Fourth level</a:t>
+            </a:r>
+          </a:p>
+          <a:p>
+            <a:pPr lvl="4"/>
+            <a:r>
+              <a:rPr lang="en-US"/>
+              <a:t>Fifth level</a:t>
+            </a:r>
+            <a:endParaRPr lang="en-US" dirty="0"/>
+          </a:p>
+        </p:txBody>
+      </p:sp>
+      <p:sp>
+        <p:nvSpPr>
+          <p:cNvPr id="5" name="Date Placeholder 4"/>
+          <p:cNvSpPr>
+            <a:spLocks noGrp="1"/>
+          </p:cNvSpPr>
+          <p:nvPr>
+            <p:ph type="dt" sz="half" idx="10"/>
+          </p:nvPr>
+        </p:nvSpPr>
+        <p:spPr/>
+        <p:txBody>
+          <a:bodyPr/>
+          <a:lstStyle/>
+          <a:p>
+            <a:fld id="{B61BEF0D-F0BB-DE4B-95CE-6DB70DBA9567}" type="datetimeFigureOut">
               <a:rPr lang="en-US" smtClean="0"/>
-              <a:t>Click to edit Master text styles</a:t>
-            </a:r>
-          </a:p>
-          <a:p>
-            <a:pPr lvl="1"/>
-            <a:r>
+              <a:pPr/>
+              <a:t>11/10/2017</a:t>
+            </a:fld>
+            <a:endParaRPr lang="en-US" dirty="0"/>
+          </a:p>
+        </p:txBody>
+      </p:sp>
+      <p:sp>
+        <p:nvSpPr>
+          <p:cNvPr id="6" name="Footer Placeholder 5"/>
+          <p:cNvSpPr>
+            <a:spLocks noGrp="1"/>
+          </p:cNvSpPr>
+          <p:nvPr>
+            <p:ph type="ftr" sz="quarter" idx="11"/>
+          </p:nvPr>
+        </p:nvSpPr>
+        <p:spPr/>
+        <p:txBody>
+          <a:bodyPr/>
+          <a:lstStyle/>
+          <a:p>
+            <a:endParaRPr lang="en-US" dirty="0"/>
+          </a:p>
+        </p:txBody>
+      </p:sp>
+      <p:sp>
+        <p:nvSpPr>
+          <p:cNvPr id="7" name="Slide Number Placeholder 6"/>
+          <p:cNvSpPr>
+            <a:spLocks noGrp="1"/>
+          </p:cNvSpPr>
+          <p:nvPr>
+            <p:ph type="sldNum" sz="quarter" idx="12"/>
+          </p:nvPr>
+        </p:nvSpPr>
+        <p:spPr/>
+        <p:txBody>
+          <a:bodyPr/>
+          <a:lstStyle/>
+          <a:p>
+            <a:fld id="{D57F1E4F-1CFF-5643-939E-217C01CDF565}" type="slidenum">
               <a:rPr lang="en-US" smtClean="0"/>
-              <a:t>Second level</a:t>
-            </a:r>
-          </a:p>
-          <a:p>
-            <a:pPr lvl="2"/>
-            <a:r>
-              <a:rPr lang="en-US" smtClean="0"/>
-              <a:t>Third level</a:t>
-            </a:r>
-          </a:p>
-          <a:p>
-            <a:pPr lvl="3"/>
-            <a:r>
-              <a:rPr lang="en-US" smtClean="0"/>
-              <a:t>Fourth level</a:t>
-            </a:r>
-          </a:p>
-          <a:p>
-            <a:pPr lvl="4"/>
-            <a:r>
-              <a:rPr lang="en-US" smtClean="0"/>
-              <a:t>Fifth level</a:t>
-            </a:r>
-            <a:endParaRPr lang="en-US"/>
+              <a:pPr/>
+              <a:t>‹#›</a:t>
+            </a:fld>
+            <a:endParaRPr lang="en-US" dirty="0"/>
           </a:p>
         </p:txBody>
       </p:sp>
     </p:spTree>
     <p:extLst>
       <p:ext uri="{BB962C8B-B14F-4D97-AF65-F5344CB8AC3E}">
-        <p14:creationId xmlns:p14="http://schemas.microsoft.com/office/powerpoint/2010/main" val="781499875"/>
+        <p14:creationId xmlns:p14="http://schemas.microsoft.com/office/powerpoint/2010/main" val="3725608277"/>
       </p:ext>
     </p:extLst>
   </p:cSld>
@@ -1833,7 +4581,12 @@
             <p:ph type="title"/>
           </p:nvPr>
         </p:nvSpPr>
-        <p:spPr/>
+        <p:spPr>
+          <a:xfrm>
+            <a:off x="609599" y="609600"/>
+            <a:ext cx="6347713" cy="1320800"/>
+          </a:xfrm>
+        </p:spPr>
         <p:txBody>
           <a:bodyPr/>
           <a:lstStyle>
@@ -1843,10 +4596,10 @@
           </a:lstStyle>
           <a:p>
             <a:r>
-              <a:rPr lang="en-US" smtClean="0"/>
+              <a:rPr lang="en-US"/>
               <a:t>Click to edit Master title style</a:t>
             </a:r>
-            <a:endParaRPr lang="en-US"/>
+            <a:endParaRPr lang="en-US" dirty="0"/>
           </a:p>
         </p:txBody>
       </p:sp>
@@ -1862,16 +4615,18 @@
         </p:nvSpPr>
         <p:spPr>
           <a:xfrm>
-            <a:off x="457200" y="1535113"/>
-            <a:ext cx="4040188" cy="639762"/>
+            <a:off x="609599" y="2160983"/>
+            <a:ext cx="3090672" cy="576262"/>
           </a:xfrm>
         </p:spPr>
         <p:txBody>
-          <a:bodyPr anchor="b"/>
+          <a:bodyPr anchor="b">
+            <a:noAutofit/>
+          </a:bodyPr>
           <a:lstStyle>
             <a:lvl1pPr marL="0" indent="0">
               <a:buNone/>
-              <a:defRPr sz="2400" b="1"/>
+              <a:defRPr sz="2400" b="0"/>
             </a:lvl1pPr>
             <a:lvl2pPr marL="457200" indent="0">
               <a:buNone/>
@@ -1909,8 +4664,8 @@
           <a:p>
             <a:pPr lvl="0"/>
             <a:r>
-              <a:rPr lang="en-US" smtClean="0"/>
-              <a:t>Click to edit Master text styles</a:t>
+              <a:rPr lang="en-US"/>
+              <a:t>Edit Master text styles</a:t>
             </a:r>
           </a:p>
         </p:txBody>
@@ -1927,76 +4682,50 @@
         </p:nvSpPr>
         <p:spPr>
           <a:xfrm>
-            <a:off x="457200" y="2174875"/>
-            <a:ext cx="4040188" cy="3951288"/>
+            <a:off x="609599" y="2737246"/>
+            <a:ext cx="3090672" cy="3304117"/>
           </a:xfrm>
         </p:spPr>
         <p:txBody>
-          <a:bodyPr/>
-          <a:lstStyle>
-            <a:lvl1pPr>
-              <a:defRPr sz="2400"/>
-            </a:lvl1pPr>
-            <a:lvl2pPr>
-              <a:defRPr sz="2000"/>
-            </a:lvl2pPr>
-            <a:lvl3pPr>
-              <a:defRPr sz="1800"/>
-            </a:lvl3pPr>
-            <a:lvl4pPr>
-              <a:defRPr sz="1600"/>
-            </a:lvl4pPr>
-            <a:lvl5pPr>
-              <a:defRPr sz="1600"/>
-            </a:lvl5pPr>
-            <a:lvl6pPr>
-              <a:defRPr sz="1600"/>
-            </a:lvl6pPr>
-            <a:lvl7pPr>
-              <a:defRPr sz="1600"/>
-            </a:lvl7pPr>
-            <a:lvl8pPr>
-              <a:defRPr sz="1600"/>
-            </a:lvl8pPr>
-            <a:lvl9pPr>
-              <a:defRPr sz="1600"/>
-            </a:lvl9pPr>
-          </a:lstStyle>
+          <a:bodyPr>
+            <a:normAutofit/>
+          </a:bodyPr>
+          <a:lstStyle/>
           <a:p>
             <a:pPr lvl="0"/>
             <a:r>
-              <a:rPr lang="en-US" smtClean="0"/>
-              <a:t>Click to edit Master text styles</a:t>
+              <a:rPr lang="en-US"/>
+              <a:t>Edit Master text styles</a:t>
             </a:r>
           </a:p>
           <a:p>
             <a:pPr lvl="1"/>
             <a:r>
-              <a:rPr lang="en-US" smtClean="0"/>
+              <a:rPr lang="en-US"/>
               <a:t>Second level</a:t>
             </a:r>
           </a:p>
           <a:p>
             <a:pPr lvl="2"/>
             <a:r>
-              <a:rPr lang="en-US" smtClean="0"/>
+              <a:rPr lang="en-US"/>
               <a:t>Third level</a:t>
             </a:r>
           </a:p>
           <a:p>
             <a:pPr lvl="3"/>
             <a:r>
-              <a:rPr lang="en-US" smtClean="0"/>
+              <a:rPr lang="en-US"/>
               <a:t>Fourth level</a:t>
             </a:r>
           </a:p>
           <a:p>
             <a:pPr lvl="4"/>
             <a:r>
-              <a:rPr lang="en-US" smtClean="0"/>
+              <a:rPr lang="en-US"/>
               <a:t>Fifth level</a:t>
             </a:r>
-            <a:endParaRPr lang="en-US"/>
+            <a:endParaRPr lang="en-US" dirty="0"/>
           </a:p>
         </p:txBody>
       </p:sp>
@@ -2012,16 +4741,18 @@
         </p:nvSpPr>
         <p:spPr>
           <a:xfrm>
-            <a:off x="4645025" y="1535113"/>
-            <a:ext cx="4041775" cy="639762"/>
+            <a:off x="3866640" y="2160983"/>
+            <a:ext cx="3090672" cy="576262"/>
           </a:xfrm>
         </p:spPr>
         <p:txBody>
-          <a:bodyPr anchor="b"/>
+          <a:bodyPr anchor="b">
+            <a:noAutofit/>
+          </a:bodyPr>
           <a:lstStyle>
             <a:lvl1pPr marL="0" indent="0">
               <a:buNone/>
-              <a:defRPr sz="2400" b="1"/>
+              <a:defRPr sz="2400" b="0"/>
             </a:lvl1pPr>
             <a:lvl2pPr marL="457200" indent="0">
               <a:buNone/>
@@ -2059,8 +4790,8 @@
           <a:p>
             <a:pPr lvl="0"/>
             <a:r>
-              <a:rPr lang="en-US" smtClean="0"/>
-              <a:t>Click to edit Master text styles</a:t>
+              <a:rPr lang="en-US"/>
+              <a:t>Edit Master text styles</a:t>
             </a:r>
           </a:p>
         </p:txBody>
@@ -2077,83 +4808,124 @@
         </p:nvSpPr>
         <p:spPr>
           <a:xfrm>
-            <a:off x="4645025" y="2174875"/>
-            <a:ext cx="4041775" cy="3951288"/>
+            <a:off x="3866640" y="2737246"/>
+            <a:ext cx="3090672" cy="3304117"/>
           </a:xfrm>
         </p:spPr>
         <p:txBody>
+          <a:bodyPr>
+            <a:normAutofit/>
+          </a:bodyPr>
+          <a:lstStyle/>
+          <a:p>
+            <a:pPr lvl="0"/>
+            <a:r>
+              <a:rPr lang="en-US"/>
+              <a:t>Edit Master text styles</a:t>
+            </a:r>
+          </a:p>
+          <a:p>
+            <a:pPr lvl="1"/>
+            <a:r>
+              <a:rPr lang="en-US"/>
+              <a:t>Second level</a:t>
+            </a:r>
+          </a:p>
+          <a:p>
+            <a:pPr lvl="2"/>
+            <a:r>
+              <a:rPr lang="en-US"/>
+              <a:t>Third level</a:t>
+            </a:r>
+          </a:p>
+          <a:p>
+            <a:pPr lvl="3"/>
+            <a:r>
+              <a:rPr lang="en-US"/>
+              <a:t>Fourth level</a:t>
+            </a:r>
+          </a:p>
+          <a:p>
+            <a:pPr lvl="4"/>
+            <a:r>
+              <a:rPr lang="en-US"/>
+              <a:t>Fifth level</a:t>
+            </a:r>
+            <a:endParaRPr lang="en-US" dirty="0"/>
+          </a:p>
+        </p:txBody>
+      </p:sp>
+      <p:sp>
+        <p:nvSpPr>
+          <p:cNvPr id="7" name="Date Placeholder 6"/>
+          <p:cNvSpPr>
+            <a:spLocks noGrp="1"/>
+          </p:cNvSpPr>
+          <p:nvPr>
+            <p:ph type="dt" sz="half" idx="10"/>
+          </p:nvPr>
+        </p:nvSpPr>
+        <p:spPr/>
+        <p:txBody>
           <a:bodyPr/>
-          <a:lstStyle>
-            <a:lvl1pPr>
-              <a:defRPr sz="2400"/>
-            </a:lvl1pPr>
-            <a:lvl2pPr>
-              <a:defRPr sz="2000"/>
-            </a:lvl2pPr>
-            <a:lvl3pPr>
-              <a:defRPr sz="1800"/>
-            </a:lvl3pPr>
-            <a:lvl4pPr>
-              <a:defRPr sz="1600"/>
-            </a:lvl4pPr>
-            <a:lvl5pPr>
-              <a:defRPr sz="1600"/>
-            </a:lvl5pPr>
-            <a:lvl6pPr>
-              <a:defRPr sz="1600"/>
-            </a:lvl6pPr>
-            <a:lvl7pPr>
-              <a:defRPr sz="1600"/>
-            </a:lvl7pPr>
-            <a:lvl8pPr>
-              <a:defRPr sz="1600"/>
-            </a:lvl8pPr>
-            <a:lvl9pPr>
-              <a:defRPr sz="1600"/>
-            </a:lvl9pPr>
-          </a:lstStyle>
-          <a:p>
-            <a:pPr lvl="0"/>
-            <a:r>
+          <a:lstStyle/>
+          <a:p>
+            <a:fld id="{B61BEF0D-F0BB-DE4B-95CE-6DB70DBA9567}" type="datetimeFigureOut">
               <a:rPr lang="en-US" smtClean="0"/>
-              <a:t>Click to edit Master text styles</a:t>
-            </a:r>
-          </a:p>
-          <a:p>
-            <a:pPr lvl="1"/>
-            <a:r>
+              <a:pPr/>
+              <a:t>11/10/2017</a:t>
+            </a:fld>
+            <a:endParaRPr lang="en-US" dirty="0"/>
+          </a:p>
+        </p:txBody>
+      </p:sp>
+      <p:sp>
+        <p:nvSpPr>
+          <p:cNvPr id="8" name="Footer Placeholder 7"/>
+          <p:cNvSpPr>
+            <a:spLocks noGrp="1"/>
+          </p:cNvSpPr>
+          <p:nvPr>
+            <p:ph type="ftr" sz="quarter" idx="11"/>
+          </p:nvPr>
+        </p:nvSpPr>
+        <p:spPr/>
+        <p:txBody>
+          <a:bodyPr/>
+          <a:lstStyle/>
+          <a:p>
+            <a:endParaRPr lang="en-US" dirty="0"/>
+          </a:p>
+        </p:txBody>
+      </p:sp>
+      <p:sp>
+        <p:nvSpPr>
+          <p:cNvPr id="9" name="Slide Number Placeholder 8"/>
+          <p:cNvSpPr>
+            <a:spLocks noGrp="1"/>
+          </p:cNvSpPr>
+          <p:nvPr>
+            <p:ph type="sldNum" sz="quarter" idx="12"/>
+          </p:nvPr>
+        </p:nvSpPr>
+        <p:spPr/>
+        <p:txBody>
+          <a:bodyPr/>
+          <a:lstStyle/>
+          <a:p>
+            <a:fld id="{D57F1E4F-1CFF-5643-939E-217C01CDF565}" type="slidenum">
               <a:rPr lang="en-US" smtClean="0"/>
-              <a:t>Second level</a:t>
-            </a:r>
-          </a:p>
-          <a:p>
-            <a:pPr lvl="2"/>
-            <a:r>
-              <a:rPr lang="en-US" smtClean="0"/>
-              <a:t>Third level</a:t>
-            </a:r>
-          </a:p>
-          <a:p>
-            <a:pPr lvl="3"/>
-            <a:r>
-              <a:rPr lang="en-US" smtClean="0"/>
-              <a:t>Fourth level</a:t>
-            </a:r>
-          </a:p>
-          <a:p>
-            <a:pPr lvl="4"/>
-            <a:r>
-              <a:rPr lang="en-US" smtClean="0"/>
-              <a:t>Fifth level</a:t>
-            </a:r>
-            <a:endParaRPr lang="en-US"/>
+              <a:pPr/>
+              <a:t>‹#›</a:t>
+            </a:fld>
+            <a:endParaRPr lang="en-US" dirty="0"/>
           </a:p>
         </p:txBody>
       </p:sp>
     </p:spTree>
     <p:extLst>
       <p:ext uri="{BB962C8B-B14F-4D97-AF65-F5344CB8AC3E}">
-        <p14:creationId xmlns:p14="http://schemas.microsoft.com/office/powerpoint/2010/main" val="3431624698"/>
+        <p14:creationId xmlns:p14="http://schemas.microsoft.com/office/powerpoint/2010/main" val="1986758614"/>
       </p:ext>
     </p:extLst>
   </p:cSld>
@@ -2190,23 +4962,95 @@
             <p:ph type="title"/>
           </p:nvPr>
         </p:nvSpPr>
-        <p:spPr/>
+        <p:spPr>
+          <a:xfrm>
+            <a:off x="609599" y="609600"/>
+            <a:ext cx="6347714" cy="1320800"/>
+          </a:xfrm>
+        </p:spPr>
         <p:txBody>
           <a:bodyPr/>
           <a:lstStyle/>
           <a:p>
             <a:r>
+              <a:rPr lang="en-US"/>
+              <a:t>Click to edit Master title style</a:t>
+            </a:r>
+            <a:endParaRPr lang="en-US" dirty="0"/>
+          </a:p>
+        </p:txBody>
+      </p:sp>
+      <p:sp>
+        <p:nvSpPr>
+          <p:cNvPr id="3" name="Date Placeholder 2"/>
+          <p:cNvSpPr>
+            <a:spLocks noGrp="1"/>
+          </p:cNvSpPr>
+          <p:nvPr>
+            <p:ph type="dt" sz="half" idx="10"/>
+          </p:nvPr>
+        </p:nvSpPr>
+        <p:spPr/>
+        <p:txBody>
+          <a:bodyPr/>
+          <a:lstStyle/>
+          <a:p>
+            <a:fld id="{B61BEF0D-F0BB-DE4B-95CE-6DB70DBA9567}" type="datetimeFigureOut">
               <a:rPr lang="en-US" smtClean="0"/>
-              <a:t>Click to edit Master title style</a:t>
-            </a:r>
-            <a:endParaRPr lang="en-US"/>
+              <a:pPr/>
+              <a:t>11/10/2017</a:t>
+            </a:fld>
+            <a:endParaRPr lang="en-US" dirty="0"/>
+          </a:p>
+        </p:txBody>
+      </p:sp>
+      <p:sp>
+        <p:nvSpPr>
+          <p:cNvPr id="4" name="Footer Placeholder 3"/>
+          <p:cNvSpPr>
+            <a:spLocks noGrp="1"/>
+          </p:cNvSpPr>
+          <p:nvPr>
+            <p:ph type="ftr" sz="quarter" idx="11"/>
+          </p:nvPr>
+        </p:nvSpPr>
+        <p:spPr/>
+        <p:txBody>
+          <a:bodyPr/>
+          <a:lstStyle/>
+          <a:p>
+            <a:endParaRPr lang="en-US" dirty="0"/>
+          </a:p>
+        </p:txBody>
+      </p:sp>
+      <p:sp>
+        <p:nvSpPr>
+          <p:cNvPr id="5" name="Slide Number Placeholder 4"/>
+          <p:cNvSpPr>
+            <a:spLocks noGrp="1"/>
+          </p:cNvSpPr>
+          <p:nvPr>
+            <p:ph type="sldNum" sz="quarter" idx="12"/>
+          </p:nvPr>
+        </p:nvSpPr>
+        <p:spPr/>
+        <p:txBody>
+          <a:bodyPr/>
+          <a:lstStyle/>
+          <a:p>
+            <a:fld id="{D57F1E4F-1CFF-5643-939E-217C01CDF565}" type="slidenum">
+              <a:rPr lang="en-US" smtClean="0"/>
+              <a:pPr/>
+              <a:t>‹#›</a:t>
+            </a:fld>
+            <a:endParaRPr lang="en-US" dirty="0"/>
           </a:p>
         </p:txBody>
       </p:sp>
     </p:spTree>
     <p:extLst>
       <p:ext uri="{BB962C8B-B14F-4D97-AF65-F5344CB8AC3E}">
-        <p14:creationId xmlns:p14="http://schemas.microsoft.com/office/powerpoint/2010/main" val="782004030"/>
+        <p14:creationId xmlns:p14="http://schemas.microsoft.com/office/powerpoint/2010/main" val="1062237861"/>
       </p:ext>
     </p:extLst>
   </p:cSld>
@@ -2233,10 +5077,77 @@
           <a:chExt cx="0" cy="0"/>
         </a:xfrm>
       </p:grpSpPr>
+      <p:sp>
+        <p:nvSpPr>
+          <p:cNvPr id="2" name="Date Placeholder 1"/>
+          <p:cNvSpPr>
+            <a:spLocks noGrp="1"/>
+          </p:cNvSpPr>
+          <p:nvPr>
+            <p:ph type="dt" sz="half" idx="10"/>
+          </p:nvPr>
+        </p:nvSpPr>
+        <p:spPr/>
+        <p:txBody>
+          <a:bodyPr/>
+          <a:lstStyle/>
+          <a:p>
+            <a:fld id="{B61BEF0D-F0BB-DE4B-95CE-6DB70DBA9567}" type="datetimeFigureOut">
+              <a:rPr lang="en-US" smtClean="0"/>
+              <a:pPr/>
+              <a:t>11/10/2017</a:t>
+            </a:fld>
+            <a:endParaRPr lang="en-US" dirty="0"/>
+          </a:p>
+        </p:txBody>
+      </p:sp>
+      <p:sp>
+        <p:nvSpPr>
+          <p:cNvPr id="3" name="Footer Placeholder 2"/>
+          <p:cNvSpPr>
+            <a:spLocks noGrp="1"/>
+          </p:cNvSpPr>
+          <p:nvPr>
+            <p:ph type="ftr" sz="quarter" idx="11"/>
+          </p:nvPr>
+        </p:nvSpPr>
+        <p:spPr/>
+        <p:txBody>
+          <a:bodyPr/>
+          <a:lstStyle/>
+          <a:p>
+            <a:endParaRPr lang="en-US" dirty="0"/>
+          </a:p>
+        </p:txBody>
+      </p:sp>
+      <p:sp>
+        <p:nvSpPr>
+          <p:cNvPr id="4" name="Slide Number Placeholder 3"/>
+          <p:cNvSpPr>
+            <a:spLocks noGrp="1"/>
+          </p:cNvSpPr>
+          <p:nvPr>
+            <p:ph type="sldNum" sz="quarter" idx="12"/>
+          </p:nvPr>
+        </p:nvSpPr>
+        <p:spPr/>
+        <p:txBody>
+          <a:bodyPr/>
+          <a:lstStyle/>
+          <a:p>
+            <a:fld id="{D57F1E4F-1CFF-5643-939E-217C01CDF565}" type="slidenum">
+              <a:rPr lang="en-US" smtClean="0"/>
+              <a:pPr/>
+              <a:t>‹#›</a:t>
+            </a:fld>
+            <a:endParaRPr lang="en-US" dirty="0"/>
+          </a:p>
+        </p:txBody>
+      </p:sp>
     </p:spTree>
     <p:extLst>
       <p:ext uri="{BB962C8B-B14F-4D97-AF65-F5344CB8AC3E}">
-        <p14:creationId xmlns:p14="http://schemas.microsoft.com/office/powerpoint/2010/main" val="3003631107"/>
+        <p14:creationId xmlns:p14="http://schemas.microsoft.com/office/powerpoint/2010/main" val="844514781"/>
       </p:ext>
     </p:extLst>
   </p:cSld>
@@ -2275,23 +5186,25 @@
         </p:nvSpPr>
         <p:spPr>
           <a:xfrm>
-            <a:off x="457200" y="273050"/>
-            <a:ext cx="3008313" cy="1162050"/>
+            <a:off x="609599" y="1498604"/>
+            <a:ext cx="2790182" cy="1278466"/>
           </a:xfrm>
         </p:spPr>
         <p:txBody>
-          <a:bodyPr anchor="b"/>
+          <a:bodyPr anchor="b">
+            <a:normAutofit/>
+          </a:bodyPr>
           <a:lstStyle>
-            <a:lvl1pPr algn="l">
-              <a:defRPr sz="2000" b="1"/>
+            <a:lvl1pPr>
+              <a:defRPr sz="2000"/>
             </a:lvl1pPr>
           </a:lstStyle>
           <a:p>
             <a:r>
-              <a:rPr lang="en-US" smtClean="0"/>
+              <a:rPr lang="en-US"/>
               <a:t>Click to edit Master title style</a:t>
             </a:r>
-            <a:endParaRPr lang="en-US"/>
+            <a:endParaRPr lang="en-US" dirty="0"/>
           </a:p>
         </p:txBody>
       </p:sp>
@@ -2307,148 +5220,189 @@
         </p:nvSpPr>
         <p:spPr>
           <a:xfrm>
-            <a:off x="3575050" y="273050"/>
-            <a:ext cx="5111750" cy="5853113"/>
+            <a:off x="3571275" y="514925"/>
+            <a:ext cx="3386037" cy="5526437"/>
           </a:xfrm>
         </p:spPr>
         <p:txBody>
-          <a:bodyPr/>
+          <a:bodyPr>
+            <a:normAutofit/>
+          </a:bodyPr>
+          <a:lstStyle/>
+          <a:p>
+            <a:pPr lvl="0"/>
+            <a:r>
+              <a:rPr lang="en-US"/>
+              <a:t>Edit Master text styles</a:t>
+            </a:r>
+          </a:p>
+          <a:p>
+            <a:pPr lvl="1"/>
+            <a:r>
+              <a:rPr lang="en-US"/>
+              <a:t>Second level</a:t>
+            </a:r>
+          </a:p>
+          <a:p>
+            <a:pPr lvl="2"/>
+            <a:r>
+              <a:rPr lang="en-US"/>
+              <a:t>Third level</a:t>
+            </a:r>
+          </a:p>
+          <a:p>
+            <a:pPr lvl="3"/>
+            <a:r>
+              <a:rPr lang="en-US"/>
+              <a:t>Fourth level</a:t>
+            </a:r>
+          </a:p>
+          <a:p>
+            <a:pPr lvl="4"/>
+            <a:r>
+              <a:rPr lang="en-US"/>
+              <a:t>Fifth level</a:t>
+            </a:r>
+            <a:endParaRPr lang="en-US" dirty="0"/>
+          </a:p>
+        </p:txBody>
+      </p:sp>
+      <p:sp>
+        <p:nvSpPr>
+          <p:cNvPr id="4" name="Text Placeholder 3"/>
+          <p:cNvSpPr>
+            <a:spLocks noGrp="1"/>
+          </p:cNvSpPr>
+          <p:nvPr>
+            <p:ph type="body" sz="half" idx="2"/>
+          </p:nvPr>
+        </p:nvSpPr>
+        <p:spPr>
+          <a:xfrm>
+            <a:off x="609599" y="2777069"/>
+            <a:ext cx="2790182" cy="2584449"/>
+          </a:xfrm>
+        </p:spPr>
+        <p:txBody>
+          <a:bodyPr>
+            <a:normAutofit/>
+          </a:bodyPr>
           <a:lstStyle>
-            <a:lvl1pPr>
-              <a:defRPr sz="3200"/>
+            <a:lvl1pPr marL="0" indent="0">
+              <a:buNone/>
+              <a:defRPr sz="1400"/>
             </a:lvl1pPr>
-            <a:lvl2pPr>
-              <a:defRPr sz="2800"/>
+            <a:lvl2pPr marL="342900" indent="0">
+              <a:buNone/>
+              <a:defRPr sz="1050"/>
             </a:lvl2pPr>
-            <a:lvl3pPr>
-              <a:defRPr sz="2400"/>
+            <a:lvl3pPr marL="685800" indent="0">
+              <a:buNone/>
+              <a:defRPr sz="900"/>
             </a:lvl3pPr>
-            <a:lvl4pPr>
-              <a:defRPr sz="2000"/>
+            <a:lvl4pPr marL="1028700" indent="0">
+              <a:buNone/>
+              <a:defRPr sz="750"/>
             </a:lvl4pPr>
-            <a:lvl5pPr>
-              <a:defRPr sz="2000"/>
+            <a:lvl5pPr marL="1371600" indent="0">
+              <a:buNone/>
+              <a:defRPr sz="750"/>
             </a:lvl5pPr>
-            <a:lvl6pPr>
-              <a:defRPr sz="2000"/>
+            <a:lvl6pPr marL="1714500" indent="0">
+              <a:buNone/>
+              <a:defRPr sz="750"/>
             </a:lvl6pPr>
-            <a:lvl7pPr>
-              <a:defRPr sz="2000"/>
+            <a:lvl7pPr marL="2057400" indent="0">
+              <a:buNone/>
+              <a:defRPr sz="750"/>
             </a:lvl7pPr>
-            <a:lvl8pPr>
-              <a:defRPr sz="2000"/>
+            <a:lvl8pPr marL="2400300" indent="0">
+              <a:buNone/>
+              <a:defRPr sz="750"/>
             </a:lvl8pPr>
-            <a:lvl9pPr>
-              <a:defRPr sz="2000"/>
+            <a:lvl9pPr marL="2743200" indent="0">
+              <a:buNone/>
+              <a:defRPr sz="750"/>
             </a:lvl9pPr>
           </a:lstStyle>
           <a:p>
             <a:pPr lvl="0"/>
             <a:r>
+              <a:rPr lang="en-US"/>
+              <a:t>Edit Master text styles</a:t>
+            </a:r>
+          </a:p>
+        </p:txBody>
+      </p:sp>
+      <p:sp>
+        <p:nvSpPr>
+          <p:cNvPr id="5" name="Date Placeholder 4"/>
+          <p:cNvSpPr>
+            <a:spLocks noGrp="1"/>
+          </p:cNvSpPr>
+          <p:nvPr>
+            <p:ph type="dt" sz="half" idx="10"/>
+          </p:nvPr>
+        </p:nvSpPr>
+        <p:spPr/>
+        <p:txBody>
+          <a:bodyPr/>
+          <a:lstStyle/>
+          <a:p>
+            <a:fld id="{70DDF080-5E8C-48AD-84E5-6C08B304C14E}" type="datetimeFigureOut">
               <a:rPr lang="en-US" smtClean="0"/>
-              <a:t>Click to edit Master text styles</a:t>
-            </a:r>
-          </a:p>
-          <a:p>
-            <a:pPr lvl="1"/>
-            <a:r>
+              <a:t>11/10/2017</a:t>
+            </a:fld>
+            <a:endParaRPr lang="en-US" dirty="0"/>
+          </a:p>
+        </p:txBody>
+      </p:sp>
+      <p:sp>
+        <p:nvSpPr>
+          <p:cNvPr id="6" name="Footer Placeholder 5"/>
+          <p:cNvSpPr>
+            <a:spLocks noGrp="1"/>
+          </p:cNvSpPr>
+          <p:nvPr>
+            <p:ph type="ftr" sz="quarter" idx="11"/>
+          </p:nvPr>
+        </p:nvSpPr>
+        <p:spPr/>
+        <p:txBody>
+          <a:bodyPr/>
+          <a:lstStyle/>
+          <a:p>
+            <a:endParaRPr lang="en-US" dirty="0"/>
+          </a:p>
+        </p:txBody>
+      </p:sp>
+      <p:sp>
+        <p:nvSpPr>
+          <p:cNvPr id="7" name="Slide Number Placeholder 6"/>
+          <p:cNvSpPr>
+            <a:spLocks noGrp="1"/>
+          </p:cNvSpPr>
+          <p:nvPr>
+            <p:ph type="sldNum" sz="quarter" idx="12"/>
+          </p:nvPr>
+        </p:nvSpPr>
+        <p:spPr/>
+        <p:txBody>
+          <a:bodyPr/>
+          <a:lstStyle/>
+          <a:p>
+            <a:fld id="{47333891-D5E7-4C7B-BF1D-E855E53CB5A8}" type="slidenum">
               <a:rPr lang="en-US" smtClean="0"/>
-              <a:t>Second level</a:t>
-            </a:r>
-          </a:p>
-          <a:p>
-            <a:pPr lvl="2"/>
-            <a:r>
-              <a:rPr lang="en-US" smtClean="0"/>
-              <a:t>Third level</a:t>
-            </a:r>
-          </a:p>
-          <a:p>
-            <a:pPr lvl="3"/>
-            <a:r>
-              <a:rPr lang="en-US" smtClean="0"/>
-              <a:t>Fourth level</a:t>
-            </a:r>
-          </a:p>
-          <a:p>
-            <a:pPr lvl="4"/>
-            <a:r>
-              <a:rPr lang="en-US" smtClean="0"/>
-              <a:t>Fifth level</a:t>
-            </a:r>
-            <a:endParaRPr lang="en-US"/>
-          </a:p>
-        </p:txBody>
-      </p:sp>
-      <p:sp>
-        <p:nvSpPr>
-          <p:cNvPr id="4" name="Text Placeholder 3"/>
-          <p:cNvSpPr>
-            <a:spLocks noGrp="1"/>
-          </p:cNvSpPr>
-          <p:nvPr>
-            <p:ph type="body" sz="half" idx="2"/>
-          </p:nvPr>
-        </p:nvSpPr>
-        <p:spPr>
-          <a:xfrm>
-            <a:off x="457200" y="1435100"/>
-            <a:ext cx="3008313" cy="4691063"/>
-          </a:xfrm>
-        </p:spPr>
-        <p:txBody>
-          <a:bodyPr/>
-          <a:lstStyle>
-            <a:lvl1pPr marL="0" indent="0">
-              <a:buNone/>
-              <a:defRPr sz="1400"/>
-            </a:lvl1pPr>
-            <a:lvl2pPr marL="457200" indent="0">
-              <a:buNone/>
-              <a:defRPr sz="1200"/>
-            </a:lvl2pPr>
-            <a:lvl3pPr marL="914400" indent="0">
-              <a:buNone/>
-              <a:defRPr sz="1000"/>
-            </a:lvl3pPr>
-            <a:lvl4pPr marL="1371600" indent="0">
-              <a:buNone/>
-              <a:defRPr sz="900"/>
-            </a:lvl4pPr>
-            <a:lvl5pPr marL="1828800" indent="0">
-              <a:buNone/>
-              <a:defRPr sz="900"/>
-            </a:lvl5pPr>
-            <a:lvl6pPr marL="2286000" indent="0">
-              <a:buNone/>
-              <a:defRPr sz="900"/>
-            </a:lvl6pPr>
-            <a:lvl7pPr marL="2743200" indent="0">
-              <a:buNone/>
-              <a:defRPr sz="900"/>
-            </a:lvl7pPr>
-            <a:lvl8pPr marL="3200400" indent="0">
-              <a:buNone/>
-              <a:defRPr sz="900"/>
-            </a:lvl8pPr>
-            <a:lvl9pPr marL="3657600" indent="0">
-              <a:buNone/>
-              <a:defRPr sz="900"/>
-            </a:lvl9pPr>
-          </a:lstStyle>
-          <a:p>
-            <a:pPr lvl="0"/>
-            <a:r>
-              <a:rPr lang="en-US" smtClean="0"/>
-              <a:t>Click to edit Master text styles</a:t>
-            </a:r>
+              <a:t>‹#›</a:t>
+            </a:fld>
+            <a:endParaRPr lang="en-US" dirty="0"/>
           </a:p>
         </p:txBody>
       </p:sp>
     </p:spTree>
     <p:extLst>
       <p:ext uri="{BB962C8B-B14F-4D97-AF65-F5344CB8AC3E}">
-        <p14:creationId xmlns:p14="http://schemas.microsoft.com/office/powerpoint/2010/main" val="3454780507"/>
+        <p14:creationId xmlns:p14="http://schemas.microsoft.com/office/powerpoint/2010/main" val="1874693807"/>
       </p:ext>
     </p:extLst>
   </p:cSld>
@@ -2487,23 +5441,25 @@
         </p:nvSpPr>
         <p:spPr>
           <a:xfrm>
-            <a:off x="1792288" y="4800600"/>
-            <a:ext cx="5486400" cy="566738"/>
+            <a:off x="609599" y="4800600"/>
+            <a:ext cx="6347714" cy="566738"/>
           </a:xfrm>
         </p:spPr>
         <p:txBody>
-          <a:bodyPr anchor="b"/>
+          <a:bodyPr anchor="b">
+            <a:normAutofit/>
+          </a:bodyPr>
           <a:lstStyle>
             <a:lvl1pPr algn="l">
-              <a:defRPr sz="2000" b="1"/>
+              <a:defRPr sz="2400" b="0"/>
             </a:lvl1pPr>
           </a:lstStyle>
           <a:p>
             <a:r>
-              <a:rPr lang="en-US" smtClean="0"/>
+              <a:rPr lang="en-US"/>
               <a:t>Click to edit Master title style</a:t>
             </a:r>
-            <a:endParaRPr lang="en-US"/>
+            <a:endParaRPr lang="en-US" dirty="0"/>
           </a:p>
         </p:txBody>
       </p:sp>
@@ -2511,7 +5467,7 @@
         <p:nvSpPr>
           <p:cNvPr id="3" name="Picture Placeholder 2"/>
           <p:cNvSpPr>
-            <a:spLocks noGrp="1"/>
+            <a:spLocks noGrp="1" noChangeAspect="1"/>
           </p:cNvSpPr>
           <p:nvPr>
             <p:ph type="pic" idx="1"/>
@@ -2519,81 +5475,85 @@
         </p:nvSpPr>
         <p:spPr>
           <a:xfrm>
-            <a:off x="1792288" y="612775"/>
-            <a:ext cx="5486400" cy="4114800"/>
+            <a:off x="609599" y="609600"/>
+            <a:ext cx="6347714" cy="3845718"/>
           </a:xfrm>
         </p:spPr>
         <p:txBody>
-          <a:bodyPr/>
+          <a:bodyPr anchor="t">
+            <a:normAutofit/>
+          </a:bodyPr>
+          <a:lstStyle>
+            <a:lvl1pPr marL="0" indent="0" algn="ctr">
+              <a:buNone/>
+              <a:defRPr sz="1600"/>
+            </a:lvl1pPr>
+            <a:lvl2pPr marL="457200" indent="0">
+              <a:buNone/>
+              <a:defRPr sz="1600"/>
+            </a:lvl2pPr>
+            <a:lvl3pPr marL="914400" indent="0">
+              <a:buNone/>
+              <a:defRPr sz="1600"/>
+            </a:lvl3pPr>
+            <a:lvl4pPr marL="1371600" indent="0">
+              <a:buNone/>
+              <a:defRPr sz="1600"/>
+            </a:lvl4pPr>
+            <a:lvl5pPr marL="1828800" indent="0">
+              <a:buNone/>
+              <a:defRPr sz="1600"/>
+            </a:lvl5pPr>
+            <a:lvl6pPr marL="2286000" indent="0">
+              <a:buNone/>
+              <a:defRPr sz="1600"/>
+            </a:lvl6pPr>
+            <a:lvl7pPr marL="2743200" indent="0">
+              <a:buNone/>
+              <a:defRPr sz="1600"/>
+            </a:lvl7pPr>
+            <a:lvl8pPr marL="3200400" indent="0">
+              <a:buNone/>
+              <a:defRPr sz="1600"/>
+            </a:lvl8pPr>
+            <a:lvl9pPr marL="3657600" indent="0">
+              <a:buNone/>
+              <a:defRPr sz="1600"/>
+            </a:lvl9pPr>
+          </a:lstStyle>
+          <a:p>
+            <a:r>
+              <a:rPr lang="en-US"/>
+              <a:t>Click icon to add picture</a:t>
+            </a:r>
+            <a:endParaRPr lang="en-US" dirty="0"/>
+          </a:p>
+        </p:txBody>
+      </p:sp>
+      <p:sp>
+        <p:nvSpPr>
+          <p:cNvPr id="4" name="Text Placeholder 3"/>
+          <p:cNvSpPr>
+            <a:spLocks noGrp="1"/>
+          </p:cNvSpPr>
+          <p:nvPr>
+            <p:ph type="body" sz="half" idx="2"/>
+          </p:nvPr>
+        </p:nvSpPr>
+        <p:spPr>
+          <a:xfrm>
+            <a:off x="609599" y="5367338"/>
+            <a:ext cx="6347714" cy="674024"/>
+          </a:xfrm>
+        </p:spPr>
+        <p:txBody>
+          <a:bodyPr>
+            <a:normAutofit/>
+          </a:bodyPr>
           <a:lstStyle>
             <a:lvl1pPr marL="0" indent="0">
               <a:buNone/>
-              <a:defRPr sz="3200"/>
-            </a:lvl1pPr>
-            <a:lvl2pPr marL="457200" indent="0">
-              <a:buNone/>
-              <a:defRPr sz="2800"/>
-            </a:lvl2pPr>
-            <a:lvl3pPr marL="914400" indent="0">
-              <a:buNone/>
-              <a:defRPr sz="2400"/>
-            </a:lvl3pPr>
-            <a:lvl4pPr marL="1371600" indent="0">
-              <a:buNone/>
-              <a:defRPr sz="2000"/>
-            </a:lvl4pPr>
-            <a:lvl5pPr marL="1828800" indent="0">
-              <a:buNone/>
-              <a:defRPr sz="2000"/>
-            </a:lvl5pPr>
-            <a:lvl6pPr marL="2286000" indent="0">
-              <a:buNone/>
-              <a:defRPr sz="2000"/>
-            </a:lvl6pPr>
-            <a:lvl7pPr marL="2743200" indent="0">
-              <a:buNone/>
-              <a:defRPr sz="2000"/>
-            </a:lvl7pPr>
-            <a:lvl8pPr marL="3200400" indent="0">
-              <a:buNone/>
-              <a:defRPr sz="2000"/>
-            </a:lvl8pPr>
-            <a:lvl9pPr marL="3657600" indent="0">
-              <a:buNone/>
-              <a:defRPr sz="2000"/>
-            </a:lvl9pPr>
-          </a:lstStyle>
-          <a:p>
-            <a:r>
-              <a:rPr lang="en-US" smtClean="0"/>
-              <a:t>Click icon to add picture</a:t>
-            </a:r>
-            <a:endParaRPr lang="en-US"/>
-          </a:p>
-        </p:txBody>
-      </p:sp>
-      <p:sp>
-        <p:nvSpPr>
-          <p:cNvPr id="4" name="Text Placeholder 3"/>
-          <p:cNvSpPr>
-            <a:spLocks noGrp="1"/>
-          </p:cNvSpPr>
-          <p:nvPr>
-            <p:ph type="body" sz="half" idx="2"/>
-          </p:nvPr>
-        </p:nvSpPr>
-        <p:spPr>
-          <a:xfrm>
-            <a:off x="1792288" y="5367338"/>
-            <a:ext cx="5486400" cy="804862"/>
-          </a:xfrm>
-        </p:spPr>
-        <p:txBody>
-          <a:bodyPr/>
-          <a:lstStyle>
-            <a:lvl1pPr marL="0" indent="0">
-              <a:buNone/>
-              <a:defRPr sz="1400"/>
+              <a:defRPr sz="1200"/>
             </a:lvl1pPr>
             <a:lvl2pPr marL="457200" indent="0">
               <a:buNone/>
@@ -2631,16 +5591,83 @@
           <a:p>
             <a:pPr lvl="0"/>
             <a:r>
+              <a:rPr lang="en-US"/>
+              <a:t>Edit Master text styles</a:t>
+            </a:r>
+          </a:p>
+        </p:txBody>
+      </p:sp>
+      <p:sp>
+        <p:nvSpPr>
+          <p:cNvPr id="5" name="Date Placeholder 4"/>
+          <p:cNvSpPr>
+            <a:spLocks noGrp="1"/>
+          </p:cNvSpPr>
+          <p:nvPr>
+            <p:ph type="dt" sz="half" idx="10"/>
+          </p:nvPr>
+        </p:nvSpPr>
+        <p:spPr/>
+        <p:txBody>
+          <a:bodyPr/>
+          <a:lstStyle/>
+          <a:p>
+            <a:fld id="{B61BEF0D-F0BB-DE4B-95CE-6DB70DBA9567}" type="datetimeFigureOut">
               <a:rPr lang="en-US" smtClean="0"/>
-              <a:t>Click to edit Master text styles</a:t>
-            </a:r>
+              <a:pPr/>
+              <a:t>11/10/2017</a:t>
+            </a:fld>
+            <a:endParaRPr lang="en-US" dirty="0"/>
+          </a:p>
+        </p:txBody>
+      </p:sp>
+      <p:sp>
+        <p:nvSpPr>
+          <p:cNvPr id="6" name="Footer Placeholder 5"/>
+          <p:cNvSpPr>
+            <a:spLocks noGrp="1"/>
+          </p:cNvSpPr>
+          <p:nvPr>
+            <p:ph type="ftr" sz="quarter" idx="11"/>
+          </p:nvPr>
+        </p:nvSpPr>
+        <p:spPr/>
+        <p:txBody>
+          <a:bodyPr/>
+          <a:lstStyle/>
+          <a:p>
+            <a:endParaRPr lang="en-US" dirty="0"/>
+          </a:p>
+        </p:txBody>
+      </p:sp>
+      <p:sp>
+        <p:nvSpPr>
+          <p:cNvPr id="7" name="Slide Number Placeholder 6"/>
+          <p:cNvSpPr>
+            <a:spLocks noGrp="1"/>
+          </p:cNvSpPr>
+          <p:nvPr>
+            <p:ph type="sldNum" sz="quarter" idx="12"/>
+          </p:nvPr>
+        </p:nvSpPr>
+        <p:spPr/>
+        <p:txBody>
+          <a:bodyPr/>
+          <a:lstStyle/>
+          <a:p>
+            <a:fld id="{D57F1E4F-1CFF-5643-939E-217C01CDF565}" type="slidenum">
+              <a:rPr lang="en-US" smtClean="0"/>
+              <a:pPr/>
+              <a:t>‹#›</a:t>
+            </a:fld>
+            <a:endParaRPr lang="en-US" dirty="0"/>
           </a:p>
         </p:txBody>
       </p:sp>
     </p:spTree>
     <p:extLst>
       <p:ext uri="{BB962C8B-B14F-4D97-AF65-F5344CB8AC3E}">
-        <p14:creationId xmlns:p14="http://schemas.microsoft.com/office/powerpoint/2010/main" val="3939945721"/>
+        <p14:creationId xmlns:p14="http://schemas.microsoft.com/office/powerpoint/2010/main" val="2703563512"/>
       </p:ext>
     </p:extLst>
   </p:cSld>
@@ -2655,7 +5682,7 @@
   <p:cSld>
     <p:bg>
       <p:bgRef idx="1001">
-        <a:schemeClr val="bg1"/>
+        <a:schemeClr val="bg2"/>
       </p:bgRef>
     </p:bg>
     <p:spTree>
@@ -2672,6 +5699,609 @@
           <a:chExt cx="0" cy="0"/>
         </a:xfrm>
       </p:grpSpPr>
+      <p:grpSp>
+        <p:nvGrpSpPr>
+          <p:cNvPr id="17" name="Group 16"/>
+          <p:cNvGrpSpPr/>
+          <p:nvPr/>
+        </p:nvGrpSpPr>
+        <p:grpSpPr>
+          <a:xfrm>
+            <a:off x="-8467" y="-8468"/>
+            <a:ext cx="9169805" cy="6874935"/>
+            <a:chOff x="-8467" y="-8468"/>
+            <a:chExt cx="9169805" cy="6874935"/>
+          </a:xfrm>
+        </p:grpSpPr>
+        <p:cxnSp>
+          <p:nvCxnSpPr>
+            <p:cNvPr id="7" name="Straight Connector 6"/>
+            <p:cNvCxnSpPr/>
+            <p:nvPr/>
+          </p:nvCxnSpPr>
+          <p:spPr>
+            <a:xfrm flipV="1">
+              <a:off x="5130830" y="4175605"/>
+              <a:ext cx="4022475" cy="2682396"/>
+            </a:xfrm>
+            <a:prstGeom prst="line">
+              <a:avLst/>
+            </a:prstGeom>
+            <a:ln w="9525">
+              <a:solidFill>
+                <a:schemeClr val="bg1">
+                  <a:lumMod val="85000"/>
+                  <a:lumOff val="15000"/>
+                </a:schemeClr>
+              </a:solidFill>
+            </a:ln>
+          </p:spPr>
+          <p:style>
+            <a:lnRef idx="2">
+              <a:schemeClr val="accent1"/>
+            </a:lnRef>
+            <a:fillRef idx="0">
+              <a:schemeClr val="accent1"/>
+            </a:fillRef>
+            <a:effectRef idx="1">
+              <a:schemeClr val="accent1"/>
+            </a:effectRef>
+            <a:fontRef idx="minor">
+              <a:schemeClr val="tx1"/>
+            </a:fontRef>
+          </p:style>
+        </p:cxnSp>
+        <p:cxnSp>
+          <p:nvCxnSpPr>
+            <p:cNvPr id="8" name="Straight Connector 7"/>
+            <p:cNvCxnSpPr/>
+            <p:nvPr/>
+          </p:nvCxnSpPr>
+          <p:spPr>
+            <a:xfrm>
+              <a:off x="7042707" y="0"/>
+              <a:ext cx="1219200" cy="6858000"/>
+            </a:xfrm>
+            <a:prstGeom prst="line">
+              <a:avLst/>
+            </a:prstGeom>
+            <a:ln w="9525">
+              <a:solidFill>
+                <a:schemeClr val="bg1">
+                  <a:lumMod val="85000"/>
+                  <a:lumOff val="15000"/>
+                </a:schemeClr>
+              </a:solidFill>
+            </a:ln>
+          </p:spPr>
+          <p:style>
+            <a:lnRef idx="2">
+              <a:schemeClr val="accent1"/>
+            </a:lnRef>
+            <a:fillRef idx="0">
+              <a:schemeClr val="accent1"/>
+            </a:fillRef>
+            <a:effectRef idx="1">
+              <a:schemeClr val="accent1"/>
+            </a:effectRef>
+            <a:fontRef idx="minor">
+              <a:schemeClr val="tx1"/>
+            </a:fontRef>
+          </p:style>
+        </p:cxnSp>
+        <p:sp>
+          <p:nvSpPr>
+            <p:cNvPr id="9" name="Freeform 8"/>
+            <p:cNvSpPr/>
+            <p:nvPr/>
+          </p:nvSpPr>
+          <p:spPr>
+            <a:xfrm>
+              <a:off x="-8467" y="4013200"/>
+              <a:ext cx="457200" cy="2853267"/>
+            </a:xfrm>
+            <a:custGeom>
+              <a:avLst/>
+              <a:gdLst/>
+              <a:ahLst/>
+              <a:cxnLst/>
+              <a:rect l="l" t="t" r="r" b="b"/>
+              <a:pathLst>
+                <a:path w="457200" h="2853267">
+                  <a:moveTo>
+                    <a:pt x="0" y="0"/>
+                  </a:moveTo>
+                  <a:lnTo>
+                    <a:pt x="457200" y="2853267"/>
+                  </a:lnTo>
+                  <a:lnTo>
+                    <a:pt x="0" y="2844800"/>
+                  </a:lnTo>
+                  <a:cubicBezTo>
+                    <a:pt x="2822" y="1905000"/>
+                    <a:pt x="5645" y="965200"/>
+                    <a:pt x="0" y="0"/>
+                  </a:cubicBezTo>
+                  <a:close/>
+                </a:path>
+              </a:pathLst>
+            </a:custGeom>
+            <a:solidFill>
+              <a:schemeClr val="accent1">
+                <a:alpha val="85000"/>
+              </a:schemeClr>
+            </a:solidFill>
+            <a:ln>
+              <a:noFill/>
+            </a:ln>
+            <a:effectLst/>
+          </p:spPr>
+          <p:style>
+            <a:lnRef idx="1">
+              <a:schemeClr val="accent1"/>
+            </a:lnRef>
+            <a:fillRef idx="3">
+              <a:schemeClr val="accent1"/>
+            </a:fillRef>
+            <a:effectRef idx="2">
+              <a:schemeClr val="accent1"/>
+            </a:effectRef>
+            <a:fontRef idx="minor">
+              <a:schemeClr val="lt1"/>
+            </a:fontRef>
+          </p:style>
+        </p:sp>
+        <p:sp>
+          <p:nvSpPr>
+            <p:cNvPr id="10" name="Freeform 9"/>
+            <p:cNvSpPr/>
+            <p:nvPr/>
+          </p:nvSpPr>
+          <p:spPr>
+            <a:xfrm>
+              <a:off x="6891896" y="1"/>
+              <a:ext cx="2269442" cy="6866466"/>
+            </a:xfrm>
+            <a:custGeom>
+              <a:avLst/>
+              <a:gdLst/>
+              <a:ahLst/>
+              <a:cxnLst/>
+              <a:rect l="l" t="t" r="r" b="b"/>
+              <a:pathLst>
+                <a:path w="2269442" h="6866466">
+                  <a:moveTo>
+                    <a:pt x="2023534" y="0"/>
+                  </a:moveTo>
+                  <a:lnTo>
+                    <a:pt x="0" y="6858000"/>
+                  </a:lnTo>
+                  <a:lnTo>
+                    <a:pt x="2269067" y="6866466"/>
+                  </a:lnTo>
+                  <a:cubicBezTo>
+                    <a:pt x="2271889" y="4580466"/>
+                    <a:pt x="2257778" y="2294466"/>
+                    <a:pt x="2260600" y="8466"/>
+                  </a:cubicBezTo>
+                  <a:lnTo>
+                    <a:pt x="2023534" y="0"/>
+                  </a:lnTo>
+                  <a:close/>
+                </a:path>
+              </a:pathLst>
+            </a:custGeom>
+            <a:solidFill>
+              <a:schemeClr val="accent1">
+                <a:alpha val="30000"/>
+              </a:schemeClr>
+            </a:solidFill>
+            <a:ln>
+              <a:noFill/>
+            </a:ln>
+            <a:effectLst/>
+          </p:spPr>
+          <p:style>
+            <a:lnRef idx="1">
+              <a:schemeClr val="accent1"/>
+            </a:lnRef>
+            <a:fillRef idx="3">
+              <a:schemeClr val="accent1"/>
+            </a:fillRef>
+            <a:effectRef idx="2">
+              <a:schemeClr val="accent1"/>
+            </a:effectRef>
+            <a:fontRef idx="minor">
+              <a:schemeClr val="lt1"/>
+            </a:fontRef>
+          </p:style>
+        </p:sp>
+        <p:sp>
+          <p:nvSpPr>
+            <p:cNvPr id="11" name="Freeform 10"/>
+            <p:cNvSpPr/>
+            <p:nvPr/>
+          </p:nvSpPr>
+          <p:spPr>
+            <a:xfrm>
+              <a:off x="7205158" y="-8467"/>
+              <a:ext cx="1948147" cy="6866467"/>
+            </a:xfrm>
+            <a:custGeom>
+              <a:avLst/>
+              <a:gdLst/>
+              <a:ahLst/>
+              <a:cxnLst/>
+              <a:rect l="l" t="t" r="r" b="b"/>
+              <a:pathLst>
+                <a:path w="1948147" h="6866467">
+                  <a:moveTo>
+                    <a:pt x="0" y="0"/>
+                  </a:moveTo>
+                  <a:lnTo>
+                    <a:pt x="1202267" y="6866467"/>
+                  </a:lnTo>
+                  <a:lnTo>
+                    <a:pt x="1947333" y="6866467"/>
+                  </a:lnTo>
+                  <a:cubicBezTo>
+                    <a:pt x="1944511" y="4577645"/>
+                    <a:pt x="1950155" y="2288822"/>
+                    <a:pt x="1947333" y="0"/>
+                  </a:cubicBezTo>
+                  <a:lnTo>
+                    <a:pt x="0" y="0"/>
+                  </a:lnTo>
+                  <a:close/>
+                </a:path>
+              </a:pathLst>
+            </a:custGeom>
+            <a:solidFill>
+              <a:schemeClr val="accent1">
+                <a:alpha val="20000"/>
+              </a:schemeClr>
+            </a:solidFill>
+            <a:ln>
+              <a:noFill/>
+            </a:ln>
+            <a:effectLst/>
+          </p:spPr>
+          <p:style>
+            <a:lnRef idx="1">
+              <a:schemeClr val="accent1"/>
+            </a:lnRef>
+            <a:fillRef idx="3">
+              <a:schemeClr val="accent1"/>
+            </a:fillRef>
+            <a:effectRef idx="2">
+              <a:schemeClr val="accent1"/>
+            </a:effectRef>
+            <a:fontRef idx="minor">
+              <a:schemeClr val="lt1"/>
+            </a:fontRef>
+          </p:style>
+        </p:sp>
+        <p:sp>
+          <p:nvSpPr>
+            <p:cNvPr id="12" name="Freeform 11"/>
+            <p:cNvSpPr/>
+            <p:nvPr/>
+          </p:nvSpPr>
+          <p:spPr>
+            <a:xfrm>
+              <a:off x="6637896" y="3920066"/>
+              <a:ext cx="2513565" cy="2937933"/>
+            </a:xfrm>
+            <a:custGeom>
+              <a:avLst/>
+              <a:gdLst/>
+              <a:ahLst/>
+              <a:cxnLst/>
+              <a:rect l="l" t="t" r="r" b="b"/>
+              <a:pathLst>
+                <a:path w="3259667" h="3810000">
+                  <a:moveTo>
+                    <a:pt x="0" y="3810000"/>
+                  </a:moveTo>
+                  <a:lnTo>
+                    <a:pt x="3251200" y="0"/>
+                  </a:lnTo>
+                  <a:cubicBezTo>
+                    <a:pt x="3254022" y="1270000"/>
+                    <a:pt x="3256845" y="2540000"/>
+                    <a:pt x="3259667" y="3810000"/>
+                  </a:cubicBezTo>
+                  <a:lnTo>
+                    <a:pt x="0" y="3810000"/>
+                  </a:lnTo>
+                  <a:close/>
+                </a:path>
+              </a:pathLst>
+            </a:custGeom>
+            <a:solidFill>
+              <a:schemeClr val="accent2">
+                <a:alpha val="72000"/>
+              </a:schemeClr>
+            </a:solidFill>
+            <a:ln>
+              <a:noFill/>
+            </a:ln>
+            <a:effectLst/>
+          </p:spPr>
+          <p:style>
+            <a:lnRef idx="1">
+              <a:schemeClr val="accent1"/>
+            </a:lnRef>
+            <a:fillRef idx="3">
+              <a:schemeClr val="accent1"/>
+            </a:fillRef>
+            <a:effectRef idx="2">
+              <a:schemeClr val="accent1"/>
+            </a:effectRef>
+            <a:fontRef idx="minor">
+              <a:schemeClr val="lt1"/>
+            </a:fontRef>
+          </p:style>
+        </p:sp>
+        <p:sp>
+          <p:nvSpPr>
+            <p:cNvPr id="13" name="Freeform 12"/>
+            <p:cNvSpPr/>
+            <p:nvPr/>
+          </p:nvSpPr>
+          <p:spPr>
+            <a:xfrm>
+              <a:off x="7010429" y="-8467"/>
+              <a:ext cx="2142876" cy="6866467"/>
+            </a:xfrm>
+            <a:custGeom>
+              <a:avLst/>
+              <a:gdLst/>
+              <a:ahLst/>
+              <a:cxnLst/>
+              <a:rect l="l" t="t" r="r" b="b"/>
+              <a:pathLst>
+                <a:path w="2853267" h="6866467">
+                  <a:moveTo>
+                    <a:pt x="0" y="0"/>
+                  </a:moveTo>
+                  <a:lnTo>
+                    <a:pt x="2472267" y="6866467"/>
+                  </a:lnTo>
+                  <a:lnTo>
+                    <a:pt x="2853267" y="6858000"/>
+                  </a:lnTo>
+                  <a:lnTo>
+                    <a:pt x="2853267" y="0"/>
+                  </a:lnTo>
+                  <a:lnTo>
+                    <a:pt x="0" y="0"/>
+                  </a:lnTo>
+                  <a:close/>
+                </a:path>
+              </a:pathLst>
+            </a:custGeom>
+            <a:solidFill>
+              <a:schemeClr val="accent2">
+                <a:lumMod val="75000"/>
+                <a:alpha val="70000"/>
+              </a:schemeClr>
+            </a:solidFill>
+            <a:ln>
+              <a:noFill/>
+            </a:ln>
+            <a:effectLst/>
+          </p:spPr>
+          <p:style>
+            <a:lnRef idx="1">
+              <a:schemeClr val="accent1"/>
+            </a:lnRef>
+            <a:fillRef idx="3">
+              <a:schemeClr val="accent1"/>
+            </a:fillRef>
+            <a:effectRef idx="2">
+              <a:schemeClr val="accent1"/>
+            </a:effectRef>
+            <a:fontRef idx="minor">
+              <a:schemeClr val="lt1"/>
+            </a:fontRef>
+          </p:style>
+        </p:sp>
+        <p:sp>
+          <p:nvSpPr>
+            <p:cNvPr id="14" name="Freeform 13"/>
+            <p:cNvSpPr/>
+            <p:nvPr/>
+          </p:nvSpPr>
+          <p:spPr>
+            <a:xfrm>
+              <a:off x="8295776" y="-8467"/>
+              <a:ext cx="857530" cy="6866467"/>
+            </a:xfrm>
+            <a:custGeom>
+              <a:avLst/>
+              <a:gdLst/>
+              <a:ahLst/>
+              <a:cxnLst/>
+              <a:rect l="l" t="t" r="r" b="b"/>
+              <a:pathLst>
+                <a:path w="1286933" h="6866467">
+                  <a:moveTo>
+                    <a:pt x="1016000" y="0"/>
+                  </a:moveTo>
+                  <a:lnTo>
+                    <a:pt x="0" y="6866467"/>
+                  </a:lnTo>
+                  <a:lnTo>
+                    <a:pt x="1286933" y="6866467"/>
+                  </a:lnTo>
+                  <a:cubicBezTo>
+                    <a:pt x="1284111" y="4577645"/>
+                    <a:pt x="1281288" y="2288822"/>
+                    <a:pt x="1278466" y="0"/>
+                  </a:cubicBezTo>
+                  <a:lnTo>
+                    <a:pt x="1016000" y="0"/>
+                  </a:lnTo>
+                  <a:close/>
+                </a:path>
+              </a:pathLst>
+            </a:custGeom>
+            <a:solidFill>
+              <a:schemeClr val="accent1">
+                <a:lumMod val="60000"/>
+                <a:lumOff val="40000"/>
+                <a:alpha val="70000"/>
+              </a:schemeClr>
+            </a:solidFill>
+            <a:ln>
+              <a:noFill/>
+            </a:ln>
+            <a:effectLst/>
+          </p:spPr>
+          <p:style>
+            <a:lnRef idx="1">
+              <a:schemeClr val="accent1"/>
+            </a:lnRef>
+            <a:fillRef idx="3">
+              <a:schemeClr val="accent1"/>
+            </a:fillRef>
+            <a:effectRef idx="2">
+              <a:schemeClr val="accent1"/>
+            </a:effectRef>
+            <a:fontRef idx="minor">
+              <a:schemeClr val="lt1"/>
+            </a:fontRef>
+          </p:style>
+        </p:sp>
+        <p:sp>
+          <p:nvSpPr>
+            <p:cNvPr id="15" name="Freeform 14"/>
+            <p:cNvSpPr/>
+            <p:nvPr/>
+          </p:nvSpPr>
+          <p:spPr>
+            <a:xfrm>
+              <a:off x="8077231" y="-8468"/>
+              <a:ext cx="1066770" cy="6866467"/>
+            </a:xfrm>
+            <a:custGeom>
+              <a:avLst/>
+              <a:gdLst/>
+              <a:ahLst/>
+              <a:cxnLst/>
+              <a:rect l="l" t="t" r="r" b="b"/>
+              <a:pathLst>
+                <a:path w="1270244" h="6866467">
+                  <a:moveTo>
+                    <a:pt x="0" y="0"/>
+                  </a:moveTo>
+                  <a:lnTo>
+                    <a:pt x="1117600" y="6866467"/>
+                  </a:lnTo>
+                  <a:lnTo>
+                    <a:pt x="1270000" y="6866467"/>
+                  </a:lnTo>
+                  <a:cubicBezTo>
+                    <a:pt x="1272822" y="4574822"/>
+                    <a:pt x="1250245" y="2291645"/>
+                    <a:pt x="1253067" y="0"/>
+                  </a:cubicBezTo>
+                  <a:lnTo>
+                    <a:pt x="0" y="0"/>
+                  </a:lnTo>
+                  <a:close/>
+                </a:path>
+              </a:pathLst>
+            </a:custGeom>
+            <a:solidFill>
+              <a:schemeClr val="accent1">
+                <a:alpha val="65000"/>
+              </a:schemeClr>
+            </a:solidFill>
+            <a:ln>
+              <a:noFill/>
+            </a:ln>
+            <a:effectLst/>
+          </p:spPr>
+          <p:style>
+            <a:lnRef idx="1">
+              <a:schemeClr val="accent1"/>
+            </a:lnRef>
+            <a:fillRef idx="3">
+              <a:schemeClr val="accent1"/>
+            </a:fillRef>
+            <a:effectRef idx="2">
+              <a:schemeClr val="accent1"/>
+            </a:effectRef>
+            <a:fontRef idx="minor">
+              <a:schemeClr val="lt1"/>
+            </a:fontRef>
+          </p:style>
+        </p:sp>
+        <p:sp>
+          <p:nvSpPr>
+            <p:cNvPr id="16" name="Freeform 15"/>
+            <p:cNvSpPr/>
+            <p:nvPr/>
+          </p:nvSpPr>
+          <p:spPr>
+            <a:xfrm>
+              <a:off x="8060297" y="4893733"/>
+              <a:ext cx="1094086" cy="1964267"/>
+            </a:xfrm>
+            <a:custGeom>
+              <a:avLst/>
+              <a:gdLst/>
+              <a:ahLst/>
+              <a:cxnLst/>
+              <a:rect l="l" t="t" r="r" b="b"/>
+              <a:pathLst>
+                <a:path w="1820333" h="3268133">
+                  <a:moveTo>
+                    <a:pt x="0" y="3268133"/>
+                  </a:moveTo>
+                  <a:lnTo>
+                    <a:pt x="1811866" y="0"/>
+                  </a:lnTo>
+                  <a:cubicBezTo>
+                    <a:pt x="1814688" y="1086555"/>
+                    <a:pt x="1817511" y="2173111"/>
+                    <a:pt x="1820333" y="3259666"/>
+                  </a:cubicBezTo>
+                  <a:lnTo>
+                    <a:pt x="0" y="3268133"/>
+                  </a:lnTo>
+                  <a:close/>
+                </a:path>
+              </a:pathLst>
+            </a:custGeom>
+            <a:solidFill>
+              <a:schemeClr val="accent1">
+                <a:alpha val="80000"/>
+              </a:schemeClr>
+            </a:solidFill>
+            <a:ln>
+              <a:noFill/>
+            </a:ln>
+            <a:effectLst/>
+          </p:spPr>
+          <p:style>
+            <a:lnRef idx="1">
+              <a:schemeClr val="accent1"/>
+            </a:lnRef>
+            <a:fillRef idx="3">
+              <a:schemeClr val="accent1"/>
+            </a:fillRef>
+            <a:effectRef idx="2">
+              <a:schemeClr val="accent1"/>
+            </a:effectRef>
+            <a:fontRef idx="minor">
+              <a:schemeClr val="lt1"/>
+            </a:fontRef>
+          </p:style>
+        </p:sp>
+      </p:grpSp>
       <p:sp>
         <p:nvSpPr>
           <p:cNvPr id="2" name="Title Placeholder 1"/>
@@ -2684,21 +6314,21 @@
         </p:nvSpPr>
         <p:spPr>
           <a:xfrm>
-            <a:off x="457200" y="274638"/>
-            <a:ext cx="8229600" cy="1143000"/>
+            <a:off x="609599" y="609600"/>
+            <a:ext cx="6347713" cy="1320800"/>
           </a:xfrm>
           <a:prstGeom prst="rect">
             <a:avLst/>
           </a:prstGeom>
         </p:spPr>
         <p:txBody>
-          <a:bodyPr vert="horz" lIns="91440" tIns="45720" rIns="91440" bIns="45720" rtlCol="0" anchor="ctr">
+          <a:bodyPr vert="horz" lIns="91440" tIns="45720" rIns="91440" bIns="45720" rtlCol="0" anchor="t">
             <a:normAutofit/>
           </a:bodyPr>
           <a:lstStyle/>
           <a:p>
             <a:r>
-              <a:rPr lang="en-US" smtClean="0"/>
+              <a:rPr lang="en-US"/>
               <a:t>Click to edit Master title style</a:t>
             </a:r>
             <a:endParaRPr lang="en-US" dirty="0"/>
@@ -2717,8 +6347,8 @@
         </p:nvSpPr>
         <p:spPr>
           <a:xfrm>
-            <a:off x="457200" y="1600200"/>
-            <a:ext cx="8229600" cy="4525963"/>
+            <a:off x="609599" y="2160590"/>
+            <a:ext cx="6347714" cy="3880773"/>
           </a:xfrm>
           <a:prstGeom prst="rect">
             <a:avLst/>
@@ -2732,35 +6362,35 @@
           <a:p>
             <a:pPr lvl="0"/>
             <a:r>
-              <a:rPr lang="en-US" smtClean="0"/>
-              <a:t>Click to edit Master text styles</a:t>
+              <a:rPr lang="en-US"/>
+              <a:t>Edit Master text styles</a:t>
             </a:r>
           </a:p>
           <a:p>
             <a:pPr lvl="1"/>
             <a:r>
-              <a:rPr lang="en-US" smtClean="0"/>
+              <a:rPr lang="en-US"/>
               <a:t>Second level</a:t>
             </a:r>
           </a:p>
           <a:p>
             <a:pPr lvl="2"/>
             <a:r>
-              <a:rPr lang="en-US" smtClean="0"/>
+              <a:rPr lang="en-US"/>
               <a:t>Third level</a:t>
             </a:r>
           </a:p>
           <a:p>
             <a:pPr lvl="3"/>
             <a:r>
-              <a:rPr lang="en-US" smtClean="0"/>
+              <a:rPr lang="en-US"/>
               <a:t>Fourth level</a:t>
             </a:r>
           </a:p>
           <a:p>
             <a:pPr lvl="4"/>
             <a:r>
-              <a:rPr lang="en-US" smtClean="0"/>
+              <a:rPr lang="en-US"/>
               <a:t>Fifth level</a:t>
             </a:r>
             <a:endParaRPr lang="en-US" dirty="0"/>
@@ -2769,327 +6399,442 @@
       </p:sp>
       <p:sp>
         <p:nvSpPr>
-          <p:cNvPr id="7" name="Rectangle 6"/>
-          <p:cNvSpPr/>
-          <p:nvPr/>
+          <p:cNvPr id="4" name="Date Placeholder 3"/>
+          <p:cNvSpPr>
+            <a:spLocks noGrp="1"/>
+          </p:cNvSpPr>
+          <p:nvPr>
+            <p:ph type="dt" sz="half" idx="2"/>
+          </p:nvPr>
         </p:nvSpPr>
         <p:spPr>
           <a:xfrm>
-            <a:off x="0" y="6172200"/>
-            <a:ext cx="9144000" cy="685800"/>
+            <a:off x="5405258" y="6041363"/>
+            <a:ext cx="684132" cy="365125"/>
           </a:xfrm>
           <a:prstGeom prst="rect">
             <a:avLst/>
           </a:prstGeom>
-          <a:solidFill>
-            <a:srgbClr val="53BC8D"/>
-          </a:solidFill>
-          <a:ln>
-            <a:noFill/>
-          </a:ln>
         </p:spPr>
-        <p:style>
-          <a:lnRef idx="2">
-            <a:schemeClr val="accent1">
-              <a:shade val="50000"/>
-            </a:schemeClr>
-          </a:lnRef>
-          <a:fillRef idx="1">
-            <a:schemeClr val="accent1"/>
-          </a:fillRef>
-          <a:effectRef idx="0">
-            <a:schemeClr val="accent1"/>
-          </a:effectRef>
-          <a:fontRef idx="minor">
-            <a:schemeClr val="lt1"/>
-          </a:fontRef>
-        </p:style>
-        <p:txBody>
-          <a:bodyPr rtlCol="0" anchor="ctr"/>
-          <a:lstStyle/>
-          <a:p>
-            <a:pPr algn="ctr"/>
-            <a:endParaRPr lang="en-US"/>
-          </a:p>
-        </p:txBody>
-      </p:sp>
-      <p:sp>
-        <p:nvSpPr>
-          <p:cNvPr id="10" name="Parallelogram 9"/>
-          <p:cNvSpPr/>
-          <p:nvPr/>
+        <p:txBody>
+          <a:bodyPr vert="horz" lIns="91440" tIns="45720" rIns="91440" bIns="45720" rtlCol="0" anchor="ctr"/>
+          <a:lstStyle>
+            <a:lvl1pPr algn="r">
+              <a:defRPr sz="900">
+                <a:solidFill>
+                  <a:schemeClr val="tx1">
+                    <a:tint val="75000"/>
+                  </a:schemeClr>
+                </a:solidFill>
+              </a:defRPr>
+            </a:lvl1pPr>
+          </a:lstStyle>
+          <a:p>
+            <a:fld id="{B61BEF0D-F0BB-DE4B-95CE-6DB70DBA9567}" type="datetimeFigureOut">
+              <a:rPr lang="en-US" smtClean="0"/>
+              <a:pPr/>
+              <a:t>11/10/2017</a:t>
+            </a:fld>
+            <a:endParaRPr lang="en-US" dirty="0"/>
+          </a:p>
+        </p:txBody>
+      </p:sp>
+      <p:sp>
+        <p:nvSpPr>
+          <p:cNvPr id="5" name="Footer Placeholder 4"/>
+          <p:cNvSpPr>
+            <a:spLocks noGrp="1"/>
+          </p:cNvSpPr>
+          <p:nvPr>
+            <p:ph type="ftr" sz="quarter" idx="3"/>
+          </p:nvPr>
         </p:nvSpPr>
         <p:spPr>
           <a:xfrm>
-            <a:off x="5029200" y="0"/>
-            <a:ext cx="4114800" cy="6172200"/>
-          </a:xfrm>
-          <a:prstGeom prst="parallelogram">
-            <a:avLst>
-              <a:gd name="adj" fmla="val 63930"/>
-            </a:avLst>
-          </a:prstGeom>
-          <a:solidFill>
-            <a:srgbClr val="53BC8D">
-              <a:alpha val="20000"/>
-            </a:srgbClr>
-          </a:solidFill>
-          <a:ln>
-            <a:noFill/>
-          </a:ln>
-        </p:spPr>
-        <p:style>
-          <a:lnRef idx="2">
-            <a:schemeClr val="accent1">
-              <a:shade val="50000"/>
-            </a:schemeClr>
-          </a:lnRef>
-          <a:fillRef idx="1">
-            <a:schemeClr val="accent1"/>
-          </a:fillRef>
-          <a:effectRef idx="0">
-            <a:schemeClr val="accent1"/>
-          </a:effectRef>
-          <a:fontRef idx="minor">
-            <a:schemeClr val="lt1"/>
-          </a:fontRef>
-        </p:style>
-        <p:txBody>
-          <a:bodyPr rtlCol="0" anchor="ctr"/>
-          <a:lstStyle/>
-          <a:p>
-            <a:pPr algn="ctr"/>
-            <a:endParaRPr lang="en-US"/>
-          </a:p>
-        </p:txBody>
-      </p:sp>
-      <p:pic>
-        <p:nvPicPr>
-          <p:cNvPr id="1026" name="Picture 2" descr="C:\Users\RodneyG\Pictures\IK-Logos\Slogan\IK-White.png"/>
-          <p:cNvPicPr>
-            <a:picLocks noChangeAspect="1" noChangeArrowheads="1"/>
-          </p:cNvPicPr>
-          <p:nvPr/>
-        </p:nvPicPr>
-        <p:blipFill>
-          <a:blip r:embed="rId13" cstate="print">
-            <a:extLst>
-              <a:ext uri="{28A0092B-C50C-407E-A947-70E740481C1C}">
-                <a14:useLocalDpi xmlns:a14="http://schemas.microsoft.com/office/drawing/2010/main" val="0"/>
-              </a:ext>
-            </a:extLst>
-          </a:blip>
-          <a:srcRect/>
-          <a:stretch>
-            <a:fillRect/>
-          </a:stretch>
-        </p:blipFill>
-        <p:spPr bwMode="auto">
-          <a:xfrm>
-            <a:off x="5678905" y="6217314"/>
-            <a:ext cx="3388895" cy="640686"/>
+            <a:off x="609599" y="6041363"/>
+            <a:ext cx="4622973" cy="365125"/>
           </a:xfrm>
           <a:prstGeom prst="rect">
             <a:avLst/>
           </a:prstGeom>
-          <a:noFill/>
-          <a:extLst>
-            <a:ext uri="{909E8E84-426E-40DD-AFC4-6F175D3DCCD1}">
-              <a14:hiddenFill xmlns:a14="http://schemas.microsoft.com/office/drawing/2010/main">
+        </p:spPr>
+        <p:txBody>
+          <a:bodyPr vert="horz" lIns="91440" tIns="45720" rIns="91440" bIns="45720" rtlCol="0" anchor="ctr"/>
+          <a:lstStyle>
+            <a:lvl1pPr algn="l">
+              <a:defRPr sz="900">
                 <a:solidFill>
-                  <a:srgbClr val="FFFFFF"/>
+                  <a:schemeClr val="tx1">
+                    <a:tint val="75000"/>
+                  </a:schemeClr>
                 </a:solidFill>
-              </a14:hiddenFill>
-            </a:ext>
-          </a:extLst>
+              </a:defRPr>
+            </a:lvl1pPr>
+          </a:lstStyle>
+          <a:p>
+            <a:endParaRPr lang="en-US" dirty="0"/>
+          </a:p>
+        </p:txBody>
+      </p:sp>
+      <p:sp>
+        <p:nvSpPr>
+          <p:cNvPr id="6" name="Slide Number Placeholder 5"/>
+          <p:cNvSpPr>
+            <a:spLocks noGrp="1"/>
+          </p:cNvSpPr>
+          <p:nvPr>
+            <p:ph type="sldNum" sz="quarter" idx="4"/>
+          </p:nvPr>
+        </p:nvSpPr>
+        <p:spPr>
+          <a:xfrm>
+            <a:off x="6444676" y="6041363"/>
+            <a:ext cx="512638" cy="365125"/>
+          </a:xfrm>
+          <a:prstGeom prst="rect">
+            <a:avLst/>
+          </a:prstGeom>
         </p:spPr>
-      </p:pic>
+        <p:txBody>
+          <a:bodyPr vert="horz" lIns="91440" tIns="45720" rIns="91440" bIns="45720" rtlCol="0" anchor="ctr"/>
+          <a:lstStyle>
+            <a:lvl1pPr algn="r">
+              <a:defRPr sz="900">
+                <a:solidFill>
+                  <a:schemeClr val="accent1"/>
+                </a:solidFill>
+              </a:defRPr>
+            </a:lvl1pPr>
+          </a:lstStyle>
+          <a:p>
+            <a:fld id="{D57F1E4F-1CFF-5643-939E-217C01CDF565}" type="slidenum">
+              <a:rPr lang="en-US" smtClean="0"/>
+              <a:pPr/>
+              <a:t>‹#›</a:t>
+            </a:fld>
+            <a:endParaRPr lang="en-US" dirty="0"/>
+          </a:p>
+        </p:txBody>
+      </p:sp>
     </p:spTree>
     <p:extLst>
       <p:ext uri="{BB962C8B-B14F-4D97-AF65-F5344CB8AC3E}">
-        <p14:creationId xmlns:p14="http://schemas.microsoft.com/office/powerpoint/2010/main" val="3651723151"/>
+        <p14:creationId xmlns:p14="http://schemas.microsoft.com/office/powerpoint/2010/main" val="3672017995"/>
       </p:ext>
     </p:extLst>
   </p:cSld>
-  <p:clrMap bg1="lt1" tx1="dk1" bg2="lt2" tx2="dk2" accent1="accent1" accent2="accent2" accent3="accent3" accent4="accent4" accent5="accent5" accent6="accent6" hlink="hlink" folHlink="folHlink"/>
+  <p:clrMap bg1="dk1" tx1="lt1" bg2="dk2" tx2="lt2" accent1="accent1" accent2="accent2" accent3="accent3" accent4="accent4" accent5="accent5" accent6="accent6" hlink="hlink" folHlink="folHlink"/>
   <p:sldLayoutIdLst>
-    <p:sldLayoutId id="2147483685" r:id="rId1"/>
-    <p:sldLayoutId id="2147483686" r:id="rId2"/>
-    <p:sldLayoutId id="2147483687" r:id="rId3"/>
-    <p:sldLayoutId id="2147483688" r:id="rId4"/>
-    <p:sldLayoutId id="2147483689" r:id="rId5"/>
-    <p:sldLayoutId id="2147483690" r:id="rId6"/>
-    <p:sldLayoutId id="2147483691" r:id="rId7"/>
-    <p:sldLayoutId id="2147483692" r:id="rId8"/>
-    <p:sldLayoutId id="2147483693" r:id="rId9"/>
-    <p:sldLayoutId id="2147483694" r:id="rId10"/>
-    <p:sldLayoutId id="2147483695" r:id="rId11"/>
+    <p:sldLayoutId id="2147483714" r:id="rId1"/>
+    <p:sldLayoutId id="2147483715" r:id="rId2"/>
+    <p:sldLayoutId id="2147483716" r:id="rId3"/>
+    <p:sldLayoutId id="2147483717" r:id="rId4"/>
+    <p:sldLayoutId id="2147483718" r:id="rId5"/>
+    <p:sldLayoutId id="2147483719" r:id="rId6"/>
+    <p:sldLayoutId id="2147483720" r:id="rId7"/>
+    <p:sldLayoutId id="2147483721" r:id="rId8"/>
+    <p:sldLayoutId id="2147483722" r:id="rId9"/>
+    <p:sldLayoutId id="2147483723" r:id="rId10"/>
+    <p:sldLayoutId id="2147483724" r:id="rId11"/>
+    <p:sldLayoutId id="2147483725" r:id="rId12"/>
+    <p:sldLayoutId id="2147483726" r:id="rId13"/>
+    <p:sldLayoutId id="2147483727" r:id="rId14"/>
+    <p:sldLayoutId id="2147483728" r:id="rId15"/>
+    <p:sldLayoutId id="2147483729" r:id="rId16"/>
   </p:sldLayoutIdLst>
   <p:txStyles>
     <p:titleStyle>
-      <a:lvl1pPr algn="ctr" defTabSz="914400" rtl="0" eaLnBrk="1" latinLnBrk="0" hangingPunct="1">
+      <a:lvl1pPr algn="l" defTabSz="457200" rtl="0" eaLnBrk="1" latinLnBrk="0" hangingPunct="1">
         <a:spcBef>
           <a:spcPct val="0"/>
         </a:spcBef>
         <a:buNone/>
-        <a:defRPr sz="4400" kern="1200">
+        <a:defRPr sz="3600" kern="1200">
+          <a:solidFill>
+            <a:schemeClr val="accent1"/>
+          </a:solidFill>
+          <a:latin typeface="+mj-lt"/>
+          <a:ea typeface="+mj-ea"/>
+          <a:cs typeface="+mj-cs"/>
+        </a:defRPr>
+      </a:lvl1pPr>
+      <a:lvl2pPr eaLnBrk="1" hangingPunct="1">
+        <a:defRPr>
+          <a:solidFill>
+            <a:schemeClr val="tx2"/>
+          </a:solidFill>
+        </a:defRPr>
+      </a:lvl2pPr>
+      <a:lvl3pPr eaLnBrk="1" hangingPunct="1">
+        <a:defRPr>
+          <a:solidFill>
+            <a:schemeClr val="tx2"/>
+          </a:solidFill>
+        </a:defRPr>
+      </a:lvl3pPr>
+      <a:lvl4pPr eaLnBrk="1" hangingPunct="1">
+        <a:defRPr>
+          <a:solidFill>
+            <a:schemeClr val="tx2"/>
+          </a:solidFill>
+        </a:defRPr>
+      </a:lvl4pPr>
+      <a:lvl5pPr eaLnBrk="1" hangingPunct="1">
+        <a:defRPr>
+          <a:solidFill>
+            <a:schemeClr val="tx2"/>
+          </a:solidFill>
+        </a:defRPr>
+      </a:lvl5pPr>
+      <a:lvl6pPr eaLnBrk="1" hangingPunct="1">
+        <a:defRPr>
+          <a:solidFill>
+            <a:schemeClr val="tx2"/>
+          </a:solidFill>
+        </a:defRPr>
+      </a:lvl6pPr>
+      <a:lvl7pPr eaLnBrk="1" hangingPunct="1">
+        <a:defRPr>
+          <a:solidFill>
+            <a:schemeClr val="tx2"/>
+          </a:solidFill>
+        </a:defRPr>
+      </a:lvl7pPr>
+      <a:lvl8pPr eaLnBrk="1" hangingPunct="1">
+        <a:defRPr>
+          <a:solidFill>
+            <a:schemeClr val="tx2"/>
+          </a:solidFill>
+        </a:defRPr>
+      </a:lvl8pPr>
+      <a:lvl9pPr eaLnBrk="1" hangingPunct="1">
+        <a:defRPr>
+          <a:solidFill>
+            <a:schemeClr val="tx2"/>
+          </a:solidFill>
+        </a:defRPr>
+      </a:lvl9pPr>
+    </p:titleStyle>
+    <p:bodyStyle>
+      <a:lvl1pPr marL="342900" indent="-342900" algn="l" defTabSz="457200" rtl="0" eaLnBrk="1" latinLnBrk="0" hangingPunct="1">
+        <a:spcBef>
+          <a:spcPts val="1000"/>
+        </a:spcBef>
+        <a:spcAft>
+          <a:spcPts val="0"/>
+        </a:spcAft>
+        <a:buClr>
+          <a:schemeClr val="accent1"/>
+        </a:buClr>
+        <a:buSzPct val="80000"/>
+        <a:buFont typeface="Wingdings 3" charset="2"/>
+        <a:buChar char=""/>
+        <a:defRPr sz="1800" kern="1200">
           <a:solidFill>
             <a:schemeClr val="tx1">
               <a:lumMod val="75000"/>
               <a:lumOff val="25000"/>
             </a:schemeClr>
           </a:solidFill>
-          <a:latin typeface="Segoe UI" pitchFamily="34" charset="0"/>
-          <a:ea typeface="Segoe UI" pitchFamily="34" charset="0"/>
-          <a:cs typeface="Segoe UI" pitchFamily="34" charset="0"/>
+          <a:latin typeface="+mn-lt"/>
+          <a:ea typeface="+mn-ea"/>
+          <a:cs typeface="+mn-cs"/>
         </a:defRPr>
       </a:lvl1pPr>
-    </p:titleStyle>
-    <p:bodyStyle>
-      <a:lvl1pPr marL="342900" indent="-342900" algn="l" defTabSz="914400" rtl="0" eaLnBrk="1" latinLnBrk="0" hangingPunct="1">
+      <a:lvl2pPr marL="742950" indent="-285750" algn="l" defTabSz="457200" rtl="0" eaLnBrk="1" latinLnBrk="0" hangingPunct="1">
         <a:spcBef>
-          <a:spcPct val="20000"/>
+          <a:spcPts val="1000"/>
         </a:spcBef>
-        <a:buFont typeface="Arial" pitchFamily="34" charset="0"/>
-        <a:buChar char="•"/>
-        <a:defRPr sz="3200" kern="1200">
+        <a:spcAft>
+          <a:spcPts val="0"/>
+        </a:spcAft>
+        <a:buClr>
+          <a:schemeClr val="accent1"/>
+        </a:buClr>
+        <a:buSzPct val="80000"/>
+        <a:buFont typeface="Wingdings 3" charset="2"/>
+        <a:buChar char=""/>
+        <a:defRPr sz="1600" kern="1200">
           <a:solidFill>
             <a:schemeClr val="tx1">
-              <a:lumMod val="65000"/>
-              <a:lumOff val="35000"/>
+              <a:lumMod val="75000"/>
+              <a:lumOff val="25000"/>
             </a:schemeClr>
           </a:solidFill>
-          <a:latin typeface="Segoe UI" pitchFamily="34" charset="0"/>
-          <a:ea typeface="Segoe UI" pitchFamily="34" charset="0"/>
-          <a:cs typeface="Segoe UI" pitchFamily="34" charset="0"/>
+          <a:latin typeface="+mn-lt"/>
+          <a:ea typeface="+mn-ea"/>
+          <a:cs typeface="+mn-cs"/>
         </a:defRPr>
-      </a:lvl1pPr>
-      <a:lvl2pPr marL="742950" indent="-285750" algn="l" defTabSz="914400" rtl="0" eaLnBrk="1" latinLnBrk="0" hangingPunct="1">
+      </a:lvl2pPr>
+      <a:lvl3pPr marL="1143000" indent="-228600" algn="l" defTabSz="457200" rtl="0" eaLnBrk="1" latinLnBrk="0" hangingPunct="1">
         <a:spcBef>
-          <a:spcPct val="20000"/>
+          <a:spcPts val="1000"/>
         </a:spcBef>
-        <a:buFont typeface="Arial" pitchFamily="34" charset="0"/>
-        <a:buChar char="–"/>
-        <a:defRPr sz="2800" kern="1200">
+        <a:spcAft>
+          <a:spcPts val="0"/>
+        </a:spcAft>
+        <a:buClr>
+          <a:schemeClr val="accent1"/>
+        </a:buClr>
+        <a:buSzPct val="80000"/>
+        <a:buFont typeface="Wingdings 3" charset="2"/>
+        <a:buChar char=""/>
+        <a:defRPr sz="1400" kern="1200">
           <a:solidFill>
             <a:schemeClr val="tx1">
-              <a:lumMod val="65000"/>
-              <a:lumOff val="35000"/>
+              <a:lumMod val="75000"/>
+              <a:lumOff val="25000"/>
             </a:schemeClr>
           </a:solidFill>
-          <a:latin typeface="Segoe UI" pitchFamily="34" charset="0"/>
-          <a:ea typeface="Segoe UI" pitchFamily="34" charset="0"/>
-          <a:cs typeface="Segoe UI" pitchFamily="34" charset="0"/>
+          <a:latin typeface="+mn-lt"/>
+          <a:ea typeface="+mn-ea"/>
+          <a:cs typeface="+mn-cs"/>
         </a:defRPr>
-      </a:lvl2pPr>
-      <a:lvl3pPr marL="1143000" indent="-228600" algn="l" defTabSz="914400" rtl="0" eaLnBrk="1" latinLnBrk="0" hangingPunct="1">
+      </a:lvl3pPr>
+      <a:lvl4pPr marL="1600200" indent="-228600" algn="l" defTabSz="457200" rtl="0" eaLnBrk="1" latinLnBrk="0" hangingPunct="1">
         <a:spcBef>
-          <a:spcPct val="20000"/>
+          <a:spcPts val="1000"/>
         </a:spcBef>
-        <a:buFont typeface="Arial" pitchFamily="34" charset="0"/>
-        <a:buChar char="•"/>
-        <a:defRPr sz="2400" kern="1200">
+        <a:spcAft>
+          <a:spcPts val="0"/>
+        </a:spcAft>
+        <a:buClr>
+          <a:schemeClr val="accent1"/>
+        </a:buClr>
+        <a:buSzPct val="80000"/>
+        <a:buFont typeface="Wingdings 3" charset="2"/>
+        <a:buChar char=""/>
+        <a:defRPr sz="1200" kern="1200">
           <a:solidFill>
             <a:schemeClr val="tx1">
-              <a:lumMod val="65000"/>
-              <a:lumOff val="35000"/>
+              <a:lumMod val="75000"/>
+              <a:lumOff val="25000"/>
             </a:schemeClr>
           </a:solidFill>
-          <a:latin typeface="Segoe UI" pitchFamily="34" charset="0"/>
-          <a:ea typeface="Segoe UI" pitchFamily="34" charset="0"/>
-          <a:cs typeface="Segoe UI" pitchFamily="34" charset="0"/>
+          <a:latin typeface="+mn-lt"/>
+          <a:ea typeface="+mn-ea"/>
+          <a:cs typeface="+mn-cs"/>
         </a:defRPr>
-      </a:lvl3pPr>
-      <a:lvl4pPr marL="1600200" indent="-228600" algn="l" defTabSz="914400" rtl="0" eaLnBrk="1" latinLnBrk="0" hangingPunct="1">
+      </a:lvl4pPr>
+      <a:lvl5pPr marL="2057400" indent="-228600" algn="l" defTabSz="457200" rtl="0" eaLnBrk="1" latinLnBrk="0" hangingPunct="1">
         <a:spcBef>
-          <a:spcPct val="20000"/>
+          <a:spcPts val="1000"/>
         </a:spcBef>
-        <a:buFont typeface="Arial" pitchFamily="34" charset="0"/>
-        <a:buChar char="–"/>
-        <a:defRPr sz="2000" kern="1200">
+        <a:spcAft>
+          <a:spcPts val="0"/>
+        </a:spcAft>
+        <a:buClr>
+          <a:schemeClr val="accent1"/>
+        </a:buClr>
+        <a:buSzPct val="80000"/>
+        <a:buFont typeface="Wingdings 3" charset="2"/>
+        <a:buChar char=""/>
+        <a:defRPr sz="1200" kern="1200">
           <a:solidFill>
             <a:schemeClr val="tx1">
-              <a:lumMod val="65000"/>
-              <a:lumOff val="35000"/>
+              <a:lumMod val="75000"/>
+              <a:lumOff val="25000"/>
             </a:schemeClr>
           </a:solidFill>
-          <a:latin typeface="Segoe UI" pitchFamily="34" charset="0"/>
-          <a:ea typeface="Segoe UI" pitchFamily="34" charset="0"/>
-          <a:cs typeface="Segoe UI" pitchFamily="34" charset="0"/>
+          <a:latin typeface="+mn-lt"/>
+          <a:ea typeface="+mn-ea"/>
+          <a:cs typeface="+mn-cs"/>
         </a:defRPr>
-      </a:lvl4pPr>
-      <a:lvl5pPr marL="2057400" indent="-228600" algn="l" defTabSz="914400" rtl="0" eaLnBrk="1" latinLnBrk="0" hangingPunct="1">
+      </a:lvl5pPr>
+      <a:lvl6pPr marL="2514600" indent="-228600" algn="l" defTabSz="457200" rtl="0" eaLnBrk="1" latinLnBrk="0" hangingPunct="1">
         <a:spcBef>
-          <a:spcPct val="20000"/>
+          <a:spcPts val="1000"/>
         </a:spcBef>
-        <a:buFont typeface="Arial" pitchFamily="34" charset="0"/>
-        <a:buChar char="»"/>
-        <a:defRPr sz="2000" kern="1200">
+        <a:spcAft>
+          <a:spcPts val="0"/>
+        </a:spcAft>
+        <a:buClr>
+          <a:schemeClr val="accent1"/>
+        </a:buClr>
+        <a:buSzPct val="80000"/>
+        <a:buFont typeface="Wingdings 3" charset="2"/>
+        <a:buChar char=""/>
+        <a:defRPr sz="1200" kern="1200">
           <a:solidFill>
             <a:schemeClr val="tx1">
-              <a:lumMod val="65000"/>
-              <a:lumOff val="35000"/>
+              <a:lumMod val="75000"/>
+              <a:lumOff val="25000"/>
             </a:schemeClr>
-          </a:solidFill>
-          <a:latin typeface="Segoe UI" pitchFamily="34" charset="0"/>
-          <a:ea typeface="Segoe UI" pitchFamily="34" charset="0"/>
-          <a:cs typeface="Segoe UI" pitchFamily="34" charset="0"/>
-        </a:defRPr>
-      </a:lvl5pPr>
-      <a:lvl6pPr marL="2514600" indent="-228600" algn="l" defTabSz="914400" rtl="0" eaLnBrk="1" latinLnBrk="0" hangingPunct="1">
-        <a:spcBef>
-          <a:spcPct val="20000"/>
-        </a:spcBef>
-        <a:buFont typeface="Arial" pitchFamily="34" charset="0"/>
-        <a:buChar char="•"/>
-        <a:defRPr sz="2000" kern="1200">
-          <a:solidFill>
-            <a:schemeClr val="tx1"/>
           </a:solidFill>
           <a:latin typeface="+mn-lt"/>
           <a:ea typeface="+mn-ea"/>
           <a:cs typeface="+mn-cs"/>
         </a:defRPr>
       </a:lvl6pPr>
-      <a:lvl7pPr marL="2971800" indent="-228600" algn="l" defTabSz="914400" rtl="0" eaLnBrk="1" latinLnBrk="0" hangingPunct="1">
+      <a:lvl7pPr marL="2971800" indent="-228600" algn="l" defTabSz="457200" rtl="0" eaLnBrk="1" latinLnBrk="0" hangingPunct="1">
         <a:spcBef>
-          <a:spcPct val="20000"/>
+          <a:spcPts val="1000"/>
         </a:spcBef>
-        <a:buFont typeface="Arial" pitchFamily="34" charset="0"/>
-        <a:buChar char="•"/>
-        <a:defRPr sz="2000" kern="1200">
+        <a:spcAft>
+          <a:spcPts val="0"/>
+        </a:spcAft>
+        <a:buClr>
+          <a:schemeClr val="accent1"/>
+        </a:buClr>
+        <a:buSzPct val="80000"/>
+        <a:buFont typeface="Wingdings 3" charset="2"/>
+        <a:buChar char=""/>
+        <a:defRPr sz="1200" kern="1200">
           <a:solidFill>
-            <a:schemeClr val="tx1"/>
+            <a:schemeClr val="tx1">
+              <a:lumMod val="75000"/>
+              <a:lumOff val="25000"/>
+            </a:schemeClr>
           </a:solidFill>
           <a:latin typeface="+mn-lt"/>
           <a:ea typeface="+mn-ea"/>
           <a:cs typeface="+mn-cs"/>
         </a:defRPr>
       </a:lvl7pPr>
-      <a:lvl8pPr marL="3429000" indent="-228600" algn="l" defTabSz="914400" rtl="0" eaLnBrk="1" latinLnBrk="0" hangingPunct="1">
+      <a:lvl8pPr marL="3429000" indent="-228600" algn="l" defTabSz="457200" rtl="0" eaLnBrk="1" latinLnBrk="0" hangingPunct="1">
         <a:spcBef>
-          <a:spcPct val="20000"/>
+          <a:spcPts val="1000"/>
         </a:spcBef>
-        <a:buFont typeface="Arial" pitchFamily="34" charset="0"/>
-        <a:buChar char="•"/>
-        <a:defRPr sz="2000" kern="1200">
+        <a:spcAft>
+          <a:spcPts val="0"/>
+        </a:spcAft>
+        <a:buClr>
+          <a:schemeClr val="accent1"/>
+        </a:buClr>
+        <a:buSzPct val="80000"/>
+        <a:buFont typeface="Wingdings 3" charset="2"/>
+        <a:buChar char=""/>
+        <a:defRPr sz="1200" kern="1200">
           <a:solidFill>
-            <a:schemeClr val="tx1"/>
+            <a:schemeClr val="tx1">
+              <a:lumMod val="75000"/>
+              <a:lumOff val="25000"/>
+            </a:schemeClr>
           </a:solidFill>
           <a:latin typeface="+mn-lt"/>
           <a:ea typeface="+mn-ea"/>
           <a:cs typeface="+mn-cs"/>
         </a:defRPr>
       </a:lvl8pPr>
-      <a:lvl9pPr marL="3886200" indent="-228600" algn="l" defTabSz="914400" rtl="0" eaLnBrk="1" latinLnBrk="0" hangingPunct="1">
+      <a:lvl9pPr marL="3886200" indent="-228600" algn="l" defTabSz="457200" rtl="0" eaLnBrk="1" latinLnBrk="0" hangingPunct="1">
         <a:spcBef>
-          <a:spcPct val="20000"/>
+          <a:spcPts val="1000"/>
         </a:spcBef>
-        <a:buFont typeface="Arial" pitchFamily="34" charset="0"/>
-        <a:buChar char="•"/>
-        <a:defRPr sz="2000" kern="1200">
+        <a:spcAft>
+          <a:spcPts val="0"/>
+        </a:spcAft>
+        <a:buClr>
+          <a:schemeClr val="accent1"/>
+        </a:buClr>
+        <a:buSzPct val="80000"/>
+        <a:buFont typeface="Wingdings 3" charset="2"/>
+        <a:buChar char=""/>
+        <a:defRPr sz="1200" kern="1200">
           <a:solidFill>
-            <a:schemeClr val="tx1"/>
+            <a:schemeClr val="tx1">
+              <a:lumMod val="75000"/>
+              <a:lumOff val="25000"/>
+            </a:schemeClr>
           </a:solidFill>
           <a:latin typeface="+mn-lt"/>
           <a:ea typeface="+mn-ea"/>
@@ -3101,7 +6846,7 @@
       <a:defPPr>
         <a:defRPr lang="en-US"/>
       </a:defPPr>
-      <a:lvl1pPr marL="0" algn="l" defTabSz="914400" rtl="0" eaLnBrk="1" latinLnBrk="0" hangingPunct="1">
+      <a:lvl1pPr marL="0" algn="l" defTabSz="457200" rtl="0" eaLnBrk="1" latinLnBrk="0" hangingPunct="1">
         <a:defRPr sz="1800" kern="1200">
           <a:solidFill>
             <a:schemeClr val="tx1"/>
@@ -3111,7 +6856,7 @@
           <a:cs typeface="+mn-cs"/>
         </a:defRPr>
       </a:lvl1pPr>
-      <a:lvl2pPr marL="457200" algn="l" defTabSz="914400" rtl="0" eaLnBrk="1" latinLnBrk="0" hangingPunct="1">
+      <a:lvl2pPr marL="457200" algn="l" defTabSz="457200" rtl="0" eaLnBrk="1" latinLnBrk="0" hangingPunct="1">
         <a:defRPr sz="1800" kern="1200">
           <a:solidFill>
             <a:schemeClr val="tx1"/>
@@ -3121,7 +6866,7 @@
           <a:cs typeface="+mn-cs"/>
         </a:defRPr>
       </a:lvl2pPr>
-      <a:lvl3pPr marL="914400" algn="l" defTabSz="914400" rtl="0" eaLnBrk="1" latinLnBrk="0" hangingPunct="1">
+      <a:lvl3pPr marL="914400" algn="l" defTabSz="457200" rtl="0" eaLnBrk="1" latinLnBrk="0" hangingPunct="1">
         <a:defRPr sz="1800" kern="1200">
           <a:solidFill>
             <a:schemeClr val="tx1"/>
@@ -3131,7 +6876,7 @@
           <a:cs typeface="+mn-cs"/>
         </a:defRPr>
       </a:lvl3pPr>
-      <a:lvl4pPr marL="1371600" algn="l" defTabSz="914400" rtl="0" eaLnBrk="1" latinLnBrk="0" hangingPunct="1">
+      <a:lvl4pPr marL="1371600" algn="l" defTabSz="457200" rtl="0" eaLnBrk="1" latinLnBrk="0" hangingPunct="1">
         <a:defRPr sz="1800" kern="1200">
           <a:solidFill>
             <a:schemeClr val="tx1"/>
@@ -3141,7 +6886,7 @@
           <a:cs typeface="+mn-cs"/>
         </a:defRPr>
       </a:lvl4pPr>
-      <a:lvl5pPr marL="1828800" algn="l" defTabSz="914400" rtl="0" eaLnBrk="1" latinLnBrk="0" hangingPunct="1">
+      <a:lvl5pPr marL="1828800" algn="l" defTabSz="457200" rtl="0" eaLnBrk="1" latinLnBrk="0" hangingPunct="1">
         <a:defRPr sz="1800" kern="1200">
           <a:solidFill>
             <a:schemeClr val="tx1"/>
@@ -3151,7 +6896,7 @@
           <a:cs typeface="+mn-cs"/>
         </a:defRPr>
       </a:lvl5pPr>
-      <a:lvl6pPr marL="2286000" algn="l" defTabSz="914400" rtl="0" eaLnBrk="1" latinLnBrk="0" hangingPunct="1">
+      <a:lvl6pPr marL="2286000" algn="l" defTabSz="457200" rtl="0" eaLnBrk="1" latinLnBrk="0" hangingPunct="1">
         <a:defRPr sz="1800" kern="1200">
           <a:solidFill>
             <a:schemeClr val="tx1"/>
@@ -3161,7 +6906,7 @@
           <a:cs typeface="+mn-cs"/>
         </a:defRPr>
       </a:lvl6pPr>
-      <a:lvl7pPr marL="2743200" algn="l" defTabSz="914400" rtl="0" eaLnBrk="1" latinLnBrk="0" hangingPunct="1">
+      <a:lvl7pPr marL="2743200" algn="l" defTabSz="457200" rtl="0" eaLnBrk="1" latinLnBrk="0" hangingPunct="1">
         <a:defRPr sz="1800" kern="1200">
           <a:solidFill>
             <a:schemeClr val="tx1"/>
@@ -3171,7 +6916,7 @@
           <a:cs typeface="+mn-cs"/>
         </a:defRPr>
       </a:lvl7pPr>
-      <a:lvl8pPr marL="3200400" algn="l" defTabSz="914400" rtl="0" eaLnBrk="1" latinLnBrk="0" hangingPunct="1">
+      <a:lvl8pPr marL="3200400" algn="l" defTabSz="457200" rtl="0" eaLnBrk="1" latinLnBrk="0" hangingPunct="1">
         <a:defRPr sz="1800" kern="1200">
           <a:solidFill>
             <a:schemeClr val="tx1"/>
@@ -3181,7 +6926,7 @@
           <a:cs typeface="+mn-cs"/>
         </a:defRPr>
       </a:lvl8pPr>
-      <a:lvl9pPr marL="3657600" algn="l" defTabSz="914400" rtl="0" eaLnBrk="1" latinLnBrk="0" hangingPunct="1">
+      <a:lvl9pPr marL="3657600" algn="l" defTabSz="457200" rtl="0" eaLnBrk="1" latinLnBrk="0" hangingPunct="1">
         <a:defRPr sz="1800" kern="1200">
           <a:solidFill>
             <a:schemeClr val="tx1"/>
@@ -3225,21 +6970,20 @@
         </p:nvSpPr>
         <p:spPr>
           <a:xfrm>
-            <a:off x="304800" y="2130425"/>
+            <a:off x="-1143000" y="2286000"/>
             <a:ext cx="8534400" cy="1470025"/>
           </a:xfrm>
         </p:spPr>
         <p:txBody>
           <a:bodyPr>
-            <a:normAutofit/>
+            <a:normAutofit fontScale="90000"/>
           </a:bodyPr>
           <a:lstStyle/>
           <a:p>
             <a:r>
-              <a:rPr lang="en-US" dirty="0" smtClean="0"/>
+              <a:rPr lang="en-US" dirty="0"/>
               <a:t>Develop Great Windows Universal App User Experiences (Lifecycle)</a:t>
             </a:r>
-            <a:endParaRPr lang="en-US" dirty="0"/>
           </a:p>
         </p:txBody>
       </p:sp>
@@ -3253,26 +6997,72 @@
             <p:ph type="subTitle" idx="1"/>
           </p:nvPr>
         </p:nvSpPr>
-        <p:spPr/>
-        <p:txBody>
-          <a:bodyPr/>
+        <p:spPr>
+          <a:xfrm>
+            <a:off x="1564681" y="4038600"/>
+            <a:ext cx="5826719" cy="1096899"/>
+          </a:xfrm>
+        </p:spPr>
+        <p:txBody>
+          <a:bodyPr>
+            <a:normAutofit fontScale="92500" lnSpcReduction="20000"/>
+          </a:bodyPr>
           <a:lstStyle/>
           <a:p>
-            <a:r>
-              <a:rPr lang="en-US" dirty="0" smtClean="0"/>
+            <a:pPr marL="57150" indent="-57150" defTabSz="586002">
+              <a:buSzPct val="25000"/>
+              <a:buFont typeface="Myriad Pro"/>
+              <a:buChar char=" "/>
+              <a:defRPr sz="2000" spc="62">
+                <a:solidFill>
+                  <a:srgbClr val="FFFFFF"/>
+                </a:solidFill>
+              </a:defRPr>
+            </a:pPr>
+            <a:r>
+              <a:rPr lang="en-US" dirty="0"/>
               <a:t>Danny Warren</a:t>
             </a:r>
           </a:p>
           <a:p>
-            <a:r>
-              <a:rPr lang="en-US" dirty="0" smtClean="0"/>
+            <a:pPr marL="57150" indent="-57150" defTabSz="586002">
+              <a:buSzPct val="25000"/>
+              <a:buFont typeface="Myriad Pro"/>
+              <a:buChar char=" "/>
+              <a:defRPr sz="2000" spc="62">
+                <a:solidFill>
+                  <a:srgbClr val="FFFFFF"/>
+                </a:solidFill>
+              </a:defRPr>
+            </a:pPr>
+            <a:r>
+              <a:rPr lang="en-US" dirty="0"/>
               <a:t>@</a:t>
             </a:r>
             <a:r>
-              <a:rPr lang="en-US" dirty="0" err="1" smtClean="0"/>
+              <a:rPr lang="en-US" dirty="0" err="1"/>
               <a:t>dannydwarren</a:t>
             </a:r>
-            <a:endParaRPr lang="en-US" dirty="0"/>
+            <a:r>
+              <a:rPr lang="en-US" dirty="0"/>
+              <a:t> (GitHub, Twitter, LinkedIn)</a:t>
+            </a:r>
+          </a:p>
+          <a:p>
+            <a:pPr marL="57150" indent="-57150" defTabSz="586002">
+              <a:buSzPct val="25000"/>
+              <a:buFont typeface="Myriad Pro"/>
+              <a:buChar char=" "/>
+              <a:defRPr sz="2000" spc="62">
+                <a:solidFill>
+                  <a:srgbClr val="FFFFFF"/>
+                </a:solidFill>
+              </a:defRPr>
+            </a:pPr>
+            <a:r>
+              <a:rPr lang="en-US" dirty="0"/>
+              <a:t>dannydwarren@gmail.com</a:t>
+            </a:r>
           </a:p>
         </p:txBody>
       </p:sp>
@@ -3286,13 +7076,6 @@
   <p:clrMapOvr>
     <a:masterClrMapping/>
   </p:clrMapOvr>
-  <p:timing>
-    <p:tnLst>
-      <p:par>
-        <p:cTn id="1" dur="indefinite" restart="never" nodeType="tmRoot"/>
-      </p:par>
-    </p:tnLst>
-  </p:timing>
 </p:sld>
 </file>
 
@@ -3301,7 +7084,7 @@
   <p:cSld>
     <p:spTree>
       <p:nvGrpSpPr>
-        <p:cNvPr id="1" name=""/>
+        <p:cNvPr id="1" name="Shape 128"/>
         <p:cNvGrpSpPr/>
         <p:nvPr/>
       </p:nvGrpSpPr>
@@ -3315,179 +7098,812 @@
       </p:grpSpPr>
       <p:sp>
         <p:nvSpPr>
-          <p:cNvPr id="2" name="Title 1"/>
-          <p:cNvSpPr>
-            <a:spLocks noGrp="1"/>
-          </p:cNvSpPr>
-          <p:nvPr>
-            <p:ph type="title"/>
-          </p:nvPr>
-        </p:nvSpPr>
-        <p:spPr/>
-        <p:txBody>
-          <a:bodyPr/>
-          <a:lstStyle/>
-          <a:p>
-            <a:r>
-              <a:rPr lang="en-US" dirty="0" smtClean="0"/>
-              <a:t>About Danny &amp; InterKnowlogy</a:t>
-            </a:r>
-            <a:endParaRPr lang="en-US" dirty="0"/>
-          </a:p>
-        </p:txBody>
-      </p:sp>
-      <p:sp>
-        <p:nvSpPr>
-          <p:cNvPr id="3" name="Content Placeholder 2"/>
-          <p:cNvSpPr>
-            <a:spLocks noGrp="1"/>
-          </p:cNvSpPr>
-          <p:nvPr>
-            <p:ph idx="1"/>
-          </p:nvPr>
+          <p:cNvPr id="2" name="Rectangle 1">
+            <a:extLst>
+              <a:ext uri="{FF2B5EF4-FFF2-40B4-BE49-F238E27FC236}">
+                <a16:creationId xmlns:a16="http://schemas.microsoft.com/office/drawing/2014/main" id="{D27E2751-BBBE-4200-AA92-E8392BBFC8C4}"/>
+              </a:ext>
+            </a:extLst>
+          </p:cNvPr>
+          <p:cNvSpPr/>
+          <p:nvPr/>
         </p:nvSpPr>
         <p:spPr>
           <a:xfrm>
-            <a:off x="457200" y="1600200"/>
-            <a:ext cx="8229600" cy="4724400"/>
+            <a:off x="-9" y="0"/>
+            <a:ext cx="9144009" cy="6858000"/>
           </a:xfrm>
+          <a:prstGeom prst="rect">
+            <a:avLst/>
+          </a:prstGeom>
+          <a:solidFill>
+            <a:schemeClr val="tx1"/>
+          </a:solidFill>
+          <a:ln>
+            <a:solidFill>
+              <a:schemeClr val="tx1"/>
+            </a:solidFill>
+          </a:ln>
         </p:spPr>
-        <p:txBody>
-          <a:bodyPr>
-            <a:normAutofit fontScale="77500" lnSpcReduction="20000"/>
+        <p:style>
+          <a:lnRef idx="2">
+            <a:schemeClr val="accent1">
+              <a:shade val="50000"/>
+            </a:schemeClr>
+          </a:lnRef>
+          <a:fillRef idx="1">
+            <a:schemeClr val="accent1"/>
+          </a:fillRef>
+          <a:effectRef idx="0">
+            <a:schemeClr val="accent1"/>
+          </a:effectRef>
+          <a:fontRef idx="minor">
+            <a:schemeClr val="lt1"/>
+          </a:fontRef>
+        </p:style>
+        <p:txBody>
+          <a:bodyPr rtlCol="0" anchor="ctr"/>
+          <a:lstStyle/>
+          <a:p>
+            <a:pPr algn="ctr"/>
+            <a:endParaRPr lang="en-US"/>
+          </a:p>
+        </p:txBody>
+      </p:sp>
+      <p:pic>
+        <p:nvPicPr>
+          <p:cNvPr id="129" name="Shape 129"/>
+          <p:cNvPicPr preferRelativeResize="0"/>
+          <p:nvPr/>
+        </p:nvPicPr>
+        <p:blipFill rotWithShape="1">
+          <a:blip r:embed="rId3">
+            <a:alphaModFix/>
+          </a:blip>
+          <a:srcRect/>
+          <a:stretch/>
+        </p:blipFill>
+        <p:spPr>
+          <a:xfrm>
+            <a:off x="6178326" y="4676876"/>
+            <a:ext cx="1696599" cy="876225"/>
+          </a:xfrm>
+          <a:prstGeom prst="rect">
+            <a:avLst/>
+          </a:prstGeom>
+          <a:noFill/>
+          <a:ln>
+            <a:noFill/>
+          </a:ln>
+        </p:spPr>
+      </p:pic>
+      <p:sp>
+        <p:nvSpPr>
+          <p:cNvPr id="130" name="Shape 130"/>
+          <p:cNvSpPr txBox="1">
+            <a:spLocks noGrp="1"/>
+          </p:cNvSpPr>
+          <p:nvPr>
+            <p:ph type="title"/>
+          </p:nvPr>
+        </p:nvSpPr>
+        <p:spPr>
+          <a:xfrm>
+            <a:off x="1490296" y="939289"/>
+            <a:ext cx="6172200" cy="498746"/>
+          </a:xfrm>
+          <a:prstGeom prst="rect">
+            <a:avLst/>
+          </a:prstGeom>
+          <a:noFill/>
+          <a:ln>
+            <a:noFill/>
+          </a:ln>
+        </p:spPr>
+        <p:txBody>
+          <a:bodyPr vert="horz" wrap="square" lIns="68575" tIns="34275" rIns="68575" bIns="34275" rtlCol="0" anchor="ctr" anchorCtr="0">
+            <a:noAutofit/>
           </a:bodyPr>
           <a:lstStyle/>
           <a:p>
-            <a:r>
-              <a:rPr lang="en-US" dirty="0"/>
-              <a:t>InterKnowlogy (</a:t>
-            </a:r>
-            <a:r>
-              <a:rPr lang="en-US" dirty="0">
-                <a:hlinkClick r:id="rId3"/>
+            <a:pPr indent="-190500" algn="ctr">
+              <a:lnSpc>
+                <a:spcPct val="90000"/>
+              </a:lnSpc>
+              <a:spcBef>
+                <a:spcPts val="0"/>
+              </a:spcBef>
+              <a:buClr>
+                <a:schemeClr val="dk1"/>
+              </a:buClr>
+              <a:buSzPct val="100000"/>
+            </a:pPr>
+            <a:r>
+              <a:rPr lang="en" sz="3000">
+                <a:solidFill>
+                  <a:schemeClr val="dk1"/>
+                </a:solidFill>
+                <a:latin typeface="Calibri"/>
+                <a:ea typeface="Calibri"/>
+                <a:cs typeface="Calibri"/>
+                <a:sym typeface="Calibri"/>
               </a:rPr>
-              <a:t>www.interknowlogy.com</a:t>
-            </a:r>
-            <a:r>
-              <a:rPr lang="en-US" dirty="0"/>
-              <a:t>)</a:t>
-            </a:r>
-          </a:p>
-          <a:p>
-            <a:pPr lvl="1"/>
-            <a:r>
-              <a:rPr lang="en-US" dirty="0"/>
-              <a:t>15 year old services firm – Custom Application Development</a:t>
-            </a:r>
-          </a:p>
-          <a:p>
-            <a:pPr lvl="1"/>
-            <a:r>
-              <a:rPr lang="en-US" dirty="0"/>
-              <a:t>Focused on building NUI solutions</a:t>
-            </a:r>
-          </a:p>
-          <a:p>
-            <a:pPr lvl="2"/>
-            <a:r>
-              <a:rPr lang="en-US" dirty="0"/>
-              <a:t>Windows, Windows Phone, </a:t>
-            </a:r>
-            <a:r>
-              <a:rPr lang="en-US" dirty="0" err="1"/>
-              <a:t>Xamarin</a:t>
-            </a:r>
-            <a:r>
-              <a:rPr lang="en-US" dirty="0"/>
-              <a:t>, WPF, Kinect, Azure</a:t>
-            </a:r>
-          </a:p>
-          <a:p>
-            <a:pPr lvl="2"/>
-            <a:r>
-              <a:rPr lang="en-US" dirty="0"/>
-              <a:t>Web, Mobile, Desktop, Touch, and Touchless</a:t>
-            </a:r>
-          </a:p>
-          <a:p>
-            <a:pPr lvl="1"/>
-            <a:r>
-              <a:rPr lang="en-US" dirty="0"/>
-              <a:t>Formal R&amp;D program: RECESS</a:t>
-            </a:r>
-          </a:p>
-          <a:p>
-            <a:pPr lvl="2"/>
-            <a:r>
-              <a:rPr lang="en-US" dirty="0"/>
-              <a:t>Self guided learning/My time to prepare this presentation</a:t>
-            </a:r>
-          </a:p>
-          <a:p>
-            <a:r>
-              <a:rPr lang="en-US" dirty="0"/>
-              <a:t>Danny Warren, Sr. Software Engineer</a:t>
-            </a:r>
-          </a:p>
-          <a:p>
-            <a:pPr lvl="1"/>
-            <a:r>
-              <a:rPr lang="en-US" dirty="0"/>
-              <a:t>Graduate Neumont University 2009, B.S. C.S. </a:t>
-            </a:r>
-          </a:p>
-          <a:p>
-            <a:pPr lvl="1"/>
-            <a:r>
-              <a:rPr lang="en-US" dirty="0"/>
-              <a:t>Microsoft MVP in Windows Platform </a:t>
-            </a:r>
-            <a:r>
-              <a:rPr lang="en-US" dirty="0" smtClean="0"/>
-              <a:t>Development</a:t>
-            </a:r>
-          </a:p>
-          <a:p>
-            <a:pPr lvl="2"/>
-            <a:r>
-              <a:rPr lang="en-US" dirty="0" smtClean="0"/>
-              <a:t>Since Oct 2013</a:t>
-            </a:r>
-          </a:p>
-          <a:p>
-            <a:pPr lvl="1"/>
-            <a:r>
-              <a:rPr lang="en-US" dirty="0" smtClean="0"/>
-              <a:t>Former Nokia Champion</a:t>
-            </a:r>
-            <a:endParaRPr lang="en-US" dirty="0"/>
-          </a:p>
-          <a:p>
-            <a:pPr lvl="1"/>
-            <a:r>
-              <a:rPr lang="en-US" dirty="0"/>
-              <a:t>Avid Mt. Biker and aspiring Rock Climber</a:t>
-            </a:r>
-          </a:p>
-        </p:txBody>
-      </p:sp>
+              <a:t>Thanks to our Sponsors!	</a:t>
+            </a:r>
+          </a:p>
+        </p:txBody>
+      </p:sp>
+      <p:pic>
+        <p:nvPicPr>
+          <p:cNvPr id="131" name="Shape 131"/>
+          <p:cNvPicPr preferRelativeResize="0"/>
+          <p:nvPr/>
+        </p:nvPicPr>
+        <p:blipFill rotWithShape="1">
+          <a:blip r:embed="rId4">
+            <a:alphaModFix/>
+          </a:blip>
+          <a:srcRect/>
+          <a:stretch/>
+        </p:blipFill>
+        <p:spPr>
+          <a:xfrm>
+            <a:off x="2462692" y="4761595"/>
+            <a:ext cx="2116052" cy="453730"/>
+          </a:xfrm>
+          <a:prstGeom prst="rect">
+            <a:avLst/>
+          </a:prstGeom>
+          <a:noFill/>
+          <a:ln>
+            <a:noFill/>
+          </a:ln>
+        </p:spPr>
+      </p:pic>
+      <p:sp>
+        <p:nvSpPr>
+          <p:cNvPr id="132" name="Shape 132"/>
+          <p:cNvSpPr txBox="1"/>
+          <p:nvPr/>
+        </p:nvSpPr>
+        <p:spPr>
+          <a:xfrm>
+            <a:off x="19373" y="1407422"/>
+            <a:ext cx="3225000" cy="438600"/>
+          </a:xfrm>
+          <a:prstGeom prst="rect">
+            <a:avLst/>
+          </a:prstGeom>
+          <a:noFill/>
+          <a:ln>
+            <a:noFill/>
+          </a:ln>
+        </p:spPr>
+        <p:txBody>
+          <a:bodyPr wrap="square" lIns="68575" tIns="34275" rIns="68575" bIns="34275" anchor="t" anchorCtr="0">
+            <a:noAutofit/>
+          </a:bodyPr>
+          <a:lstStyle/>
+          <a:p>
+            <a:pPr>
+              <a:buSzPct val="25000"/>
+            </a:pPr>
+            <a:r>
+              <a:rPr lang="en" sz="2400" b="1">
+                <a:solidFill>
+                  <a:schemeClr val="dk1"/>
+                </a:solidFill>
+                <a:latin typeface="Calibri"/>
+                <a:ea typeface="Calibri"/>
+                <a:cs typeface="Calibri"/>
+                <a:sym typeface="Calibri"/>
+              </a:rPr>
+              <a:t>Partners</a:t>
+            </a:r>
+          </a:p>
+        </p:txBody>
+      </p:sp>
+      <p:cxnSp>
+        <p:nvCxnSpPr>
+          <p:cNvPr id="133" name="Shape 133"/>
+          <p:cNvCxnSpPr/>
+          <p:nvPr/>
+        </p:nvCxnSpPr>
+        <p:spPr>
+          <a:xfrm rot="10800000" flipH="1">
+            <a:off x="86500" y="1709234"/>
+            <a:ext cx="8279100" cy="18300"/>
+          </a:xfrm>
+          <a:prstGeom prst="straightConnector1">
+            <a:avLst/>
+          </a:prstGeom>
+          <a:noFill/>
+          <a:ln w="9525" cap="flat" cmpd="sng">
+            <a:solidFill>
+              <a:schemeClr val="dk1"/>
+            </a:solidFill>
+            <a:prstDash val="solid"/>
+            <a:miter lim="800000"/>
+            <a:headEnd type="none" w="med" len="med"/>
+            <a:tailEnd type="none" w="med" len="med"/>
+          </a:ln>
+        </p:spPr>
+      </p:cxnSp>
+      <p:cxnSp>
+        <p:nvCxnSpPr>
+          <p:cNvPr id="134" name="Shape 134"/>
+          <p:cNvCxnSpPr/>
+          <p:nvPr/>
+        </p:nvCxnSpPr>
+        <p:spPr>
+          <a:xfrm rot="10800000" flipH="1">
+            <a:off x="86536" y="2624433"/>
+            <a:ext cx="8279100" cy="18300"/>
+          </a:xfrm>
+          <a:prstGeom prst="straightConnector1">
+            <a:avLst/>
+          </a:prstGeom>
+          <a:noFill/>
+          <a:ln w="9525" cap="flat" cmpd="sng">
+            <a:solidFill>
+              <a:schemeClr val="dk1"/>
+            </a:solidFill>
+            <a:prstDash val="solid"/>
+            <a:miter lim="800000"/>
+            <a:headEnd type="none" w="med" len="med"/>
+            <a:tailEnd type="none" w="med" len="med"/>
+          </a:ln>
+        </p:spPr>
+      </p:cxnSp>
+      <p:sp>
+        <p:nvSpPr>
+          <p:cNvPr id="135" name="Shape 135"/>
+          <p:cNvSpPr txBox="1"/>
+          <p:nvPr/>
+        </p:nvSpPr>
+        <p:spPr>
+          <a:xfrm>
+            <a:off x="19373" y="2690059"/>
+            <a:ext cx="3225000" cy="438600"/>
+          </a:xfrm>
+          <a:prstGeom prst="rect">
+            <a:avLst/>
+          </a:prstGeom>
+          <a:noFill/>
+          <a:ln>
+            <a:noFill/>
+          </a:ln>
+        </p:spPr>
+        <p:txBody>
+          <a:bodyPr wrap="square" lIns="68575" tIns="34275" rIns="68575" bIns="34275" anchor="t" anchorCtr="0">
+            <a:noAutofit/>
+          </a:bodyPr>
+          <a:lstStyle/>
+          <a:p>
+            <a:pPr>
+              <a:buSzPct val="25000"/>
+            </a:pPr>
+            <a:r>
+              <a:rPr lang="en" sz="2400" b="1">
+                <a:solidFill>
+                  <a:schemeClr val="dk1"/>
+                </a:solidFill>
+                <a:latin typeface="Calibri"/>
+                <a:ea typeface="Calibri"/>
+                <a:cs typeface="Calibri"/>
+                <a:sym typeface="Calibri"/>
+              </a:rPr>
+              <a:t>Premier</a:t>
+            </a:r>
+          </a:p>
+        </p:txBody>
+      </p:sp>
+      <p:cxnSp>
+        <p:nvCxnSpPr>
+          <p:cNvPr id="136" name="Shape 136"/>
+          <p:cNvCxnSpPr/>
+          <p:nvPr/>
+        </p:nvCxnSpPr>
+        <p:spPr>
+          <a:xfrm rot="10800000" flipH="1">
+            <a:off x="86501" y="4743306"/>
+            <a:ext cx="8279100" cy="18300"/>
+          </a:xfrm>
+          <a:prstGeom prst="straightConnector1">
+            <a:avLst/>
+          </a:prstGeom>
+          <a:noFill/>
+          <a:ln w="9525" cap="flat" cmpd="sng">
+            <a:solidFill>
+              <a:schemeClr val="dk1"/>
+            </a:solidFill>
+            <a:prstDash val="solid"/>
+            <a:miter lim="800000"/>
+            <a:headEnd type="none" w="med" len="med"/>
+            <a:tailEnd type="none" w="med" len="med"/>
+          </a:ln>
+        </p:spPr>
+      </p:cxnSp>
+      <p:sp>
+        <p:nvSpPr>
+          <p:cNvPr id="137" name="Shape 137"/>
+          <p:cNvSpPr txBox="1"/>
+          <p:nvPr/>
+        </p:nvSpPr>
+        <p:spPr>
+          <a:xfrm>
+            <a:off x="-38737" y="4769170"/>
+            <a:ext cx="3225000" cy="438600"/>
+          </a:xfrm>
+          <a:prstGeom prst="rect">
+            <a:avLst/>
+          </a:prstGeom>
+          <a:noFill/>
+          <a:ln>
+            <a:noFill/>
+          </a:ln>
+        </p:spPr>
+        <p:txBody>
+          <a:bodyPr wrap="square" lIns="68575" tIns="34275" rIns="68575" bIns="34275" anchor="t" anchorCtr="0">
+            <a:noAutofit/>
+          </a:bodyPr>
+          <a:lstStyle/>
+          <a:p>
+            <a:pPr>
+              <a:buSzPct val="25000"/>
+            </a:pPr>
+            <a:r>
+              <a:rPr lang="en" sz="2400" b="1">
+                <a:solidFill>
+                  <a:schemeClr val="dk1"/>
+                </a:solidFill>
+                <a:latin typeface="Calibri"/>
+                <a:ea typeface="Calibri"/>
+                <a:cs typeface="Calibri"/>
+                <a:sym typeface="Calibri"/>
+              </a:rPr>
+              <a:t>Marquee:</a:t>
+            </a:r>
+          </a:p>
+          <a:p>
+            <a:endParaRPr sz="2400" b="1">
+              <a:solidFill>
+                <a:schemeClr val="dk1"/>
+              </a:solidFill>
+              <a:latin typeface="Calibri"/>
+              <a:ea typeface="Calibri"/>
+              <a:cs typeface="Calibri"/>
+              <a:sym typeface="Calibri"/>
+            </a:endParaRPr>
+          </a:p>
+        </p:txBody>
+      </p:sp>
+      <p:pic>
+        <p:nvPicPr>
+          <p:cNvPr id="138" name="Shape 138" descr="WeBuild_Lockup_Blue_Transparent[1].png"/>
+          <p:cNvPicPr preferRelativeResize="0"/>
+          <p:nvPr/>
+        </p:nvPicPr>
+        <p:blipFill>
+          <a:blip r:embed="rId5">
+            <a:alphaModFix/>
+          </a:blip>
+          <a:stretch>
+            <a:fillRect/>
+          </a:stretch>
+        </p:blipFill>
+        <p:spPr>
+          <a:xfrm>
+            <a:off x="86501" y="1753528"/>
+            <a:ext cx="2670825" cy="823575"/>
+          </a:xfrm>
+          <a:prstGeom prst="rect">
+            <a:avLst/>
+          </a:prstGeom>
+          <a:noFill/>
+          <a:ln>
+            <a:noFill/>
+          </a:ln>
+        </p:spPr>
+      </p:pic>
+      <p:pic>
+        <p:nvPicPr>
+          <p:cNvPr id="139" name="Shape 139" descr="image95c27d.JPG"/>
+          <p:cNvPicPr preferRelativeResize="0"/>
+          <p:nvPr/>
+        </p:nvPicPr>
+        <p:blipFill>
+          <a:blip r:embed="rId6">
+            <a:alphaModFix/>
+          </a:blip>
+          <a:stretch>
+            <a:fillRect/>
+          </a:stretch>
+        </p:blipFill>
+        <p:spPr>
+          <a:xfrm>
+            <a:off x="3092651" y="1808238"/>
+            <a:ext cx="2670825" cy="735475"/>
+          </a:xfrm>
+          <a:prstGeom prst="rect">
+            <a:avLst/>
+          </a:prstGeom>
+          <a:noFill/>
+          <a:ln>
+            <a:noFill/>
+          </a:ln>
+        </p:spPr>
+      </p:pic>
+      <p:pic>
+        <p:nvPicPr>
+          <p:cNvPr id="140" name="Shape 140" descr="qubole_logo.png"/>
+          <p:cNvPicPr preferRelativeResize="0"/>
+          <p:nvPr/>
+        </p:nvPicPr>
+        <p:blipFill>
+          <a:blip r:embed="rId7">
+            <a:alphaModFix/>
+          </a:blip>
+          <a:stretch>
+            <a:fillRect/>
+          </a:stretch>
+        </p:blipFill>
+        <p:spPr>
+          <a:xfrm>
+            <a:off x="92675" y="3075718"/>
+            <a:ext cx="1927099" cy="876225"/>
+          </a:xfrm>
+          <a:prstGeom prst="rect">
+            <a:avLst/>
+          </a:prstGeom>
+          <a:noFill/>
+          <a:ln>
+            <a:noFill/>
+          </a:ln>
+        </p:spPr>
+      </p:pic>
+      <p:pic>
+        <p:nvPicPr>
+          <p:cNvPr id="141" name="Shape 141" descr="PS_logo_F-11.jpg"/>
+          <p:cNvPicPr preferRelativeResize="0"/>
+          <p:nvPr/>
+        </p:nvPicPr>
+        <p:blipFill>
+          <a:blip r:embed="rId8">
+            <a:alphaModFix/>
+          </a:blip>
+          <a:stretch>
+            <a:fillRect/>
+          </a:stretch>
+        </p:blipFill>
+        <p:spPr>
+          <a:xfrm>
+            <a:off x="2019773" y="2856271"/>
+            <a:ext cx="1724025" cy="1038225"/>
+          </a:xfrm>
+          <a:prstGeom prst="rect">
+            <a:avLst/>
+          </a:prstGeom>
+          <a:noFill/>
+          <a:ln>
+            <a:noFill/>
+          </a:ln>
+        </p:spPr>
+      </p:pic>
+      <p:pic>
+        <p:nvPicPr>
+          <p:cNvPr id="142" name="Shape 142" descr="mindfirelogo.png"/>
+          <p:cNvPicPr preferRelativeResize="0"/>
+          <p:nvPr/>
+        </p:nvPicPr>
+        <p:blipFill>
+          <a:blip r:embed="rId9">
+            <a:alphaModFix/>
+          </a:blip>
+          <a:stretch>
+            <a:fillRect/>
+          </a:stretch>
+        </p:blipFill>
+        <p:spPr>
+          <a:xfrm>
+            <a:off x="3877287" y="2721376"/>
+            <a:ext cx="1389424" cy="1389424"/>
+          </a:xfrm>
+          <a:prstGeom prst="rect">
+            <a:avLst/>
+          </a:prstGeom>
+          <a:noFill/>
+          <a:ln>
+            <a:noFill/>
+          </a:ln>
+        </p:spPr>
+      </p:pic>
+      <p:pic>
+        <p:nvPicPr>
+          <p:cNvPr id="143" name="Shape 143" descr="stg-logo.png"/>
+          <p:cNvPicPr preferRelativeResize="0"/>
+          <p:nvPr/>
+        </p:nvPicPr>
+        <p:blipFill>
+          <a:blip r:embed="rId10">
+            <a:alphaModFix/>
+          </a:blip>
+          <a:stretch>
+            <a:fillRect/>
+          </a:stretch>
+        </p:blipFill>
+        <p:spPr>
+          <a:xfrm>
+            <a:off x="5419100" y="2780192"/>
+            <a:ext cx="1927100" cy="620234"/>
+          </a:xfrm>
+          <a:prstGeom prst="rect">
+            <a:avLst/>
+          </a:prstGeom>
+          <a:noFill/>
+          <a:ln>
+            <a:noFill/>
+          </a:ln>
+        </p:spPr>
+      </p:pic>
+      <p:pic>
+        <p:nvPicPr>
+          <p:cNvPr id="144" name="Shape 144" descr="2017-OCTLogo-highres.png"/>
+          <p:cNvPicPr preferRelativeResize="0"/>
+          <p:nvPr/>
+        </p:nvPicPr>
+        <p:blipFill>
+          <a:blip r:embed="rId11">
+            <a:alphaModFix/>
+          </a:blip>
+          <a:stretch>
+            <a:fillRect/>
+          </a:stretch>
+        </p:blipFill>
+        <p:spPr>
+          <a:xfrm>
+            <a:off x="159575" y="3934822"/>
+            <a:ext cx="2828386" cy="498725"/>
+          </a:xfrm>
+          <a:prstGeom prst="rect">
+            <a:avLst/>
+          </a:prstGeom>
+          <a:noFill/>
+          <a:ln>
+            <a:noFill/>
+          </a:ln>
+        </p:spPr>
+      </p:pic>
+      <p:pic>
+        <p:nvPicPr>
+          <p:cNvPr id="145" name="Shape 145" descr="logo-2016-w-tagline.png"/>
+          <p:cNvPicPr preferRelativeResize="0"/>
+          <p:nvPr/>
+        </p:nvPicPr>
+        <p:blipFill>
+          <a:blip r:embed="rId12">
+            <a:alphaModFix/>
+          </a:blip>
+          <a:stretch>
+            <a:fillRect/>
+          </a:stretch>
+        </p:blipFill>
+        <p:spPr>
+          <a:xfrm>
+            <a:off x="5419112" y="3483454"/>
+            <a:ext cx="2657475" cy="419100"/>
+          </a:xfrm>
+          <a:prstGeom prst="rect">
+            <a:avLst/>
+          </a:prstGeom>
+          <a:noFill/>
+          <a:ln>
+            <a:noFill/>
+          </a:ln>
+        </p:spPr>
+      </p:pic>
+      <p:pic>
+        <p:nvPicPr>
+          <p:cNvPr id="146" name="Shape 146" descr="vertica_pos_blk_rgb.png"/>
+          <p:cNvPicPr preferRelativeResize="0"/>
+          <p:nvPr/>
+        </p:nvPicPr>
+        <p:blipFill>
+          <a:blip r:embed="rId13">
+            <a:alphaModFix/>
+          </a:blip>
+          <a:stretch>
+            <a:fillRect/>
+          </a:stretch>
+        </p:blipFill>
+        <p:spPr>
+          <a:xfrm>
+            <a:off x="3028072" y="3972687"/>
+            <a:ext cx="2116050" cy="414289"/>
+          </a:xfrm>
+          <a:prstGeom prst="rect">
+            <a:avLst/>
+          </a:prstGeom>
+          <a:noFill/>
+          <a:ln>
+            <a:noFill/>
+          </a:ln>
+        </p:spPr>
+      </p:pic>
+      <p:pic>
+        <p:nvPicPr>
+          <p:cNvPr id="147" name="Shape 147" descr="google2.0.0.jpg"/>
+          <p:cNvPicPr preferRelativeResize="0"/>
+          <p:nvPr/>
+        </p:nvPicPr>
+        <p:blipFill>
+          <a:blip r:embed="rId14">
+            <a:alphaModFix/>
+          </a:blip>
+          <a:stretch>
+            <a:fillRect/>
+          </a:stretch>
+        </p:blipFill>
+        <p:spPr>
+          <a:xfrm>
+            <a:off x="5607726" y="3872076"/>
+            <a:ext cx="2657475" cy="735462"/>
+          </a:xfrm>
+          <a:prstGeom prst="rect">
+            <a:avLst/>
+          </a:prstGeom>
+          <a:noFill/>
+          <a:ln>
+            <a:noFill/>
+          </a:ln>
+        </p:spPr>
+      </p:pic>
+      <p:pic>
+        <p:nvPicPr>
+          <p:cNvPr id="148" name="Shape 148" descr="Journal Tech.png"/>
+          <p:cNvPicPr preferRelativeResize="0"/>
+          <p:nvPr/>
+        </p:nvPicPr>
+        <p:blipFill>
+          <a:blip r:embed="rId15">
+            <a:alphaModFix/>
+          </a:blip>
+          <a:stretch>
+            <a:fillRect/>
+          </a:stretch>
+        </p:blipFill>
+        <p:spPr>
+          <a:xfrm>
+            <a:off x="5164389" y="4743298"/>
+            <a:ext cx="428291" cy="638674"/>
+          </a:xfrm>
+          <a:prstGeom prst="rect">
+            <a:avLst/>
+          </a:prstGeom>
+          <a:noFill/>
+          <a:ln>
+            <a:noFill/>
+          </a:ln>
+        </p:spPr>
+      </p:pic>
+      <p:cxnSp>
+        <p:nvCxnSpPr>
+          <p:cNvPr id="149" name="Shape 149"/>
+          <p:cNvCxnSpPr/>
+          <p:nvPr/>
+        </p:nvCxnSpPr>
+        <p:spPr>
+          <a:xfrm rot="10800000" flipH="1">
+            <a:off x="86501" y="5370206"/>
+            <a:ext cx="8279100" cy="18300"/>
+          </a:xfrm>
+          <a:prstGeom prst="straightConnector1">
+            <a:avLst/>
+          </a:prstGeom>
+          <a:noFill/>
+          <a:ln w="9525" cap="flat" cmpd="sng">
+            <a:solidFill>
+              <a:schemeClr val="dk1"/>
+            </a:solidFill>
+            <a:prstDash val="solid"/>
+            <a:miter lim="800000"/>
+            <a:headEnd type="none" w="med" len="med"/>
+            <a:tailEnd type="none" w="med" len="med"/>
+          </a:ln>
+        </p:spPr>
+      </p:cxnSp>
+      <p:sp>
+        <p:nvSpPr>
+          <p:cNvPr id="150" name="Shape 150"/>
+          <p:cNvSpPr txBox="1"/>
+          <p:nvPr/>
+        </p:nvSpPr>
+        <p:spPr>
+          <a:xfrm>
+            <a:off x="-9" y="5300150"/>
+            <a:ext cx="932100" cy="438600"/>
+          </a:xfrm>
+          <a:prstGeom prst="rect">
+            <a:avLst/>
+          </a:prstGeom>
+          <a:noFill/>
+          <a:ln>
+            <a:noFill/>
+          </a:ln>
+        </p:spPr>
+        <p:txBody>
+          <a:bodyPr wrap="square" lIns="68575" tIns="34275" rIns="68575" bIns="34275" anchor="t" anchorCtr="0">
+            <a:noAutofit/>
+          </a:bodyPr>
+          <a:lstStyle/>
+          <a:p>
+            <a:pPr>
+              <a:buSzPct val="25000"/>
+            </a:pPr>
+            <a:r>
+              <a:rPr lang="en" sz="2400" b="1">
+                <a:solidFill>
+                  <a:schemeClr val="dk1"/>
+                </a:solidFill>
+                <a:latin typeface="Calibri"/>
+                <a:ea typeface="Calibri"/>
+                <a:cs typeface="Calibri"/>
+                <a:sym typeface="Calibri"/>
+              </a:rPr>
+              <a:t>Prize:</a:t>
+            </a:r>
+          </a:p>
+          <a:p>
+            <a:endParaRPr sz="2400" b="1">
+              <a:solidFill>
+                <a:schemeClr val="dk1"/>
+              </a:solidFill>
+              <a:latin typeface="Calibri"/>
+              <a:ea typeface="Calibri"/>
+              <a:cs typeface="Calibri"/>
+              <a:sym typeface="Calibri"/>
+            </a:endParaRPr>
+          </a:p>
+        </p:txBody>
+      </p:sp>
+      <p:pic>
+        <p:nvPicPr>
+          <p:cNvPr id="151" name="Shape 151" descr="finicity logo blue.jpg"/>
+          <p:cNvPicPr preferRelativeResize="0"/>
+          <p:nvPr/>
+        </p:nvPicPr>
+        <p:blipFill>
+          <a:blip r:embed="rId16">
+            <a:alphaModFix/>
+          </a:blip>
+          <a:stretch>
+            <a:fillRect/>
+          </a:stretch>
+        </p:blipFill>
+        <p:spPr>
+          <a:xfrm>
+            <a:off x="932100" y="5452950"/>
+            <a:ext cx="1499780" cy="438600"/>
+          </a:xfrm>
+          <a:prstGeom prst="rect">
+            <a:avLst/>
+          </a:prstGeom>
+          <a:noFill/>
+          <a:ln>
+            <a:noFill/>
+          </a:ln>
+        </p:spPr>
+      </p:pic>
     </p:spTree>
     <p:extLst>
       <p:ext uri="{BB962C8B-B14F-4D97-AF65-F5344CB8AC3E}">
-        <p14:creationId xmlns:p14="http://schemas.microsoft.com/office/powerpoint/2010/main" val="1471224020"/>
+        <p14:creationId xmlns:p14="http://schemas.microsoft.com/office/powerpoint/2010/main" val="1191698222"/>
       </p:ext>
     </p:extLst>
   </p:cSld>
   <p:clrMapOvr>
     <a:masterClrMapping/>
   </p:clrMapOvr>
-  <p:timing>
-    <p:tnLst>
-      <p:par>
-        <p:cTn id="1" dur="indefinite" restart="never" nodeType="tmRoot"/>
-      </p:par>
-    </p:tnLst>
-  </p:timing>
 </p:sld>
 </file>
 
@@ -3510,6 +7926,484 @@
       </p:grpSpPr>
       <p:sp>
         <p:nvSpPr>
+          <p:cNvPr id="608" name="Shape 608"/>
+          <p:cNvSpPr/>
+          <p:nvPr/>
+        </p:nvSpPr>
+        <p:spPr>
+          <a:xfrm>
+            <a:off x="2100393" y="1330989"/>
+            <a:ext cx="5443408" cy="4196020"/>
+          </a:xfrm>
+          <a:prstGeom prst="rect">
+            <a:avLst/>
+          </a:prstGeom>
+          <a:ln w="12700">
+            <a:miter lim="400000"/>
+          </a:ln>
+          <a:extLst>
+            <a:ext uri="{C572A759-6A51-4108-AA02-DFA0A04FC94B}">
+              <ma14:wrappingTextBoxFlag xmlns:ma14="http://schemas.microsoft.com/office/mac/drawingml/2011/main" xmlns="" val="1"/>
+            </a:ext>
+          </a:extLst>
+        </p:spPr>
+        <p:txBody>
+          <a:bodyPr wrap="square" lIns="50800" tIns="50800" rIns="50800" bIns="50800" anchor="ctr">
+            <a:spAutoFit/>
+          </a:bodyPr>
+          <a:lstStyle/>
+          <a:p>
+            <a:pPr marL="557213" lvl="1" indent="-214313">
+              <a:buFont typeface="Arial" panose="020B0604020202020204" pitchFamily="34" charset="0"/>
+              <a:buChar char="•"/>
+            </a:pPr>
+            <a:r>
+              <a:rPr lang="en-US" sz="1600" b="1" dirty="0">
+                <a:latin typeface="Montserrat Ultra Light" charset="0"/>
+                <a:ea typeface="Montserrat Ultra Light" charset="0"/>
+                <a:cs typeface="Montserrat Ultra Light" charset="0"/>
+              </a:rPr>
+              <a:t>Mission: </a:t>
+            </a:r>
+            <a:r>
+              <a:rPr lang="en-US" sz="1600" dirty="0">
+                <a:latin typeface="Montserrat Ultra Light" charset="0"/>
+                <a:ea typeface="Montserrat Ultra Light" charset="0"/>
+                <a:cs typeface="Montserrat Ultra Light" charset="0"/>
+              </a:rPr>
+              <a:t>Creating progress through technology that lifts the human condition.</a:t>
+            </a:r>
+          </a:p>
+          <a:p>
+            <a:pPr marL="557213" lvl="1" indent="-214313">
+              <a:buFont typeface="Arial" panose="020B0604020202020204" pitchFamily="34" charset="0"/>
+              <a:buChar char="•"/>
+            </a:pPr>
+            <a:r>
+              <a:rPr lang="en-US" sz="1600" b="1" dirty="0">
+                <a:latin typeface="Montserrat Ultra Light" charset="0"/>
+                <a:ea typeface="Montserrat Ultra Light" charset="0"/>
+                <a:cs typeface="Montserrat Ultra Light" charset="0"/>
+              </a:rPr>
+              <a:t>Software Craftsmanship: </a:t>
+            </a:r>
+            <a:r>
+              <a:rPr lang="en-US" sz="1600" dirty="0">
+                <a:latin typeface="Montserrat Ultra Light" charset="0"/>
+                <a:ea typeface="Montserrat Ultra Light" charset="0"/>
+                <a:cs typeface="Montserrat Ultra Light" charset="0"/>
+              </a:rPr>
+              <a:t>TDD,  Pair programming, Lean, Autonomous &amp; Responsible Teams</a:t>
+            </a:r>
+          </a:p>
+          <a:p>
+            <a:pPr marL="557213" lvl="1" indent="-214313">
+              <a:buFont typeface="Arial" panose="020B0604020202020204" pitchFamily="34" charset="0"/>
+              <a:buChar char="•"/>
+            </a:pPr>
+            <a:r>
+              <a:rPr lang="en-US" sz="1600" b="1" dirty="0">
+                <a:latin typeface="Montserrat Ultra Light" charset="0"/>
+                <a:ea typeface="Montserrat Ultra Light" charset="0"/>
+                <a:cs typeface="Montserrat Ultra Light" charset="0"/>
+              </a:rPr>
+              <a:t>Continual Improvement: </a:t>
+            </a:r>
+            <a:r>
+              <a:rPr lang="en-US" sz="1600" dirty="0">
+                <a:latin typeface="Montserrat Ultra Light" charset="0"/>
+                <a:ea typeface="Montserrat Ultra Light" charset="0"/>
+                <a:cs typeface="Montserrat Ultra Light" charset="0"/>
+              </a:rPr>
+              <a:t>This is why I can be here with you!</a:t>
+            </a:r>
+          </a:p>
+          <a:p>
+            <a:endParaRPr lang="en-US" sz="2400" dirty="0">
+              <a:latin typeface="Montserrat Ultra Light" charset="0"/>
+              <a:ea typeface="Montserrat Ultra Light" charset="0"/>
+              <a:cs typeface="Montserrat Ultra Light" charset="0"/>
+            </a:endParaRPr>
+          </a:p>
+          <a:p>
+            <a:r>
+              <a:rPr lang="en-US" dirty="0">
+                <a:latin typeface="Montserrat" charset="0"/>
+                <a:ea typeface="Montserrat" charset="0"/>
+                <a:cs typeface="Montserrat" charset="0"/>
+              </a:rPr>
+              <a:t>DANNY WARREN, SOFTWARE CRAFTSMAN</a:t>
+            </a:r>
+          </a:p>
+          <a:p>
+            <a:pPr marL="557213" lvl="1" indent="-214313">
+              <a:buFont typeface="Arial" panose="020B0604020202020204" pitchFamily="34" charset="0"/>
+              <a:buChar char="•"/>
+            </a:pPr>
+            <a:r>
+              <a:rPr lang="en-US" sz="1600" dirty="0">
+                <a:latin typeface="Montserrat Ultra Light" charset="0"/>
+                <a:ea typeface="Montserrat Ultra Light" charset="0"/>
+                <a:cs typeface="Montserrat Ultra Light" charset="0"/>
+              </a:rPr>
+              <a:t>Neumont University 2009, B.S. C.S. </a:t>
+            </a:r>
+          </a:p>
+          <a:p>
+            <a:pPr marL="557213" lvl="1" indent="-214313">
+              <a:buFont typeface="Arial" panose="020B0604020202020204" pitchFamily="34" charset="0"/>
+              <a:buChar char="•"/>
+            </a:pPr>
+            <a:r>
+              <a:rPr lang="en-US" sz="1600" dirty="0">
+                <a:latin typeface="Montserrat Ultra Light" charset="0"/>
+                <a:ea typeface="Montserrat Ultra Light" charset="0"/>
+                <a:cs typeface="Montserrat Ultra Light" charset="0"/>
+              </a:rPr>
+              <a:t>8.5 Years Custom Application Development / Building NUI solutions:</a:t>
+            </a:r>
+          </a:p>
+          <a:p>
+            <a:pPr marL="1243013" lvl="3" indent="-214313">
+              <a:buFont typeface="Arial" panose="020B0604020202020204" pitchFamily="34" charset="0"/>
+              <a:buChar char="•"/>
+            </a:pPr>
+            <a:r>
+              <a:rPr lang="en-US" sz="1600" dirty="0">
+                <a:latin typeface="Montserrat Ultra Light" charset="0"/>
+                <a:ea typeface="Montserrat Ultra Light" charset="0"/>
+                <a:cs typeface="Montserrat Ultra Light" charset="0"/>
+              </a:rPr>
+              <a:t>Xamarin, UWP, WPF, Azure</a:t>
+            </a:r>
+          </a:p>
+          <a:p>
+            <a:pPr marL="1243013" lvl="3" indent="-214313">
+              <a:buFont typeface="Arial" panose="020B0604020202020204" pitchFamily="34" charset="0"/>
+              <a:buChar char="•"/>
+            </a:pPr>
+            <a:r>
+              <a:rPr lang="en-US" sz="1600" dirty="0">
+                <a:latin typeface="Montserrat Ultra Light" charset="0"/>
+                <a:ea typeface="Montserrat Ultra Light" charset="0"/>
+                <a:cs typeface="Montserrat Ultra Light" charset="0"/>
+              </a:rPr>
+              <a:t>Touch, Gestures, Speech, &amp; Mouse and Keyboard</a:t>
+            </a:r>
+          </a:p>
+          <a:p>
+            <a:pPr marL="557213" lvl="1" indent="-214313">
+              <a:buFont typeface="Arial" panose="020B0604020202020204" pitchFamily="34" charset="0"/>
+              <a:buChar char="•"/>
+            </a:pPr>
+            <a:r>
+              <a:rPr lang="en-US" sz="1600" dirty="0">
+                <a:latin typeface="Montserrat Ultra Light" charset="0"/>
+                <a:ea typeface="Montserrat Ultra Light" charset="0"/>
+                <a:cs typeface="Montserrat Ultra Light" charset="0"/>
+              </a:rPr>
+              <a:t>Microsoft MVP Alumnus in Windows Platform Development (Oct 2013 – 2015)</a:t>
+            </a:r>
+          </a:p>
+          <a:p>
+            <a:pPr marL="557213" lvl="1" indent="-214313">
+              <a:buFont typeface="Arial" panose="020B0604020202020204" pitchFamily="34" charset="0"/>
+              <a:buChar char="•"/>
+            </a:pPr>
+            <a:r>
+              <a:rPr lang="en-US" sz="1600" dirty="0">
+                <a:latin typeface="Montserrat Ultra Light" charset="0"/>
+                <a:ea typeface="Montserrat Ultra Light" charset="0"/>
+                <a:cs typeface="Montserrat Ultra Light" charset="0"/>
+              </a:rPr>
+              <a:t>Avid Mt. Biker and aspiring Rock Climber</a:t>
+            </a:r>
+            <a:endParaRPr lang="en-US" sz="1600" dirty="0">
+              <a:solidFill>
+                <a:srgbClr val="000000"/>
+              </a:solidFill>
+              <a:latin typeface="Montserrat Ultra Light" charset="0"/>
+              <a:ea typeface="Montserrat Ultra Light" charset="0"/>
+              <a:cs typeface="Montserrat Ultra Light" charset="0"/>
+            </a:endParaRPr>
+          </a:p>
+        </p:txBody>
+      </p:sp>
+      <p:sp>
+        <p:nvSpPr>
+          <p:cNvPr id="609" name="Shape 609"/>
+          <p:cNvSpPr/>
+          <p:nvPr/>
+        </p:nvSpPr>
+        <p:spPr>
+          <a:xfrm>
+            <a:off x="1913698" y="2295677"/>
+            <a:ext cx="67502" cy="2250303"/>
+          </a:xfrm>
+          <a:prstGeom prst="rect">
+            <a:avLst/>
+          </a:prstGeom>
+          <a:gradFill>
+            <a:gsLst>
+              <a:gs pos="0">
+                <a:srgbClr val="E62A89"/>
+              </a:gs>
+              <a:gs pos="100000">
+                <a:srgbClr val="F25B2A"/>
+              </a:gs>
+            </a:gsLst>
+            <a:lin ang="14999920"/>
+          </a:gradFill>
+          <a:ln w="12700">
+            <a:miter lim="400000"/>
+          </a:ln>
+        </p:spPr>
+        <p:txBody>
+          <a:bodyPr lIns="45719" tIns="45719" rIns="45719" bIns="45719" anchor="ctr"/>
+          <a:lstStyle/>
+          <a:p>
+            <a:pPr algn="ctr" defTabSz="914400">
+              <a:defRPr sz="2400">
+                <a:solidFill>
+                  <a:srgbClr val="FFFFFF"/>
+                </a:solidFill>
+                <a:latin typeface="+mn-lt"/>
+                <a:ea typeface="+mn-ea"/>
+                <a:cs typeface="+mn-cs"/>
+                <a:sym typeface="Calibri"/>
+              </a:defRPr>
+            </a:pPr>
+            <a:endParaRPr/>
+          </a:p>
+        </p:txBody>
+      </p:sp>
+      <p:sp>
+        <p:nvSpPr>
+          <p:cNvPr id="610" name="Shape 610"/>
+          <p:cNvSpPr/>
+          <p:nvPr/>
+        </p:nvSpPr>
+        <p:spPr>
+          <a:xfrm flipH="1">
+            <a:off x="1910526" y="1203654"/>
+            <a:ext cx="1" cy="4268102"/>
+          </a:xfrm>
+          <a:prstGeom prst="line">
+            <a:avLst/>
+          </a:prstGeom>
+          <a:ln w="12700">
+            <a:solidFill>
+              <a:srgbClr val="767171"/>
+            </a:solidFill>
+            <a:miter/>
+          </a:ln>
+        </p:spPr>
+        <p:txBody>
+          <a:bodyPr lIns="45719" tIns="45719" rIns="45719" bIns="45719"/>
+          <a:lstStyle/>
+          <a:p>
+            <a:pPr defTabSz="914400">
+              <a:defRPr>
+                <a:solidFill>
+                  <a:srgbClr val="000000"/>
+                </a:solidFill>
+                <a:latin typeface="+mj-lt"/>
+                <a:ea typeface="+mj-ea"/>
+                <a:cs typeface="+mj-cs"/>
+                <a:sym typeface="Helvetica"/>
+              </a:defRPr>
+            </a:pPr>
+            <a:endParaRPr sz="1350"/>
+          </a:p>
+        </p:txBody>
+      </p:sp>
+      <p:pic>
+        <p:nvPicPr>
+          <p:cNvPr id="7" name="pasted-image.pdf"/>
+          <p:cNvPicPr>
+            <a:picLocks noChangeAspect="1"/>
+          </p:cNvPicPr>
+          <p:nvPr/>
+        </p:nvPicPr>
+        <p:blipFill>
+          <a:blip r:embed="rId3" cstate="print">
+            <a:extLst>
+              <a:ext uri="{28A0092B-C50C-407E-A947-70E740481C1C}">
+                <a14:useLocalDpi xmlns:a14="http://schemas.microsoft.com/office/drawing/2010/main" val="0"/>
+              </a:ext>
+            </a:extLst>
+          </a:blip>
+          <a:stretch>
+            <a:fillRect/>
+          </a:stretch>
+        </p:blipFill>
+        <p:spPr>
+          <a:xfrm>
+            <a:off x="234775" y="3833259"/>
+            <a:ext cx="1455237" cy="1410106"/>
+          </a:xfrm>
+          <a:prstGeom prst="ellipse">
+            <a:avLst/>
+          </a:prstGeom>
+          <a:ln w="63500" cap="rnd">
+            <a:noFill/>
+          </a:ln>
+          <a:effectLst>
+            <a:outerShdw blurRad="381000" dist="292100" dir="5400000" sx="-80000" sy="-18000" rotWithShape="0">
+              <a:srgbClr val="000000">
+                <a:alpha val="22000"/>
+              </a:srgbClr>
+            </a:outerShdw>
+          </a:effectLst>
+          <a:scene3d>
+            <a:camera prst="orthographicFront"/>
+            <a:lightRig rig="contrasting" dir="t">
+              <a:rot lat="0" lon="0" rev="3000000"/>
+            </a:lightRig>
+          </a:scene3d>
+          <a:sp3d contourW="7620">
+            <a:bevelT w="95250" h="31750"/>
+            <a:contourClr>
+              <a:srgbClr val="333333"/>
+            </a:contourClr>
+          </a:sp3d>
+        </p:spPr>
+      </p:pic>
+      <p:sp>
+        <p:nvSpPr>
+          <p:cNvPr id="3" name="Oval 2"/>
+          <p:cNvSpPr/>
+          <p:nvPr/>
+        </p:nvSpPr>
+        <p:spPr>
+          <a:xfrm>
+            <a:off x="214763" y="1545178"/>
+            <a:ext cx="1505898" cy="1502822"/>
+          </a:xfrm>
+          <a:prstGeom prst="ellipse">
+            <a:avLst/>
+          </a:prstGeom>
+          <a:blipFill dpi="0" rotWithShape="1">
+            <a:blip r:embed="rId4" cstate="print">
+              <a:extLst>
+                <a:ext uri="{28A0092B-C50C-407E-A947-70E740481C1C}">
+                  <a14:useLocalDpi xmlns:a14="http://schemas.microsoft.com/office/drawing/2010/main" val="0"/>
+                </a:ext>
+              </a:extLst>
+            </a:blip>
+            <a:srcRect/>
+            <a:stretch>
+              <a:fillRect/>
+            </a:stretch>
+          </a:blipFill>
+          <a:ln w="25400" cap="flat">
+            <a:noFill/>
+            <a:prstDash val="solid"/>
+            <a:round/>
+          </a:ln>
+          <a:effectLst/>
+          <a:sp3d/>
+        </p:spPr>
+        <p:style>
+          <a:lnRef idx="0">
+            <a:scrgbClr r="0" g="0" b="0"/>
+          </a:lnRef>
+          <a:fillRef idx="0">
+            <a:scrgbClr r="0" g="0" b="0"/>
+          </a:fillRef>
+          <a:effectRef idx="0">
+            <a:scrgbClr r="0" g="0" b="0"/>
+          </a:effectRef>
+          <a:fontRef idx="none"/>
+        </p:style>
+        <p:txBody>
+          <a:bodyPr rot="0" spcFirstLastPara="1" vertOverflow="overflow" horzOverflow="overflow" vert="horz" wrap="square" lIns="34289" tIns="34289" rIns="34289" bIns="34289" numCol="1" spcCol="38100" rtlCol="0" anchor="ctr">
+            <a:spAutoFit/>
+          </a:bodyPr>
+          <a:lstStyle/>
+          <a:p>
+            <a:pPr defTabSz="685669" hangingPunct="0"/>
+            <a:endParaRPr lang="en-US" sz="1350">
+              <a:solidFill>
+                <a:srgbClr val="404040"/>
+              </a:solidFill>
+              <a:latin typeface="Montserrat"/>
+              <a:ea typeface="Montserrat"/>
+              <a:cs typeface="Montserrat"/>
+              <a:sym typeface="Montserrat"/>
+            </a:endParaRPr>
+          </a:p>
+        </p:txBody>
+      </p:sp>
+      <p:pic>
+        <p:nvPicPr>
+          <p:cNvPr id="4" name="Picture 3">
+            <a:extLst>
+              <a:ext uri="{FF2B5EF4-FFF2-40B4-BE49-F238E27FC236}">
+                <a16:creationId xmlns:a16="http://schemas.microsoft.com/office/drawing/2014/main" id="{DAE443B4-3293-43F0-A4B7-0F75133C920C}"/>
+              </a:ext>
+            </a:extLst>
+          </p:cNvPr>
+          <p:cNvPicPr>
+            <a:picLocks noChangeAspect="1"/>
+          </p:cNvPicPr>
+          <p:nvPr/>
+        </p:nvPicPr>
+        <p:blipFill>
+          <a:blip r:embed="rId5">
+            <a:extLst>
+              <a:ext uri="{28A0092B-C50C-407E-A947-70E740481C1C}">
+                <a14:useLocalDpi xmlns:a14="http://schemas.microsoft.com/office/drawing/2010/main" val="0"/>
+              </a:ext>
+            </a:extLst>
+          </a:blip>
+          <a:stretch>
+            <a:fillRect/>
+          </a:stretch>
+        </p:blipFill>
+        <p:spPr>
+          <a:xfrm>
+            <a:off x="2041752" y="645189"/>
+            <a:ext cx="2984500" cy="685800"/>
+          </a:xfrm>
+          <a:prstGeom prst="rect">
+            <a:avLst/>
+          </a:prstGeom>
+        </p:spPr>
+      </p:pic>
+    </p:spTree>
+    <p:extLst>
+      <p:ext uri="{BB962C8B-B14F-4D97-AF65-F5344CB8AC3E}">
+        <p14:creationId xmlns:p14="http://schemas.microsoft.com/office/powerpoint/2010/main" val="2393959583"/>
+      </p:ext>
+    </p:extLst>
+  </p:cSld>
+  <p:clrMapOvr>
+    <a:masterClrMapping/>
+  </p:clrMapOvr>
+  <p:transition spd="slow"/>
+</p:sld>
+</file>
+
+<file path=ppt/slides/slide4.xml><?xml version="1.0" encoding="utf-8"?>
+<p:sld xmlns:a="http://schemas.openxmlformats.org/drawingml/2006/main" xmlns:r="http://schemas.openxmlformats.org/officeDocument/2006/relationships" xmlns:p="http://schemas.openxmlformats.org/presentationml/2006/main">
+  <p:cSld>
+    <p:spTree>
+      <p:nvGrpSpPr>
+        <p:cNvPr id="1" name=""/>
+        <p:cNvGrpSpPr/>
+        <p:nvPr/>
+      </p:nvGrpSpPr>
+      <p:grpSpPr>
+        <a:xfrm>
+          <a:off x="0" y="0"/>
+          <a:ext cx="0" cy="0"/>
+          <a:chOff x="0" y="0"/>
+          <a:chExt cx="0" cy="0"/>
+        </a:xfrm>
+      </p:grpSpPr>
+      <p:sp>
+        <p:nvSpPr>
           <p:cNvPr id="2" name="Title 1"/>
           <p:cNvSpPr>
             <a:spLocks noGrp="1"/>
@@ -3526,10 +8420,9 @@
           <a:lstStyle/>
           <a:p>
             <a:r>
-              <a:rPr lang="en-US" dirty="0" smtClean="0"/>
+              <a:rPr lang="en-US" dirty="0"/>
               <a:t>App Lifecycle</a:t>
             </a:r>
-            <a:endParaRPr lang="en-US" dirty="0"/>
           </a:p>
         </p:txBody>
       </p:sp>
@@ -3549,33 +8442,33 @@
           <a:lstStyle/>
           <a:p>
             <a:r>
-              <a:rPr lang="en-US" dirty="0" smtClean="0"/>
+              <a:rPr lang="en-US" dirty="0"/>
               <a:t>Invisible but EXTREMELY important!</a:t>
             </a:r>
           </a:p>
           <a:p>
             <a:r>
-              <a:rPr lang="en-US" dirty="0" smtClean="0"/>
+              <a:rPr lang="en-US" dirty="0"/>
               <a:t>Affects</a:t>
             </a:r>
           </a:p>
           <a:p>
             <a:pPr lvl="1"/>
             <a:r>
-              <a:rPr lang="en-US" dirty="0" smtClean="0"/>
+              <a:rPr lang="en-US" dirty="0"/>
               <a:t>UX</a:t>
             </a:r>
           </a:p>
           <a:p>
             <a:pPr lvl="1"/>
             <a:r>
-              <a:rPr lang="en-US" dirty="0" smtClean="0"/>
+              <a:rPr lang="en-US" dirty="0"/>
               <a:t>Data</a:t>
             </a:r>
           </a:p>
           <a:p>
             <a:r>
-              <a:rPr lang="en-US" dirty="0" smtClean="0"/>
+              <a:rPr lang="en-US" dirty="0"/>
               <a:t>Possible Facial Side Effects</a:t>
             </a:r>
           </a:p>
@@ -3649,8 +8542,8 @@
         </p:nvSpPr>
         <p:spPr>
           <a:xfrm>
-            <a:off x="7303532" y="4419600"/>
-            <a:ext cx="1524000" cy="923330"/>
+            <a:off x="5638800" y="3041945"/>
+            <a:ext cx="1664732" cy="923330"/>
           </a:xfrm>
           <a:prstGeom prst="rect">
             <a:avLst/>
@@ -3679,7 +8572,7 @@
           <a:p>
             <a:pPr algn="ctr"/>
             <a:r>
-              <a:rPr lang="en-US" sz="5400" b="1" dirty="0" smtClean="0">
+              <a:rPr lang="en-US" sz="5400" b="1" dirty="0">
                 <a:ln w="11430"/>
                 <a:gradFill>
                   <a:gsLst>
@@ -3714,7 +8607,7 @@
                   </a:outerShdw>
                 </a:effectLst>
               </a:rPr>
-              <a:t>Sad</a:t>
+              <a:t>MAD</a:t>
             </a:r>
           </a:p>
         </p:txBody>
@@ -3727,8 +8620,8 @@
         </p:nvSpPr>
         <p:spPr>
           <a:xfrm>
-            <a:off x="2514600" y="4419600"/>
-            <a:ext cx="2133600" cy="923330"/>
+            <a:off x="1905000" y="5862935"/>
+            <a:ext cx="2438400" cy="923330"/>
           </a:xfrm>
           <a:prstGeom prst="rect">
             <a:avLst/>
@@ -3760,13 +8653,13 @@
           <a:p>
             <a:pPr algn="ctr"/>
             <a:r>
-              <a:rPr lang="en-US" sz="5400" b="1" dirty="0" smtClean="0">
+              <a:rPr lang="en-US" sz="5400" b="1" dirty="0">
                 <a:ln/>
                 <a:solidFill>
                   <a:schemeClr val="accent3"/>
                 </a:solidFill>
               </a:rPr>
-              <a:t>Happy</a:t>
+              <a:t>HAPPY</a:t>
             </a:r>
           </a:p>
         </p:txBody>
@@ -3781,17 +8674,10 @@
   <p:clrMapOvr>
     <a:masterClrMapping/>
   </p:clrMapOvr>
-  <p:timing>
-    <p:tnLst>
-      <p:par>
-        <p:cTn id="1" dur="indefinite" restart="never" nodeType="tmRoot"/>
-      </p:par>
-    </p:tnLst>
-  </p:timing>
 </p:sld>
 </file>
 
-<file path=ppt/slides/slide4.xml><?xml version="1.0" encoding="utf-8"?>
+<file path=ppt/slides/slide5.xml><?xml version="1.0" encoding="utf-8"?>
 <p:sld xmlns:a="http://schemas.openxmlformats.org/drawingml/2006/main" xmlns:r="http://schemas.openxmlformats.org/officeDocument/2006/relationships" xmlns:p="http://schemas.openxmlformats.org/presentationml/2006/main">
   <p:cSld>
     <p:spTree>
@@ -3848,17 +8734,10 @@
   <p:clrMapOvr>
     <a:masterClrMapping/>
   </p:clrMapOvr>
-  <p:timing>
-    <p:tnLst>
-      <p:par>
-        <p:cTn id="1" dur="indefinite" restart="never" nodeType="tmRoot"/>
-      </p:par>
-    </p:tnLst>
-  </p:timing>
 </p:sld>
 </file>
 
-<file path=ppt/slides/slide5.xml><?xml version="1.0" encoding="utf-8"?>
+<file path=ppt/slides/slide6.xml><?xml version="1.0" encoding="utf-8"?>
 <p:sld xmlns:a="http://schemas.openxmlformats.org/drawingml/2006/main" xmlns:r="http://schemas.openxmlformats.org/officeDocument/2006/relationships" xmlns:p="http://schemas.openxmlformats.org/presentationml/2006/main">
   <p:cSld>
     <p:spTree>
@@ -3893,10 +8772,9 @@
           <a:lstStyle/>
           <a:p>
             <a:r>
-              <a:rPr lang="en-US" dirty="0" smtClean="0"/>
+              <a:rPr lang="en-US" dirty="0"/>
               <a:t>Download Materials</a:t>
             </a:r>
-            <a:endParaRPr lang="en-US" dirty="0"/>
           </a:p>
         </p:txBody>
       </p:sp>
@@ -3908,8 +8786,8 @@
         </p:nvSpPr>
         <p:spPr>
           <a:xfrm>
-            <a:off x="1921018" y="1417638"/>
-            <a:ext cx="5301964" cy="923330"/>
+            <a:off x="609599" y="1413470"/>
+            <a:ext cx="5476307" cy="923330"/>
           </a:xfrm>
           <a:prstGeom prst="rect">
             <a:avLst/>
@@ -3923,29 +8801,25 @@
           <a:lstStyle/>
           <a:p>
             <a:r>
-              <a:rPr lang="en-US" dirty="0" smtClean="0">
+              <a:rPr lang="en-US" dirty="0">
                 <a:hlinkClick r:id="rId3"/>
               </a:rPr>
-              <a:t>http://blogs.interknowlogy.com/author/dannywarren</a:t>
-            </a:r>
-            <a:r>
-              <a:rPr lang="en-US" dirty="0" smtClean="0">
-                <a:hlinkClick r:id="rId3"/>
-              </a:rPr>
-              <a:t>/</a:t>
-            </a:r>
-            <a:endParaRPr lang="en-US" dirty="0" smtClean="0"/>
-          </a:p>
-          <a:p>
-            <a:pPr algn="ctr"/>
-            <a:r>
-              <a:rPr lang="en-US" dirty="0" smtClean="0">
+              <a:t>https://dannydwarren.github.io</a:t>
+            </a:r>
+            <a:r>
+              <a:rPr lang="en-US" dirty="0"/>
+              <a:t> </a:t>
+            </a:r>
+          </a:p>
+          <a:p>
+            <a:r>
+              <a:rPr lang="en-US" dirty="0">
                 <a:hlinkClick r:id="rId4"/>
               </a:rPr>
               <a:t>http://github.com/dannydwarren/CrawlWalkTalk</a:t>
             </a:r>
             <a:r>
-              <a:rPr lang="en-US" dirty="0" smtClean="0"/>
+              <a:rPr lang="en-US" dirty="0"/>
               <a:t> </a:t>
             </a:r>
           </a:p>
@@ -3996,10 +8870,9 @@
           </a:lstStyle>
           <a:p>
             <a:r>
-              <a:rPr lang="en-US" dirty="0" smtClean="0"/>
+              <a:rPr lang="en-US" dirty="0"/>
               <a:t>We’re Hiring</a:t>
             </a:r>
-            <a:endParaRPr lang="en-US" dirty="0"/>
           </a:p>
         </p:txBody>
       </p:sp>
@@ -4179,7 +9052,7 @@
               <a:buNone/>
             </a:pPr>
             <a:r>
-              <a:rPr lang="en-US" dirty="0" smtClean="0"/>
+              <a:rPr lang="en-US" dirty="0"/>
               <a:t>Contact Me For More Info</a:t>
             </a:r>
           </a:p>
@@ -4188,34 +9061,34 @@
               <a:buNone/>
             </a:pPr>
             <a:r>
-              <a:rPr lang="en-US" dirty="0" smtClean="0">
+              <a:rPr lang="en-US" dirty="0">
                 <a:hlinkClick r:id="rId5"/>
               </a:rPr>
               <a:t>dannydwarren@gmail.com</a:t>
             </a:r>
-            <a:endParaRPr lang="en-US" dirty="0" smtClean="0"/>
+            <a:endParaRPr lang="en-US" dirty="0"/>
           </a:p>
           <a:p>
             <a:pPr marL="0" indent="0" algn="ctr">
               <a:buNone/>
             </a:pPr>
             <a:r>
-              <a:rPr lang="en-US" dirty="0" smtClean="0"/>
+              <a:rPr lang="en-US" dirty="0"/>
               <a:t>@</a:t>
             </a:r>
             <a:r>
-              <a:rPr lang="en-US" dirty="0" err="1" smtClean="0"/>
+              <a:rPr lang="en-US" dirty="0" err="1"/>
               <a:t>dannydwarren</a:t>
             </a:r>
             <a:r>
-              <a:rPr lang="en-US" dirty="0" smtClean="0"/>
+              <a:rPr lang="en-US" dirty="0"/>
               <a:t> </a:t>
             </a:r>
             <a:r>
-              <a:rPr lang="en-US" smtClean="0"/>
+              <a:rPr lang="en-US"/>
               <a:t>(Twitter/LinkedIn/GitHub)</a:t>
             </a:r>
-            <a:endParaRPr lang="en-US" dirty="0" smtClean="0"/>
+            <a:endParaRPr lang="en-US" dirty="0"/>
           </a:p>
         </p:txBody>
       </p:sp>
@@ -4229,20 +9102,13 @@
   <p:clrMapOvr>
     <a:masterClrMapping/>
   </p:clrMapOvr>
-  <p:timing>
-    <p:tnLst>
-      <p:par>
-        <p:cTn id="1" dur="indefinite" restart="never" nodeType="tmRoot"/>
-      </p:par>
-    </p:tnLst>
-  </p:timing>
 </p:sld>
 </file>
 
 <file path=ppt/theme/theme1.xml><?xml version="1.0" encoding="utf-8"?>
-<a:theme xmlns:a="http://schemas.openxmlformats.org/drawingml/2006/main" name="IK Master">
+<a:theme xmlns:a="http://schemas.openxmlformats.org/drawingml/2006/main" name="Facet">
   <a:themeElements>
-    <a:clrScheme name="Office">
+    <a:clrScheme name="Facet">
       <a:dk1>
         <a:sysClr val="windowText" lastClr="000000"/>
       </a:dk1>
@@ -4250,52 +9116,52 @@
         <a:sysClr val="window" lastClr="FFFFFF"/>
       </a:lt1>
       <a:dk2>
-        <a:srgbClr val="1F497D"/>
+        <a:srgbClr val="2C3C43"/>
       </a:dk2>
       <a:lt2>
-        <a:srgbClr val="EEECE1"/>
+        <a:srgbClr val="EBEBEB"/>
       </a:lt2>
       <a:accent1>
-        <a:srgbClr val="4F81BD"/>
+        <a:srgbClr val="90C226"/>
       </a:accent1>
       <a:accent2>
-        <a:srgbClr val="C0504D"/>
+        <a:srgbClr val="54A021"/>
       </a:accent2>
       <a:accent3>
-        <a:srgbClr val="9BBB59"/>
+        <a:srgbClr val="E6B91E"/>
       </a:accent3>
       <a:accent4>
-        <a:srgbClr val="8064A2"/>
+        <a:srgbClr val="E76618"/>
       </a:accent4>
       <a:accent5>
-        <a:srgbClr val="4BACC6"/>
+        <a:srgbClr val="C42F1A"/>
       </a:accent5>
       <a:accent6>
-        <a:srgbClr val="F79646"/>
+        <a:srgbClr val="918655"/>
       </a:accent6>
       <a:hlink>
-        <a:srgbClr val="0000FF"/>
+        <a:srgbClr val="99CA3C"/>
       </a:hlink>
       <a:folHlink>
-        <a:srgbClr val="800080"/>
+        <a:srgbClr val="B9D181"/>
       </a:folHlink>
     </a:clrScheme>
-    <a:fontScheme name="Office">
+    <a:fontScheme name="Facet">
       <a:majorFont>
-        <a:latin typeface="Calibri"/>
+        <a:latin typeface="Trebuchet MS" panose="020B0603020202020204"/>
         <a:ea typeface=""/>
         <a:cs typeface=""/>
-        <a:font script="Jpan" typeface="ＭＳ Ｐゴシック"/>
+        <a:font script="Jpan" typeface="メイリオ"/>
         <a:font script="Hang" typeface="맑은 고딕"/>
-        <a:font script="Hans" typeface="宋体"/>
-        <a:font script="Hant" typeface="新細明體"/>
-        <a:font script="Arab" typeface="Times New Roman"/>
-        <a:font script="Hebr" typeface="Times New Roman"/>
-        <a:font script="Thai" typeface="Angsana New"/>
+        <a:font script="Hans" typeface="方正姚体"/>
+        <a:font script="Hant" typeface="微軟正黑體"/>
+        <a:font script="Arab" typeface="Tahoma"/>
+        <a:font script="Hebr" typeface="Arial"/>
+        <a:font script="Thai" typeface="Cordia New"/>
         <a:font script="Ethi" typeface="Nyala"/>
         <a:font script="Beng" typeface="Vrinda"/>
         <a:font script="Gujr" typeface="Shruti"/>
-        <a:font script="Khmr" typeface="MoolBoran"/>
+        <a:font script="Khmr" typeface="DaunPenh"/>
         <a:font script="Knda" typeface="Tunga"/>
         <a:font script="Guru" typeface="Raavi"/>
         <a:font script="Cans" typeface="Euphemia"/>
@@ -4312,21 +9178,21 @@
         <a:font script="Laoo" typeface="DokChampa"/>
         <a:font script="Sinh" typeface="Iskoola Pota"/>
         <a:font script="Mong" typeface="Mongolian Baiti"/>
-        <a:font script="Viet" typeface="Times New Roman"/>
+        <a:font script="Viet" typeface="Tahoma"/>
         <a:font script="Uigh" typeface="Microsoft Uighur"/>
         <a:font script="Geor" typeface="Sylfaen"/>
       </a:majorFont>
       <a:minorFont>
-        <a:latin typeface="Calibri"/>
+        <a:latin typeface="Trebuchet MS" panose="020B0603020202020204"/>
         <a:ea typeface=""/>
         <a:cs typeface=""/>
-        <a:font script="Jpan" typeface="ＭＳ Ｐゴシック"/>
-        <a:font script="Hang" typeface="맑은 고딕"/>
-        <a:font script="Hans" typeface="宋体"/>
-        <a:font script="Hant" typeface="新細明體"/>
-        <a:font script="Arab" typeface="Arial"/>
-        <a:font script="Hebr" typeface="Arial"/>
-        <a:font script="Thai" typeface="Cordia New"/>
+        <a:font script="Jpan" typeface="メイリオ"/>
+        <a:font script="Hang" typeface="HY그래픽M"/>
+        <a:font script="Hans" typeface="华文新魏"/>
+        <a:font script="Hant" typeface="微軟正黑體"/>
+        <a:font script="Arab" typeface="Tahoma"/>
+        <a:font script="Hebr" typeface="Gisha"/>
+        <a:font script="Thai" typeface="IrisUPC"/>
         <a:font script="Ethi" typeface="Nyala"/>
         <a:font script="Beng" typeface="Vrinda"/>
         <a:font script="Gujr" typeface="Shruti"/>
@@ -4352,7 +9218,7 @@
         <a:font script="Geor" typeface="Sylfaen"/>
       </a:minorFont>
     </a:fontScheme>
-    <a:fmtScheme name="Office">
+    <a:fmtScheme name="Facet">
       <a:fillStyleLst>
         <a:solidFill>
           <a:schemeClr val="phClr"/>
@@ -4361,66 +9227,50 @@
           <a:gsLst>
             <a:gs pos="0">
               <a:schemeClr val="phClr">
-                <a:tint val="50000"/>
-                <a:satMod val="300000"/>
+                <a:tint val="65000"/>
+                <a:lumMod val="110000"/>
               </a:schemeClr>
             </a:gs>
-            <a:gs pos="35000">
+            <a:gs pos="88000">
               <a:schemeClr val="phClr">
-                <a:tint val="37000"/>
-                <a:satMod val="300000"/>
-              </a:schemeClr>
-            </a:gs>
-            <a:gs pos="100000">
-              <a:schemeClr val="phClr">
-                <a:tint val="15000"/>
-                <a:satMod val="350000"/>
+                <a:tint val="90000"/>
               </a:schemeClr>
             </a:gs>
           </a:gsLst>
-          <a:lin ang="16200000" scaled="1"/>
+          <a:lin ang="5400000" scaled="0"/>
         </a:gradFill>
         <a:gradFill rotWithShape="1">
           <a:gsLst>
             <a:gs pos="0">
               <a:schemeClr val="phClr">
-                <a:shade val="51000"/>
-                <a:satMod val="130000"/>
+                <a:tint val="96000"/>
+                <a:lumMod val="100000"/>
               </a:schemeClr>
             </a:gs>
-            <a:gs pos="80000">
-              <a:schemeClr val="phClr">
-                <a:shade val="93000"/>
-                <a:satMod val="130000"/>
-              </a:schemeClr>
-            </a:gs>
-            <a:gs pos="100000">
+            <a:gs pos="78000">
               <a:schemeClr val="phClr">
                 <a:shade val="94000"/>
-                <a:satMod val="135000"/>
+                <a:lumMod val="94000"/>
               </a:schemeClr>
             </a:gs>
           </a:gsLst>
-          <a:lin ang="16200000" scaled="0"/>
+          <a:lin ang="5400000" scaled="0"/>
         </a:gradFill>
       </a:fillStyleLst>
       <a:lnStyleLst>
-        <a:ln w="9525" cap="flat" cmpd="sng" algn="ctr">
-          <a:solidFill>
-            <a:schemeClr val="phClr">
-              <a:shade val="95000"/>
-              <a:satMod val="105000"/>
-            </a:schemeClr>
-          </a:solidFill>
-          <a:prstDash val="solid"/>
-        </a:ln>
-        <a:ln w="25400" cap="flat" cmpd="sng" algn="ctr">
+        <a:ln w="12700" cap="rnd" cmpd="sng" algn="ctr">
           <a:solidFill>
             <a:schemeClr val="phClr"/>
           </a:solidFill>
           <a:prstDash val="solid"/>
         </a:ln>
-        <a:ln w="38100" cap="flat" cmpd="sng" algn="ctr">
+        <a:ln w="19050" cap="rnd" cmpd="sng" algn="ctr">
+          <a:solidFill>
+            <a:schemeClr val="phClr"/>
+          </a:solidFill>
+          <a:prstDash val="solid"/>
+        </a:ln>
+        <a:ln w="25400" cap="rnd" cmpd="sng" algn="ctr">
           <a:solidFill>
             <a:schemeClr val="phClr"/>
           </a:solidFill>
@@ -4429,17 +9279,11 @@
       </a:lnStyleLst>
       <a:effectStyleLst>
         <a:effectStyle>
-          <a:effectLst>
-            <a:outerShdw blurRad="40000" dist="20000" dir="5400000" rotWithShape="0">
-              <a:srgbClr val="000000">
-                <a:alpha val="38000"/>
-              </a:srgbClr>
-            </a:outerShdw>
-          </a:effectLst>
+          <a:effectLst/>
         </a:effectStyle>
         <a:effectStyle>
           <a:effectLst>
-            <a:outerShdw blurRad="40000" dist="23000" dir="5400000" rotWithShape="0">
+            <a:outerShdw blurRad="38100" dist="25400" dir="5400000" rotWithShape="0">
               <a:srgbClr val="000000">
                 <a:alpha val="35000"/>
               </a:srgbClr>
@@ -4448,7 +9292,7 @@
         </a:effectStyle>
         <a:effectStyle>
           <a:effectLst>
-            <a:outerShdw blurRad="40000" dist="23000" dir="5400000" rotWithShape="0">
+            <a:outerShdw blurRad="50800" dist="38100" dir="5400000" rotWithShape="0">
               <a:srgbClr val="000000">
                 <a:alpha val="35000"/>
               </a:srgbClr>
@@ -4458,12 +9302,10 @@
             <a:camera prst="orthographicFront">
               <a:rot lat="0" lon="0" rev="0"/>
             </a:camera>
-            <a:lightRig rig="threePt" dir="t">
-              <a:rot lat="0" lon="0" rev="1200000"/>
-            </a:lightRig>
+            <a:lightRig rig="threePt" dir="tl"/>
           </a:scene3d>
-          <a:sp3d>
-            <a:bevelT w="63500" h="25400"/>
+          <a:sp3d prstMaterial="plastic">
+            <a:bevelT w="0" h="0"/>
           </a:sp3d>
         </a:effectStyle>
       </a:effectStyleLst>
@@ -4475,45 +9317,36 @@
           <a:gsLst>
             <a:gs pos="0">
               <a:schemeClr val="phClr">
-                <a:tint val="40000"/>
-                <a:satMod val="350000"/>
+                <a:tint val="90000"/>
+                <a:lumMod val="104000"/>
               </a:schemeClr>
             </a:gs>
-            <a:gs pos="40000">
+            <a:gs pos="94000">
               <a:schemeClr val="phClr">
-                <a:tint val="45000"/>
-                <a:shade val="99000"/>
-                <a:satMod val="350000"/>
-              </a:schemeClr>
-            </a:gs>
-            <a:gs pos="100000">
-              <a:schemeClr val="phClr">
-                <a:shade val="20000"/>
-                <a:satMod val="255000"/>
+                <a:shade val="96000"/>
+                <a:lumMod val="82000"/>
               </a:schemeClr>
             </a:gs>
           </a:gsLst>
-          <a:path path="circle">
-            <a:fillToRect l="50000" t="-80000" r="50000" b="180000"/>
-          </a:path>
+          <a:lin ang="5400000" scaled="0"/>
         </a:gradFill>
         <a:gradFill rotWithShape="1">
           <a:gsLst>
             <a:gs pos="0">
               <a:schemeClr val="phClr">
-                <a:tint val="80000"/>
-                <a:satMod val="300000"/>
+                <a:tint val="90000"/>
+                <a:lumMod val="110000"/>
               </a:schemeClr>
             </a:gs>
             <a:gs pos="100000">
               <a:schemeClr val="phClr">
-                <a:shade val="30000"/>
-                <a:satMod val="200000"/>
+                <a:shade val="94000"/>
+                <a:lumMod val="96000"/>
               </a:schemeClr>
             </a:gs>
           </a:gsLst>
           <a:path path="circle">
-            <a:fillToRect l="50000" t="50000" r="50000" b="50000"/>
+            <a:fillToRect l="50000" t="50000" r="100000" b="100000"/>
           </a:path>
         </a:gradFill>
       </a:bgFillStyleLst>
@@ -4521,6 +9354,11 @@
   </a:themeElements>
   <a:objectDefaults/>
   <a:extraClrSchemeLst/>
+  <a:extLst>
+    <a:ext uri="{05A4C25C-085E-4340-85A3-A5531E510DB2}">
+      <thm15:themeFamily xmlns:thm15="http://schemas.microsoft.com/office/thememl/2012/main" name="Facet" id="{C0C680CD-088A-49FC-A102-D699147F32B2}" vid="{8C59B386-999D-4CB6-B907-9F3997C027CC}"/>
+    </a:ext>
+  </a:extLst>
 </a:theme>
 </file>
 
